--- a/Slides_BasketballInJS.pptx
+++ b/Slides_BasketballInJS.pptx
@@ -1,34 +1,28 @@
 
 <file path=ppt/presentation.xml><?xml version="1.0" encoding="utf-8"?>
-<p:presentation xmlns:a="http://schemas.openxmlformats.org/drawingml/2006/main" xmlns:r="http://schemas.openxmlformats.org/officeDocument/2006/relationships" xmlns:p="http://schemas.openxmlformats.org/presentationml/2006/main" xmlns:m="http://schemas.openxmlformats.org/officeDocument/2006/math" xmlns:a14="http://schemas.microsoft.com/office/drawing/2010/main">
+<p:presentation xmlns:a="http://schemas.openxmlformats.org/drawingml/2006/main" xmlns:r="http://schemas.openxmlformats.org/officeDocument/2006/relationships" xmlns:p="http://schemas.openxmlformats.org/presentationml/2006/main">
   <p:sldMasterIdLst>
-    <p:sldMasterId id="2147483648" r:id="rId5"/>
+    <p:sldMasterId id="2147483648" r:id="rId1"/>
   </p:sldMasterIdLst>
   <p:notesMasterIdLst>
-    <p:notesMasterId r:id="rId7"/>
+    <p:notesMasterId r:id="rId17"/>
   </p:notesMasterIdLst>
   <p:sldIdLst>
-    <p:sldId id="256" r:id="rId8"/>
-    <p:sldId id="257" r:id="rId9"/>
-    <p:sldId id="258" r:id="rId10"/>
-    <p:sldId id="259" r:id="rId11"/>
-    <p:sldId id="260" r:id="rId12"/>
-    <p:sldId id="261" r:id="rId13"/>
-    <p:sldId id="262" r:id="rId14"/>
-    <p:sldId id="263" r:id="rId15"/>
-    <p:sldId id="264" r:id="rId16"/>
-    <p:sldId id="265" r:id="rId17"/>
-    <p:sldId id="266" r:id="rId18"/>
-    <p:sldId id="267" r:id="rId19"/>
-    <p:sldId id="268" r:id="rId20"/>
-    <p:sldId id="269" r:id="rId21"/>
-    <p:sldId id="270" r:id="rId22"/>
-    <p:sldId id="271" r:id="rId23"/>
-    <p:sldId id="272" r:id="rId24"/>
-    <p:sldId id="273" r:id="rId25"/>
-    <p:sldId id="274" r:id="rId26"/>
-    <p:sldId id="275" r:id="rId27"/>
-    <p:sldId id="276" r:id="rId28"/>
+    <p:sldId id="256" r:id="rId2"/>
+    <p:sldId id="257" r:id="rId3"/>
+    <p:sldId id="263" r:id="rId4"/>
+    <p:sldId id="276" r:id="rId5"/>
+    <p:sldId id="266" r:id="rId6"/>
+    <p:sldId id="265" r:id="rId7"/>
+    <p:sldId id="267" r:id="rId8"/>
+    <p:sldId id="269" r:id="rId9"/>
+    <p:sldId id="275" r:id="rId10"/>
+    <p:sldId id="271" r:id="rId11"/>
+    <p:sldId id="270" r:id="rId12"/>
+    <p:sldId id="272" r:id="rId13"/>
+    <p:sldId id="264" r:id="rId14"/>
+    <p:sldId id="273" r:id="rId15"/>
+    <p:sldId id="274" r:id="rId16"/>
   </p:sldIdLst>
   <p:sldSz cx="18288000" cy="11430000"/>
   <p:notesSz cx="6858000" cy="9144000"/>
@@ -48,7 +42,7 @@
       <a:buFontTx/>
       <a:buNone/>
       <a:tabLst/>
-      <a:defRPr b="0" baseline="0" cap="none" i="0" spc="0" strike="noStrike" sz="1800" u="none" kumimoji="0" normalizeH="0">
+      <a:defRPr kumimoji="0" sz="1800" b="0" i="0" u="none" strike="noStrike" cap="none" spc="0" normalizeH="0" baseline="0">
         <a:ln>
           <a:noFill/>
         </a:ln>
@@ -74,7 +68,7 @@
       <a:buFontTx/>
       <a:buNone/>
       <a:tabLst/>
-      <a:defRPr b="0" baseline="0" cap="none" i="0" spc="0" strike="noStrike" sz="3600" u="none" kumimoji="0" normalizeH="0">
+      <a:defRPr kumimoji="0" sz="3600" b="0" i="0" u="none" strike="noStrike" cap="none" spc="0" normalizeH="0" baseline="0">
         <a:ln>
           <a:noFill/>
         </a:ln>
@@ -104,7 +98,7 @@
       <a:buFontTx/>
       <a:buNone/>
       <a:tabLst/>
-      <a:defRPr b="0" baseline="0" cap="none" i="0" spc="0" strike="noStrike" sz="3600" u="none" kumimoji="0" normalizeH="0">
+      <a:defRPr kumimoji="0" sz="3600" b="0" i="0" u="none" strike="noStrike" cap="none" spc="0" normalizeH="0" baseline="0">
         <a:ln>
           <a:noFill/>
         </a:ln>
@@ -134,7 +128,7 @@
       <a:buFontTx/>
       <a:buNone/>
       <a:tabLst/>
-      <a:defRPr b="0" baseline="0" cap="none" i="0" spc="0" strike="noStrike" sz="3600" u="none" kumimoji="0" normalizeH="0">
+      <a:defRPr kumimoji="0" sz="3600" b="0" i="0" u="none" strike="noStrike" cap="none" spc="0" normalizeH="0" baseline="0">
         <a:ln>
           <a:noFill/>
         </a:ln>
@@ -164,7 +158,7 @@
       <a:buFontTx/>
       <a:buNone/>
       <a:tabLst/>
-      <a:defRPr b="0" baseline="0" cap="none" i="0" spc="0" strike="noStrike" sz="3600" u="none" kumimoji="0" normalizeH="0">
+      <a:defRPr kumimoji="0" sz="3600" b="0" i="0" u="none" strike="noStrike" cap="none" spc="0" normalizeH="0" baseline="0">
         <a:ln>
           <a:noFill/>
         </a:ln>
@@ -194,7 +188,7 @@
       <a:buFontTx/>
       <a:buNone/>
       <a:tabLst/>
-      <a:defRPr b="0" baseline="0" cap="none" i="0" spc="0" strike="noStrike" sz="3600" u="none" kumimoji="0" normalizeH="0">
+      <a:defRPr kumimoji="0" sz="3600" b="0" i="0" u="none" strike="noStrike" cap="none" spc="0" normalizeH="0" baseline="0">
         <a:ln>
           <a:noFill/>
         </a:ln>
@@ -224,7 +218,7 @@
       <a:buFontTx/>
       <a:buNone/>
       <a:tabLst/>
-      <a:defRPr b="0" baseline="0" cap="none" i="0" spc="0" strike="noStrike" sz="3600" u="none" kumimoji="0" normalizeH="0">
+      <a:defRPr kumimoji="0" sz="3600" b="0" i="0" u="none" strike="noStrike" cap="none" spc="0" normalizeH="0" baseline="0">
         <a:ln>
           <a:noFill/>
         </a:ln>
@@ -254,7 +248,7 @@
       <a:buFontTx/>
       <a:buNone/>
       <a:tabLst/>
-      <a:defRPr b="0" baseline="0" cap="none" i="0" spc="0" strike="noStrike" sz="3600" u="none" kumimoji="0" normalizeH="0">
+      <a:defRPr kumimoji="0" sz="3600" b="0" i="0" u="none" strike="noStrike" cap="none" spc="0" normalizeH="0" baseline="0">
         <a:ln>
           <a:noFill/>
         </a:ln>
@@ -284,7 +278,7 @@
       <a:buFontTx/>
       <a:buNone/>
       <a:tabLst/>
-      <a:defRPr b="0" baseline="0" cap="none" i="0" spc="0" strike="noStrike" sz="3600" u="none" kumimoji="0" normalizeH="0">
+      <a:defRPr kumimoji="0" sz="3600" b="0" i="0" u="none" strike="noStrike" cap="none" spc="0" normalizeH="0" baseline="0">
         <a:ln>
           <a:noFill/>
         </a:ln>
@@ -314,7 +308,7 @@
       <a:buFontTx/>
       <a:buNone/>
       <a:tabLst/>
-      <a:defRPr b="0" baseline="0" cap="none" i="0" spc="0" strike="noStrike" sz="3600" u="none" kumimoji="0" normalizeH="0">
+      <a:defRPr kumimoji="0" sz="3600" b="0" i="0" u="none" strike="noStrike" cap="none" spc="0" normalizeH="0" baseline="0">
         <a:ln>
           <a:noFill/>
         </a:ln>
@@ -333,13 +327,203 @@
 </p:presentation>
 </file>
 
-<file path=ppt/commentAuthors.xml><?xml version="1.0" encoding="utf-8"?>
-<p:cmAuthorLst xmlns:a="http://schemas.openxmlformats.org/drawingml/2006/main" xmlns:r="http://schemas.openxmlformats.org/officeDocument/2006/relationships" xmlns:p="http://schemas.openxmlformats.org/presentationml/2006/main" xmlns:m="http://schemas.openxmlformats.org/officeDocument/2006/math" xmlns:a14="http://schemas.microsoft.com/office/drawing/2010/main"/>
+<file path=ppt/ink/ink1.xml><?xml version="1.0" encoding="utf-8"?>
+<inkml:ink xmlns:inkml="http://www.w3.org/2003/InkML">
+  <inkml:definitions>
+    <inkml:context xml:id="ctx0">
+      <inkml:inkSource xml:id="inkSrc0">
+        <inkml:traceFormat>
+          <inkml:channel name="X" type="integer" min="-2.14748E9" max="2.14748E9" units="cm"/>
+          <inkml:channel name="Y" type="integer" min="-2.14748E9" max="2.14748E9" units="cm"/>
+          <inkml:channel name="F" type="integer" max="32767" units="dev"/>
+        </inkml:traceFormat>
+        <inkml:channelProperties>
+          <inkml:channelProperty channel="X" name="resolution" value="1000" units="1/cm"/>
+          <inkml:channelProperty channel="Y" name="resolution" value="1000" units="1/cm"/>
+          <inkml:channelProperty channel="F" name="resolution" value="0" units="1/dev"/>
+        </inkml:channelProperties>
+      </inkml:inkSource>
+      <inkml:timestamp xml:id="ts0" timeString="2022-03-10T16:36:27.862"/>
+    </inkml:context>
+    <inkml:brush xml:id="br0">
+      <inkml:brushProperty name="width" value="0.05" units="cm"/>
+      <inkml:brushProperty name="height" value="0.05" units="cm"/>
+    </inkml:brush>
+  </inkml:definitions>
+  <inkml:trace contextRef="#ctx0" brushRef="#br0">4819 0 24575,'-65'19'0,"1"3"0,1 2 0,-67 37 0,-165 107 0,-159 135 0,205-131 0,-432 343 0,426-281-523,-80 67 161,190-184 345,-328 285 252,441-372-227,-284 296 95,297-303-12,-284 356 420,32 20-557,182-245 46,-88 208 0,153-304 0,-206 545 0,192-484 0,6 1 0,5 1 0,-14 148 0,30 534 0,17-442 0,-5-280 0,2 0 0,19 101 0,-2-86 0,4-1 0,5-1 0,3-2 0,76 150 0,13 7 0,-98-192 0,-2 1 0,22 93 0,-39-130 0,1 0 0,1 0 0,1-1 0,1 0 0,1 0 0,0-1 0,2 0 0,0 0 0,1-1 0,1-1 0,14 16 0,21 15 0,1-3 0,2-2 0,86 55 0,-50-48 0,1-4 0,130 47 0,-161-73 0,0-3 0,2-3 0,0-2 0,0-2 0,76 2 0,300-16 0,-136 0 0,-261 1 0,0 0 0,59-14 0,-52 7 0,53-2 0,33 9-1365,-93 3-5461</inkml:trace>
+</inkml:ink>
+</file>
+
+<file path=ppt/ink/ink2.xml><?xml version="1.0" encoding="utf-8"?>
+<inkml:ink xmlns:inkml="http://www.w3.org/2003/InkML">
+  <inkml:definitions>
+    <inkml:context xml:id="ctx0">
+      <inkml:inkSource xml:id="inkSrc0">
+        <inkml:traceFormat>
+          <inkml:channel name="X" type="integer" min="-2.14748E9" max="2.14748E9" units="cm"/>
+          <inkml:channel name="Y" type="integer" min="-2.14748E9" max="2.14748E9" units="cm"/>
+          <inkml:channel name="F" type="integer" max="32767" units="dev"/>
+        </inkml:traceFormat>
+        <inkml:channelProperties>
+          <inkml:channelProperty channel="X" name="resolution" value="1000" units="1/cm"/>
+          <inkml:channelProperty channel="Y" name="resolution" value="1000" units="1/cm"/>
+          <inkml:channelProperty channel="F" name="resolution" value="0" units="1/dev"/>
+        </inkml:channelProperties>
+      </inkml:inkSource>
+      <inkml:timestamp xml:id="ts0" timeString="2022-03-10T16:36:30.362"/>
+    </inkml:context>
+    <inkml:brush xml:id="br0">
+      <inkml:brushProperty name="width" value="0.05" units="cm"/>
+      <inkml:brushProperty name="height" value="0.05" units="cm"/>
+    </inkml:brush>
+  </inkml:definitions>
+  <inkml:trace contextRef="#ctx0" brushRef="#br0">1 0 24575,'21'24'0,"-1"1"0,-2 1 0,0 1 0,-1 0 0,20 49 0,-8-19 0,-20-42 0,1 0 0,0-1 0,1 0 0,20 18 0,7 11 0,-35-40 0,-1 0 0,1 0 0,-1 1 0,0-1 0,0 1 0,-1 0 0,1-1 0,-1 1 0,1 0 0,-1 0 0,-1 0 0,1 0 0,0 0 0,-1 0 0,0 0 0,0 0 0,0 0 0,0 0 0,-1 0 0,1 0 0,-3 5 0,-2 5 0,0 0 0,-2-1 0,1 0 0,-15 20 0,-9 20 0,11-14 0,2 0 0,2 2 0,-12 48 0,-20 151 0,45-230-195,0 0 0,-1 0 0,0-1 0,0 1 0,-1-1 0,-7 14 0,-9 6-6631</inkml:trace>
+</inkml:ink>
+</file>
+
+<file path=ppt/ink/ink3.xml><?xml version="1.0" encoding="utf-8"?>
+<inkml:ink xmlns:inkml="http://www.w3.org/2003/InkML">
+  <inkml:definitions>
+    <inkml:context xml:id="ctx0">
+      <inkml:inkSource xml:id="inkSrc0">
+        <inkml:traceFormat>
+          <inkml:channel name="X" type="integer" min="-2.14748E9" max="2.14748E9" units="cm"/>
+          <inkml:channel name="Y" type="integer" min="-2.14748E9" max="2.14748E9" units="cm"/>
+          <inkml:channel name="F" type="integer" max="32767" units="dev"/>
+        </inkml:traceFormat>
+        <inkml:channelProperties>
+          <inkml:channelProperty channel="X" name="resolution" value="1000" units="1/cm"/>
+          <inkml:channelProperty channel="Y" name="resolution" value="1000" units="1/cm"/>
+          <inkml:channelProperty channel="F" name="resolution" value="0" units="1/dev"/>
+        </inkml:channelProperties>
+      </inkml:inkSource>
+      <inkml:timestamp xml:id="ts0" timeString="2022-03-10T16:36:33.947"/>
+    </inkml:context>
+    <inkml:brush xml:id="br0">
+      <inkml:brushProperty name="width" value="0.05" units="cm"/>
+      <inkml:brushProperty name="height" value="0.05" units="cm"/>
+    </inkml:brush>
+  </inkml:definitions>
+  <inkml:trace contextRef="#ctx0" brushRef="#br0">0 0 24575,'255'201'49,"-36"-27"-891,395 282-1836,-45-35 1387,293 255 1291,-38-39 0,-394-318-58,202 146 204,-43 7 2574,-464-364-2303,98 91-443,341 359 500,-390-369-417,165 231 0,-167-178-57,153 292 0,-58-16 0,-42 20 0,141 714 0,-293-915 0,51 606 0,-113 78 200,-16-594 569,1-212-766,-36 245 0,28-382-3,-4 0 0,-4 0 0,-3-2 0,-3-1 0,-69 140 0,37-106 0,5 3 0,-76 234 0,109-272 0,-66 215 0,64-229 0,-2-2 0,-55 98 0,35-88 0,-3-2 0,-3-2 0,-3-3 0,-98 91 0,40-57 0,-205 133 0,235-177 0,-2-4 0,-2-4 0,-1-3 0,-3-5 0,0-3 0,-2-4 0,-128 22 0,112-36 0,-140 1 0,-109-20 0,152 0 0,54 4 0,-229-11 0,316 6 0,1-3 0,0-3 0,0-2 0,-62-24 0,34 4 0,29 9 0,-1 3 0,0 2 0,-80-13 0,92 26 0,0-1 0,1-3 0,-69-24 0,99 28-341,1 2 0,-1 0-1,-31-4 1,16 5-6485</inkml:trace>
+</inkml:ink>
+</file>
+
+<file path=ppt/ink/ink4.xml><?xml version="1.0" encoding="utf-8"?>
+<inkml:ink xmlns:inkml="http://www.w3.org/2003/InkML">
+  <inkml:definitions>
+    <inkml:context xml:id="ctx0">
+      <inkml:inkSource xml:id="inkSrc0">
+        <inkml:traceFormat>
+          <inkml:channel name="X" type="integer" min="-2.14748E9" max="2.14748E9" units="cm"/>
+          <inkml:channel name="Y" type="integer" min="-2.14748E9" max="2.14748E9" units="cm"/>
+          <inkml:channel name="F" type="integer" max="32767" units="dev"/>
+        </inkml:traceFormat>
+        <inkml:channelProperties>
+          <inkml:channelProperty channel="X" name="resolution" value="1000" units="1/cm"/>
+          <inkml:channelProperty channel="Y" name="resolution" value="1000" units="1/cm"/>
+          <inkml:channelProperty channel="F" name="resolution" value="0" units="1/dev"/>
+        </inkml:channelProperties>
+      </inkml:inkSource>
+      <inkml:timestamp xml:id="ts0" timeString="2022-03-10T16:36:36.635"/>
+    </inkml:context>
+    <inkml:brush xml:id="br0">
+      <inkml:brushProperty name="width" value="0.05" units="cm"/>
+      <inkml:brushProperty name="height" value="0.05" units="cm"/>
+    </inkml:brush>
+  </inkml:definitions>
+  <inkml:trace contextRef="#ctx0" brushRef="#br0">636 0 24575,'-1'9'0,"-1"-1"0,0 1 0,-1-1 0,0 1 0,-1-1 0,1 0 0,-1-1 0,-10 14 0,-13 18 0,-3-2 0,-1-1 0,-1-2 0,-43 35 0,-37 40 0,97-92 0,-3 4 0,-1 0 0,-1-1 0,-1-2 0,-1 0 0,0-1 0,-37 21 0,39-28 0,11-6 0,1 0 0,-1 0 0,1 1 0,-14 10 0,20-13 0,0 0 0,1 0 0,-1 0 0,0 0 0,1 0 0,-1 0 0,1 1 0,0-1 0,0 0 0,0 1 0,0-1 0,0 1 0,0-1 0,1 1 0,-1-1 0,1 1 0,-1 0 0,1-1 0,0 1 0,0-1 0,1 1 0,-1 2 0,2 5 0,0-1 0,1 0 0,0 0 0,1 0 0,-1-1 0,2 1 0,-1-1 0,1 0 0,0 0 0,1-1 0,12 14 0,7 3 0,0-2 0,30 21 0,-26-21 0,28 26 0,-53-44 0,85 91 0,-79-83 0,-1 1 0,0 1 0,0 0 0,-2 0 0,13 30 0,46 158 0,-59-175-341,-1 0 0,-1 0-1,2 29 1,-4-13-6485</inkml:trace>
+</inkml:ink>
+</file>
+
+<file path=ppt/ink/ink5.xml><?xml version="1.0" encoding="utf-8"?>
+<inkml:ink xmlns:inkml="http://www.w3.org/2003/InkML">
+  <inkml:definitions>
+    <inkml:context xml:id="ctx0">
+      <inkml:inkSource xml:id="inkSrc0">
+        <inkml:traceFormat>
+          <inkml:channel name="X" type="integer" min="-2.14748E9" max="2.14748E9" units="cm"/>
+          <inkml:channel name="Y" type="integer" min="-2.14748E9" max="2.14748E9" units="cm"/>
+          <inkml:channel name="F" type="integer" max="32767" units="dev"/>
+        </inkml:traceFormat>
+        <inkml:channelProperties>
+          <inkml:channelProperty channel="X" name="resolution" value="1000" units="1/cm"/>
+          <inkml:channelProperty channel="Y" name="resolution" value="1000" units="1/cm"/>
+          <inkml:channelProperty channel="F" name="resolution" value="0" units="1/dev"/>
+        </inkml:channelProperties>
+      </inkml:inkSource>
+      <inkml:timestamp xml:id="ts0" timeString="2022-03-10T16:36:43.724"/>
+    </inkml:context>
+    <inkml:brush xml:id="br0">
+      <inkml:brushProperty name="width" value="0.05" units="cm"/>
+      <inkml:brushProperty name="height" value="0.05" units="cm"/>
+    </inkml:brush>
+  </inkml:definitions>
+  <inkml:trace contextRef="#ctx0" brushRef="#br0">1 1 24575,'0'0'-8191</inkml:trace>
+</inkml:ink>
+</file>
+
+<file path=ppt/ink/ink6.xml><?xml version="1.0" encoding="utf-8"?>
+<inkml:ink xmlns:inkml="http://www.w3.org/2003/InkML">
+  <inkml:definitions>
+    <inkml:context xml:id="ctx0">
+      <inkml:inkSource xml:id="inkSrc0">
+        <inkml:traceFormat>
+          <inkml:channel name="X" type="integer" min="-2.14748E9" max="2.14748E9" units="cm"/>
+          <inkml:channel name="Y" type="integer" min="-2.14748E9" max="2.14748E9" units="cm"/>
+          <inkml:channel name="F" type="integer" max="32767" units="dev"/>
+        </inkml:traceFormat>
+        <inkml:channelProperties>
+          <inkml:channelProperty channel="X" name="resolution" value="1000" units="1/cm"/>
+          <inkml:channelProperty channel="Y" name="resolution" value="1000" units="1/cm"/>
+          <inkml:channelProperty channel="F" name="resolution" value="0" units="1/dev"/>
+        </inkml:channelProperties>
+      </inkml:inkSource>
+      <inkml:timestamp xml:id="ts0" timeString="2022-03-10T16:36:44.298"/>
+    </inkml:context>
+    <inkml:brush xml:id="br0">
+      <inkml:brushProperty name="width" value="0.05" units="cm"/>
+      <inkml:brushProperty name="height" value="0.05" units="cm"/>
+    </inkml:brush>
+  </inkml:definitions>
+  <inkml:trace contextRef="#ctx0" brushRef="#br0">1 0 24575,'0'0'-8191</inkml:trace>
+</inkml:ink>
+</file>
+
+<file path=ppt/ink/ink7.xml><?xml version="1.0" encoding="utf-8"?>
+<inkml:ink xmlns:inkml="http://www.w3.org/2003/InkML">
+  <inkml:definitions>
+    <inkml:context xml:id="ctx0">
+      <inkml:inkSource xml:id="inkSrc0">
+        <inkml:traceFormat>
+          <inkml:channel name="X" type="integer" min="-2.14748E9" max="2.14748E9" units="cm"/>
+          <inkml:channel name="Y" type="integer" min="-2.14748E9" max="2.14748E9" units="cm"/>
+          <inkml:channel name="F" type="integer" max="32767" units="dev"/>
+        </inkml:traceFormat>
+        <inkml:channelProperties>
+          <inkml:channelProperty channel="X" name="resolution" value="1000" units="1/cm"/>
+          <inkml:channelProperty channel="Y" name="resolution" value="1000" units="1/cm"/>
+          <inkml:channelProperty channel="F" name="resolution" value="0" units="1/dev"/>
+        </inkml:channelProperties>
+      </inkml:inkSource>
+      <inkml:timestamp xml:id="ts0" timeString="2022-03-10T16:36:45.094"/>
+    </inkml:context>
+    <inkml:brush xml:id="br0">
+      <inkml:brushProperty name="width" value="0.05" units="cm"/>
+      <inkml:brushProperty name="height" value="0.05" units="cm"/>
+    </inkml:brush>
+  </inkml:definitions>
+  <inkml:trace contextRef="#ctx0" brushRef="#br0">1 0 24575,'0'0'-8191</inkml:trace>
+</inkml:ink>
 </file>
 
 <file path=ppt/notesMasters/notesMaster1.xml><?xml version="1.0" encoding="utf-8"?>
-<p:notesMaster xmlns:a="http://schemas.openxmlformats.org/drawingml/2006/main" xmlns:r="http://schemas.openxmlformats.org/officeDocument/2006/relationships" xmlns:p="http://schemas.openxmlformats.org/presentationml/2006/main" xmlns:m="http://schemas.openxmlformats.org/officeDocument/2006/math" xmlns:a14="http://schemas.microsoft.com/office/drawing/2010/main">
+<p:notesMaster xmlns:a="http://schemas.openxmlformats.org/drawingml/2006/main" xmlns:r="http://schemas.openxmlformats.org/officeDocument/2006/relationships" xmlns:p="http://schemas.openxmlformats.org/presentationml/2006/main">
   <p:cSld>
+    <p:bg>
+      <p:bgRef idx="1001">
+        <a:schemeClr val="bg1"/>
+      </p:bgRef>
+    </p:bg>
     <p:spTree>
       <p:nvGrpSpPr>
         <p:cNvPr id="1" name=""/>
@@ -357,7 +541,9 @@
       <p:sp>
         <p:nvSpPr>
           <p:cNvPr id="35" name="Shape 35"/>
-          <p:cNvSpPr/>
+          <p:cNvSpPr>
+            <a:spLocks noGrp="1" noRot="1" noChangeAspect="1"/>
+          </p:cNvSpPr>
           <p:nvPr>
             <p:ph type="sldImg"/>
           </p:nvPr>
@@ -375,14 +561,16 @@
           <a:bodyPr/>
           <a:lstStyle/>
           <a:p>
-            <a:pPr/>
+            <a:endParaRPr/>
           </a:p>
         </p:txBody>
       </p:sp>
       <p:sp>
         <p:nvSpPr>
           <p:cNvPr id="36" name="Shape 36"/>
-          <p:cNvSpPr/>
+          <p:cNvSpPr>
+            <a:spLocks noGrp="1"/>
+          </p:cNvSpPr>
           <p:nvPr>
             <p:ph type="body" sz="quarter" idx="1"/>
           </p:nvPr>
@@ -400,7 +588,7 @@
           <a:bodyPr/>
           <a:lstStyle/>
           <a:p>
-            <a:pPr/>
+            <a:endParaRPr/>
           </a:p>
         </p:txBody>
       </p:sp>
@@ -485,7 +673,7 @@
 </file>
 
 <file path=ppt/notesSlides/notesSlide1.xml><?xml version="1.0" encoding="utf-8"?>
-<p:notes xmlns:a="http://schemas.openxmlformats.org/drawingml/2006/main" xmlns:r="http://schemas.openxmlformats.org/officeDocument/2006/relationships" xmlns:p="http://schemas.openxmlformats.org/presentationml/2006/main" xmlns:m="http://schemas.openxmlformats.org/officeDocument/2006/math" xmlns:a14="http://schemas.microsoft.com/office/drawing/2010/main" showMasterSp="1" showMasterPhAnim="1">
+<p:notes xmlns:a="http://schemas.openxmlformats.org/drawingml/2006/main" xmlns:r="http://schemas.openxmlformats.org/officeDocument/2006/relationships" xmlns:p="http://schemas.openxmlformats.org/presentationml/2006/main">
   <p:cSld>
     <p:spTree>
       <p:nvGrpSpPr>
@@ -504,7 +692,9 @@
       <p:sp>
         <p:nvSpPr>
           <p:cNvPr id="39" name="Shape 39"/>
-          <p:cNvSpPr/>
+          <p:cNvSpPr>
+            <a:spLocks noGrp="1" noRot="1" noChangeAspect="1"/>
+          </p:cNvSpPr>
           <p:nvPr>
             <p:ph type="sldImg"/>
           </p:nvPr>
@@ -518,14 +708,16 @@
           <a:bodyPr/>
           <a:lstStyle/>
           <a:p>
-            <a:pPr/>
+            <a:endParaRPr/>
           </a:p>
         </p:txBody>
       </p:sp>
       <p:sp>
         <p:nvSpPr>
           <p:cNvPr id="40" name="Shape 40"/>
-          <p:cNvSpPr/>
+          <p:cNvSpPr>
+            <a:spLocks noGrp="1"/>
+          </p:cNvSpPr>
           <p:nvPr>
             <p:ph type="body" sz="quarter" idx="1"/>
           </p:nvPr>
@@ -543,7 +735,6 @@
             </a:lvl1pPr>
           </a:lstStyle>
           <a:p>
-            <a:pPr/>
             <a:r>
               <a:t>Title Slide</a:t>
             </a:r>
@@ -559,7 +750,7 @@
 </file>
 
 <file path=ppt/notesSlides/notesSlide2.xml><?xml version="1.0" encoding="utf-8"?>
-<p:notes xmlns:a="http://schemas.openxmlformats.org/drawingml/2006/main" xmlns:r="http://schemas.openxmlformats.org/officeDocument/2006/relationships" xmlns:p="http://schemas.openxmlformats.org/presentationml/2006/main" xmlns:m="http://schemas.openxmlformats.org/officeDocument/2006/math" xmlns:a14="http://schemas.microsoft.com/office/drawing/2010/main" showMasterSp="1" showMasterPhAnim="1">
+<p:notes xmlns:a="http://schemas.openxmlformats.org/drawingml/2006/main" xmlns:r="http://schemas.openxmlformats.org/officeDocument/2006/relationships" xmlns:p="http://schemas.openxmlformats.org/presentationml/2006/main">
   <p:cSld>
     <p:spTree>
       <p:nvGrpSpPr>
@@ -578,12 +769,18 @@
       <p:sp>
         <p:nvSpPr>
           <p:cNvPr id="46" name="Shape 46"/>
-          <p:cNvSpPr/>
+          <p:cNvSpPr>
+            <a:spLocks noGrp="1" noRot="1" noChangeAspect="1"/>
+          </p:cNvSpPr>
           <p:nvPr>
             <p:ph type="sldImg"/>
           </p:nvPr>
         </p:nvSpPr>
         <p:spPr>
+          <a:xfrm>
+            <a:off x="685800" y="685800"/>
+            <a:ext cx="5486400" cy="3429000"/>
+          </a:xfrm>
           <a:prstGeom prst="rect">
             <a:avLst/>
           </a:prstGeom>
@@ -592,14 +789,16 @@
           <a:bodyPr/>
           <a:lstStyle/>
           <a:p>
-            <a:pPr/>
+            <a:endParaRPr/>
           </a:p>
         </p:txBody>
       </p:sp>
       <p:sp>
         <p:nvSpPr>
           <p:cNvPr id="47" name="Shape 47"/>
-          <p:cNvSpPr/>
+          <p:cNvSpPr>
+            <a:spLocks noGrp="1"/>
+          </p:cNvSpPr>
           <p:nvPr>
             <p:ph type="body" sz="quarter" idx="1"/>
           </p:nvPr>
@@ -617,7 +816,6 @@
             </a:lvl1pPr>
           </a:lstStyle>
           <a:p>
-            <a:pPr/>
             <a:r>
               <a:t>5 min</a:t>
             </a:r>
@@ -633,245 +831,7 @@
 </file>
 
 <file path=ppt/notesSlides/notesSlide3.xml><?xml version="1.0" encoding="utf-8"?>
-<p:notes xmlns:a="http://schemas.openxmlformats.org/drawingml/2006/main" xmlns:r="http://schemas.openxmlformats.org/officeDocument/2006/relationships" xmlns:p="http://schemas.openxmlformats.org/presentationml/2006/main" xmlns:m="http://schemas.openxmlformats.org/officeDocument/2006/math" xmlns:a14="http://schemas.microsoft.com/office/drawing/2010/main" showMasterSp="1" showMasterPhAnim="1">
-  <p:cSld>
-    <p:spTree>
-      <p:nvGrpSpPr>
-        <p:cNvPr id="1" name=""/>
-        <p:cNvGrpSpPr/>
-        <p:nvPr/>
-      </p:nvGrpSpPr>
-      <p:grpSpPr>
-        <a:xfrm>
-          <a:off x="0" y="0"/>
-          <a:ext cx="0" cy="0"/>
-          <a:chOff x="0" y="0"/>
-          <a:chExt cx="0" cy="0"/>
-        </a:xfrm>
-      </p:grpSpPr>
-      <p:sp>
-        <p:nvSpPr>
-          <p:cNvPr id="54" name="Shape 54"/>
-          <p:cNvSpPr/>
-          <p:nvPr>
-            <p:ph type="sldImg"/>
-          </p:nvPr>
-        </p:nvSpPr>
-        <p:spPr>
-          <a:prstGeom prst="rect">
-            <a:avLst/>
-          </a:prstGeom>
-        </p:spPr>
-        <p:txBody>
-          <a:bodyPr/>
-          <a:lstStyle/>
-          <a:p>
-            <a:pPr/>
-          </a:p>
-        </p:txBody>
-      </p:sp>
-      <p:sp>
-        <p:nvSpPr>
-          <p:cNvPr id="55" name="Shape 55"/>
-          <p:cNvSpPr/>
-          <p:nvPr>
-            <p:ph type="body" sz="quarter" idx="1"/>
-          </p:nvPr>
-        </p:nvSpPr>
-        <p:spPr>
-          <a:prstGeom prst="rect">
-            <a:avLst/>
-          </a:prstGeom>
-        </p:spPr>
-        <p:txBody>
-          <a:bodyPr/>
-          <a:lstStyle/>
-          <a:p>
-            <a:pPr defTabSz="457200">
-              <a:defRPr sz="1200"/>
-            </a:pPr>
-            <a:r>
-              <a:t>After viewing these videos, and reading references, you should be able to achieve all of these objectives. </a:t>
-            </a:r>
-          </a:p>
-          <a:p>
-            <a:pPr defTabSz="457200">
-              <a:defRPr sz="1200"/>
-            </a:pPr>
-          </a:p>
-          <a:p>
-            <a:pPr defTabSz="457200">
-              <a:defRPr sz="1200"/>
-            </a:pPr>
-            <a:r>
-              <a:t>Whether or not each of you actually code this in a demonstratable form will depend on your group's capstone project and what is included in your first sprint. </a:t>
-            </a:r>
-          </a:p>
-          <a:p>
-            <a:pPr defTabSz="457200">
-              <a:defRPr sz="1200"/>
-            </a:pPr>
-          </a:p>
-        </p:txBody>
-      </p:sp>
-    </p:spTree>
-  </p:cSld>
-  <p:clrMapOvr>
-    <a:masterClrMapping/>
-  </p:clrMapOvr>
-</p:notes>
-</file>
-
-<file path=ppt/notesSlides/notesSlide4.xml><?xml version="1.0" encoding="utf-8"?>
-<p:notes xmlns:a="http://schemas.openxmlformats.org/drawingml/2006/main" xmlns:r="http://schemas.openxmlformats.org/officeDocument/2006/relationships" xmlns:p="http://schemas.openxmlformats.org/presentationml/2006/main" xmlns:m="http://schemas.openxmlformats.org/officeDocument/2006/math" xmlns:a14="http://schemas.microsoft.com/office/drawing/2010/main" showMasterSp="1" showMasterPhAnim="1">
-  <p:cSld>
-    <p:spTree>
-      <p:nvGrpSpPr>
-        <p:cNvPr id="1" name=""/>
-        <p:cNvGrpSpPr/>
-        <p:nvPr/>
-      </p:nvGrpSpPr>
-      <p:grpSpPr>
-        <a:xfrm>
-          <a:off x="0" y="0"/>
-          <a:ext cx="0" cy="0"/>
-          <a:chOff x="0" y="0"/>
-          <a:chExt cx="0" cy="0"/>
-        </a:xfrm>
-      </p:grpSpPr>
-      <p:sp>
-        <p:nvSpPr>
-          <p:cNvPr id="61" name="Shape 61"/>
-          <p:cNvSpPr/>
-          <p:nvPr>
-            <p:ph type="sldImg"/>
-          </p:nvPr>
-        </p:nvSpPr>
-        <p:spPr>
-          <a:prstGeom prst="rect">
-            <a:avLst/>
-          </a:prstGeom>
-        </p:spPr>
-        <p:txBody>
-          <a:bodyPr/>
-          <a:lstStyle/>
-          <a:p>
-            <a:pPr/>
-          </a:p>
-        </p:txBody>
-      </p:sp>
-      <p:sp>
-        <p:nvSpPr>
-          <p:cNvPr id="62" name="Shape 62"/>
-          <p:cNvSpPr/>
-          <p:nvPr>
-            <p:ph type="body" sz="quarter" idx="1"/>
-          </p:nvPr>
-        </p:nvSpPr>
-        <p:spPr>
-          <a:prstGeom prst="rect">
-            <a:avLst/>
-          </a:prstGeom>
-        </p:spPr>
-        <p:txBody>
-          <a:bodyPr/>
-          <a:lstStyle>
-            <a:lvl1pPr defTabSz="457200">
-              <a:defRPr sz="1200"/>
-            </a:lvl1pPr>
-          </a:lstStyle>
-          <a:p>
-            <a:pPr/>
-            <a:r>
-              <a:t>See you in the next section</a:t>
-            </a:r>
-          </a:p>
-        </p:txBody>
-      </p:sp>
-    </p:spTree>
-  </p:cSld>
-  <p:clrMapOvr>
-    <a:masterClrMapping/>
-  </p:clrMapOvr>
-</p:notes>
-</file>
-
-<file path=ppt/notesSlides/notesSlide5.xml><?xml version="1.0" encoding="utf-8"?>
-<p:notes xmlns:a="http://schemas.openxmlformats.org/drawingml/2006/main" xmlns:r="http://schemas.openxmlformats.org/officeDocument/2006/relationships" xmlns:p="http://schemas.openxmlformats.org/presentationml/2006/main" xmlns:m="http://schemas.openxmlformats.org/officeDocument/2006/math" xmlns:a14="http://schemas.microsoft.com/office/drawing/2010/main" showMasterSp="1" showMasterPhAnim="1">
-  <p:cSld>
-    <p:spTree>
-      <p:nvGrpSpPr>
-        <p:cNvPr id="1" name=""/>
-        <p:cNvGrpSpPr/>
-        <p:nvPr/>
-      </p:nvGrpSpPr>
-      <p:grpSpPr>
-        <a:xfrm>
-          <a:off x="0" y="0"/>
-          <a:ext cx="0" cy="0"/>
-          <a:chOff x="0" y="0"/>
-          <a:chExt cx="0" cy="0"/>
-        </a:xfrm>
-      </p:grpSpPr>
-      <p:sp>
-        <p:nvSpPr>
-          <p:cNvPr id="66" name="Shape 66"/>
-          <p:cNvSpPr/>
-          <p:nvPr>
-            <p:ph type="sldImg"/>
-          </p:nvPr>
-        </p:nvSpPr>
-        <p:spPr>
-          <a:prstGeom prst="rect">
-            <a:avLst/>
-          </a:prstGeom>
-        </p:spPr>
-        <p:txBody>
-          <a:bodyPr/>
-          <a:lstStyle/>
-          <a:p>
-            <a:pPr/>
-          </a:p>
-        </p:txBody>
-      </p:sp>
-      <p:sp>
-        <p:nvSpPr>
-          <p:cNvPr id="67" name="Shape 67"/>
-          <p:cNvSpPr/>
-          <p:nvPr>
-            <p:ph type="body" sz="quarter" idx="1"/>
-          </p:nvPr>
-        </p:nvSpPr>
-        <p:spPr>
-          <a:prstGeom prst="rect">
-            <a:avLst/>
-          </a:prstGeom>
-        </p:spPr>
-        <p:txBody>
-          <a:bodyPr/>
-          <a:lstStyle>
-            <a:lvl1pPr defTabSz="457200">
-              <a:defRPr sz="1200"/>
-            </a:lvl1pPr>
-          </a:lstStyle>
-          <a:p>
-            <a:pPr/>
-            <a:r>
-              <a:t>5 min</a:t>
-            </a:r>
-          </a:p>
-        </p:txBody>
-      </p:sp>
-    </p:spTree>
-  </p:cSld>
-  <p:clrMapOvr>
-    <a:masterClrMapping/>
-  </p:clrMapOvr>
-</p:notes>
-</file>
-
-<file path=ppt/notesSlides/notesSlide6.xml><?xml version="1.0" encoding="utf-8"?>
-<p:notes xmlns:a="http://schemas.openxmlformats.org/drawingml/2006/main" xmlns:r="http://schemas.openxmlformats.org/officeDocument/2006/relationships" xmlns:p="http://schemas.openxmlformats.org/presentationml/2006/main" xmlns:m="http://schemas.openxmlformats.org/officeDocument/2006/math" xmlns:a14="http://schemas.microsoft.com/office/drawing/2010/main" showMasterSp="1" showMasterPhAnim="1">
+<p:notes xmlns:a="http://schemas.openxmlformats.org/drawingml/2006/main" xmlns:r="http://schemas.openxmlformats.org/officeDocument/2006/relationships" xmlns:p="http://schemas.openxmlformats.org/presentationml/2006/main">
   <p:cSld>
     <p:spTree>
       <p:nvGrpSpPr>
@@ -890,7 +850,9 @@
       <p:sp>
         <p:nvSpPr>
           <p:cNvPr id="103" name="Shape 103"/>
-          <p:cNvSpPr/>
+          <p:cNvSpPr>
+            <a:spLocks noGrp="1" noRot="1" noChangeAspect="1"/>
+          </p:cNvSpPr>
           <p:nvPr>
             <p:ph type="sldImg"/>
           </p:nvPr>
@@ -904,14 +866,16 @@
           <a:bodyPr/>
           <a:lstStyle/>
           <a:p>
-            <a:pPr/>
+            <a:endParaRPr/>
           </a:p>
         </p:txBody>
       </p:sp>
       <p:sp>
         <p:nvSpPr>
           <p:cNvPr id="104" name="Shape 104"/>
-          <p:cNvSpPr/>
+          <p:cNvSpPr>
+            <a:spLocks noGrp="1"/>
+          </p:cNvSpPr>
           <p:nvPr>
             <p:ph type="body" sz="quarter" idx="1"/>
           </p:nvPr>
@@ -929,157 +893,8 @@
             </a:lvl1pPr>
           </a:lstStyle>
           <a:p>
-            <a:pPr/>
             <a:r>
               <a:t>See you in the next section</a:t>
-            </a:r>
-          </a:p>
-        </p:txBody>
-      </p:sp>
-    </p:spTree>
-  </p:cSld>
-  <p:clrMapOvr>
-    <a:masterClrMapping/>
-  </p:clrMapOvr>
-</p:notes>
-</file>
-
-<file path=ppt/notesSlides/notesSlide7.xml><?xml version="1.0" encoding="utf-8"?>
-<p:notes xmlns:a="http://schemas.openxmlformats.org/drawingml/2006/main" xmlns:r="http://schemas.openxmlformats.org/officeDocument/2006/relationships" xmlns:p="http://schemas.openxmlformats.org/presentationml/2006/main" xmlns:m="http://schemas.openxmlformats.org/officeDocument/2006/math" xmlns:a14="http://schemas.microsoft.com/office/drawing/2010/main" showMasterSp="1" showMasterPhAnim="1">
-  <p:cSld>
-    <p:spTree>
-      <p:nvGrpSpPr>
-        <p:cNvPr id="1" name=""/>
-        <p:cNvGrpSpPr/>
-        <p:nvPr/>
-      </p:nvGrpSpPr>
-      <p:grpSpPr>
-        <a:xfrm>
-          <a:off x="0" y="0"/>
-          <a:ext cx="0" cy="0"/>
-          <a:chOff x="0" y="0"/>
-          <a:chExt cx="0" cy="0"/>
-        </a:xfrm>
-      </p:grpSpPr>
-      <p:sp>
-        <p:nvSpPr>
-          <p:cNvPr id="108" name="Shape 108"/>
-          <p:cNvSpPr/>
-          <p:nvPr>
-            <p:ph type="sldImg"/>
-          </p:nvPr>
-        </p:nvSpPr>
-        <p:spPr>
-          <a:prstGeom prst="rect">
-            <a:avLst/>
-          </a:prstGeom>
-        </p:spPr>
-        <p:txBody>
-          <a:bodyPr/>
-          <a:lstStyle/>
-          <a:p>
-            <a:pPr/>
-          </a:p>
-        </p:txBody>
-      </p:sp>
-      <p:sp>
-        <p:nvSpPr>
-          <p:cNvPr id="109" name="Shape 109"/>
-          <p:cNvSpPr/>
-          <p:nvPr>
-            <p:ph type="body" sz="quarter" idx="1"/>
-          </p:nvPr>
-        </p:nvSpPr>
-        <p:spPr>
-          <a:prstGeom prst="rect">
-            <a:avLst/>
-          </a:prstGeom>
-        </p:spPr>
-        <p:txBody>
-          <a:bodyPr/>
-          <a:lstStyle>
-            <a:lvl1pPr defTabSz="457200">
-              <a:defRPr sz="1200"/>
-            </a:lvl1pPr>
-          </a:lstStyle>
-          <a:p>
-            <a:pPr/>
-            <a:r>
-              <a:t>Content Slide</a:t>
-            </a:r>
-          </a:p>
-        </p:txBody>
-      </p:sp>
-    </p:spTree>
-  </p:cSld>
-  <p:clrMapOvr>
-    <a:masterClrMapping/>
-  </p:clrMapOvr>
-</p:notes>
-</file>
-
-<file path=ppt/notesSlides/notesSlide8.xml><?xml version="1.0" encoding="utf-8"?>
-<p:notes xmlns:a="http://schemas.openxmlformats.org/drawingml/2006/main" xmlns:r="http://schemas.openxmlformats.org/officeDocument/2006/relationships" xmlns:p="http://schemas.openxmlformats.org/presentationml/2006/main" xmlns:m="http://schemas.openxmlformats.org/officeDocument/2006/math" xmlns:a14="http://schemas.microsoft.com/office/drawing/2010/main" showMasterSp="1" showMasterPhAnim="1">
-  <p:cSld>
-    <p:spTree>
-      <p:nvGrpSpPr>
-        <p:cNvPr id="1" name=""/>
-        <p:cNvGrpSpPr/>
-        <p:nvPr/>
-      </p:nvGrpSpPr>
-      <p:grpSpPr>
-        <a:xfrm>
-          <a:off x="0" y="0"/>
-          <a:ext cx="0" cy="0"/>
-          <a:chOff x="0" y="0"/>
-          <a:chExt cx="0" cy="0"/>
-        </a:xfrm>
-      </p:grpSpPr>
-      <p:sp>
-        <p:nvSpPr>
-          <p:cNvPr id="114" name="Shape 114"/>
-          <p:cNvSpPr/>
-          <p:nvPr>
-            <p:ph type="sldImg"/>
-          </p:nvPr>
-        </p:nvSpPr>
-        <p:spPr>
-          <a:prstGeom prst="rect">
-            <a:avLst/>
-          </a:prstGeom>
-        </p:spPr>
-        <p:txBody>
-          <a:bodyPr/>
-          <a:lstStyle/>
-          <a:p>
-            <a:pPr/>
-          </a:p>
-        </p:txBody>
-      </p:sp>
-      <p:sp>
-        <p:nvSpPr>
-          <p:cNvPr id="115" name="Shape 115"/>
-          <p:cNvSpPr/>
-          <p:nvPr>
-            <p:ph type="body" sz="quarter" idx="1"/>
-          </p:nvPr>
-        </p:nvSpPr>
-        <p:spPr>
-          <a:prstGeom prst="rect">
-            <a:avLst/>
-          </a:prstGeom>
-        </p:spPr>
-        <p:txBody>
-          <a:bodyPr/>
-          <a:lstStyle>
-            <a:lvl1pPr defTabSz="457200">
-              <a:defRPr sz="1200"/>
-            </a:lvl1pPr>
-          </a:lstStyle>
-          <a:p>
-            <a:pPr/>
-            <a:r>
-              <a:t>Content Slide with Image</a:t>
             </a:r>
           </a:p>
         </p:txBody>
@@ -1093,7 +908,7 @@
 </file>
 
 <file path=ppt/slideLayouts/slideLayout1.xml><?xml version="1.0" encoding="utf-8"?>
-<p:sldLayout xmlns:a="http://schemas.openxmlformats.org/drawingml/2006/main" xmlns:r="http://schemas.openxmlformats.org/officeDocument/2006/relationships" xmlns:p="http://schemas.openxmlformats.org/presentationml/2006/main" xmlns:m="http://schemas.openxmlformats.org/officeDocument/2006/math" xmlns:a14="http://schemas.microsoft.com/office/drawing/2010/main" type="tx" showMasterSp="1" showMasterPhAnim="1">
+<p:sldLayout xmlns:a="http://schemas.openxmlformats.org/drawingml/2006/main" xmlns:r="http://schemas.openxmlformats.org/officeDocument/2006/relationships" xmlns:p="http://schemas.openxmlformats.org/presentationml/2006/main" type="tx">
   <p:cSld name="Title Slide">
     <p:spTree>
       <p:nvGrpSpPr>
@@ -1112,7 +927,9 @@
       <p:sp>
         <p:nvSpPr>
           <p:cNvPr id="13" name="Slide Number"/>
-          <p:cNvSpPr txBox="1"/>
+          <p:cNvSpPr txBox="1">
+            <a:spLocks noGrp="1"/>
+          </p:cNvSpPr>
           <p:nvPr>
             <p:ph type="sldNum" sz="quarter" idx="2"/>
           </p:nvPr>
@@ -1126,8 +943,10 @@
           <a:bodyPr/>
           <a:lstStyle/>
           <a:p>
-            <a:pPr/>
-            <a:fld id="{86CB4B4D-7CA3-9044-876B-883B54F8677D}" type="slidenum"/>
+            <a:fld id="{86CB4B4D-7CA3-9044-876B-883B54F8677D}" type="slidenum">
+              <a:t>‹#›</a:t>
+            </a:fld>
+            <a:endParaRPr/>
           </a:p>
         </p:txBody>
       </p:sp>
@@ -1136,18 +955,19 @@
   <p:clrMapOvr>
     <a:masterClrMapping/>
   </p:clrMapOvr>
-  <p:transition xmlns:p14="http://schemas.microsoft.com/office/powerpoint/2010/main" spd="med" advClick="1"/>
+  <p:transition spd="med"/>
 </p:sldLayout>
 </file>
 
 <file path=ppt/slideLayouts/slideLayout2.xml><?xml version="1.0" encoding="utf-8"?>
-<p:sldLayout xmlns:a="http://schemas.openxmlformats.org/drawingml/2006/main" xmlns:r="http://schemas.openxmlformats.org/officeDocument/2006/relationships" xmlns:p="http://schemas.openxmlformats.org/presentationml/2006/main" xmlns:m="http://schemas.openxmlformats.org/officeDocument/2006/math" xmlns:a14="http://schemas.microsoft.com/office/drawing/2010/main" type="tx" showMasterSp="0" showMasterPhAnim="1">
+<p:sldLayout xmlns:a="http://schemas.openxmlformats.org/drawingml/2006/main" xmlns:r="http://schemas.openxmlformats.org/officeDocument/2006/relationships" xmlns:p="http://schemas.openxmlformats.org/presentationml/2006/main" showMasterSp="0" type="tx">
   <p:cSld name="Content Slide">
     <p:bg>
       <p:bgPr>
         <a:solidFill>
           <a:srgbClr val="FFFFFF"/>
         </a:solidFill>
+        <a:effectLst/>
       </p:bgPr>
     </p:bg>
     <p:spTree>
@@ -1173,9 +993,7 @@
           <p:nvPr/>
         </p:nvPicPr>
         <p:blipFill>
-          <a:blip r:embed="rId2">
-            <a:extLst/>
-          </a:blip>
+          <a:blip r:embed="rId2"/>
           <a:stretch>
             <a:fillRect/>
           </a:stretch>
@@ -1196,7 +1014,9 @@
       <p:sp>
         <p:nvSpPr>
           <p:cNvPr id="21" name="Slide Number"/>
-          <p:cNvSpPr txBox="1"/>
+          <p:cNvSpPr txBox="1">
+            <a:spLocks noGrp="1"/>
+          </p:cNvSpPr>
           <p:nvPr>
             <p:ph type="sldNum" sz="quarter" idx="2"/>
           </p:nvPr>
@@ -1226,8 +1046,10 @@
             </a:lvl1pPr>
           </a:lstStyle>
           <a:p>
-            <a:pPr/>
-            <a:fld id="{86CB4B4D-7CA3-9044-876B-883B54F8677D}" type="slidenum"/>
+            <a:fld id="{86CB4B4D-7CA3-9044-876B-883B54F8677D}" type="slidenum">
+              <a:t>‹#›</a:t>
+            </a:fld>
+            <a:endParaRPr/>
           </a:p>
         </p:txBody>
       </p:sp>
@@ -1236,12 +1058,12 @@
   <p:clrMapOvr>
     <a:masterClrMapping/>
   </p:clrMapOvr>
-  <p:transition xmlns:p14="http://schemas.microsoft.com/office/powerpoint/2010/main" spd="med" advClick="1"/>
+  <p:transition spd="med"/>
 </p:sldLayout>
 </file>
 
 <file path=ppt/slideLayouts/slideLayout3.xml><?xml version="1.0" encoding="utf-8"?>
-<p:sldLayout xmlns:a="http://schemas.openxmlformats.org/drawingml/2006/main" xmlns:r="http://schemas.openxmlformats.org/officeDocument/2006/relationships" xmlns:p="http://schemas.openxmlformats.org/presentationml/2006/main" xmlns:m="http://schemas.openxmlformats.org/officeDocument/2006/math" xmlns:a14="http://schemas.microsoft.com/office/drawing/2010/main" type="tx" showMasterSp="0" showMasterPhAnim="1">
+<p:sldLayout xmlns:a="http://schemas.openxmlformats.org/drawingml/2006/main" xmlns:r="http://schemas.openxmlformats.org/officeDocument/2006/relationships" xmlns:p="http://schemas.openxmlformats.org/presentationml/2006/main" showMasterSp="0" type="tx">
   <p:cSld name="Section Start Slide">
     <p:spTree>
       <p:nvGrpSpPr>
@@ -1266,9 +1088,7 @@
           <p:nvPr/>
         </p:nvPicPr>
         <p:blipFill>
-          <a:blip r:embed="rId2">
-            <a:extLst/>
-          </a:blip>
+          <a:blip r:embed="rId2"/>
           <a:stretch>
             <a:fillRect/>
           </a:stretch>
@@ -1289,7 +1109,9 @@
       <p:sp>
         <p:nvSpPr>
           <p:cNvPr id="29" name="Slide Number"/>
-          <p:cNvSpPr txBox="1"/>
+          <p:cNvSpPr txBox="1">
+            <a:spLocks noGrp="1"/>
+          </p:cNvSpPr>
           <p:nvPr>
             <p:ph type="sldNum" sz="quarter" idx="2"/>
           </p:nvPr>
@@ -1319,8 +1141,10 @@
             </a:lvl1pPr>
           </a:lstStyle>
           <a:p>
-            <a:pPr/>
-            <a:fld id="{86CB4B4D-7CA3-9044-876B-883B54F8677D}" type="slidenum"/>
+            <a:fld id="{86CB4B4D-7CA3-9044-876B-883B54F8677D}" type="slidenum">
+              <a:t>‹#›</a:t>
+            </a:fld>
+            <a:endParaRPr/>
           </a:p>
         </p:txBody>
       </p:sp>
@@ -1329,18 +1153,19 @@
   <p:clrMapOvr>
     <a:masterClrMapping/>
   </p:clrMapOvr>
-  <p:transition xmlns:p14="http://schemas.microsoft.com/office/powerpoint/2010/main" spd="med" advClick="1"/>
+  <p:transition spd="med"/>
 </p:sldLayout>
 </file>
 
 <file path=ppt/slideMasters/slideMaster1.xml><?xml version="1.0" encoding="utf-8"?>
-<p:sldMaster xmlns:a="http://schemas.openxmlformats.org/drawingml/2006/main" xmlns:r="http://schemas.openxmlformats.org/officeDocument/2006/relationships" xmlns:p="http://schemas.openxmlformats.org/presentationml/2006/main" xmlns:m="http://schemas.openxmlformats.org/officeDocument/2006/math" xmlns:a14="http://schemas.microsoft.com/office/drawing/2010/main">
+<p:sldMaster xmlns:a="http://schemas.openxmlformats.org/drawingml/2006/main" xmlns:r="http://schemas.openxmlformats.org/officeDocument/2006/relationships" xmlns:p="http://schemas.openxmlformats.org/presentationml/2006/main">
   <p:cSld>
     <p:bg>
       <p:bgPr>
         <a:solidFill>
           <a:schemeClr val="accent1"/>
         </a:solidFill>
+        <a:effectLst/>
       </p:bgPr>
     </p:bg>
     <p:spTree>
@@ -1366,9 +1191,7 @@
           <p:nvPr/>
         </p:nvPicPr>
         <p:blipFill>
-          <a:blip r:embed="rId2">
-            <a:extLst/>
-          </a:blip>
+          <a:blip r:embed="rId5"/>
           <a:stretch>
             <a:fillRect/>
           </a:stretch>
@@ -1395,9 +1218,7 @@
           <p:nvPr/>
         </p:nvPicPr>
         <p:blipFill>
-          <a:blip r:embed="rId3">
-            <a:extLst/>
-          </a:blip>
+          <a:blip r:embed="rId6"/>
           <a:stretch>
             <a:fillRect/>
           </a:stretch>
@@ -1418,7 +1239,9 @@
       <p:sp>
         <p:nvSpPr>
           <p:cNvPr id="4" name="Title Text"/>
-          <p:cNvSpPr txBox="1"/>
+          <p:cNvSpPr txBox="1">
+            <a:spLocks noGrp="1"/>
+          </p:cNvSpPr>
           <p:nvPr>
             <p:ph type="title"/>
           </p:nvPr>
@@ -1436,7 +1259,7 @@
           </a:ln>
           <a:extLst>
             <a:ext uri="{C572A759-6A51-4108-AA02-DFA0A04FC94B}">
-              <ma14:wrappingTextBoxFlag xmlns:ma14="http://schemas.microsoft.com/office/mac/drawingml/2011/main" val="1"/>
+              <ma14:wrappingTextBoxFlag xmlns:ma14="http://schemas.microsoft.com/office/mac/drawingml/2011/main" xmlns:a14="http://schemas.microsoft.com/office/drawing/2010/main" xmlns:m="http://schemas.openxmlformats.org/officeDocument/2006/math" xmlns="" val="1"/>
             </a:ext>
           </a:extLst>
         </p:spPr>
@@ -1444,7 +1267,6 @@
           <a:bodyPr lIns="76200" tIns="76200" rIns="76200" bIns="76200" anchor="ctr"/>
           <a:lstStyle/>
           <a:p>
-            <a:pPr/>
             <a:r>
               <a:t>Title Text</a:t>
             </a:r>
@@ -1454,7 +1276,9 @@
       <p:sp>
         <p:nvSpPr>
           <p:cNvPr id="5" name="Body Level One…"/>
-          <p:cNvSpPr txBox="1"/>
+          <p:cNvSpPr txBox="1">
+            <a:spLocks noGrp="1"/>
+          </p:cNvSpPr>
           <p:nvPr>
             <p:ph type="body" idx="1"/>
           </p:nvPr>
@@ -1472,7 +1296,7 @@
           </a:ln>
           <a:extLst>
             <a:ext uri="{C572A759-6A51-4108-AA02-DFA0A04FC94B}">
-              <ma14:wrappingTextBoxFlag xmlns:ma14="http://schemas.microsoft.com/office/mac/drawingml/2011/main" val="1"/>
+              <ma14:wrappingTextBoxFlag xmlns:ma14="http://schemas.microsoft.com/office/mac/drawingml/2011/main" xmlns:a14="http://schemas.microsoft.com/office/drawing/2010/main" xmlns:m="http://schemas.openxmlformats.org/officeDocument/2006/math" xmlns="" val="1"/>
             </a:ext>
           </a:extLst>
         </p:spPr>
@@ -1480,7 +1304,6 @@
           <a:bodyPr lIns="76200" tIns="76200" rIns="76200" bIns="76200"/>
           <a:lstStyle/>
           <a:p>
-            <a:pPr/>
             <a:r>
               <a:t>Body Level One</a:t>
             </a:r>
@@ -1514,7 +1337,9 @@
       <p:sp>
         <p:nvSpPr>
           <p:cNvPr id="6" name="Slide Number"/>
-          <p:cNvSpPr txBox="1"/>
+          <p:cNvSpPr txBox="1">
+            <a:spLocks noGrp="1"/>
+          </p:cNvSpPr>
           <p:nvPr>
             <p:ph type="sldNum" sz="quarter" idx="2"/>
           </p:nvPr>
@@ -1552,8 +1377,10 @@
             </a:lvl1pPr>
           </a:lstStyle>
           <a:p>
-            <a:pPr/>
-            <a:fld id="{86CB4B4D-7CA3-9044-876B-883B54F8677D}" type="slidenum"/>
+            <a:fld id="{86CB4B4D-7CA3-9044-876B-883B54F8677D}" type="slidenum">
+              <a:t>‹#›</a:t>
+            </a:fld>
+            <a:endParaRPr/>
           </a:p>
         </p:txBody>
       </p:sp>
@@ -1561,11 +1388,11 @@
   </p:cSld>
   <p:clrMap bg1="lt1" tx1="dk1" bg2="lt2" tx2="dk2" accent1="accent1" accent2="accent2" accent3="accent3" accent4="accent4" accent5="accent5" accent6="accent6" hlink="hlink" folHlink="folHlink"/>
   <p:sldLayoutIdLst>
-    <p:sldLayoutId id="2147483649" r:id="rId4"/>
-    <p:sldLayoutId id="2147483650" r:id="rId5"/>
-    <p:sldLayoutId id="2147483651" r:id="rId6"/>
+    <p:sldLayoutId id="2147483649" r:id="rId1"/>
+    <p:sldLayoutId id="2147483650" r:id="rId2"/>
+    <p:sldLayoutId id="2147483651" r:id="rId3"/>
   </p:sldLayoutIdLst>
-  <p:transition xmlns:p14="http://schemas.microsoft.com/office/powerpoint/2010/main" spd="med" advClick="1"/>
+  <p:transition spd="med"/>
   <p:txStyles>
     <p:titleStyle>
       <a:lvl1pPr marL="0" marR="0" indent="0" algn="ctr" defTabSz="762000" rtl="0" latinLnBrk="0">
@@ -1583,7 +1410,7 @@
         <a:buFontTx/>
         <a:buNone/>
         <a:tabLst/>
-        <a:defRPr b="0" baseline="0" cap="none" i="0" spc="0" strike="noStrike" sz="7200" u="none">
+        <a:defRPr sz="7200" b="0" i="0" u="none" strike="noStrike" cap="none" spc="0" baseline="0">
           <a:solidFill>
             <a:srgbClr val="141313"/>
           </a:solidFill>
@@ -1609,7 +1436,7 @@
         <a:buFontTx/>
         <a:buNone/>
         <a:tabLst/>
-        <a:defRPr b="0" baseline="0" cap="none" i="0" spc="0" strike="noStrike" sz="7200" u="none">
+        <a:defRPr sz="7200" b="0" i="0" u="none" strike="noStrike" cap="none" spc="0" baseline="0">
           <a:solidFill>
             <a:srgbClr val="141313"/>
           </a:solidFill>
@@ -1635,7 +1462,7 @@
         <a:buFontTx/>
         <a:buNone/>
         <a:tabLst/>
-        <a:defRPr b="0" baseline="0" cap="none" i="0" spc="0" strike="noStrike" sz="7200" u="none">
+        <a:defRPr sz="7200" b="0" i="0" u="none" strike="noStrike" cap="none" spc="0" baseline="0">
           <a:solidFill>
             <a:srgbClr val="141313"/>
           </a:solidFill>
@@ -1661,7 +1488,7 @@
         <a:buFontTx/>
         <a:buNone/>
         <a:tabLst/>
-        <a:defRPr b="0" baseline="0" cap="none" i="0" spc="0" strike="noStrike" sz="7200" u="none">
+        <a:defRPr sz="7200" b="0" i="0" u="none" strike="noStrike" cap="none" spc="0" baseline="0">
           <a:solidFill>
             <a:srgbClr val="141313"/>
           </a:solidFill>
@@ -1687,7 +1514,7 @@
         <a:buFontTx/>
         <a:buNone/>
         <a:tabLst/>
-        <a:defRPr b="0" baseline="0" cap="none" i="0" spc="0" strike="noStrike" sz="7200" u="none">
+        <a:defRPr sz="7200" b="0" i="0" u="none" strike="noStrike" cap="none" spc="0" baseline="0">
           <a:solidFill>
             <a:srgbClr val="141313"/>
           </a:solidFill>
@@ -1713,7 +1540,7 @@
         <a:buFontTx/>
         <a:buNone/>
         <a:tabLst/>
-        <a:defRPr b="0" baseline="0" cap="none" i="0" spc="0" strike="noStrike" sz="7200" u="none">
+        <a:defRPr sz="7200" b="0" i="0" u="none" strike="noStrike" cap="none" spc="0" baseline="0">
           <a:solidFill>
             <a:srgbClr val="141313"/>
           </a:solidFill>
@@ -1739,7 +1566,7 @@
         <a:buFontTx/>
         <a:buNone/>
         <a:tabLst/>
-        <a:defRPr b="0" baseline="0" cap="none" i="0" spc="0" strike="noStrike" sz="7200" u="none">
+        <a:defRPr sz="7200" b="0" i="0" u="none" strike="noStrike" cap="none" spc="0" baseline="0">
           <a:solidFill>
             <a:srgbClr val="141313"/>
           </a:solidFill>
@@ -1765,7 +1592,7 @@
         <a:buFontTx/>
         <a:buNone/>
         <a:tabLst/>
-        <a:defRPr b="0" baseline="0" cap="none" i="0" spc="0" strike="noStrike" sz="7200" u="none">
+        <a:defRPr sz="7200" b="0" i="0" u="none" strike="noStrike" cap="none" spc="0" baseline="0">
           <a:solidFill>
             <a:srgbClr val="141313"/>
           </a:solidFill>
@@ -1791,7 +1618,7 @@
         <a:buFontTx/>
         <a:buNone/>
         <a:tabLst/>
-        <a:defRPr b="0" baseline="0" cap="none" i="0" spc="0" strike="noStrike" sz="7200" u="none">
+        <a:defRPr sz="7200" b="0" i="0" u="none" strike="noStrike" cap="none" spc="0" baseline="0">
           <a:solidFill>
             <a:srgbClr val="141313"/>
           </a:solidFill>
@@ -1819,7 +1646,7 @@
         <a:buFont typeface="Arial"/>
         <a:buChar char="•"/>
         <a:tabLst/>
-        <a:defRPr b="0" baseline="0" cap="none" i="0" spc="0" strike="noStrike" sz="5200" u="none">
+        <a:defRPr sz="5200" b="0" i="0" u="none" strike="noStrike" cap="none" spc="0" baseline="0">
           <a:solidFill>
             <a:srgbClr val="141313"/>
           </a:solidFill>
@@ -1845,7 +1672,7 @@
         <a:buFont typeface="Arial"/>
         <a:buChar char="–"/>
         <a:tabLst/>
-        <a:defRPr b="0" baseline="0" cap="none" i="0" spc="0" strike="noStrike" sz="5200" u="none">
+        <a:defRPr sz="5200" b="0" i="0" u="none" strike="noStrike" cap="none" spc="0" baseline="0">
           <a:solidFill>
             <a:srgbClr val="141313"/>
           </a:solidFill>
@@ -1871,7 +1698,7 @@
         <a:buFont typeface="Arial"/>
         <a:buChar char="•"/>
         <a:tabLst/>
-        <a:defRPr b="0" baseline="0" cap="none" i="0" spc="0" strike="noStrike" sz="5200" u="none">
+        <a:defRPr sz="5200" b="0" i="0" u="none" strike="noStrike" cap="none" spc="0" baseline="0">
           <a:solidFill>
             <a:srgbClr val="141313"/>
           </a:solidFill>
@@ -1897,7 +1724,7 @@
         <a:buFont typeface="Arial"/>
         <a:buChar char="–"/>
         <a:tabLst/>
-        <a:defRPr b="0" baseline="0" cap="none" i="0" spc="0" strike="noStrike" sz="5200" u="none">
+        <a:defRPr sz="5200" b="0" i="0" u="none" strike="noStrike" cap="none" spc="0" baseline="0">
           <a:solidFill>
             <a:srgbClr val="141313"/>
           </a:solidFill>
@@ -1923,7 +1750,7 @@
         <a:buFont typeface="Arial"/>
         <a:buChar char="»"/>
         <a:tabLst/>
-        <a:defRPr b="0" baseline="0" cap="none" i="0" spc="0" strike="noStrike" sz="5200" u="none">
+        <a:defRPr sz="5200" b="0" i="0" u="none" strike="noStrike" cap="none" spc="0" baseline="0">
           <a:solidFill>
             <a:srgbClr val="141313"/>
           </a:solidFill>
@@ -1949,7 +1776,7 @@
         <a:buFont typeface="Arial"/>
         <a:buChar char="•"/>
         <a:tabLst/>
-        <a:defRPr b="0" baseline="0" cap="none" i="0" spc="0" strike="noStrike" sz="5200" u="none">
+        <a:defRPr sz="5200" b="0" i="0" u="none" strike="noStrike" cap="none" spc="0" baseline="0">
           <a:solidFill>
             <a:srgbClr val="141313"/>
           </a:solidFill>
@@ -1975,7 +1802,7 @@
         <a:buFont typeface="Arial"/>
         <a:buChar char="•"/>
         <a:tabLst/>
-        <a:defRPr b="0" baseline="0" cap="none" i="0" spc="0" strike="noStrike" sz="5200" u="none">
+        <a:defRPr sz="5200" b="0" i="0" u="none" strike="noStrike" cap="none" spc="0" baseline="0">
           <a:solidFill>
             <a:srgbClr val="141313"/>
           </a:solidFill>
@@ -2001,7 +1828,7 @@
         <a:buFont typeface="Arial"/>
         <a:buChar char="•"/>
         <a:tabLst/>
-        <a:defRPr b="0" baseline="0" cap="none" i="0" spc="0" strike="noStrike" sz="5200" u="none">
+        <a:defRPr sz="5200" b="0" i="0" u="none" strike="noStrike" cap="none" spc="0" baseline="0">
           <a:solidFill>
             <a:srgbClr val="141313"/>
           </a:solidFill>
@@ -2027,7 +1854,7 @@
         <a:buFont typeface="Arial"/>
         <a:buChar char="•"/>
         <a:tabLst/>
-        <a:defRPr b="0" baseline="0" cap="none" i="0" spc="0" strike="noStrike" sz="5200" u="none">
+        <a:defRPr sz="5200" b="0" i="0" u="none" strike="noStrike" cap="none" spc="0" baseline="0">
           <a:solidFill>
             <a:srgbClr val="141313"/>
           </a:solidFill>
@@ -2055,7 +1882,7 @@
         <a:buFontTx/>
         <a:buNone/>
         <a:tabLst/>
-        <a:defRPr b="0" baseline="0" cap="none" i="0" spc="0" strike="noStrike" sz="2000" u="none">
+        <a:defRPr sz="2000" b="0" i="0" u="none" strike="noStrike" cap="none" spc="0" baseline="0">
           <a:solidFill>
             <a:schemeClr val="tx1"/>
           </a:solidFill>
@@ -2081,7 +1908,7 @@
         <a:buFontTx/>
         <a:buNone/>
         <a:tabLst/>
-        <a:defRPr b="0" baseline="0" cap="none" i="0" spc="0" strike="noStrike" sz="2000" u="none">
+        <a:defRPr sz="2000" b="0" i="0" u="none" strike="noStrike" cap="none" spc="0" baseline="0">
           <a:solidFill>
             <a:schemeClr val="tx1"/>
           </a:solidFill>
@@ -2107,7 +1934,7 @@
         <a:buFontTx/>
         <a:buNone/>
         <a:tabLst/>
-        <a:defRPr b="0" baseline="0" cap="none" i="0" spc="0" strike="noStrike" sz="2000" u="none">
+        <a:defRPr sz="2000" b="0" i="0" u="none" strike="noStrike" cap="none" spc="0" baseline="0">
           <a:solidFill>
             <a:schemeClr val="tx1"/>
           </a:solidFill>
@@ -2133,7 +1960,7 @@
         <a:buFontTx/>
         <a:buNone/>
         <a:tabLst/>
-        <a:defRPr b="0" baseline="0" cap="none" i="0" spc="0" strike="noStrike" sz="2000" u="none">
+        <a:defRPr sz="2000" b="0" i="0" u="none" strike="noStrike" cap="none" spc="0" baseline="0">
           <a:solidFill>
             <a:schemeClr val="tx1"/>
           </a:solidFill>
@@ -2159,7 +1986,7 @@
         <a:buFontTx/>
         <a:buNone/>
         <a:tabLst/>
-        <a:defRPr b="0" baseline="0" cap="none" i="0" spc="0" strike="noStrike" sz="2000" u="none">
+        <a:defRPr sz="2000" b="0" i="0" u="none" strike="noStrike" cap="none" spc="0" baseline="0">
           <a:solidFill>
             <a:schemeClr val="tx1"/>
           </a:solidFill>
@@ -2185,7 +2012,7 @@
         <a:buFontTx/>
         <a:buNone/>
         <a:tabLst/>
-        <a:defRPr b="0" baseline="0" cap="none" i="0" spc="0" strike="noStrike" sz="2000" u="none">
+        <a:defRPr sz="2000" b="0" i="0" u="none" strike="noStrike" cap="none" spc="0" baseline="0">
           <a:solidFill>
             <a:schemeClr val="tx1"/>
           </a:solidFill>
@@ -2211,7 +2038,7 @@
         <a:buFontTx/>
         <a:buNone/>
         <a:tabLst/>
-        <a:defRPr b="0" baseline="0" cap="none" i="0" spc="0" strike="noStrike" sz="2000" u="none">
+        <a:defRPr sz="2000" b="0" i="0" u="none" strike="noStrike" cap="none" spc="0" baseline="0">
           <a:solidFill>
             <a:schemeClr val="tx1"/>
           </a:solidFill>
@@ -2237,7 +2064,7 @@
         <a:buFontTx/>
         <a:buNone/>
         <a:tabLst/>
-        <a:defRPr b="0" baseline="0" cap="none" i="0" spc="0" strike="noStrike" sz="2000" u="none">
+        <a:defRPr sz="2000" b="0" i="0" u="none" strike="noStrike" cap="none" spc="0" baseline="0">
           <a:solidFill>
             <a:schemeClr val="tx1"/>
           </a:solidFill>
@@ -2263,7 +2090,7 @@
         <a:buFontTx/>
         <a:buNone/>
         <a:tabLst/>
-        <a:defRPr b="0" baseline="0" cap="none" i="0" spc="0" strike="noStrike" sz="2000" u="none">
+        <a:defRPr sz="2000" b="0" i="0" u="none" strike="noStrike" cap="none" spc="0" baseline="0">
           <a:solidFill>
             <a:schemeClr val="tx1"/>
           </a:solidFill>
@@ -2280,7 +2107,7 @@
 </file>
 
 <file path=ppt/slides/slide1.xml><?xml version="1.0" encoding="utf-8"?>
-<p:sld xmlns:a="http://schemas.openxmlformats.org/drawingml/2006/main" xmlns:r="http://schemas.openxmlformats.org/officeDocument/2006/relationships" xmlns:p="http://schemas.openxmlformats.org/presentationml/2006/main" xmlns:m="http://schemas.openxmlformats.org/officeDocument/2006/math" xmlns:a14="http://schemas.microsoft.com/office/drawing/2010/main" showMasterSp="1" showMasterPhAnim="1">
+<p:sld xmlns:a="http://schemas.openxmlformats.org/drawingml/2006/main" xmlns:r="http://schemas.openxmlformats.org/officeDocument/2006/relationships" xmlns:p="http://schemas.openxmlformats.org/presentationml/2006/main">
   <p:cSld>
     <p:spTree>
       <p:nvGrpSpPr>
@@ -2315,7 +2142,7 @@
           </a:ln>
           <a:extLst>
             <a:ext uri="{C572A759-6A51-4108-AA02-DFA0A04FC94B}">
-              <ma14:wrappingTextBoxFlag xmlns:ma14="http://schemas.microsoft.com/office/mac/drawingml/2011/main" val="1"/>
+              <ma14:wrappingTextBoxFlag xmlns:ma14="http://schemas.microsoft.com/office/mac/drawingml/2011/main" xmlns:a14="http://schemas.microsoft.com/office/drawing/2010/main" xmlns:m="http://schemas.openxmlformats.org/officeDocument/2006/math" xmlns="" val="1"/>
             </a:ext>
           </a:extLst>
         </p:spPr>
@@ -2329,7 +2156,7 @@
               <a:lnSpc>
                 <a:spcPts val="12500"/>
               </a:lnSpc>
-              <a:defRPr spc="165" sz="13200">
+              <a:defRPr sz="13200" spc="165">
                 <a:solidFill>
                   <a:srgbClr val="FFFFFE"/>
                 </a:solidFill>
@@ -2348,7 +2175,7 @@
               <a:lnSpc>
                 <a:spcPts val="5800"/>
               </a:lnSpc>
-              <a:defRPr spc="165" sz="5800">
+              <a:defRPr sz="5800" spc="165">
                 <a:solidFill>
                   <a:srgbClr val="FFFFFE"/>
                 </a:solidFill>
@@ -2358,13 +2185,14 @@
                 <a:sym typeface="ITC Franklin Gothic Std Bk Cd"/>
               </a:defRPr>
             </a:pPr>
+            <a:endParaRPr/>
           </a:p>
           <a:p>
             <a:pPr>
               <a:lnSpc>
                 <a:spcPts val="5800"/>
               </a:lnSpc>
-              <a:defRPr spc="165" sz="5800">
+              <a:defRPr sz="5800" spc="165">
                 <a:solidFill>
                   <a:srgbClr val="FFFFFE"/>
                 </a:solidFill>
@@ -2393,6 +2221,7 @@
                 <a:sym typeface="ITC Franklin Gothic Std Bk Cd"/>
               </a:defRPr>
             </a:pPr>
+            <a:endParaRPr/>
           </a:p>
           <a:p>
             <a:pPr>
@@ -2420,12 +2249,12 @@
   <p:clrMapOvr>
     <a:masterClrMapping/>
   </p:clrMapOvr>
-  <p:transition xmlns:p14="http://schemas.microsoft.com/office/powerpoint/2010/main" spd="med" advClick="1"/>
+  <p:transition spd="med"/>
 </p:sld>
 </file>
 
 <file path=ppt/slides/slide10.xml><?xml version="1.0" encoding="utf-8"?>
-<p:sld xmlns:a="http://schemas.openxmlformats.org/drawingml/2006/main" xmlns:r="http://schemas.openxmlformats.org/officeDocument/2006/relationships" xmlns:p="http://schemas.openxmlformats.org/presentationml/2006/main" xmlns:m="http://schemas.openxmlformats.org/officeDocument/2006/math" xmlns:a14="http://schemas.microsoft.com/office/drawing/2010/main" showMasterSp="1" showMasterPhAnim="1">
+<p:sld xmlns:a="http://schemas.openxmlformats.org/drawingml/2006/main" xmlns:r="http://schemas.openxmlformats.org/officeDocument/2006/relationships" xmlns:p="http://schemas.openxmlformats.org/presentationml/2006/main">
   <p:cSld>
     <p:spTree>
       <p:nvGrpSpPr>
@@ -2443,8 +2272,10 @@
       </p:grpSpPr>
       <p:sp>
         <p:nvSpPr>
-          <p:cNvPr id="75" name="Slide Number"/>
-          <p:cNvSpPr txBox="1"/>
+          <p:cNvPr id="93" name="Slide Number"/>
+          <p:cNvSpPr txBox="1">
+            <a:spLocks noGrp="1"/>
+          </p:cNvSpPr>
           <p:nvPr>
             <p:ph type="sldNum" sz="quarter" idx="4294967295"/>
           </p:nvPr>
@@ -2459,7 +2290,7 @@
           </a:prstGeom>
           <a:extLst>
             <a:ext uri="{C572A759-6A51-4108-AA02-DFA0A04FC94B}">
-              <ma14:wrappingTextBoxFlag xmlns:ma14="http://schemas.microsoft.com/office/mac/drawingml/2011/main" val="1"/>
+              <ma14:wrappingTextBoxFlag xmlns:ma14="http://schemas.microsoft.com/office/mac/drawingml/2011/main" xmlns:a14="http://schemas.microsoft.com/office/drawing/2010/main" xmlns:m="http://schemas.openxmlformats.org/officeDocument/2006/math" xmlns="" val="1"/>
             </a:ext>
           </a:extLst>
         </p:spPr>
@@ -2479,21 +2310,24 @@
             </a:lvl1pPr>
           </a:lstStyle>
           <a:p>
-            <a:pPr/>
-            <a:fld id="{86CB4B4D-7CA3-9044-876B-883B54F8677D}" type="slidenum"/>
+            <a:fld id="{86CB4B4D-7CA3-9044-876B-883B54F8677D}" type="slidenum">
+              <a:rPr/>
+              <a:t>10</a:t>
+            </a:fld>
+            <a:endParaRPr/>
           </a:p>
         </p:txBody>
       </p:sp>
       <p:sp>
         <p:nvSpPr>
-          <p:cNvPr id="76" name="TextBox 3"/>
+          <p:cNvPr id="94" name="TextBox 3"/>
           <p:cNvSpPr txBox="1"/>
           <p:nvPr/>
         </p:nvSpPr>
         <p:spPr>
           <a:xfrm>
             <a:off x="1396999" y="1142998"/>
-            <a:ext cx="12954003" cy="4368801"/>
+            <a:ext cx="12954003" cy="7155805"/>
           </a:xfrm>
           <a:prstGeom prst="rect">
             <a:avLst/>
@@ -2503,7 +2337,7 @@
           </a:ln>
           <a:extLst>
             <a:ext uri="{C572A759-6A51-4108-AA02-DFA0A04FC94B}">
-              <ma14:wrappingTextBoxFlag xmlns:ma14="http://schemas.microsoft.com/office/mac/drawingml/2011/main" val="1"/>
+              <ma14:wrappingTextBoxFlag xmlns:ma14="http://schemas.microsoft.com/office/mac/drawingml/2011/main" xmlns:a14="http://schemas.microsoft.com/office/drawing/2010/main" xmlns:m="http://schemas.openxmlformats.org/officeDocument/2006/math" xmlns="" val="1"/>
             </a:ext>
           </a:extLst>
         </p:spPr>
@@ -2525,7 +2359,8 @@
               </a:defRPr>
             </a:pPr>
             <a:r>
-              <a:t>Animated motion of the hoop</a:t>
+              <a:rPr dirty="0"/>
+              <a:t>We have a floor</a:t>
             </a:r>
           </a:p>
           <a:p>
@@ -2537,6 +2372,7 @@
                 <a:sym typeface="ITC Franklin Gothic Std Bk Cd"/>
               </a:defRPr>
             </a:pPr>
+            <a:endParaRPr dirty="0"/>
           </a:p>
           <a:p>
             <a:pPr>
@@ -2548,7 +2384,11 @@
               </a:defRPr>
             </a:pPr>
             <a:r>
-              <a:t>Insert body copy here.</a:t>
+              <a:rPr lang="en-US" sz="3600" dirty="0">
+                <a:latin typeface="Courier New" panose="02070309020205020404" pitchFamily="49" charset="0"/>
+                <a:cs typeface="Courier New" panose="02070309020205020404" pitchFamily="49" charset="0"/>
+              </a:rPr>
+              <a:t>// add this to Circle’s update()</a:t>
             </a:r>
           </a:p>
           <a:p>
@@ -2560,6 +2400,190 @@
                 <a:sym typeface="ITC Franklin Gothic Std Bk Cd"/>
               </a:defRPr>
             </a:pPr>
+            <a:r>
+              <a:rPr lang="en-US" sz="3600" dirty="0">
+                <a:latin typeface="Courier New" panose="02070309020205020404" pitchFamily="49" charset="0"/>
+                <a:cs typeface="Courier New" panose="02070309020205020404" pitchFamily="49" charset="0"/>
+              </a:rPr>
+              <a:t>if ( </a:t>
+            </a:r>
+            <a:r>
+              <a:rPr lang="en-US" sz="3600" dirty="0" err="1">
+                <a:latin typeface="Courier New" panose="02070309020205020404" pitchFamily="49" charset="0"/>
+                <a:cs typeface="Courier New" panose="02070309020205020404" pitchFamily="49" charset="0"/>
+              </a:rPr>
+              <a:t>this.y</a:t>
+            </a:r>
+            <a:r>
+              <a:rPr lang="en-US" sz="3600" dirty="0">
+                <a:latin typeface="Courier New" panose="02070309020205020404" pitchFamily="49" charset="0"/>
+                <a:cs typeface="Courier New" panose="02070309020205020404" pitchFamily="49" charset="0"/>
+              </a:rPr>
+              <a:t> &gt;= </a:t>
+            </a:r>
+            <a:r>
+              <a:rPr lang="en-US" sz="3600" dirty="0" err="1">
+                <a:latin typeface="Courier New" panose="02070309020205020404" pitchFamily="49" charset="0"/>
+                <a:cs typeface="Courier New" panose="02070309020205020404" pitchFamily="49" charset="0"/>
+              </a:rPr>
+              <a:t>canvas.height</a:t>
+            </a:r>
+            <a:r>
+              <a:rPr lang="en-US" sz="3600" dirty="0">
+                <a:latin typeface="Courier New" panose="02070309020205020404" pitchFamily="49" charset="0"/>
+                <a:cs typeface="Courier New" panose="02070309020205020404" pitchFamily="49" charset="0"/>
+              </a:rPr>
+              <a:t> – </a:t>
+            </a:r>
+            <a:r>
+              <a:rPr lang="en-US" sz="3600" dirty="0" err="1">
+                <a:latin typeface="Courier New" panose="02070309020205020404" pitchFamily="49" charset="0"/>
+                <a:cs typeface="Courier New" panose="02070309020205020404" pitchFamily="49" charset="0"/>
+              </a:rPr>
+              <a:t>this.radius</a:t>
+            </a:r>
+            <a:r>
+              <a:rPr lang="en-US" sz="3600" dirty="0">
+                <a:latin typeface="Courier New" panose="02070309020205020404" pitchFamily="49" charset="0"/>
+                <a:cs typeface="Courier New" panose="02070309020205020404" pitchFamily="49" charset="0"/>
+              </a:rPr>
+              <a:t> )</a:t>
+            </a:r>
+          </a:p>
+          <a:p>
+            <a:pPr>
+              <a:defRPr>
+                <a:latin typeface="ITC Franklin Gothic Std Bk Cd"/>
+                <a:ea typeface="ITC Franklin Gothic Std Bk Cd"/>
+                <a:cs typeface="ITC Franklin Gothic Std Bk Cd"/>
+                <a:sym typeface="ITC Franklin Gothic Std Bk Cd"/>
+              </a:defRPr>
+            </a:pPr>
+            <a:r>
+              <a:rPr lang="en-US" sz="3600" dirty="0">
+                <a:latin typeface="Courier New" panose="02070309020205020404" pitchFamily="49" charset="0"/>
+                <a:cs typeface="Courier New" panose="02070309020205020404" pitchFamily="49" charset="0"/>
+              </a:rPr>
+              <a:t>{</a:t>
+            </a:r>
+          </a:p>
+          <a:p>
+            <a:pPr>
+              <a:defRPr>
+                <a:latin typeface="ITC Franklin Gothic Std Bk Cd"/>
+                <a:ea typeface="ITC Franklin Gothic Std Bk Cd"/>
+                <a:cs typeface="ITC Franklin Gothic Std Bk Cd"/>
+                <a:sym typeface="ITC Franklin Gothic Std Bk Cd"/>
+              </a:defRPr>
+            </a:pPr>
+            <a:r>
+              <a:rPr lang="en-US" sz="3600" dirty="0">
+                <a:latin typeface="Courier New" panose="02070309020205020404" pitchFamily="49" charset="0"/>
+                <a:cs typeface="Courier New" panose="02070309020205020404" pitchFamily="49" charset="0"/>
+              </a:rPr>
+              <a:t>  </a:t>
+            </a:r>
+            <a:r>
+              <a:rPr lang="en-US" sz="3600" dirty="0" err="1">
+                <a:latin typeface="Courier New" panose="02070309020205020404" pitchFamily="49" charset="0"/>
+                <a:cs typeface="Courier New" panose="02070309020205020404" pitchFamily="49" charset="0"/>
+              </a:rPr>
+              <a:t>this.y</a:t>
+            </a:r>
+            <a:r>
+              <a:rPr lang="en-US" sz="3600" dirty="0">
+                <a:latin typeface="Courier New" panose="02070309020205020404" pitchFamily="49" charset="0"/>
+                <a:cs typeface="Courier New" panose="02070309020205020404" pitchFamily="49" charset="0"/>
+              </a:rPr>
+              <a:t> = </a:t>
+            </a:r>
+            <a:r>
+              <a:rPr lang="en-US" sz="3600" dirty="0" err="1">
+                <a:latin typeface="Courier New" panose="02070309020205020404" pitchFamily="49" charset="0"/>
+                <a:cs typeface="Courier New" panose="02070309020205020404" pitchFamily="49" charset="0"/>
+              </a:rPr>
+              <a:t>canvas.height</a:t>
+            </a:r>
+            <a:r>
+              <a:rPr lang="en-US" sz="3600" dirty="0">
+                <a:latin typeface="Courier New" panose="02070309020205020404" pitchFamily="49" charset="0"/>
+                <a:cs typeface="Courier New" panose="02070309020205020404" pitchFamily="49" charset="0"/>
+              </a:rPr>
+              <a:t> = </a:t>
+            </a:r>
+            <a:r>
+              <a:rPr lang="en-US" sz="3600" dirty="0" err="1">
+                <a:latin typeface="Courier New" panose="02070309020205020404" pitchFamily="49" charset="0"/>
+                <a:cs typeface="Courier New" panose="02070309020205020404" pitchFamily="49" charset="0"/>
+              </a:rPr>
+              <a:t>this.radius</a:t>
+            </a:r>
+            <a:r>
+              <a:rPr lang="en-US" sz="3600" dirty="0">
+                <a:latin typeface="Courier New" panose="02070309020205020404" pitchFamily="49" charset="0"/>
+                <a:cs typeface="Courier New" panose="02070309020205020404" pitchFamily="49" charset="0"/>
+              </a:rPr>
+              <a:t>;</a:t>
+            </a:r>
+          </a:p>
+          <a:p>
+            <a:pPr>
+              <a:defRPr>
+                <a:latin typeface="ITC Franklin Gothic Std Bk Cd"/>
+                <a:ea typeface="ITC Franklin Gothic Std Bk Cd"/>
+                <a:cs typeface="ITC Franklin Gothic Std Bk Cd"/>
+                <a:sym typeface="ITC Franklin Gothic Std Bk Cd"/>
+              </a:defRPr>
+            </a:pPr>
+            <a:r>
+              <a:rPr lang="en-US" sz="3600" dirty="0">
+                <a:latin typeface="Courier New" panose="02070309020205020404" pitchFamily="49" charset="0"/>
+                <a:cs typeface="Courier New" panose="02070309020205020404" pitchFamily="49" charset="0"/>
+              </a:rPr>
+              <a:t>  </a:t>
+            </a:r>
+            <a:r>
+              <a:rPr lang="en-US" sz="3600" dirty="0" err="1">
+                <a:latin typeface="Courier New" panose="02070309020205020404" pitchFamily="49" charset="0"/>
+                <a:cs typeface="Courier New" panose="02070309020205020404" pitchFamily="49" charset="0"/>
+              </a:rPr>
+              <a:t>this.dy</a:t>
+            </a:r>
+            <a:r>
+              <a:rPr lang="en-US" sz="3600" dirty="0">
+                <a:latin typeface="Courier New" panose="02070309020205020404" pitchFamily="49" charset="0"/>
+                <a:cs typeface="Courier New" panose="02070309020205020404" pitchFamily="49" charset="0"/>
+              </a:rPr>
+              <a:t> = 0;</a:t>
+            </a:r>
+          </a:p>
+          <a:p>
+            <a:pPr>
+              <a:defRPr>
+                <a:latin typeface="ITC Franklin Gothic Std Bk Cd"/>
+                <a:ea typeface="ITC Franklin Gothic Std Bk Cd"/>
+                <a:cs typeface="ITC Franklin Gothic Std Bk Cd"/>
+                <a:sym typeface="ITC Franklin Gothic Std Bk Cd"/>
+              </a:defRPr>
+            </a:pPr>
+            <a:r>
+              <a:rPr lang="en-US" sz="3600" dirty="0">
+                <a:latin typeface="Courier New" panose="02070309020205020404" pitchFamily="49" charset="0"/>
+                <a:cs typeface="Courier New" panose="02070309020205020404" pitchFamily="49" charset="0"/>
+              </a:rPr>
+              <a:t>}</a:t>
+            </a:r>
+          </a:p>
+          <a:p>
+            <a:pPr>
+              <a:defRPr>
+                <a:latin typeface="ITC Franklin Gothic Std Bk Cd"/>
+                <a:ea typeface="ITC Franklin Gothic Std Bk Cd"/>
+                <a:cs typeface="ITC Franklin Gothic Std Bk Cd"/>
+                <a:sym typeface="ITC Franklin Gothic Std Bk Cd"/>
+              </a:defRPr>
+            </a:pPr>
+            <a:endParaRPr dirty="0"/>
           </a:p>
           <a:p>
             <a:pPr marL="561108" indent="-561108">
@@ -2574,23 +2598,8 @@
               </a:defRPr>
             </a:pPr>
             <a:r>
-              <a:t>use dx</a:t>
-            </a:r>
-          </a:p>
-          <a:p>
-            <a:pPr marL="561108" indent="-561108">
-              <a:buSzPct val="100000"/>
-              <a:buFont typeface="Arial"/>
-              <a:buChar char="•"/>
-              <a:defRPr>
-                <a:latin typeface="ITC Franklin Gothic Std Bk Cd"/>
-                <a:ea typeface="ITC Franklin Gothic Std Bk Cd"/>
-                <a:cs typeface="ITC Franklin Gothic Std Bk Cd"/>
-                <a:sym typeface="ITC Franklin Gothic Std Bk Cd"/>
-              </a:defRPr>
-            </a:pPr>
-            <a:r>
-              <a:t>bounce at edges</a:t>
+              <a:rPr dirty="0"/>
+              <a:t>choose no bounce, for simplicity</a:t>
             </a:r>
           </a:p>
         </p:txBody>
@@ -2600,716 +2609,12 @@
   <p:clrMapOvr>
     <a:masterClrMapping/>
   </p:clrMapOvr>
-  <p:transition xmlns:p14="http://schemas.microsoft.com/office/powerpoint/2010/main" spd="med" advClick="1"/>
+  <p:transition spd="med"/>
 </p:sld>
 </file>
 
 <file path=ppt/slides/slide11.xml><?xml version="1.0" encoding="utf-8"?>
-<p:sld xmlns:a="http://schemas.openxmlformats.org/drawingml/2006/main" xmlns:r="http://schemas.openxmlformats.org/officeDocument/2006/relationships" xmlns:p="http://schemas.openxmlformats.org/presentationml/2006/main" xmlns:m="http://schemas.openxmlformats.org/officeDocument/2006/math" xmlns:a14="http://schemas.microsoft.com/office/drawing/2010/main" showMasterSp="1" showMasterPhAnim="1">
-  <p:cSld>
-    <p:spTree>
-      <p:nvGrpSpPr>
-        <p:cNvPr id="1" name=""/>
-        <p:cNvGrpSpPr/>
-        <p:nvPr/>
-      </p:nvGrpSpPr>
-      <p:grpSpPr>
-        <a:xfrm>
-          <a:off x="0" y="0"/>
-          <a:ext cx="0" cy="0"/>
-          <a:chOff x="0" y="0"/>
-          <a:chExt cx="0" cy="0"/>
-        </a:xfrm>
-      </p:grpSpPr>
-      <p:sp>
-        <p:nvSpPr>
-          <p:cNvPr id="78" name="Slide Number"/>
-          <p:cNvSpPr txBox="1"/>
-          <p:nvPr>
-            <p:ph type="sldNum" sz="quarter" idx="4294967295"/>
-          </p:nvPr>
-        </p:nvSpPr>
-        <p:spPr>
-          <a:xfrm>
-            <a:off x="508000" y="10795000"/>
-            <a:ext cx="302878" cy="330200"/>
-          </a:xfrm>
-          <a:prstGeom prst="rect">
-            <a:avLst/>
-          </a:prstGeom>
-          <a:extLst>
-            <a:ext uri="{C572A759-6A51-4108-AA02-DFA0A04FC94B}">
-              <ma14:wrappingTextBoxFlag xmlns:ma14="http://schemas.microsoft.com/office/mac/drawingml/2011/main" val="1"/>
-            </a:ext>
-          </a:extLst>
-        </p:spPr>
-        <p:txBody>
-          <a:bodyPr lIns="0" tIns="0" rIns="0" bIns="0" anchor="t"/>
-          <a:lstStyle>
-            <a:lvl1pPr algn="l">
-              <a:defRPr sz="2200">
-                <a:solidFill>
-                  <a:srgbClr val="000000"/>
-                </a:solidFill>
-                <a:latin typeface="ITC Franklin Gothic Std MedCd"/>
-                <a:ea typeface="ITC Franklin Gothic Std MedCd"/>
-                <a:cs typeface="ITC Franklin Gothic Std MedCd"/>
-                <a:sym typeface="ITC Franklin Gothic Std MedCd"/>
-              </a:defRPr>
-            </a:lvl1pPr>
-          </a:lstStyle>
-          <a:p>
-            <a:pPr/>
-            <a:fld id="{86CB4B4D-7CA3-9044-876B-883B54F8677D}" type="slidenum"/>
-          </a:p>
-        </p:txBody>
-      </p:sp>
-      <p:sp>
-        <p:nvSpPr>
-          <p:cNvPr id="79" name="TextBox 3"/>
-          <p:cNvSpPr txBox="1"/>
-          <p:nvPr/>
-        </p:nvSpPr>
-        <p:spPr>
-          <a:xfrm>
-            <a:off x="1396999" y="1142998"/>
-            <a:ext cx="12954003" cy="3695701"/>
-          </a:xfrm>
-          <a:prstGeom prst="rect">
-            <a:avLst/>
-          </a:prstGeom>
-          <a:ln w="12700">
-            <a:miter lim="400000"/>
-          </a:ln>
-          <a:extLst>
-            <a:ext uri="{C572A759-6A51-4108-AA02-DFA0A04FC94B}">
-              <ma14:wrappingTextBoxFlag xmlns:ma14="http://schemas.microsoft.com/office/mac/drawingml/2011/main" val="1"/>
-            </a:ext>
-          </a:extLst>
-        </p:spPr>
-        <p:txBody>
-          <a:bodyPr lIns="0" tIns="0" rIns="0" bIns="0">
-            <a:spAutoFit/>
-          </a:bodyPr>
-          <a:lstStyle/>
-          <a:p>
-            <a:pPr>
-              <a:defRPr sz="6600">
-                <a:solidFill>
-                  <a:schemeClr val="accent1"/>
-                </a:solidFill>
-                <a:latin typeface="ITC Franklin Gothic Std Bk Cd"/>
-                <a:ea typeface="ITC Franklin Gothic Std Bk Cd"/>
-                <a:cs typeface="ITC Franklin Gothic Std Bk Cd"/>
-                <a:sym typeface="ITC Franklin Gothic Std Bk Cd"/>
-              </a:defRPr>
-            </a:pPr>
-            <a:r>
-              <a:t>Buttons to move the basketball</a:t>
-            </a:r>
-          </a:p>
-          <a:p>
-            <a:pPr>
-              <a:defRPr>
-                <a:latin typeface="ITC Franklin Gothic Std Bk Cd"/>
-                <a:ea typeface="ITC Franklin Gothic Std Bk Cd"/>
-                <a:cs typeface="ITC Franklin Gothic Std Bk Cd"/>
-                <a:sym typeface="ITC Franklin Gothic Std Bk Cd"/>
-              </a:defRPr>
-            </a:pPr>
-          </a:p>
-          <a:p>
-            <a:pPr>
-              <a:defRPr>
-                <a:latin typeface="ITC Franklin Gothic Std Bk Cd"/>
-                <a:ea typeface="ITC Franklin Gothic Std Bk Cd"/>
-                <a:cs typeface="ITC Franklin Gothic Std Bk Cd"/>
-                <a:sym typeface="ITC Franklin Gothic Std Bk Cd"/>
-              </a:defRPr>
-            </a:pPr>
-            <a:r>
-              <a:t>Insert body copy here.</a:t>
-            </a:r>
-          </a:p>
-          <a:p>
-            <a:pPr>
-              <a:defRPr>
-                <a:latin typeface="ITC Franklin Gothic Std Bk Cd"/>
-                <a:ea typeface="ITC Franklin Gothic Std Bk Cd"/>
-                <a:cs typeface="ITC Franklin Gothic Std Bk Cd"/>
-                <a:sym typeface="ITC Franklin Gothic Std Bk Cd"/>
-              </a:defRPr>
-            </a:pPr>
-          </a:p>
-          <a:p>
-            <a:pPr marL="561108" indent="-561108">
-              <a:buSzPct val="100000"/>
-              <a:buFont typeface="Arial"/>
-              <a:buChar char="•"/>
-              <a:defRPr>
-                <a:latin typeface="ITC Franklin Gothic Std Bk Cd"/>
-                <a:ea typeface="ITC Franklin Gothic Std Bk Cd"/>
-                <a:cs typeface="ITC Franklin Gothic Std Bk Cd"/>
-                <a:sym typeface="ITC Franklin Gothic Std Bk Cd"/>
-              </a:defRPr>
-            </a:pPr>
-            <a:r>
-              <a:t>left and right buttons</a:t>
-            </a:r>
-          </a:p>
-        </p:txBody>
-      </p:sp>
-    </p:spTree>
-  </p:cSld>
-  <p:clrMapOvr>
-    <a:masterClrMapping/>
-  </p:clrMapOvr>
-  <p:transition xmlns:p14="http://schemas.microsoft.com/office/powerpoint/2010/main" spd="med" advClick="1"/>
-</p:sld>
-</file>
-
-<file path=ppt/slides/slide12.xml><?xml version="1.0" encoding="utf-8"?>
-<p:sld xmlns:a="http://schemas.openxmlformats.org/drawingml/2006/main" xmlns:r="http://schemas.openxmlformats.org/officeDocument/2006/relationships" xmlns:p="http://schemas.openxmlformats.org/presentationml/2006/main" xmlns:m="http://schemas.openxmlformats.org/officeDocument/2006/math" xmlns:a14="http://schemas.microsoft.com/office/drawing/2010/main" showMasterSp="1" showMasterPhAnim="1">
-  <p:cSld>
-    <p:spTree>
-      <p:nvGrpSpPr>
-        <p:cNvPr id="1" name=""/>
-        <p:cNvGrpSpPr/>
-        <p:nvPr/>
-      </p:nvGrpSpPr>
-      <p:grpSpPr>
-        <a:xfrm>
-          <a:off x="0" y="0"/>
-          <a:ext cx="0" cy="0"/>
-          <a:chOff x="0" y="0"/>
-          <a:chExt cx="0" cy="0"/>
-        </a:xfrm>
-      </p:grpSpPr>
-      <p:sp>
-        <p:nvSpPr>
-          <p:cNvPr id="81" name="Slide Number"/>
-          <p:cNvSpPr txBox="1"/>
-          <p:nvPr>
-            <p:ph type="sldNum" sz="quarter" idx="4294967295"/>
-          </p:nvPr>
-        </p:nvSpPr>
-        <p:spPr>
-          <a:xfrm>
-            <a:off x="508000" y="10795000"/>
-            <a:ext cx="323478" cy="330200"/>
-          </a:xfrm>
-          <a:prstGeom prst="rect">
-            <a:avLst/>
-          </a:prstGeom>
-          <a:extLst>
-            <a:ext uri="{C572A759-6A51-4108-AA02-DFA0A04FC94B}">
-              <ma14:wrappingTextBoxFlag xmlns:ma14="http://schemas.microsoft.com/office/mac/drawingml/2011/main" val="1"/>
-            </a:ext>
-          </a:extLst>
-        </p:spPr>
-        <p:txBody>
-          <a:bodyPr lIns="0" tIns="0" rIns="0" bIns="0" anchor="t"/>
-          <a:lstStyle>
-            <a:lvl1pPr algn="l">
-              <a:defRPr sz="2200">
-                <a:solidFill>
-                  <a:srgbClr val="000000"/>
-                </a:solidFill>
-                <a:latin typeface="ITC Franklin Gothic Std MedCd"/>
-                <a:ea typeface="ITC Franklin Gothic Std MedCd"/>
-                <a:cs typeface="ITC Franklin Gothic Std MedCd"/>
-                <a:sym typeface="ITC Franklin Gothic Std MedCd"/>
-              </a:defRPr>
-            </a:lvl1pPr>
-          </a:lstStyle>
-          <a:p>
-            <a:pPr/>
-            <a:fld id="{86CB4B4D-7CA3-9044-876B-883B54F8677D}" type="slidenum"/>
-          </a:p>
-        </p:txBody>
-      </p:sp>
-      <p:sp>
-        <p:nvSpPr>
-          <p:cNvPr id="82" name="TextBox 3"/>
-          <p:cNvSpPr txBox="1"/>
-          <p:nvPr/>
-        </p:nvSpPr>
-        <p:spPr>
-          <a:xfrm>
-            <a:off x="1396999" y="1142998"/>
-            <a:ext cx="12954003" cy="4368801"/>
-          </a:xfrm>
-          <a:prstGeom prst="rect">
-            <a:avLst/>
-          </a:prstGeom>
-          <a:ln w="12700">
-            <a:miter lim="400000"/>
-          </a:ln>
-          <a:extLst>
-            <a:ext uri="{C572A759-6A51-4108-AA02-DFA0A04FC94B}">
-              <ma14:wrappingTextBoxFlag xmlns:ma14="http://schemas.microsoft.com/office/mac/drawingml/2011/main" val="1"/>
-            </a:ext>
-          </a:extLst>
-        </p:spPr>
-        <p:txBody>
-          <a:bodyPr lIns="0" tIns="0" rIns="0" bIns="0">
-            <a:spAutoFit/>
-          </a:bodyPr>
-          <a:lstStyle/>
-          <a:p>
-            <a:pPr>
-              <a:defRPr sz="6600">
-                <a:solidFill>
-                  <a:schemeClr val="accent1"/>
-                </a:solidFill>
-                <a:latin typeface="ITC Franklin Gothic Std Bk Cd"/>
-                <a:ea typeface="ITC Franklin Gothic Std Bk Cd"/>
-                <a:cs typeface="ITC Franklin Gothic Std Bk Cd"/>
-                <a:sym typeface="ITC Franklin Gothic Std Bk Cd"/>
-              </a:defRPr>
-            </a:pPr>
-            <a:r>
-              <a:t>Shoot the basketball upward</a:t>
-            </a:r>
-          </a:p>
-          <a:p>
-            <a:pPr>
-              <a:defRPr>
-                <a:latin typeface="ITC Franklin Gothic Std Bk Cd"/>
-                <a:ea typeface="ITC Franklin Gothic Std Bk Cd"/>
-                <a:cs typeface="ITC Franklin Gothic Std Bk Cd"/>
-                <a:sym typeface="ITC Franklin Gothic Std Bk Cd"/>
-              </a:defRPr>
-            </a:pPr>
-          </a:p>
-          <a:p>
-            <a:pPr>
-              <a:defRPr>
-                <a:latin typeface="ITC Franklin Gothic Std Bk Cd"/>
-                <a:ea typeface="ITC Franklin Gothic Std Bk Cd"/>
-                <a:cs typeface="ITC Franklin Gothic Std Bk Cd"/>
-                <a:sym typeface="ITC Franklin Gothic Std Bk Cd"/>
-              </a:defRPr>
-            </a:pPr>
-            <a:r>
-              <a:t>Insert body copy here.</a:t>
-            </a:r>
-          </a:p>
-          <a:p>
-            <a:pPr>
-              <a:defRPr>
-                <a:latin typeface="ITC Franklin Gothic Std Bk Cd"/>
-                <a:ea typeface="ITC Franklin Gothic Std Bk Cd"/>
-                <a:cs typeface="ITC Franklin Gothic Std Bk Cd"/>
-                <a:sym typeface="ITC Franklin Gothic Std Bk Cd"/>
-              </a:defRPr>
-            </a:pPr>
-          </a:p>
-          <a:p>
-            <a:pPr marL="561108" indent="-561108">
-              <a:buSzPct val="100000"/>
-              <a:buFont typeface="Arial"/>
-              <a:buChar char="•"/>
-              <a:defRPr>
-                <a:latin typeface="ITC Franklin Gothic Std Bk Cd"/>
-                <a:ea typeface="ITC Franklin Gothic Std Bk Cd"/>
-                <a:cs typeface="ITC Franklin Gothic Std Bk Cd"/>
-                <a:sym typeface="ITC Franklin Gothic Std Bk Cd"/>
-              </a:defRPr>
-            </a:pPr>
-            <a:r>
-              <a:t>add shoot button</a:t>
-            </a:r>
-          </a:p>
-        </p:txBody>
-      </p:sp>
-    </p:spTree>
-  </p:cSld>
-  <p:clrMapOvr>
-    <a:masterClrMapping/>
-  </p:clrMapOvr>
-  <p:transition xmlns:p14="http://schemas.microsoft.com/office/powerpoint/2010/main" spd="med" advClick="1"/>
-</p:sld>
-</file>
-
-<file path=ppt/slides/slide13.xml><?xml version="1.0" encoding="utf-8"?>
-<p:sld xmlns:a="http://schemas.openxmlformats.org/drawingml/2006/main" xmlns:r="http://schemas.openxmlformats.org/officeDocument/2006/relationships" xmlns:p="http://schemas.openxmlformats.org/presentationml/2006/main" xmlns:m="http://schemas.openxmlformats.org/officeDocument/2006/math" xmlns:a14="http://schemas.microsoft.com/office/drawing/2010/main" showMasterSp="1" showMasterPhAnim="1">
-  <p:cSld>
-    <p:spTree>
-      <p:nvGrpSpPr>
-        <p:cNvPr id="1" name=""/>
-        <p:cNvGrpSpPr/>
-        <p:nvPr/>
-      </p:nvGrpSpPr>
-      <p:grpSpPr>
-        <a:xfrm>
-          <a:off x="0" y="0"/>
-          <a:ext cx="0" cy="0"/>
-          <a:chOff x="0" y="0"/>
-          <a:chExt cx="0" cy="0"/>
-        </a:xfrm>
-      </p:grpSpPr>
-      <p:sp>
-        <p:nvSpPr>
-          <p:cNvPr id="84" name="Slide Number"/>
-          <p:cNvSpPr txBox="1"/>
-          <p:nvPr>
-            <p:ph type="sldNum" sz="quarter" idx="4294967295"/>
-          </p:nvPr>
-        </p:nvSpPr>
-        <p:spPr>
-          <a:xfrm>
-            <a:off x="508000" y="10795000"/>
-            <a:ext cx="323478" cy="330200"/>
-          </a:xfrm>
-          <a:prstGeom prst="rect">
-            <a:avLst/>
-          </a:prstGeom>
-          <a:extLst>
-            <a:ext uri="{C572A759-6A51-4108-AA02-DFA0A04FC94B}">
-              <ma14:wrappingTextBoxFlag xmlns:ma14="http://schemas.microsoft.com/office/mac/drawingml/2011/main" val="1"/>
-            </a:ext>
-          </a:extLst>
-        </p:spPr>
-        <p:txBody>
-          <a:bodyPr lIns="0" tIns="0" rIns="0" bIns="0" anchor="t"/>
-          <a:lstStyle>
-            <a:lvl1pPr algn="l">
-              <a:defRPr sz="2200">
-                <a:solidFill>
-                  <a:srgbClr val="000000"/>
-                </a:solidFill>
-                <a:latin typeface="ITC Franklin Gothic Std MedCd"/>
-                <a:ea typeface="ITC Franklin Gothic Std MedCd"/>
-                <a:cs typeface="ITC Franklin Gothic Std MedCd"/>
-                <a:sym typeface="ITC Franklin Gothic Std MedCd"/>
-              </a:defRPr>
-            </a:lvl1pPr>
-          </a:lstStyle>
-          <a:p>
-            <a:pPr/>
-            <a:fld id="{86CB4B4D-7CA3-9044-876B-883B54F8677D}" type="slidenum"/>
-          </a:p>
-        </p:txBody>
-      </p:sp>
-      <p:sp>
-        <p:nvSpPr>
-          <p:cNvPr id="85" name="TextBox 3"/>
-          <p:cNvSpPr txBox="1"/>
-          <p:nvPr/>
-        </p:nvSpPr>
-        <p:spPr>
-          <a:xfrm>
-            <a:off x="1396999" y="1142998"/>
-            <a:ext cx="12954003" cy="3695701"/>
-          </a:xfrm>
-          <a:prstGeom prst="rect">
-            <a:avLst/>
-          </a:prstGeom>
-          <a:ln w="12700">
-            <a:miter lim="400000"/>
-          </a:ln>
-          <a:extLst>
-            <a:ext uri="{C572A759-6A51-4108-AA02-DFA0A04FC94B}">
-              <ma14:wrappingTextBoxFlag xmlns:ma14="http://schemas.microsoft.com/office/mac/drawingml/2011/main" val="1"/>
-            </a:ext>
-          </a:extLst>
-        </p:spPr>
-        <p:txBody>
-          <a:bodyPr lIns="0" tIns="0" rIns="0" bIns="0">
-            <a:spAutoFit/>
-          </a:bodyPr>
-          <a:lstStyle/>
-          <a:p>
-            <a:pPr>
-              <a:defRPr sz="6600">
-                <a:solidFill>
-                  <a:schemeClr val="accent1"/>
-                </a:solidFill>
-                <a:latin typeface="ITC Franklin Gothic Std Bk Cd"/>
-                <a:ea typeface="ITC Franklin Gothic Std Bk Cd"/>
-                <a:cs typeface="ITC Franklin Gothic Std Bk Cd"/>
-                <a:sym typeface="ITC Franklin Gothic Std Bk Cd"/>
-              </a:defRPr>
-            </a:pPr>
-            <a:r>
-              <a:t>Use dy to move upward</a:t>
-            </a:r>
-          </a:p>
-          <a:p>
-            <a:pPr>
-              <a:defRPr>
-                <a:latin typeface="ITC Franklin Gothic Std Bk Cd"/>
-                <a:ea typeface="ITC Franklin Gothic Std Bk Cd"/>
-                <a:cs typeface="ITC Franklin Gothic Std Bk Cd"/>
-                <a:sym typeface="ITC Franklin Gothic Std Bk Cd"/>
-              </a:defRPr>
-            </a:pPr>
-          </a:p>
-          <a:p>
-            <a:pPr>
-              <a:defRPr>
-                <a:latin typeface="ITC Franklin Gothic Std Bk Cd"/>
-                <a:ea typeface="ITC Franklin Gothic Std Bk Cd"/>
-                <a:cs typeface="ITC Franklin Gothic Std Bk Cd"/>
-                <a:sym typeface="ITC Franklin Gothic Std Bk Cd"/>
-              </a:defRPr>
-            </a:pPr>
-            <a:r>
-              <a:t>Insert body copy here.</a:t>
-            </a:r>
-          </a:p>
-          <a:p>
-            <a:pPr>
-              <a:defRPr>
-                <a:latin typeface="ITC Franklin Gothic Std Bk Cd"/>
-                <a:ea typeface="ITC Franklin Gothic Std Bk Cd"/>
-                <a:cs typeface="ITC Franklin Gothic Std Bk Cd"/>
-                <a:sym typeface="ITC Franklin Gothic Std Bk Cd"/>
-              </a:defRPr>
-            </a:pPr>
-          </a:p>
-          <a:p>
-            <a:pPr marL="561108" indent="-561108">
-              <a:buSzPct val="100000"/>
-              <a:buFont typeface="Arial"/>
-              <a:buChar char="•"/>
-              <a:defRPr>
-                <a:latin typeface="ITC Franklin Gothic Std Bk Cd"/>
-                <a:ea typeface="ITC Franklin Gothic Std Bk Cd"/>
-                <a:cs typeface="ITC Franklin Gothic Std Bk Cd"/>
-                <a:sym typeface="ITC Franklin Gothic Std Bk Cd"/>
-              </a:defRPr>
-            </a:pPr>
-            <a:r>
-              <a:t>Insert first bullet point here</a:t>
-            </a:r>
-          </a:p>
-        </p:txBody>
-      </p:sp>
-    </p:spTree>
-  </p:cSld>
-  <p:clrMapOvr>
-    <a:masterClrMapping/>
-  </p:clrMapOvr>
-  <p:transition xmlns:p14="http://schemas.microsoft.com/office/powerpoint/2010/main" spd="med" advClick="1"/>
-</p:sld>
-</file>
-
-<file path=ppt/slides/slide14.xml><?xml version="1.0" encoding="utf-8"?>
-<p:sld xmlns:a="http://schemas.openxmlformats.org/drawingml/2006/main" xmlns:r="http://schemas.openxmlformats.org/officeDocument/2006/relationships" xmlns:p="http://schemas.openxmlformats.org/presentationml/2006/main" xmlns:m="http://schemas.openxmlformats.org/officeDocument/2006/math" xmlns:a14="http://schemas.microsoft.com/office/drawing/2010/main" showMasterSp="1" showMasterPhAnim="1">
-  <p:cSld>
-    <p:spTree>
-      <p:nvGrpSpPr>
-        <p:cNvPr id="1" name=""/>
-        <p:cNvGrpSpPr/>
-        <p:nvPr/>
-      </p:nvGrpSpPr>
-      <p:grpSpPr>
-        <a:xfrm>
-          <a:off x="0" y="0"/>
-          <a:ext cx="0" cy="0"/>
-          <a:chOff x="0" y="0"/>
-          <a:chExt cx="0" cy="0"/>
-        </a:xfrm>
-      </p:grpSpPr>
-      <p:sp>
-        <p:nvSpPr>
-          <p:cNvPr id="87" name="Slide Number"/>
-          <p:cNvSpPr txBox="1"/>
-          <p:nvPr>
-            <p:ph type="sldNum" sz="quarter" idx="4294967295"/>
-          </p:nvPr>
-        </p:nvSpPr>
-        <p:spPr>
-          <a:xfrm>
-            <a:off x="508000" y="10795000"/>
-            <a:ext cx="323478" cy="330200"/>
-          </a:xfrm>
-          <a:prstGeom prst="rect">
-            <a:avLst/>
-          </a:prstGeom>
-          <a:extLst>
-            <a:ext uri="{C572A759-6A51-4108-AA02-DFA0A04FC94B}">
-              <ma14:wrappingTextBoxFlag xmlns:ma14="http://schemas.microsoft.com/office/mac/drawingml/2011/main" val="1"/>
-            </a:ext>
-          </a:extLst>
-        </p:spPr>
-        <p:txBody>
-          <a:bodyPr lIns="0" tIns="0" rIns="0" bIns="0" anchor="t"/>
-          <a:lstStyle>
-            <a:lvl1pPr algn="l">
-              <a:defRPr sz="2200">
-                <a:solidFill>
-                  <a:srgbClr val="000000"/>
-                </a:solidFill>
-                <a:latin typeface="ITC Franklin Gothic Std MedCd"/>
-                <a:ea typeface="ITC Franklin Gothic Std MedCd"/>
-                <a:cs typeface="ITC Franklin Gothic Std MedCd"/>
-                <a:sym typeface="ITC Franklin Gothic Std MedCd"/>
-              </a:defRPr>
-            </a:lvl1pPr>
-          </a:lstStyle>
-          <a:p>
-            <a:pPr/>
-            <a:fld id="{86CB4B4D-7CA3-9044-876B-883B54F8677D}" type="slidenum"/>
-          </a:p>
-        </p:txBody>
-      </p:sp>
-      <p:sp>
-        <p:nvSpPr>
-          <p:cNvPr id="88" name="TextBox 3"/>
-          <p:cNvSpPr txBox="1"/>
-          <p:nvPr/>
-        </p:nvSpPr>
-        <p:spPr>
-          <a:xfrm>
-            <a:off x="1396999" y="1142998"/>
-            <a:ext cx="12954003" cy="5715001"/>
-          </a:xfrm>
-          <a:prstGeom prst="rect">
-            <a:avLst/>
-          </a:prstGeom>
-          <a:ln w="12700">
-            <a:miter lim="400000"/>
-          </a:ln>
-          <a:extLst>
-            <a:ext uri="{C572A759-6A51-4108-AA02-DFA0A04FC94B}">
-              <ma14:wrappingTextBoxFlag xmlns:ma14="http://schemas.microsoft.com/office/mac/drawingml/2011/main" val="1"/>
-            </a:ext>
-          </a:extLst>
-        </p:spPr>
-        <p:txBody>
-          <a:bodyPr lIns="0" tIns="0" rIns="0" bIns="0">
-            <a:spAutoFit/>
-          </a:bodyPr>
-          <a:lstStyle/>
-          <a:p>
-            <a:pPr>
-              <a:defRPr sz="6600">
-                <a:solidFill>
-                  <a:schemeClr val="accent1"/>
-                </a:solidFill>
-                <a:latin typeface="ITC Franklin Gothic Std Bk Cd"/>
-                <a:ea typeface="ITC Franklin Gothic Std Bk Cd"/>
-                <a:cs typeface="ITC Franklin Gothic Std Bk Cd"/>
-                <a:sym typeface="ITC Franklin Gothic Std Bk Cd"/>
-              </a:defRPr>
-            </a:pPr>
-            <a:r>
-              <a:t>Gravity! We need Gravity!</a:t>
-            </a:r>
-          </a:p>
-          <a:p>
-            <a:pPr>
-              <a:defRPr>
-                <a:latin typeface="ITC Franklin Gothic Std Bk Cd"/>
-                <a:ea typeface="ITC Franklin Gothic Std Bk Cd"/>
-                <a:cs typeface="ITC Franklin Gothic Std Bk Cd"/>
-                <a:sym typeface="ITC Franklin Gothic Std Bk Cd"/>
-              </a:defRPr>
-            </a:pPr>
-          </a:p>
-          <a:p>
-            <a:pPr>
-              <a:defRPr>
-                <a:latin typeface="ITC Franklin Gothic Std Bk Cd"/>
-                <a:ea typeface="ITC Franklin Gothic Std Bk Cd"/>
-                <a:cs typeface="ITC Franklin Gothic Std Bk Cd"/>
-                <a:sym typeface="ITC Franklin Gothic Std Bk Cd"/>
-              </a:defRPr>
-            </a:pPr>
-            <a:r>
-              <a:t>Insert body copy here.</a:t>
-            </a:r>
-          </a:p>
-          <a:p>
-            <a:pPr>
-              <a:defRPr>
-                <a:latin typeface="ITC Franklin Gothic Std Bk Cd"/>
-                <a:ea typeface="ITC Franklin Gothic Std Bk Cd"/>
-                <a:cs typeface="ITC Franklin Gothic Std Bk Cd"/>
-                <a:sym typeface="ITC Franklin Gothic Std Bk Cd"/>
-              </a:defRPr>
-            </a:pPr>
-          </a:p>
-          <a:p>
-            <a:pPr marL="561108" indent="-561108">
-              <a:buSzPct val="100000"/>
-              <a:buFont typeface="Arial"/>
-              <a:buChar char="•"/>
-              <a:defRPr>
-                <a:latin typeface="ITC Franklin Gothic Std Bk Cd"/>
-                <a:ea typeface="ITC Franklin Gothic Std Bk Cd"/>
-                <a:cs typeface="ITC Franklin Gothic Std Bk Cd"/>
-                <a:sym typeface="ITC Franklin Gothic Std Bk Cd"/>
-              </a:defRPr>
-            </a:pPr>
-            <a:r>
-              <a:t>add gravity</a:t>
-            </a:r>
-          </a:p>
-          <a:p>
-            <a:pPr marL="561108" indent="-561108">
-              <a:buSzPct val="100000"/>
-              <a:buFont typeface="Arial"/>
-              <a:buChar char="•"/>
-              <a:defRPr>
-                <a:latin typeface="ITC Franklin Gothic Std Bk Cd"/>
-                <a:ea typeface="ITC Franklin Gothic Std Bk Cd"/>
-                <a:cs typeface="ITC Franklin Gothic Std Bk Cd"/>
-                <a:sym typeface="ITC Franklin Gothic Std Bk Cd"/>
-              </a:defRPr>
-            </a:pPr>
-            <a:r>
-              <a:t>two issues:</a:t>
-            </a:r>
-          </a:p>
-          <a:p>
-            <a:pPr lvl="5" marL="561108" indent="-561108">
-              <a:buSzPct val="100000"/>
-              <a:buFont typeface="Arial"/>
-              <a:buChar char="•"/>
-              <a:defRPr>
-                <a:latin typeface="ITC Franklin Gothic Std Bk Cd"/>
-                <a:ea typeface="ITC Franklin Gothic Std Bk Cd"/>
-                <a:cs typeface="ITC Franklin Gothic Std Bk Cd"/>
-                <a:sym typeface="ITC Franklin Gothic Std Bk Cd"/>
-              </a:defRPr>
-            </a:pPr>
-            <a:r>
-              <a:t>watch hoop fall</a:t>
-            </a:r>
-          </a:p>
-          <a:p>
-            <a:pPr lvl="2" marL="561108" indent="-561108">
-              <a:buSzPct val="100000"/>
-              <a:buFont typeface="Arial"/>
-              <a:buChar char="•"/>
-              <a:defRPr>
-                <a:latin typeface="ITC Franklin Gothic Std Bk Cd"/>
-                <a:ea typeface="ITC Franklin Gothic Std Bk Cd"/>
-                <a:cs typeface="ITC Franklin Gothic Std Bk Cd"/>
-                <a:sym typeface="ITC Franklin Gothic Std Bk Cd"/>
-              </a:defRPr>
-            </a:pPr>
-            <a:r>
-              <a:t>and watch both fall through the floor</a:t>
-            </a:r>
-          </a:p>
-        </p:txBody>
-      </p:sp>
-    </p:spTree>
-  </p:cSld>
-  <p:clrMapOvr>
-    <a:masterClrMapping/>
-  </p:clrMapOvr>
-  <p:transition xmlns:p14="http://schemas.microsoft.com/office/powerpoint/2010/main" spd="med" advClick="1"/>
-</p:sld>
-</file>
-
-<file path=ppt/slides/slide15.xml><?xml version="1.0" encoding="utf-8"?>
-<p:sld xmlns:a="http://schemas.openxmlformats.org/drawingml/2006/main" xmlns:r="http://schemas.openxmlformats.org/officeDocument/2006/relationships" xmlns:p="http://schemas.openxmlformats.org/presentationml/2006/main" xmlns:m="http://schemas.openxmlformats.org/officeDocument/2006/math" xmlns:a14="http://schemas.microsoft.com/office/drawing/2010/main" showMasterSp="1" showMasterPhAnim="1">
+<p:sld xmlns:a="http://schemas.openxmlformats.org/drawingml/2006/main" xmlns:r="http://schemas.openxmlformats.org/officeDocument/2006/relationships" xmlns:p="http://schemas.openxmlformats.org/presentationml/2006/main">
   <p:cSld>
     <p:spTree>
       <p:nvGrpSpPr>
@@ -3328,7 +2633,9 @@
       <p:sp>
         <p:nvSpPr>
           <p:cNvPr id="90" name="Slide Number"/>
-          <p:cNvSpPr txBox="1"/>
+          <p:cNvSpPr txBox="1">
+            <a:spLocks noGrp="1"/>
+          </p:cNvSpPr>
           <p:nvPr>
             <p:ph type="sldNum" sz="quarter" idx="4294967295"/>
           </p:nvPr>
@@ -3343,7 +2650,7 @@
           </a:prstGeom>
           <a:extLst>
             <a:ext uri="{C572A759-6A51-4108-AA02-DFA0A04FC94B}">
-              <ma14:wrappingTextBoxFlag xmlns:ma14="http://schemas.microsoft.com/office/mac/drawingml/2011/main" val="1"/>
+              <ma14:wrappingTextBoxFlag xmlns:ma14="http://schemas.microsoft.com/office/mac/drawingml/2011/main" xmlns:a14="http://schemas.microsoft.com/office/drawing/2010/main" xmlns:m="http://schemas.openxmlformats.org/officeDocument/2006/math" xmlns="" val="1"/>
             </a:ext>
           </a:extLst>
         </p:spPr>
@@ -3363,8 +2670,11 @@
             </a:lvl1pPr>
           </a:lstStyle>
           <a:p>
-            <a:pPr/>
-            <a:fld id="{86CB4B4D-7CA3-9044-876B-883B54F8677D}" type="slidenum"/>
+            <a:fld id="{86CB4B4D-7CA3-9044-876B-883B54F8677D}" type="slidenum">
+              <a:rPr/>
+              <a:t>11</a:t>
+            </a:fld>
+            <a:endParaRPr/>
           </a:p>
         </p:txBody>
       </p:sp>
@@ -3377,7 +2687,7 @@
         <p:spPr>
           <a:xfrm>
             <a:off x="1396999" y="1142998"/>
-            <a:ext cx="12954003" cy="3695701"/>
+            <a:ext cx="13810917" cy="7971413"/>
           </a:xfrm>
           <a:prstGeom prst="rect">
             <a:avLst/>
@@ -3387,12 +2697,12 @@
           </a:ln>
           <a:extLst>
             <a:ext uri="{C572A759-6A51-4108-AA02-DFA0A04FC94B}">
-              <ma14:wrappingTextBoxFlag xmlns:ma14="http://schemas.microsoft.com/office/mac/drawingml/2011/main" val="1"/>
+              <ma14:wrappingTextBoxFlag xmlns:ma14="http://schemas.microsoft.com/office/mac/drawingml/2011/main" xmlns:a14="http://schemas.microsoft.com/office/drawing/2010/main" xmlns:m="http://schemas.openxmlformats.org/officeDocument/2006/math" xmlns="" val="1"/>
             </a:ext>
           </a:extLst>
         </p:spPr>
         <p:txBody>
-          <a:bodyPr lIns="0" tIns="0" rIns="0" bIns="0">
+          <a:bodyPr wrap="square" lIns="0" tIns="0" rIns="0" bIns="0">
             <a:spAutoFit/>
           </a:bodyPr>
           <a:lstStyle/>
@@ -3409,6 +2719,7 @@
               </a:defRPr>
             </a:pPr>
             <a:r>
+              <a:rPr dirty="0"/>
               <a:t>A hoop is not a basketball</a:t>
             </a:r>
           </a:p>
@@ -3421,6 +2732,7 @@
                 <a:sym typeface="ITC Franklin Gothic Std Bk Cd"/>
               </a:defRPr>
             </a:pPr>
+            <a:endParaRPr dirty="0"/>
           </a:p>
           <a:p>
             <a:pPr>
@@ -3432,7 +2744,11 @@
               </a:defRPr>
             </a:pPr>
             <a:r>
-              <a:t>Insert body copy here.</a:t>
+              <a:rPr lang="en-US" sz="2800" dirty="0">
+                <a:latin typeface="Courier New" panose="02070309020205020404" pitchFamily="49" charset="0"/>
+                <a:cs typeface="Courier New" panose="02070309020205020404" pitchFamily="49" charset="0"/>
+              </a:rPr>
+              <a:t>// Let’s add a flag for that</a:t>
             </a:r>
           </a:p>
           <a:p>
@@ -3444,12 +2760,16 @@
                 <a:sym typeface="ITC Franklin Gothic Std Bk Cd"/>
               </a:defRPr>
             </a:pPr>
-          </a:p>
-          <a:p>
-            <a:pPr marL="561108" indent="-561108">
-              <a:buSzPct val="100000"/>
-              <a:buFont typeface="Arial"/>
-              <a:buChar char="•"/>
+            <a:r>
+              <a:rPr lang="en-US" sz="2800" dirty="0">
+                <a:latin typeface="Courier New" panose="02070309020205020404" pitchFamily="49" charset="0"/>
+                <a:cs typeface="Courier New" panose="02070309020205020404" pitchFamily="49" charset="0"/>
+              </a:rPr>
+              <a:t>// add the characters in bold</a:t>
+            </a:r>
+          </a:p>
+          <a:p>
+            <a:pPr>
               <a:defRPr>
                 <a:latin typeface="ITC Franklin Gothic Std Bk Cd"/>
                 <a:ea typeface="ITC Franklin Gothic Std Bk Cd"/>
@@ -3457,9 +2777,236 @@
                 <a:sym typeface="ITC Franklin Gothic Std Bk Cd"/>
               </a:defRPr>
             </a:pPr>
-            <a:r>
-              <a:t>Insert first bullet point here</a:t>
-            </a:r>
+            <a:endParaRPr lang="en-US" sz="2800" dirty="0">
+              <a:latin typeface="Courier New" panose="02070309020205020404" pitchFamily="49" charset="0"/>
+              <a:cs typeface="Courier New" panose="02070309020205020404" pitchFamily="49" charset="0"/>
+            </a:endParaRPr>
+          </a:p>
+          <a:p>
+            <a:pPr>
+              <a:defRPr>
+                <a:latin typeface="ITC Franklin Gothic Std Bk Cd"/>
+                <a:ea typeface="ITC Franklin Gothic Std Bk Cd"/>
+                <a:cs typeface="ITC Franklin Gothic Std Bk Cd"/>
+                <a:sym typeface="ITC Franklin Gothic Std Bk Cd"/>
+              </a:defRPr>
+            </a:pPr>
+            <a:r>
+              <a:rPr lang="en-US" sz="2800" dirty="0">
+                <a:latin typeface="Courier New" panose="02070309020205020404" pitchFamily="49" charset="0"/>
+                <a:cs typeface="Courier New" panose="02070309020205020404" pitchFamily="49" charset="0"/>
+              </a:rPr>
+              <a:t>function Circle(color_, fill_, x_, y_, dx_, </a:t>
+            </a:r>
+            <a:r>
+              <a:rPr lang="en-US" sz="2800" dirty="0" err="1">
+                <a:latin typeface="Courier New" panose="02070309020205020404" pitchFamily="49" charset="0"/>
+                <a:cs typeface="Courier New" panose="02070309020205020404" pitchFamily="49" charset="0"/>
+              </a:rPr>
+              <a:t>dy</a:t>
+            </a:r>
+            <a:r>
+              <a:rPr lang="en-US" sz="2800" dirty="0">
+                <a:latin typeface="Courier New" panose="02070309020205020404" pitchFamily="49" charset="0"/>
+                <a:cs typeface="Courier New" panose="02070309020205020404" pitchFamily="49" charset="0"/>
+              </a:rPr>
+              <a:t>_, r_</a:t>
+            </a:r>
+            <a:r>
+              <a:rPr lang="en-US" sz="2800" b="1" dirty="0">
+                <a:latin typeface="Courier New" panose="02070309020205020404" pitchFamily="49" charset="0"/>
+                <a:cs typeface="Courier New" panose="02070309020205020404" pitchFamily="49" charset="0"/>
+              </a:rPr>
+              <a:t>, </a:t>
+            </a:r>
+            <a:r>
+              <a:rPr lang="en-US" sz="2800" b="1" dirty="0" err="1">
+                <a:latin typeface="Courier New" panose="02070309020205020404" pitchFamily="49" charset="0"/>
+                <a:cs typeface="Courier New" panose="02070309020205020404" pitchFamily="49" charset="0"/>
+              </a:rPr>
+              <a:t>isBall</a:t>
+            </a:r>
+            <a:r>
+              <a:rPr lang="en-US" sz="2800" b="1" dirty="0">
+                <a:latin typeface="Courier New" panose="02070309020205020404" pitchFamily="49" charset="0"/>
+                <a:cs typeface="Courier New" panose="02070309020205020404" pitchFamily="49" charset="0"/>
+              </a:rPr>
+              <a:t>_</a:t>
+            </a:r>
+            <a:r>
+              <a:rPr lang="en-US" sz="2800" dirty="0">
+                <a:latin typeface="Courier New" panose="02070309020205020404" pitchFamily="49" charset="0"/>
+                <a:cs typeface="Courier New" panose="02070309020205020404" pitchFamily="49" charset="0"/>
+              </a:rPr>
+              <a:t>)</a:t>
+            </a:r>
+          </a:p>
+          <a:p>
+            <a:pPr>
+              <a:defRPr>
+                <a:latin typeface="ITC Franklin Gothic Std Bk Cd"/>
+                <a:ea typeface="ITC Franklin Gothic Std Bk Cd"/>
+                <a:cs typeface="ITC Franklin Gothic Std Bk Cd"/>
+                <a:sym typeface="ITC Franklin Gothic Std Bk Cd"/>
+              </a:defRPr>
+            </a:pPr>
+            <a:endParaRPr lang="en-US" sz="2800" dirty="0">
+              <a:latin typeface="Courier New" panose="02070309020205020404" pitchFamily="49" charset="0"/>
+              <a:cs typeface="Courier New" panose="02070309020205020404" pitchFamily="49" charset="0"/>
+            </a:endParaRPr>
+          </a:p>
+          <a:p>
+            <a:pPr>
+              <a:defRPr>
+                <a:latin typeface="ITC Franklin Gothic Std Bk Cd"/>
+                <a:ea typeface="ITC Franklin Gothic Std Bk Cd"/>
+                <a:cs typeface="ITC Franklin Gothic Std Bk Cd"/>
+                <a:sym typeface="ITC Franklin Gothic Std Bk Cd"/>
+              </a:defRPr>
+            </a:pPr>
+            <a:r>
+              <a:rPr lang="en-US" sz="2800" dirty="0">
+                <a:latin typeface="Courier New" panose="02070309020205020404" pitchFamily="49" charset="0"/>
+                <a:cs typeface="Courier New" panose="02070309020205020404" pitchFamily="49" charset="0"/>
+              </a:rPr>
+              <a:t>// add this line</a:t>
+            </a:r>
+          </a:p>
+          <a:p>
+            <a:pPr>
+              <a:defRPr>
+                <a:latin typeface="ITC Franklin Gothic Std Bk Cd"/>
+                <a:ea typeface="ITC Franklin Gothic Std Bk Cd"/>
+                <a:cs typeface="ITC Franklin Gothic Std Bk Cd"/>
+                <a:sym typeface="ITC Franklin Gothic Std Bk Cd"/>
+              </a:defRPr>
+            </a:pPr>
+            <a:r>
+              <a:rPr lang="en-US" sz="2800" dirty="0" err="1">
+                <a:latin typeface="Courier New" panose="02070309020205020404" pitchFamily="49" charset="0"/>
+                <a:cs typeface="Courier New" panose="02070309020205020404" pitchFamily="49" charset="0"/>
+              </a:rPr>
+              <a:t>this.isBall</a:t>
+            </a:r>
+            <a:r>
+              <a:rPr lang="en-US" sz="2800" dirty="0">
+                <a:latin typeface="Courier New" panose="02070309020205020404" pitchFamily="49" charset="0"/>
+                <a:cs typeface="Courier New" panose="02070309020205020404" pitchFamily="49" charset="0"/>
+              </a:rPr>
+              <a:t> = </a:t>
+            </a:r>
+            <a:r>
+              <a:rPr lang="en-US" sz="2800" dirty="0" err="1">
+                <a:latin typeface="Courier New" panose="02070309020205020404" pitchFamily="49" charset="0"/>
+                <a:cs typeface="Courier New" panose="02070309020205020404" pitchFamily="49" charset="0"/>
+              </a:rPr>
+              <a:t>isBall</a:t>
+            </a:r>
+            <a:r>
+              <a:rPr lang="en-US" sz="2800" dirty="0">
+                <a:latin typeface="Courier New" panose="02070309020205020404" pitchFamily="49" charset="0"/>
+                <a:cs typeface="Courier New" panose="02070309020205020404" pitchFamily="49" charset="0"/>
+              </a:rPr>
+              <a:t>_;</a:t>
+            </a:r>
+          </a:p>
+          <a:p>
+            <a:pPr>
+              <a:defRPr>
+                <a:latin typeface="ITC Franklin Gothic Std Bk Cd"/>
+                <a:ea typeface="ITC Franklin Gothic Std Bk Cd"/>
+                <a:cs typeface="ITC Franklin Gothic Std Bk Cd"/>
+                <a:sym typeface="ITC Franklin Gothic Std Bk Cd"/>
+              </a:defRPr>
+            </a:pPr>
+            <a:endParaRPr lang="en-US" sz="2800" dirty="0">
+              <a:latin typeface="Courier New" panose="02070309020205020404" pitchFamily="49" charset="0"/>
+              <a:cs typeface="Courier New" panose="02070309020205020404" pitchFamily="49" charset="0"/>
+            </a:endParaRPr>
+          </a:p>
+          <a:p>
+            <a:pPr>
+              <a:defRPr>
+                <a:latin typeface="ITC Franklin Gothic Std Bk Cd"/>
+                <a:ea typeface="ITC Franklin Gothic Std Bk Cd"/>
+                <a:cs typeface="ITC Franklin Gothic Std Bk Cd"/>
+                <a:sym typeface="ITC Franklin Gothic Std Bk Cd"/>
+              </a:defRPr>
+            </a:pPr>
+            <a:r>
+              <a:rPr lang="en-US" sz="2800" dirty="0">
+                <a:latin typeface="Courier New" panose="02070309020205020404" pitchFamily="49" charset="0"/>
+                <a:cs typeface="Courier New" panose="02070309020205020404" pitchFamily="49" charset="0"/>
+              </a:rPr>
+              <a:t>// add characters in bold</a:t>
+            </a:r>
+          </a:p>
+          <a:p>
+            <a:pPr>
+              <a:defRPr>
+                <a:latin typeface="ITC Franklin Gothic Std Bk Cd"/>
+                <a:ea typeface="ITC Franklin Gothic Std Bk Cd"/>
+                <a:cs typeface="ITC Franklin Gothic Std Bk Cd"/>
+                <a:sym typeface="ITC Franklin Gothic Std Bk Cd"/>
+              </a:defRPr>
+            </a:pPr>
+            <a:r>
+              <a:rPr lang="en-US" sz="2800" b="1" dirty="0">
+                <a:latin typeface="Courier New" panose="02070309020205020404" pitchFamily="49" charset="0"/>
+                <a:cs typeface="Courier New" panose="02070309020205020404" pitchFamily="49" charset="0"/>
+              </a:rPr>
+              <a:t>if ( </a:t>
+            </a:r>
+            <a:r>
+              <a:rPr lang="en-US" sz="2800" b="1" dirty="0" err="1">
+                <a:latin typeface="Courier New" panose="02070309020205020404" pitchFamily="49" charset="0"/>
+                <a:cs typeface="Courier New" panose="02070309020205020404" pitchFamily="49" charset="0"/>
+              </a:rPr>
+              <a:t>this.isBall</a:t>
+            </a:r>
+            <a:r>
+              <a:rPr lang="en-US" sz="2800" b="1" dirty="0">
+                <a:latin typeface="Courier New" panose="02070309020205020404" pitchFamily="49" charset="0"/>
+                <a:cs typeface="Courier New" panose="02070309020205020404" pitchFamily="49" charset="0"/>
+              </a:rPr>
+              <a:t> )</a:t>
+            </a:r>
+            <a:r>
+              <a:rPr lang="en-US" sz="2800" dirty="0">
+                <a:latin typeface="Courier New" panose="02070309020205020404" pitchFamily="49" charset="0"/>
+                <a:cs typeface="Courier New" panose="02070309020205020404" pitchFamily="49" charset="0"/>
+              </a:rPr>
+              <a:t> </a:t>
+            </a:r>
+            <a:r>
+              <a:rPr lang="en-US" sz="2800" dirty="0" err="1">
+                <a:latin typeface="Courier New" panose="02070309020205020404" pitchFamily="49" charset="0"/>
+                <a:cs typeface="Courier New" panose="02070309020205020404" pitchFamily="49" charset="0"/>
+              </a:rPr>
+              <a:t>this.dy</a:t>
+            </a:r>
+            <a:r>
+              <a:rPr lang="en-US" sz="2800" dirty="0">
+                <a:latin typeface="Courier New" panose="02070309020205020404" pitchFamily="49" charset="0"/>
+                <a:cs typeface="Courier New" panose="02070309020205020404" pitchFamily="49" charset="0"/>
+              </a:rPr>
+              <a:t> += 0.2;</a:t>
+            </a:r>
+            <a:endParaRPr sz="2800" dirty="0">
+              <a:latin typeface="Courier New" panose="02070309020205020404" pitchFamily="49" charset="0"/>
+              <a:cs typeface="Courier New" panose="02070309020205020404" pitchFamily="49" charset="0"/>
+            </a:endParaRPr>
+          </a:p>
+          <a:p>
+            <a:pPr>
+              <a:defRPr>
+                <a:latin typeface="ITC Franklin Gothic Std Bk Cd"/>
+                <a:ea typeface="ITC Franklin Gothic Std Bk Cd"/>
+                <a:cs typeface="ITC Franklin Gothic Std Bk Cd"/>
+                <a:sym typeface="ITC Franklin Gothic Std Bk Cd"/>
+              </a:defRPr>
+            </a:pPr>
+            <a:endParaRPr dirty="0"/>
           </a:p>
         </p:txBody>
       </p:sp>
@@ -3468,179 +3015,12 @@
   <p:clrMapOvr>
     <a:masterClrMapping/>
   </p:clrMapOvr>
-  <p:transition xmlns:p14="http://schemas.microsoft.com/office/powerpoint/2010/main" spd="med" advClick="1"/>
+  <p:transition spd="med"/>
 </p:sld>
 </file>
 
-<file path=ppt/slides/slide16.xml><?xml version="1.0" encoding="utf-8"?>
-<p:sld xmlns:a="http://schemas.openxmlformats.org/drawingml/2006/main" xmlns:r="http://schemas.openxmlformats.org/officeDocument/2006/relationships" xmlns:p="http://schemas.openxmlformats.org/presentationml/2006/main" xmlns:m="http://schemas.openxmlformats.org/officeDocument/2006/math" xmlns:a14="http://schemas.microsoft.com/office/drawing/2010/main" showMasterSp="1" showMasterPhAnim="1">
-  <p:cSld>
-    <p:spTree>
-      <p:nvGrpSpPr>
-        <p:cNvPr id="1" name=""/>
-        <p:cNvGrpSpPr/>
-        <p:nvPr/>
-      </p:nvGrpSpPr>
-      <p:grpSpPr>
-        <a:xfrm>
-          <a:off x="0" y="0"/>
-          <a:ext cx="0" cy="0"/>
-          <a:chOff x="0" y="0"/>
-          <a:chExt cx="0" cy="0"/>
-        </a:xfrm>
-      </p:grpSpPr>
-      <p:sp>
-        <p:nvSpPr>
-          <p:cNvPr id="93" name="Slide Number"/>
-          <p:cNvSpPr txBox="1"/>
-          <p:nvPr>
-            <p:ph type="sldNum" sz="quarter" idx="4294967295"/>
-          </p:nvPr>
-        </p:nvSpPr>
-        <p:spPr>
-          <a:xfrm>
-            <a:off x="508000" y="10795000"/>
-            <a:ext cx="323478" cy="330200"/>
-          </a:xfrm>
-          <a:prstGeom prst="rect">
-            <a:avLst/>
-          </a:prstGeom>
-          <a:extLst>
-            <a:ext uri="{C572A759-6A51-4108-AA02-DFA0A04FC94B}">
-              <ma14:wrappingTextBoxFlag xmlns:ma14="http://schemas.microsoft.com/office/mac/drawingml/2011/main" val="1"/>
-            </a:ext>
-          </a:extLst>
-        </p:spPr>
-        <p:txBody>
-          <a:bodyPr lIns="0" tIns="0" rIns="0" bIns="0" anchor="t"/>
-          <a:lstStyle>
-            <a:lvl1pPr algn="l">
-              <a:defRPr sz="2200">
-                <a:solidFill>
-                  <a:srgbClr val="000000"/>
-                </a:solidFill>
-                <a:latin typeface="ITC Franklin Gothic Std MedCd"/>
-                <a:ea typeface="ITC Franklin Gothic Std MedCd"/>
-                <a:cs typeface="ITC Franklin Gothic Std MedCd"/>
-                <a:sym typeface="ITC Franklin Gothic Std MedCd"/>
-              </a:defRPr>
-            </a:lvl1pPr>
-          </a:lstStyle>
-          <a:p>
-            <a:pPr/>
-            <a:fld id="{86CB4B4D-7CA3-9044-876B-883B54F8677D}" type="slidenum"/>
-          </a:p>
-        </p:txBody>
-      </p:sp>
-      <p:sp>
-        <p:nvSpPr>
-          <p:cNvPr id="94" name="TextBox 3"/>
-          <p:cNvSpPr txBox="1"/>
-          <p:nvPr/>
-        </p:nvSpPr>
-        <p:spPr>
-          <a:xfrm>
-            <a:off x="1396999" y="1142998"/>
-            <a:ext cx="12954003" cy="3695701"/>
-          </a:xfrm>
-          <a:prstGeom prst="rect">
-            <a:avLst/>
-          </a:prstGeom>
-          <a:ln w="12700">
-            <a:miter lim="400000"/>
-          </a:ln>
-          <a:extLst>
-            <a:ext uri="{C572A759-6A51-4108-AA02-DFA0A04FC94B}">
-              <ma14:wrappingTextBoxFlag xmlns:ma14="http://schemas.microsoft.com/office/mac/drawingml/2011/main" val="1"/>
-            </a:ext>
-          </a:extLst>
-        </p:spPr>
-        <p:txBody>
-          <a:bodyPr lIns="0" tIns="0" rIns="0" bIns="0">
-            <a:spAutoFit/>
-          </a:bodyPr>
-          <a:lstStyle/>
-          <a:p>
-            <a:pPr>
-              <a:defRPr sz="6600">
-                <a:solidFill>
-                  <a:schemeClr val="accent1"/>
-                </a:solidFill>
-                <a:latin typeface="ITC Franklin Gothic Std Bk Cd"/>
-                <a:ea typeface="ITC Franklin Gothic Std Bk Cd"/>
-                <a:cs typeface="ITC Franklin Gothic Std Bk Cd"/>
-                <a:sym typeface="ITC Franklin Gothic Std Bk Cd"/>
-              </a:defRPr>
-            </a:pPr>
-            <a:r>
-              <a:t>We have a floor</a:t>
-            </a:r>
-          </a:p>
-          <a:p>
-            <a:pPr>
-              <a:defRPr>
-                <a:latin typeface="ITC Franklin Gothic Std Bk Cd"/>
-                <a:ea typeface="ITC Franklin Gothic Std Bk Cd"/>
-                <a:cs typeface="ITC Franklin Gothic Std Bk Cd"/>
-                <a:sym typeface="ITC Franklin Gothic Std Bk Cd"/>
-              </a:defRPr>
-            </a:pPr>
-          </a:p>
-          <a:p>
-            <a:pPr>
-              <a:defRPr>
-                <a:latin typeface="ITC Franklin Gothic Std Bk Cd"/>
-                <a:ea typeface="ITC Franklin Gothic Std Bk Cd"/>
-                <a:cs typeface="ITC Franklin Gothic Std Bk Cd"/>
-                <a:sym typeface="ITC Franklin Gothic Std Bk Cd"/>
-              </a:defRPr>
-            </a:pPr>
-            <a:r>
-              <a:t>Insert body copy here.</a:t>
-            </a:r>
-          </a:p>
-          <a:p>
-            <a:pPr>
-              <a:defRPr>
-                <a:latin typeface="ITC Franklin Gothic Std Bk Cd"/>
-                <a:ea typeface="ITC Franklin Gothic Std Bk Cd"/>
-                <a:cs typeface="ITC Franklin Gothic Std Bk Cd"/>
-                <a:sym typeface="ITC Franklin Gothic Std Bk Cd"/>
-              </a:defRPr>
-            </a:pPr>
-          </a:p>
-          <a:p>
-            <a:pPr marL="561108" indent="-561108">
-              <a:buSzPct val="100000"/>
-              <a:buFont typeface="Arial"/>
-              <a:buChar char="•"/>
-              <a:defRPr>
-                <a:latin typeface="ITC Franklin Gothic Std Bk Cd"/>
-                <a:ea typeface="ITC Franklin Gothic Std Bk Cd"/>
-                <a:cs typeface="ITC Franklin Gothic Std Bk Cd"/>
-                <a:sym typeface="ITC Franklin Gothic Std Bk Cd"/>
-              </a:defRPr>
-            </a:pPr>
-            <a:r>
-              <a:t>choose </a:t>
-            </a:r>
-            <a:r>
-              <a:t>no bounce, for simplicity</a:t>
-            </a:r>
-          </a:p>
-        </p:txBody>
-      </p:sp>
-    </p:spTree>
-  </p:cSld>
-  <p:clrMapOvr>
-    <a:masterClrMapping/>
-  </p:clrMapOvr>
-  <p:transition xmlns:p14="http://schemas.microsoft.com/office/powerpoint/2010/main" spd="med" advClick="1"/>
-</p:sld>
-</file>
-
-<file path=ppt/slides/slide17.xml><?xml version="1.0" encoding="utf-8"?>
-<p:sld xmlns:a="http://schemas.openxmlformats.org/drawingml/2006/main" xmlns:r="http://schemas.openxmlformats.org/officeDocument/2006/relationships" xmlns:p="http://schemas.openxmlformats.org/presentationml/2006/main" xmlns:m="http://schemas.openxmlformats.org/officeDocument/2006/math" xmlns:a14="http://schemas.microsoft.com/office/drawing/2010/main" showMasterSp="1" showMasterPhAnim="1">
+<file path=ppt/slides/slide12.xml><?xml version="1.0" encoding="utf-8"?>
+<p:sld xmlns:a="http://schemas.openxmlformats.org/drawingml/2006/main" xmlns:r="http://schemas.openxmlformats.org/officeDocument/2006/relationships" xmlns:p="http://schemas.openxmlformats.org/presentationml/2006/main">
   <p:cSld>
     <p:spTree>
       <p:nvGrpSpPr>
@@ -3659,7 +3039,9 @@
       <p:sp>
         <p:nvSpPr>
           <p:cNvPr id="96" name="Slide Number"/>
-          <p:cNvSpPr txBox="1"/>
+          <p:cNvSpPr txBox="1">
+            <a:spLocks noGrp="1"/>
+          </p:cNvSpPr>
           <p:nvPr>
             <p:ph type="sldNum" sz="quarter" idx="4294967295"/>
           </p:nvPr>
@@ -3674,7 +3056,7 @@
           </a:prstGeom>
           <a:extLst>
             <a:ext uri="{C572A759-6A51-4108-AA02-DFA0A04FC94B}">
-              <ma14:wrappingTextBoxFlag xmlns:ma14="http://schemas.microsoft.com/office/mac/drawingml/2011/main" val="1"/>
+              <ma14:wrappingTextBoxFlag xmlns:ma14="http://schemas.microsoft.com/office/mac/drawingml/2011/main" xmlns:a14="http://schemas.microsoft.com/office/drawing/2010/main" xmlns:m="http://schemas.openxmlformats.org/officeDocument/2006/math" xmlns="" val="1"/>
             </a:ext>
           </a:extLst>
         </p:spPr>
@@ -3694,8 +3076,11 @@
             </a:lvl1pPr>
           </a:lstStyle>
           <a:p>
-            <a:pPr/>
-            <a:fld id="{86CB4B4D-7CA3-9044-876B-883B54F8677D}" type="slidenum"/>
+            <a:fld id="{86CB4B4D-7CA3-9044-876B-883B54F8677D}" type="slidenum">
+              <a:rPr/>
+              <a:t>12</a:t>
+            </a:fld>
+            <a:endParaRPr/>
           </a:p>
         </p:txBody>
       </p:sp>
@@ -3708,7 +3093,7 @@
         <p:spPr>
           <a:xfrm>
             <a:off x="1396999" y="1142998"/>
-            <a:ext cx="12954003" cy="3695701"/>
+            <a:ext cx="12954003" cy="9402574"/>
           </a:xfrm>
           <a:prstGeom prst="rect">
             <a:avLst/>
@@ -3718,7 +3103,7 @@
           </a:ln>
           <a:extLst>
             <a:ext uri="{C572A759-6A51-4108-AA02-DFA0A04FC94B}">
-              <ma14:wrappingTextBoxFlag xmlns:ma14="http://schemas.microsoft.com/office/mac/drawingml/2011/main" val="1"/>
+              <ma14:wrappingTextBoxFlag xmlns:ma14="http://schemas.microsoft.com/office/mac/drawingml/2011/main" xmlns:a14="http://schemas.microsoft.com/office/drawing/2010/main" xmlns:m="http://schemas.openxmlformats.org/officeDocument/2006/math" xmlns="" val="1"/>
             </a:ext>
           </a:extLst>
         </p:spPr>
@@ -3740,8 +3125,10 @@
               </a:defRPr>
             </a:pPr>
             <a:r>
+              <a:rPr dirty="0"/>
               <a:t>Scoring a basket</a:t>
             </a:r>
+            <a:endParaRPr lang="en-CA" dirty="0"/>
           </a:p>
           <a:p>
             <a:pPr>
@@ -3752,6 +3139,10 @@
                 <a:sym typeface="ITC Franklin Gothic Std Bk Cd"/>
               </a:defRPr>
             </a:pPr>
+            <a:endParaRPr lang="en-US" sz="2800" dirty="0">
+              <a:latin typeface="Courier New" panose="02070309020205020404" pitchFamily="49" charset="0"/>
+              <a:cs typeface="Courier New" panose="02070309020205020404" pitchFamily="49" charset="0"/>
+            </a:endParaRPr>
           </a:p>
           <a:p>
             <a:pPr>
@@ -3763,7 +3154,11 @@
               </a:defRPr>
             </a:pPr>
             <a:r>
-              <a:t>Insert body copy here.</a:t>
+              <a:rPr lang="en-US" sz="2800" dirty="0">
+                <a:latin typeface="Courier New" panose="02070309020205020404" pitchFamily="49" charset="0"/>
+                <a:cs typeface="Courier New" panose="02070309020205020404" pitchFamily="49" charset="0"/>
+              </a:rPr>
+              <a:t>// add this code to collide() function</a:t>
             </a:r>
           </a:p>
           <a:p>
@@ -3775,12 +3170,69 @@
                 <a:sym typeface="ITC Franklin Gothic Std Bk Cd"/>
               </a:defRPr>
             </a:pPr>
-          </a:p>
-          <a:p>
-            <a:pPr marL="561108" indent="-561108">
-              <a:buSzPct val="100000"/>
-              <a:buFont typeface="Arial"/>
-              <a:buChar char="•"/>
+            <a:r>
+              <a:rPr lang="en-US" sz="2800" dirty="0">
+                <a:latin typeface="Courier New" panose="02070309020205020404" pitchFamily="49" charset="0"/>
+                <a:cs typeface="Courier New" panose="02070309020205020404" pitchFamily="49" charset="0"/>
+              </a:rPr>
+              <a:t>let </a:t>
+            </a:r>
+            <a:r>
+              <a:rPr lang="en-US" sz="2800" dirty="0" err="1">
+                <a:latin typeface="Courier New" panose="02070309020205020404" pitchFamily="49" charset="0"/>
+                <a:cs typeface="Courier New" panose="02070309020205020404" pitchFamily="49" charset="0"/>
+              </a:rPr>
+              <a:t>otherleft</a:t>
+            </a:r>
+            <a:r>
+              <a:rPr lang="en-US" sz="2800" dirty="0">
+                <a:latin typeface="Courier New" panose="02070309020205020404" pitchFamily="49" charset="0"/>
+                <a:cs typeface="Courier New" panose="02070309020205020404" pitchFamily="49" charset="0"/>
+              </a:rPr>
+              <a:t> = </a:t>
+            </a:r>
+            <a:r>
+              <a:rPr lang="en-US" sz="2800" dirty="0" err="1">
+                <a:latin typeface="Courier New" panose="02070309020205020404" pitchFamily="49" charset="0"/>
+                <a:cs typeface="Courier New" panose="02070309020205020404" pitchFamily="49" charset="0"/>
+              </a:rPr>
+              <a:t>other_.x</a:t>
+            </a:r>
+            <a:r>
+              <a:rPr lang="en-US" sz="2800" dirty="0">
+                <a:latin typeface="Courier New" panose="02070309020205020404" pitchFamily="49" charset="0"/>
+                <a:cs typeface="Courier New" panose="02070309020205020404" pitchFamily="49" charset="0"/>
+              </a:rPr>
+              <a:t> – </a:t>
+            </a:r>
+            <a:r>
+              <a:rPr lang="en-US" sz="2800" dirty="0" err="1">
+                <a:latin typeface="Courier New" panose="02070309020205020404" pitchFamily="49" charset="0"/>
+                <a:cs typeface="Courier New" panose="02070309020205020404" pitchFamily="49" charset="0"/>
+              </a:rPr>
+              <a:t>other_.radius</a:t>
+            </a:r>
+            <a:r>
+              <a:rPr lang="en-US" sz="2800" dirty="0">
+                <a:latin typeface="Courier New" panose="02070309020205020404" pitchFamily="49" charset="0"/>
+                <a:cs typeface="Courier New" panose="02070309020205020404" pitchFamily="49" charset="0"/>
+              </a:rPr>
+              <a:t> + </a:t>
+            </a:r>
+            <a:r>
+              <a:rPr lang="en-US" sz="2800" dirty="0" err="1">
+                <a:latin typeface="Courier New" panose="02070309020205020404" pitchFamily="49" charset="0"/>
+                <a:cs typeface="Courier New" panose="02070309020205020404" pitchFamily="49" charset="0"/>
+              </a:rPr>
+              <a:t>this.radius</a:t>
+            </a:r>
+            <a:endParaRPr lang="en-US" sz="2800" dirty="0">
+              <a:latin typeface="Courier New" panose="02070309020205020404" pitchFamily="49" charset="0"/>
+              <a:cs typeface="Courier New" panose="02070309020205020404" pitchFamily="49" charset="0"/>
+            </a:endParaRPr>
+          </a:p>
+          <a:p>
+            <a:pPr>
               <a:defRPr>
                 <a:latin typeface="ITC Franklin Gothic Std Bk Cd"/>
                 <a:ea typeface="ITC Franklin Gothic Std Bk Cd"/>
@@ -3789,11 +3241,372 @@
               </a:defRPr>
             </a:pPr>
             <a:r>
-              <a:t>"</a:t>
-            </a:r>
-            <a:r>
-              <a:t>collision" of ball with hoop</a:t>
-            </a:r>
+              <a:rPr lang="en-US" sz="2800" dirty="0">
+                <a:latin typeface="Courier New" panose="02070309020205020404" pitchFamily="49" charset="0"/>
+                <a:cs typeface="Courier New" panose="02070309020205020404" pitchFamily="49" charset="0"/>
+              </a:rPr>
+              <a:t>let </a:t>
+            </a:r>
+            <a:r>
+              <a:rPr lang="en-US" sz="2800" dirty="0" err="1">
+                <a:latin typeface="Courier New" panose="02070309020205020404" pitchFamily="49" charset="0"/>
+                <a:cs typeface="Courier New" panose="02070309020205020404" pitchFamily="49" charset="0"/>
+              </a:rPr>
+              <a:t>otherright</a:t>
+            </a:r>
+            <a:r>
+              <a:rPr lang="en-US" sz="2800" dirty="0">
+                <a:latin typeface="Courier New" panose="02070309020205020404" pitchFamily="49" charset="0"/>
+                <a:cs typeface="Courier New" panose="02070309020205020404" pitchFamily="49" charset="0"/>
+              </a:rPr>
+              <a:t> = </a:t>
+            </a:r>
+            <a:r>
+              <a:rPr lang="en-US" sz="2800" dirty="0" err="1">
+                <a:latin typeface="Courier New" panose="02070309020205020404" pitchFamily="49" charset="0"/>
+                <a:cs typeface="Courier New" panose="02070309020205020404" pitchFamily="49" charset="0"/>
+              </a:rPr>
+              <a:t>other_.x</a:t>
+            </a:r>
+            <a:r>
+              <a:rPr lang="en-US" sz="2800" dirty="0">
+                <a:latin typeface="Courier New" panose="02070309020205020404" pitchFamily="49" charset="0"/>
+                <a:cs typeface="Courier New" panose="02070309020205020404" pitchFamily="49" charset="0"/>
+              </a:rPr>
+              <a:t> + </a:t>
+            </a:r>
+            <a:r>
+              <a:rPr lang="en-US" sz="2800" dirty="0" err="1">
+                <a:latin typeface="Courier New" panose="02070309020205020404" pitchFamily="49" charset="0"/>
+                <a:cs typeface="Courier New" panose="02070309020205020404" pitchFamily="49" charset="0"/>
+              </a:rPr>
+              <a:t>other_.radius</a:t>
+            </a:r>
+            <a:r>
+              <a:rPr lang="en-US" sz="2800" dirty="0">
+                <a:latin typeface="Courier New" panose="02070309020205020404" pitchFamily="49" charset="0"/>
+                <a:cs typeface="Courier New" panose="02070309020205020404" pitchFamily="49" charset="0"/>
+              </a:rPr>
+              <a:t> – </a:t>
+            </a:r>
+            <a:r>
+              <a:rPr lang="en-US" sz="2800" dirty="0" err="1">
+                <a:latin typeface="Courier New" panose="02070309020205020404" pitchFamily="49" charset="0"/>
+                <a:cs typeface="Courier New" panose="02070309020205020404" pitchFamily="49" charset="0"/>
+              </a:rPr>
+              <a:t>this.radius</a:t>
+            </a:r>
+            <a:endParaRPr lang="en-US" sz="2800" dirty="0">
+              <a:latin typeface="Courier New" panose="02070309020205020404" pitchFamily="49" charset="0"/>
+              <a:cs typeface="Courier New" panose="02070309020205020404" pitchFamily="49" charset="0"/>
+            </a:endParaRPr>
+          </a:p>
+          <a:p>
+            <a:pPr>
+              <a:defRPr>
+                <a:latin typeface="ITC Franklin Gothic Std Bk Cd"/>
+                <a:ea typeface="ITC Franklin Gothic Std Bk Cd"/>
+                <a:cs typeface="ITC Franklin Gothic Std Bk Cd"/>
+                <a:sym typeface="ITC Franklin Gothic Std Bk Cd"/>
+              </a:defRPr>
+            </a:pPr>
+            <a:r>
+              <a:rPr lang="en-US" sz="2800" dirty="0">
+                <a:latin typeface="Courier New" panose="02070309020205020404" pitchFamily="49" charset="0"/>
+                <a:cs typeface="Courier New" panose="02070309020205020404" pitchFamily="49" charset="0"/>
+              </a:rPr>
+              <a:t>if ( </a:t>
+            </a:r>
+            <a:r>
+              <a:rPr lang="en-US" sz="2800" dirty="0" err="1">
+                <a:latin typeface="Courier New" panose="02070309020205020404" pitchFamily="49" charset="0"/>
+                <a:cs typeface="Courier New" panose="02070309020205020404" pitchFamily="49" charset="0"/>
+              </a:rPr>
+              <a:t>this.y</a:t>
+            </a:r>
+            <a:r>
+              <a:rPr lang="en-US" sz="2800" dirty="0">
+                <a:latin typeface="Courier New" panose="02070309020205020404" pitchFamily="49" charset="0"/>
+                <a:cs typeface="Courier New" panose="02070309020205020404" pitchFamily="49" charset="0"/>
+              </a:rPr>
+              <a:t> &lt;= </a:t>
+            </a:r>
+            <a:r>
+              <a:rPr lang="en-US" sz="2800" dirty="0" err="1">
+                <a:latin typeface="Courier New" panose="02070309020205020404" pitchFamily="49" charset="0"/>
+                <a:cs typeface="Courier New" panose="02070309020205020404" pitchFamily="49" charset="0"/>
+              </a:rPr>
+              <a:t>other_.y</a:t>
+            </a:r>
+            <a:r>
+              <a:rPr lang="en-US" sz="2800" dirty="0">
+                <a:latin typeface="Courier New" panose="02070309020205020404" pitchFamily="49" charset="0"/>
+                <a:cs typeface="Courier New" panose="02070309020205020404" pitchFamily="49" charset="0"/>
+              </a:rPr>
+              <a:t> &amp;&amp;</a:t>
+            </a:r>
+          </a:p>
+          <a:p>
+            <a:pPr>
+              <a:defRPr>
+                <a:latin typeface="ITC Franklin Gothic Std Bk Cd"/>
+                <a:ea typeface="ITC Franklin Gothic Std Bk Cd"/>
+                <a:cs typeface="ITC Franklin Gothic Std Bk Cd"/>
+                <a:sym typeface="ITC Franklin Gothic Std Bk Cd"/>
+              </a:defRPr>
+            </a:pPr>
+            <a:r>
+              <a:rPr lang="en-US" sz="2800" dirty="0">
+                <a:latin typeface="Courier New" panose="02070309020205020404" pitchFamily="49" charset="0"/>
+                <a:cs typeface="Courier New" panose="02070309020205020404" pitchFamily="49" charset="0"/>
+              </a:rPr>
+              <a:t>  </a:t>
+            </a:r>
+            <a:r>
+              <a:rPr lang="en-US" sz="2800" dirty="0" err="1">
+                <a:latin typeface="Courier New" panose="02070309020205020404" pitchFamily="49" charset="0"/>
+                <a:cs typeface="Courier New" panose="02070309020205020404" pitchFamily="49" charset="0"/>
+              </a:rPr>
+              <a:t>this.x</a:t>
+            </a:r>
+            <a:r>
+              <a:rPr lang="en-US" sz="2800" dirty="0">
+                <a:latin typeface="Courier New" panose="02070309020205020404" pitchFamily="49" charset="0"/>
+                <a:cs typeface="Courier New" panose="02070309020205020404" pitchFamily="49" charset="0"/>
+              </a:rPr>
+              <a:t> &gt;= </a:t>
+            </a:r>
+            <a:r>
+              <a:rPr lang="en-US" sz="2800" dirty="0" err="1">
+                <a:latin typeface="Courier New" panose="02070309020205020404" pitchFamily="49" charset="0"/>
+                <a:cs typeface="Courier New" panose="02070309020205020404" pitchFamily="49" charset="0"/>
+              </a:rPr>
+              <a:t>otherleft</a:t>
+            </a:r>
+            <a:r>
+              <a:rPr lang="en-US" sz="2800" dirty="0">
+                <a:latin typeface="Courier New" panose="02070309020205020404" pitchFamily="49" charset="0"/>
+                <a:cs typeface="Courier New" panose="02070309020205020404" pitchFamily="49" charset="0"/>
+              </a:rPr>
+              <a:t> &amp;&amp; </a:t>
+            </a:r>
+            <a:r>
+              <a:rPr lang="en-US" sz="2800" dirty="0" err="1">
+                <a:latin typeface="Courier New" panose="02070309020205020404" pitchFamily="49" charset="0"/>
+                <a:cs typeface="Courier New" panose="02070309020205020404" pitchFamily="49" charset="0"/>
+              </a:rPr>
+              <a:t>this.x</a:t>
+            </a:r>
+            <a:r>
+              <a:rPr lang="en-US" sz="2800" dirty="0">
+                <a:latin typeface="Courier New" panose="02070309020205020404" pitchFamily="49" charset="0"/>
+                <a:cs typeface="Courier New" panose="02070309020205020404" pitchFamily="49" charset="0"/>
+              </a:rPr>
+              <a:t> &lt;= </a:t>
+            </a:r>
+            <a:r>
+              <a:rPr lang="en-US" sz="2800" dirty="0" err="1">
+                <a:latin typeface="Courier New" panose="02070309020205020404" pitchFamily="49" charset="0"/>
+                <a:cs typeface="Courier New" panose="02070309020205020404" pitchFamily="49" charset="0"/>
+              </a:rPr>
+              <a:t>otherright</a:t>
+            </a:r>
+            <a:r>
+              <a:rPr lang="en-US" sz="2800" dirty="0">
+                <a:latin typeface="Courier New" panose="02070309020205020404" pitchFamily="49" charset="0"/>
+                <a:cs typeface="Courier New" panose="02070309020205020404" pitchFamily="49" charset="0"/>
+              </a:rPr>
+              <a:t> )</a:t>
+            </a:r>
+          </a:p>
+          <a:p>
+            <a:pPr>
+              <a:defRPr>
+                <a:latin typeface="ITC Franklin Gothic Std Bk Cd"/>
+                <a:ea typeface="ITC Franklin Gothic Std Bk Cd"/>
+                <a:cs typeface="ITC Franklin Gothic Std Bk Cd"/>
+                <a:sym typeface="ITC Franklin Gothic Std Bk Cd"/>
+              </a:defRPr>
+            </a:pPr>
+            <a:r>
+              <a:rPr lang="en-US" sz="2800" dirty="0">
+                <a:latin typeface="Courier New" panose="02070309020205020404" pitchFamily="49" charset="0"/>
+                <a:cs typeface="Courier New" panose="02070309020205020404" pitchFamily="49" charset="0"/>
+              </a:rPr>
+              <a:t>{</a:t>
+            </a:r>
+          </a:p>
+          <a:p>
+            <a:pPr>
+              <a:defRPr>
+                <a:latin typeface="ITC Franklin Gothic Std Bk Cd"/>
+                <a:ea typeface="ITC Franklin Gothic Std Bk Cd"/>
+                <a:cs typeface="ITC Franklin Gothic Std Bk Cd"/>
+                <a:sym typeface="ITC Franklin Gothic Std Bk Cd"/>
+              </a:defRPr>
+            </a:pPr>
+            <a:r>
+              <a:rPr lang="en-US" sz="2800" dirty="0">
+                <a:latin typeface="Courier New" panose="02070309020205020404" pitchFamily="49" charset="0"/>
+                <a:cs typeface="Courier New" panose="02070309020205020404" pitchFamily="49" charset="0"/>
+              </a:rPr>
+              <a:t>  </a:t>
+            </a:r>
+            <a:r>
+              <a:rPr lang="en-US" sz="2800" dirty="0" err="1">
+                <a:latin typeface="Courier New" panose="02070309020205020404" pitchFamily="49" charset="0"/>
+                <a:cs typeface="Courier New" panose="02070309020205020404" pitchFamily="49" charset="0"/>
+              </a:rPr>
+              <a:t>this.y</a:t>
+            </a:r>
+            <a:r>
+              <a:rPr lang="en-US" sz="2800" dirty="0">
+                <a:latin typeface="Courier New" panose="02070309020205020404" pitchFamily="49" charset="0"/>
+                <a:cs typeface="Courier New" panose="02070309020205020404" pitchFamily="49" charset="0"/>
+              </a:rPr>
+              <a:t> = </a:t>
+            </a:r>
+            <a:r>
+              <a:rPr lang="en-US" sz="2800" dirty="0" err="1">
+                <a:latin typeface="Courier New" panose="02070309020205020404" pitchFamily="49" charset="0"/>
+                <a:cs typeface="Courier New" panose="02070309020205020404" pitchFamily="49" charset="0"/>
+              </a:rPr>
+              <a:t>other_.y</a:t>
+            </a:r>
+            <a:r>
+              <a:rPr lang="en-US" sz="2800" dirty="0">
+                <a:latin typeface="Courier New" panose="02070309020205020404" pitchFamily="49" charset="0"/>
+                <a:cs typeface="Courier New" panose="02070309020205020404" pitchFamily="49" charset="0"/>
+              </a:rPr>
+              <a:t> + </a:t>
+            </a:r>
+            <a:r>
+              <a:rPr lang="en-US" sz="2800" dirty="0" err="1">
+                <a:latin typeface="Courier New" panose="02070309020205020404" pitchFamily="49" charset="0"/>
+                <a:cs typeface="Courier New" panose="02070309020205020404" pitchFamily="49" charset="0"/>
+              </a:rPr>
+              <a:t>this.radius</a:t>
+            </a:r>
+            <a:r>
+              <a:rPr lang="en-US" sz="2800" dirty="0">
+                <a:latin typeface="Courier New" panose="02070309020205020404" pitchFamily="49" charset="0"/>
+                <a:cs typeface="Courier New" panose="02070309020205020404" pitchFamily="49" charset="0"/>
+              </a:rPr>
+              <a:t> * 0.5;</a:t>
+            </a:r>
+          </a:p>
+          <a:p>
+            <a:pPr>
+              <a:defRPr>
+                <a:latin typeface="ITC Franklin Gothic Std Bk Cd"/>
+                <a:ea typeface="ITC Franklin Gothic Std Bk Cd"/>
+                <a:cs typeface="ITC Franklin Gothic Std Bk Cd"/>
+                <a:sym typeface="ITC Franklin Gothic Std Bk Cd"/>
+              </a:defRPr>
+            </a:pPr>
+            <a:r>
+              <a:rPr lang="en-US" sz="2800" dirty="0">
+                <a:latin typeface="Courier New" panose="02070309020205020404" pitchFamily="49" charset="0"/>
+                <a:cs typeface="Courier New" panose="02070309020205020404" pitchFamily="49" charset="0"/>
+              </a:rPr>
+              <a:t>  return true;</a:t>
+            </a:r>
+          </a:p>
+          <a:p>
+            <a:pPr>
+              <a:defRPr>
+                <a:latin typeface="ITC Franklin Gothic Std Bk Cd"/>
+                <a:ea typeface="ITC Franklin Gothic Std Bk Cd"/>
+                <a:cs typeface="ITC Franklin Gothic Std Bk Cd"/>
+                <a:sym typeface="ITC Franklin Gothic Std Bk Cd"/>
+              </a:defRPr>
+            </a:pPr>
+            <a:r>
+              <a:rPr lang="en-US" sz="2800" dirty="0">
+                <a:latin typeface="Courier New" panose="02070309020205020404" pitchFamily="49" charset="0"/>
+                <a:cs typeface="Courier New" panose="02070309020205020404" pitchFamily="49" charset="0"/>
+              </a:rPr>
+              <a:t>}</a:t>
+            </a:r>
+          </a:p>
+          <a:p>
+            <a:pPr>
+              <a:defRPr>
+                <a:latin typeface="ITC Franklin Gothic Std Bk Cd"/>
+                <a:ea typeface="ITC Franklin Gothic Std Bk Cd"/>
+                <a:cs typeface="ITC Franklin Gothic Std Bk Cd"/>
+                <a:sym typeface="ITC Franklin Gothic Std Bk Cd"/>
+              </a:defRPr>
+            </a:pPr>
+            <a:r>
+              <a:rPr lang="en-US" sz="2800" dirty="0">
+                <a:latin typeface="Courier New" panose="02070309020205020404" pitchFamily="49" charset="0"/>
+                <a:cs typeface="Courier New" panose="02070309020205020404" pitchFamily="49" charset="0"/>
+              </a:rPr>
+              <a:t>else</a:t>
+            </a:r>
+          </a:p>
+          <a:p>
+            <a:pPr>
+              <a:defRPr>
+                <a:latin typeface="ITC Franklin Gothic Std Bk Cd"/>
+                <a:ea typeface="ITC Franklin Gothic Std Bk Cd"/>
+                <a:cs typeface="ITC Franklin Gothic Std Bk Cd"/>
+                <a:sym typeface="ITC Franklin Gothic Std Bk Cd"/>
+              </a:defRPr>
+            </a:pPr>
+            <a:r>
+              <a:rPr lang="en-US" sz="2800" dirty="0">
+                <a:latin typeface="Courier New" panose="02070309020205020404" pitchFamily="49" charset="0"/>
+                <a:cs typeface="Courier New" panose="02070309020205020404" pitchFamily="49" charset="0"/>
+              </a:rPr>
+              <a:t>{</a:t>
+            </a:r>
+          </a:p>
+          <a:p>
+            <a:pPr>
+              <a:defRPr>
+                <a:latin typeface="ITC Franklin Gothic Std Bk Cd"/>
+                <a:ea typeface="ITC Franklin Gothic Std Bk Cd"/>
+                <a:cs typeface="ITC Franklin Gothic Std Bk Cd"/>
+                <a:sym typeface="ITC Franklin Gothic Std Bk Cd"/>
+              </a:defRPr>
+            </a:pPr>
+            <a:r>
+              <a:rPr lang="en-US" sz="2800" dirty="0">
+                <a:latin typeface="Courier New" panose="02070309020205020404" pitchFamily="49" charset="0"/>
+                <a:cs typeface="Courier New" panose="02070309020205020404" pitchFamily="49" charset="0"/>
+              </a:rPr>
+              <a:t>  return false;</a:t>
+            </a:r>
+          </a:p>
+          <a:p>
+            <a:pPr>
+              <a:defRPr>
+                <a:latin typeface="ITC Franklin Gothic Std Bk Cd"/>
+                <a:ea typeface="ITC Franklin Gothic Std Bk Cd"/>
+                <a:cs typeface="ITC Franklin Gothic Std Bk Cd"/>
+                <a:sym typeface="ITC Franklin Gothic Std Bk Cd"/>
+              </a:defRPr>
+            </a:pPr>
+            <a:r>
+              <a:rPr lang="en-US" sz="2800" dirty="0">
+                <a:latin typeface="Courier New" panose="02070309020205020404" pitchFamily="49" charset="0"/>
+                <a:cs typeface="Courier New" panose="02070309020205020404" pitchFamily="49" charset="0"/>
+              </a:rPr>
+              <a:t>}</a:t>
+            </a:r>
+          </a:p>
+          <a:p>
+            <a:pPr>
+              <a:defRPr>
+                <a:latin typeface="ITC Franklin Gothic Std Bk Cd"/>
+                <a:ea typeface="ITC Franklin Gothic Std Bk Cd"/>
+                <a:cs typeface="ITC Franklin Gothic Std Bk Cd"/>
+                <a:sym typeface="ITC Franklin Gothic Std Bk Cd"/>
+              </a:defRPr>
+            </a:pPr>
+            <a:endParaRPr lang="en-US" sz="2800" dirty="0"/>
           </a:p>
         </p:txBody>
       </p:sp>
@@ -3802,12 +3615,265 @@
   <p:clrMapOvr>
     <a:masterClrMapping/>
   </p:clrMapOvr>
-  <p:transition xmlns:p14="http://schemas.microsoft.com/office/powerpoint/2010/main" spd="med" advClick="1"/>
+  <p:transition spd="med"/>
 </p:sld>
 </file>
 
-<file path=ppt/slides/slide18.xml><?xml version="1.0" encoding="utf-8"?>
-<p:sld xmlns:a="http://schemas.openxmlformats.org/drawingml/2006/main" xmlns:r="http://schemas.openxmlformats.org/officeDocument/2006/relationships" xmlns:p="http://schemas.openxmlformats.org/presentationml/2006/main" xmlns:m="http://schemas.openxmlformats.org/officeDocument/2006/math" xmlns:a14="http://schemas.microsoft.com/office/drawing/2010/main" showMasterSp="1" showMasterPhAnim="1">
+<file path=ppt/slides/slide13.xml><?xml version="1.0" encoding="utf-8"?>
+<p:sld xmlns:a="http://schemas.openxmlformats.org/drawingml/2006/main" xmlns:r="http://schemas.openxmlformats.org/officeDocument/2006/relationships" xmlns:p="http://schemas.openxmlformats.org/presentationml/2006/main">
+  <p:cSld>
+    <p:spTree>
+      <p:nvGrpSpPr>
+        <p:cNvPr id="1" name=""/>
+        <p:cNvGrpSpPr/>
+        <p:nvPr/>
+      </p:nvGrpSpPr>
+      <p:grpSpPr>
+        <a:xfrm>
+          <a:off x="0" y="0"/>
+          <a:ext cx="0" cy="0"/>
+          <a:chOff x="0" y="0"/>
+          <a:chExt cx="0" cy="0"/>
+        </a:xfrm>
+      </p:grpSpPr>
+      <p:sp>
+        <p:nvSpPr>
+          <p:cNvPr id="72" name="Slide Number"/>
+          <p:cNvSpPr txBox="1">
+            <a:spLocks noGrp="1"/>
+          </p:cNvSpPr>
+          <p:nvPr>
+            <p:ph type="sldNum" sz="quarter" idx="4294967295"/>
+          </p:nvPr>
+        </p:nvSpPr>
+        <p:spPr>
+          <a:xfrm>
+            <a:off x="508000" y="10795000"/>
+            <a:ext cx="168089" cy="330200"/>
+          </a:xfrm>
+          <a:prstGeom prst="rect">
+            <a:avLst/>
+          </a:prstGeom>
+          <a:extLst>
+            <a:ext uri="{C572A759-6A51-4108-AA02-DFA0A04FC94B}">
+              <ma14:wrappingTextBoxFlag xmlns:ma14="http://schemas.microsoft.com/office/mac/drawingml/2011/main" xmlns:a14="http://schemas.microsoft.com/office/drawing/2010/main" xmlns:m="http://schemas.openxmlformats.org/officeDocument/2006/math" xmlns="" val="1"/>
+            </a:ext>
+          </a:extLst>
+        </p:spPr>
+        <p:txBody>
+          <a:bodyPr lIns="0" tIns="0" rIns="0" bIns="0" anchor="t"/>
+          <a:lstStyle>
+            <a:lvl1pPr algn="l">
+              <a:defRPr sz="2200">
+                <a:solidFill>
+                  <a:srgbClr val="000000"/>
+                </a:solidFill>
+                <a:latin typeface="ITC Franklin Gothic Std MedCd"/>
+                <a:ea typeface="ITC Franklin Gothic Std MedCd"/>
+                <a:cs typeface="ITC Franklin Gothic Std MedCd"/>
+                <a:sym typeface="ITC Franklin Gothic Std MedCd"/>
+              </a:defRPr>
+            </a:lvl1pPr>
+          </a:lstStyle>
+          <a:p>
+            <a:fld id="{86CB4B4D-7CA3-9044-876B-883B54F8677D}" type="slidenum">
+              <a:rPr/>
+              <a:t>13</a:t>
+            </a:fld>
+            <a:endParaRPr/>
+          </a:p>
+        </p:txBody>
+      </p:sp>
+      <p:sp>
+        <p:nvSpPr>
+          <p:cNvPr id="73" name="TextBox 3"/>
+          <p:cNvSpPr txBox="1"/>
+          <p:nvPr/>
+        </p:nvSpPr>
+        <p:spPr>
+          <a:xfrm>
+            <a:off x="1396999" y="1142998"/>
+            <a:ext cx="12954003" cy="4493538"/>
+          </a:xfrm>
+          <a:prstGeom prst="rect">
+            <a:avLst/>
+          </a:prstGeom>
+          <a:ln w="12700">
+            <a:miter lim="400000"/>
+          </a:ln>
+          <a:extLst>
+            <a:ext uri="{C572A759-6A51-4108-AA02-DFA0A04FC94B}">
+              <ma14:wrappingTextBoxFlag xmlns:ma14="http://schemas.microsoft.com/office/mac/drawingml/2011/main" xmlns:a14="http://schemas.microsoft.com/office/drawing/2010/main" xmlns:m="http://schemas.openxmlformats.org/officeDocument/2006/math" xmlns="" val="1"/>
+            </a:ext>
+          </a:extLst>
+        </p:spPr>
+        <p:txBody>
+          <a:bodyPr lIns="0" tIns="0" rIns="0" bIns="0">
+            <a:spAutoFit/>
+          </a:bodyPr>
+          <a:lstStyle/>
+          <a:p>
+            <a:pPr>
+              <a:defRPr sz="6600">
+                <a:solidFill>
+                  <a:schemeClr val="accent1"/>
+                </a:solidFill>
+                <a:latin typeface="ITC Franklin Gothic Std Bk Cd"/>
+                <a:ea typeface="ITC Franklin Gothic Std Bk Cd"/>
+                <a:cs typeface="ITC Franklin Gothic Std Bk Cd"/>
+                <a:sym typeface="ITC Franklin Gothic Std Bk Cd"/>
+              </a:defRPr>
+            </a:pPr>
+            <a:r>
+              <a:rPr dirty="0"/>
+              <a:t>Hide/show text on web page</a:t>
+            </a:r>
+          </a:p>
+          <a:p>
+            <a:pPr>
+              <a:defRPr>
+                <a:latin typeface="ITC Franklin Gothic Std Bk Cd"/>
+                <a:ea typeface="ITC Franklin Gothic Std Bk Cd"/>
+                <a:cs typeface="ITC Franklin Gothic Std Bk Cd"/>
+                <a:sym typeface="ITC Franklin Gothic Std Bk Cd"/>
+              </a:defRPr>
+            </a:pPr>
+            <a:endParaRPr dirty="0"/>
+          </a:p>
+          <a:p>
+            <a:pPr>
+              <a:defRPr>
+                <a:latin typeface="ITC Franklin Gothic Std Bk Cd"/>
+                <a:ea typeface="ITC Franklin Gothic Std Bk Cd"/>
+                <a:cs typeface="ITC Franklin Gothic Std Bk Cd"/>
+                <a:sym typeface="ITC Franklin Gothic Std Bk Cd"/>
+              </a:defRPr>
+            </a:pPr>
+            <a:r>
+              <a:rPr lang="en-US" sz="2800" dirty="0">
+                <a:latin typeface="Courier New" panose="02070309020205020404" pitchFamily="49" charset="0"/>
+                <a:cs typeface="Courier New" panose="02070309020205020404" pitchFamily="49" charset="0"/>
+              </a:rPr>
+              <a:t>// add this code to </a:t>
+            </a:r>
+            <a:r>
+              <a:rPr lang="en-US" sz="2800" dirty="0" err="1">
+                <a:latin typeface="Courier New" panose="02070309020205020404" pitchFamily="49" charset="0"/>
+                <a:cs typeface="Courier New" panose="02070309020205020404" pitchFamily="49" charset="0"/>
+              </a:rPr>
+              <a:t>gameover</a:t>
+            </a:r>
+            <a:r>
+              <a:rPr lang="en-US" sz="2800" dirty="0">
+                <a:latin typeface="Courier New" panose="02070309020205020404" pitchFamily="49" charset="0"/>
+                <a:cs typeface="Courier New" panose="02070309020205020404" pitchFamily="49" charset="0"/>
+              </a:rPr>
+              <a:t>() function</a:t>
+            </a:r>
+          </a:p>
+          <a:p>
+            <a:pPr>
+              <a:defRPr>
+                <a:latin typeface="ITC Franklin Gothic Std Bk Cd"/>
+                <a:ea typeface="ITC Franklin Gothic Std Bk Cd"/>
+                <a:cs typeface="ITC Franklin Gothic Std Bk Cd"/>
+                <a:sym typeface="ITC Franklin Gothic Std Bk Cd"/>
+              </a:defRPr>
+            </a:pPr>
+            <a:endParaRPr lang="en-US" sz="2800" dirty="0">
+              <a:latin typeface="Courier New" panose="02070309020205020404" pitchFamily="49" charset="0"/>
+              <a:cs typeface="Courier New" panose="02070309020205020404" pitchFamily="49" charset="0"/>
+            </a:endParaRPr>
+          </a:p>
+          <a:p>
+            <a:pPr>
+              <a:defRPr>
+                <a:latin typeface="ITC Franklin Gothic Std Bk Cd"/>
+                <a:ea typeface="ITC Franklin Gothic Std Bk Cd"/>
+                <a:cs typeface="ITC Franklin Gothic Std Bk Cd"/>
+                <a:sym typeface="ITC Franklin Gothic Std Bk Cd"/>
+              </a:defRPr>
+            </a:pPr>
+            <a:r>
+              <a:rPr lang="en-US" sz="2800" dirty="0" err="1">
+                <a:latin typeface="Courier New" panose="02070309020205020404" pitchFamily="49" charset="0"/>
+                <a:cs typeface="Courier New" panose="02070309020205020404" pitchFamily="49" charset="0"/>
+              </a:rPr>
+              <a:t>my_shoot_button.style.visibility</a:t>
+            </a:r>
+            <a:r>
+              <a:rPr lang="en-US" sz="2800" dirty="0">
+                <a:latin typeface="Courier New" panose="02070309020205020404" pitchFamily="49" charset="0"/>
+                <a:cs typeface="Courier New" panose="02070309020205020404" pitchFamily="49" charset="0"/>
+              </a:rPr>
+              <a:t> = “hidden”;</a:t>
+            </a:r>
+          </a:p>
+          <a:p>
+            <a:pPr>
+              <a:defRPr>
+                <a:latin typeface="ITC Franklin Gothic Std Bk Cd"/>
+                <a:ea typeface="ITC Franklin Gothic Std Bk Cd"/>
+                <a:cs typeface="ITC Franklin Gothic Std Bk Cd"/>
+                <a:sym typeface="ITC Franklin Gothic Std Bk Cd"/>
+              </a:defRPr>
+            </a:pPr>
+            <a:r>
+              <a:rPr lang="en-US" sz="2800" dirty="0" err="1">
+                <a:latin typeface="Courier New" panose="02070309020205020404" pitchFamily="49" charset="0"/>
+                <a:cs typeface="Courier New" panose="02070309020205020404" pitchFamily="49" charset="0"/>
+              </a:rPr>
+              <a:t>my_left_button.style.visibility</a:t>
+            </a:r>
+            <a:r>
+              <a:rPr lang="en-US" sz="2800" dirty="0">
+                <a:latin typeface="Courier New" panose="02070309020205020404" pitchFamily="49" charset="0"/>
+                <a:cs typeface="Courier New" panose="02070309020205020404" pitchFamily="49" charset="0"/>
+              </a:rPr>
+              <a:t> = “hidden”;</a:t>
+            </a:r>
+          </a:p>
+          <a:p>
+            <a:pPr>
+              <a:defRPr>
+                <a:latin typeface="ITC Franklin Gothic Std Bk Cd"/>
+                <a:ea typeface="ITC Franklin Gothic Std Bk Cd"/>
+                <a:cs typeface="ITC Franklin Gothic Std Bk Cd"/>
+                <a:sym typeface="ITC Franklin Gothic Std Bk Cd"/>
+              </a:defRPr>
+            </a:pPr>
+            <a:r>
+              <a:rPr lang="en-US" sz="2800" dirty="0" err="1">
+                <a:latin typeface="Courier New" panose="02070309020205020404" pitchFamily="49" charset="0"/>
+                <a:cs typeface="Courier New" panose="02070309020205020404" pitchFamily="49" charset="0"/>
+              </a:rPr>
+              <a:t>my_right_button.style.visibility</a:t>
+            </a:r>
+            <a:r>
+              <a:rPr lang="en-US" sz="2800" dirty="0">
+                <a:latin typeface="Courier New" panose="02070309020205020404" pitchFamily="49" charset="0"/>
+                <a:cs typeface="Courier New" panose="02070309020205020404" pitchFamily="49" charset="0"/>
+              </a:rPr>
+              <a:t> = “hidden”;</a:t>
+            </a:r>
+            <a:endParaRPr sz="2800" dirty="0">
+              <a:latin typeface="Courier New" panose="02070309020205020404" pitchFamily="49" charset="0"/>
+              <a:cs typeface="Courier New" panose="02070309020205020404" pitchFamily="49" charset="0"/>
+            </a:endParaRPr>
+          </a:p>
+        </p:txBody>
+      </p:sp>
+    </p:spTree>
+  </p:cSld>
+  <p:clrMapOvr>
+    <a:masterClrMapping/>
+  </p:clrMapOvr>
+  <p:transition spd="med"/>
+</p:sld>
+</file>
+
+<file path=ppt/slides/slide14.xml><?xml version="1.0" encoding="utf-8"?>
+<p:sld xmlns:a="http://schemas.openxmlformats.org/drawingml/2006/main" xmlns:r="http://schemas.openxmlformats.org/officeDocument/2006/relationships" xmlns:p="http://schemas.openxmlformats.org/presentationml/2006/main">
   <p:cSld>
     <p:spTree>
       <p:nvGrpSpPr>
@@ -3826,7 +3892,9 @@
       <p:sp>
         <p:nvSpPr>
           <p:cNvPr id="99" name="Slide Number"/>
-          <p:cNvSpPr txBox="1"/>
+          <p:cNvSpPr txBox="1">
+            <a:spLocks noGrp="1"/>
+          </p:cNvSpPr>
           <p:nvPr>
             <p:ph type="sldNum" sz="quarter" idx="4294967295"/>
           </p:nvPr>
@@ -3841,7 +3909,7 @@
           </a:prstGeom>
           <a:extLst>
             <a:ext uri="{C572A759-6A51-4108-AA02-DFA0A04FC94B}">
-              <ma14:wrappingTextBoxFlag xmlns:ma14="http://schemas.microsoft.com/office/mac/drawingml/2011/main" val="1"/>
+              <ma14:wrappingTextBoxFlag xmlns:ma14="http://schemas.microsoft.com/office/mac/drawingml/2011/main" xmlns:a14="http://schemas.microsoft.com/office/drawing/2010/main" xmlns:m="http://schemas.openxmlformats.org/officeDocument/2006/math" xmlns="" val="1"/>
             </a:ext>
           </a:extLst>
         </p:spPr>
@@ -3861,8 +3929,11 @@
             </a:lvl1pPr>
           </a:lstStyle>
           <a:p>
-            <a:pPr/>
-            <a:fld id="{86CB4B4D-7CA3-9044-876B-883B54F8677D}" type="slidenum"/>
+            <a:fld id="{86CB4B4D-7CA3-9044-876B-883B54F8677D}" type="slidenum">
+              <a:rPr/>
+              <a:t>14</a:t>
+            </a:fld>
+            <a:endParaRPr/>
           </a:p>
         </p:txBody>
       </p:sp>
@@ -3875,7 +3946,7 @@
         <p:spPr>
           <a:xfrm>
             <a:off x="1396999" y="1142998"/>
-            <a:ext cx="12954003" cy="3695701"/>
+            <a:ext cx="13939254" cy="5298886"/>
           </a:xfrm>
           <a:prstGeom prst="rect">
             <a:avLst/>
@@ -3885,12 +3956,12 @@
           </a:ln>
           <a:extLst>
             <a:ext uri="{C572A759-6A51-4108-AA02-DFA0A04FC94B}">
-              <ma14:wrappingTextBoxFlag xmlns:ma14="http://schemas.microsoft.com/office/mac/drawingml/2011/main" val="1"/>
+              <ma14:wrappingTextBoxFlag xmlns:ma14="http://schemas.microsoft.com/office/mac/drawingml/2011/main" xmlns:a14="http://schemas.microsoft.com/office/drawing/2010/main" xmlns:m="http://schemas.openxmlformats.org/officeDocument/2006/math" xmlns="" val="1"/>
             </a:ext>
           </a:extLst>
         </p:spPr>
         <p:txBody>
-          <a:bodyPr lIns="0" tIns="0" rIns="0" bIns="0">
+          <a:bodyPr wrap="square" lIns="0" tIns="0" rIns="0" bIns="0">
             <a:spAutoFit/>
           </a:bodyPr>
           <a:lstStyle/>
@@ -3907,6 +3978,7 @@
               </a:defRPr>
             </a:pPr>
             <a:r>
+              <a:rPr dirty="0"/>
               <a:t>Final Code</a:t>
             </a:r>
           </a:p>
@@ -3919,6 +3991,7 @@
                 <a:sym typeface="ITC Franklin Gothic Std Bk Cd"/>
               </a:defRPr>
             </a:pPr>
+            <a:endParaRPr dirty="0"/>
           </a:p>
           <a:p>
             <a:pPr>
@@ -3930,7 +4003,11 @@
               </a:defRPr>
             </a:pPr>
             <a:r>
-              <a:t>Insert body copy here.</a:t>
+              <a:rPr lang="en-US" sz="2800" dirty="0">
+                <a:latin typeface="Courier New" panose="02070309020205020404" pitchFamily="49" charset="0"/>
+                <a:cs typeface="Courier New" panose="02070309020205020404" pitchFamily="49" charset="0"/>
+              </a:rPr>
+              <a:t>// add text in bold </a:t>
             </a:r>
           </a:p>
           <a:p>
@@ -3942,6 +4019,132 @@
                 <a:sym typeface="ITC Franklin Gothic Std Bk Cd"/>
               </a:defRPr>
             </a:pPr>
+            <a:r>
+              <a:rPr lang="en-US" sz="2800" dirty="0">
+                <a:latin typeface="Courier New" panose="02070309020205020404" pitchFamily="49" charset="0"/>
+                <a:cs typeface="Courier New" panose="02070309020205020404" pitchFamily="49" charset="0"/>
+              </a:rPr>
+              <a:t>// to let ball fall to ground before stopping the animation</a:t>
+            </a:r>
+          </a:p>
+          <a:p>
+            <a:pPr>
+              <a:defRPr>
+                <a:latin typeface="ITC Franklin Gothic Std Bk Cd"/>
+                <a:ea typeface="ITC Franklin Gothic Std Bk Cd"/>
+                <a:cs typeface="ITC Franklin Gothic Std Bk Cd"/>
+                <a:sym typeface="ITC Franklin Gothic Std Bk Cd"/>
+              </a:defRPr>
+            </a:pPr>
+            <a:r>
+              <a:rPr lang="en-US" sz="2800" dirty="0">
+                <a:latin typeface="Courier New" panose="02070309020205020404" pitchFamily="49" charset="0"/>
+                <a:cs typeface="Courier New" panose="02070309020205020404" pitchFamily="49" charset="0"/>
+              </a:rPr>
+              <a:t>if ( score &gt;= </a:t>
+            </a:r>
+            <a:r>
+              <a:rPr lang="en-US" sz="2800" dirty="0" err="1">
+                <a:latin typeface="Courier New" panose="02070309020205020404" pitchFamily="49" charset="0"/>
+                <a:cs typeface="Courier New" panose="02070309020205020404" pitchFamily="49" charset="0"/>
+              </a:rPr>
+              <a:t>winningScore</a:t>
+            </a:r>
+            <a:r>
+              <a:rPr lang="en-US" sz="2800" dirty="0">
+                <a:latin typeface="Courier New" panose="02070309020205020404" pitchFamily="49" charset="0"/>
+                <a:cs typeface="Courier New" panose="02070309020205020404" pitchFamily="49" charset="0"/>
+              </a:rPr>
+              <a:t> </a:t>
+            </a:r>
+          </a:p>
+          <a:p>
+            <a:pPr>
+              <a:defRPr>
+                <a:latin typeface="ITC Franklin Gothic Std Bk Cd"/>
+                <a:ea typeface="ITC Franklin Gothic Std Bk Cd"/>
+                <a:cs typeface="ITC Franklin Gothic Std Bk Cd"/>
+                <a:sym typeface="ITC Franklin Gothic Std Bk Cd"/>
+              </a:defRPr>
+            </a:pPr>
+            <a:r>
+              <a:rPr lang="en-US" sz="2800" dirty="0">
+                <a:latin typeface="Courier New" panose="02070309020205020404" pitchFamily="49" charset="0"/>
+                <a:cs typeface="Courier New" panose="02070309020205020404" pitchFamily="49" charset="0"/>
+              </a:rPr>
+              <a:t>  </a:t>
+            </a:r>
+            <a:r>
+              <a:rPr lang="en-US" sz="2800" b="1" dirty="0">
+                <a:latin typeface="Courier New" panose="02070309020205020404" pitchFamily="49" charset="0"/>
+                <a:cs typeface="Courier New" panose="02070309020205020404" pitchFamily="49" charset="0"/>
+              </a:rPr>
+              <a:t>&amp;&amp; (</a:t>
+            </a:r>
+            <a:r>
+              <a:rPr lang="en-US" sz="2800" b="1" dirty="0" err="1">
+                <a:latin typeface="Courier New" panose="02070309020205020404" pitchFamily="49" charset="0"/>
+                <a:cs typeface="Courier New" panose="02070309020205020404" pitchFamily="49" charset="0"/>
+              </a:rPr>
+              <a:t>basketball.y</a:t>
+            </a:r>
+            <a:r>
+              <a:rPr lang="en-US" sz="2800" b="1" dirty="0">
+                <a:latin typeface="Courier New" panose="02070309020205020404" pitchFamily="49" charset="0"/>
+                <a:cs typeface="Courier New" panose="02070309020205020404" pitchFamily="49" charset="0"/>
+              </a:rPr>
+              <a:t> &gt;= </a:t>
+            </a:r>
+            <a:r>
+              <a:rPr lang="en-US" sz="2800" b="1" dirty="0" err="1">
+                <a:latin typeface="Courier New" panose="02070309020205020404" pitchFamily="49" charset="0"/>
+                <a:cs typeface="Courier New" panose="02070309020205020404" pitchFamily="49" charset="0"/>
+              </a:rPr>
+              <a:t>canvas.height</a:t>
+            </a:r>
+            <a:r>
+              <a:rPr lang="en-US" sz="2800" b="1" dirty="0">
+                <a:latin typeface="Courier New" panose="02070309020205020404" pitchFamily="49" charset="0"/>
+                <a:cs typeface="Courier New" panose="02070309020205020404" pitchFamily="49" charset="0"/>
+              </a:rPr>
+              <a:t> – </a:t>
+            </a:r>
+            <a:r>
+              <a:rPr lang="en-US" sz="2800" b="1" dirty="0" err="1">
+                <a:latin typeface="Courier New" panose="02070309020205020404" pitchFamily="49" charset="0"/>
+                <a:cs typeface="Courier New" panose="02070309020205020404" pitchFamily="49" charset="0"/>
+              </a:rPr>
+              <a:t>basketbasll.radius</a:t>
+            </a:r>
+            <a:r>
+              <a:rPr lang="en-US" sz="2800" b="1" dirty="0">
+                <a:latin typeface="Courier New" panose="02070309020205020404" pitchFamily="49" charset="0"/>
+                <a:cs typeface="Courier New" panose="02070309020205020404" pitchFamily="49" charset="0"/>
+              </a:rPr>
+              <a:t>)</a:t>
+            </a:r>
+            <a:r>
+              <a:rPr lang="en-US" sz="2800" dirty="0">
+                <a:latin typeface="Courier New" panose="02070309020205020404" pitchFamily="49" charset="0"/>
+                <a:cs typeface="Courier New" panose="02070309020205020404" pitchFamily="49" charset="0"/>
+              </a:rPr>
+              <a:t> )</a:t>
+            </a:r>
+            <a:endParaRPr sz="2800" dirty="0">
+              <a:latin typeface="Courier New" panose="02070309020205020404" pitchFamily="49" charset="0"/>
+              <a:cs typeface="Courier New" panose="02070309020205020404" pitchFamily="49" charset="0"/>
+            </a:endParaRPr>
+          </a:p>
+          <a:p>
+            <a:pPr>
+              <a:defRPr>
+                <a:latin typeface="ITC Franklin Gothic Std Bk Cd"/>
+                <a:ea typeface="ITC Franklin Gothic Std Bk Cd"/>
+                <a:cs typeface="ITC Franklin Gothic Std Bk Cd"/>
+                <a:sym typeface="ITC Franklin Gothic Std Bk Cd"/>
+              </a:defRPr>
+            </a:pPr>
+            <a:endParaRPr dirty="0"/>
           </a:p>
           <a:p>
             <a:pPr marL="561108" indent="-561108">
@@ -3956,6 +4159,7 @@
               </a:defRPr>
             </a:pPr>
             <a:r>
+              <a:rPr dirty="0"/>
               <a:t>provide final code, especially if ran out of time</a:t>
             </a:r>
           </a:p>
@@ -3966,12 +4170,12 @@
   <p:clrMapOvr>
     <a:masterClrMapping/>
   </p:clrMapOvr>
-  <p:transition xmlns:p14="http://schemas.microsoft.com/office/powerpoint/2010/main" spd="med" advClick="1"/>
+  <p:transition spd="med"/>
 </p:sld>
 </file>
 
-<file path=ppt/slides/slide19.xml><?xml version="1.0" encoding="utf-8"?>
-<p:sld xmlns:a="http://schemas.openxmlformats.org/drawingml/2006/main" xmlns:r="http://schemas.openxmlformats.org/officeDocument/2006/relationships" xmlns:p="http://schemas.openxmlformats.org/presentationml/2006/main" xmlns:m="http://schemas.openxmlformats.org/officeDocument/2006/math" xmlns:a14="http://schemas.microsoft.com/office/drawing/2010/main" showMasterSp="1" showMasterPhAnim="1">
+<file path=ppt/slides/slide15.xml><?xml version="1.0" encoding="utf-8"?>
+<p:sld xmlns:a="http://schemas.openxmlformats.org/drawingml/2006/main" xmlns:r="http://schemas.openxmlformats.org/officeDocument/2006/relationships" xmlns:p="http://schemas.openxmlformats.org/presentationml/2006/main">
   <p:cSld>
     <p:spTree>
       <p:nvGrpSpPr>
@@ -4006,7 +4210,7 @@
           </a:ln>
           <a:extLst>
             <a:ext uri="{C572A759-6A51-4108-AA02-DFA0A04FC94B}">
-              <ma14:wrappingTextBoxFlag xmlns:ma14="http://schemas.microsoft.com/office/mac/drawingml/2011/main" val="1"/>
+              <ma14:wrappingTextBoxFlag xmlns:ma14="http://schemas.microsoft.com/office/mac/drawingml/2011/main" xmlns:a14="http://schemas.microsoft.com/office/drawing/2010/main" xmlns:m="http://schemas.openxmlformats.org/officeDocument/2006/math" xmlns="" val="1"/>
             </a:ext>
           </a:extLst>
         </p:spPr>
@@ -4019,7 +4223,7 @@
               <a:lnSpc>
                 <a:spcPts val="9100"/>
               </a:lnSpc>
-              <a:defRPr spc="166" sz="10000">
+              <a:defRPr sz="10000" spc="166">
                 <a:solidFill>
                   <a:srgbClr val="FFFFFE"/>
                 </a:solidFill>
@@ -4031,7 +4235,6 @@
             </a:lvl1pPr>
           </a:lstStyle>
           <a:p>
-            <a:pPr/>
             <a:r>
               <a:t>Thank you.</a:t>
             </a:r>
@@ -4043,12 +4246,12 @@
   <p:clrMapOvr>
     <a:masterClrMapping/>
   </p:clrMapOvr>
-  <p:transition xmlns:p14="http://schemas.microsoft.com/office/powerpoint/2010/main" spd="med" advClick="1"/>
+  <p:transition spd="med"/>
 </p:sld>
 </file>
 
 <file path=ppt/slides/slide2.xml><?xml version="1.0" encoding="utf-8"?>
-<p:sld xmlns:a="http://schemas.openxmlformats.org/drawingml/2006/main" xmlns:r="http://schemas.openxmlformats.org/officeDocument/2006/relationships" xmlns:p="http://schemas.openxmlformats.org/presentationml/2006/main" xmlns:m="http://schemas.openxmlformats.org/officeDocument/2006/math" xmlns:a14="http://schemas.microsoft.com/office/drawing/2010/main" showMasterSp="1" showMasterPhAnim="1">
+<p:sld xmlns:a="http://schemas.openxmlformats.org/drawingml/2006/main" xmlns:r="http://schemas.openxmlformats.org/officeDocument/2006/relationships" xmlns:p="http://schemas.openxmlformats.org/presentationml/2006/main">
   <p:cSld>
     <p:spTree>
       <p:nvGrpSpPr>
@@ -4067,7 +4270,9 @@
       <p:sp>
         <p:nvSpPr>
           <p:cNvPr id="42" name="TextBox 4"/>
-          <p:cNvSpPr txBox="1"/>
+          <p:cNvSpPr txBox="1">
+            <a:spLocks noGrp="1"/>
+          </p:cNvSpPr>
           <p:nvPr>
             <p:ph type="sldNum" sz="quarter" idx="4294967295"/>
           </p:nvPr>
@@ -4082,7 +4287,7 @@
           </a:prstGeom>
           <a:extLst>
             <a:ext uri="{C572A759-6A51-4108-AA02-DFA0A04FC94B}">
-              <ma14:wrappingTextBoxFlag xmlns:ma14="http://schemas.microsoft.com/office/mac/drawingml/2011/main" val="1"/>
+              <ma14:wrappingTextBoxFlag xmlns:ma14="http://schemas.microsoft.com/office/mac/drawingml/2011/main" xmlns:a14="http://schemas.microsoft.com/office/drawing/2010/main" xmlns:m="http://schemas.openxmlformats.org/officeDocument/2006/math" xmlns="" val="1"/>
             </a:ext>
           </a:extLst>
         </p:spPr>
@@ -4102,8 +4307,11 @@
             </a:lvl1pPr>
           </a:lstStyle>
           <a:p>
-            <a:pPr/>
-            <a:fld id="{86CB4B4D-7CA3-9044-876B-883B54F8677D}" type="slidenum"/>
+            <a:fld id="{86CB4B4D-7CA3-9044-876B-883B54F8677D}" type="slidenum">
+              <a:rPr/>
+              <a:t>2</a:t>
+            </a:fld>
+            <a:endParaRPr/>
           </a:p>
         </p:txBody>
       </p:sp>
@@ -4116,7 +4324,7 @@
         <p:spPr>
           <a:xfrm>
             <a:off x="1396999" y="1142999"/>
-            <a:ext cx="12954003" cy="2679701"/>
+            <a:ext cx="13345696" cy="1213794"/>
           </a:xfrm>
           <a:prstGeom prst="rect">
             <a:avLst/>
@@ -4126,12 +4334,12 @@
           </a:ln>
           <a:extLst>
             <a:ext uri="{C572A759-6A51-4108-AA02-DFA0A04FC94B}">
-              <ma14:wrappingTextBoxFlag xmlns:ma14="http://schemas.microsoft.com/office/mac/drawingml/2011/main" val="1"/>
+              <ma14:wrappingTextBoxFlag xmlns:ma14="http://schemas.microsoft.com/office/mac/drawingml/2011/main" xmlns:a14="http://schemas.microsoft.com/office/drawing/2010/main" xmlns:m="http://schemas.openxmlformats.org/officeDocument/2006/math" xmlns="" val="1"/>
             </a:ext>
           </a:extLst>
         </p:spPr>
         <p:txBody>
-          <a:bodyPr lIns="0" tIns="0" rIns="0" bIns="0">
+          <a:bodyPr wrap="square" lIns="0" tIns="0" rIns="0" bIns="0">
             <a:spAutoFit/>
           </a:bodyPr>
           <a:lstStyle/>
@@ -4140,7 +4348,7 @@
               <a:lnSpc>
                 <a:spcPts val="9100"/>
               </a:lnSpc>
-              <a:defRPr spc="166" sz="10000">
+              <a:defRPr sz="10000" spc="166">
                 <a:solidFill>
                   <a:srgbClr val="FFFFFF"/>
                 </a:solidFill>
@@ -4151,37 +4359,10 @@
               </a:defRPr>
             </a:pPr>
             <a:r>
-              <a:t>Intro</a:t>
-            </a:r>
-          </a:p>
-          <a:p>
-            <a:pPr>
-              <a:defRPr sz="4200">
-                <a:solidFill>
-                  <a:srgbClr val="FFFFFF"/>
-                </a:solidFill>
-                <a:latin typeface="ITC Franklin Gothic Std Bk Cd"/>
-                <a:ea typeface="ITC Franklin Gothic Std Bk Cd"/>
-                <a:cs typeface="ITC Franklin Gothic Std Bk Cd"/>
-                <a:sym typeface="ITC Franklin Gothic Std Bk Cd"/>
-              </a:defRPr>
-            </a:pPr>
-          </a:p>
-          <a:p>
-            <a:pPr>
-              <a:defRPr sz="4200">
-                <a:solidFill>
-                  <a:srgbClr val="FFFFFF"/>
-                </a:solidFill>
-                <a:latin typeface="ITC Franklin Gothic Std Bk Cd"/>
-                <a:ea typeface="ITC Franklin Gothic Std Bk Cd"/>
-                <a:cs typeface="ITC Franklin Gothic Std Bk Cd"/>
-                <a:sym typeface="ITC Franklin Gothic Std Bk Cd"/>
-              </a:defRPr>
-            </a:pPr>
-            <a:r>
-              <a:t>Insert body copy here.</a:t>
-            </a:r>
+              <a:rPr lang="en-US" dirty="0"/>
+              <a:t>Build a game in an hour!</a:t>
+            </a:r>
+            <a:endParaRPr dirty="0"/>
           </a:p>
         </p:txBody>
       </p:sp>
@@ -4194,9 +4375,7 @@
           <p:nvPr/>
         </p:nvPicPr>
         <p:blipFill>
-          <a:blip r:embed="rId3">
-            <a:extLst/>
-          </a:blip>
+          <a:blip r:embed="rId3"/>
           <a:stretch>
             <a:fillRect/>
           </a:stretch>
@@ -4223,9 +4402,7 @@
           <p:nvPr/>
         </p:nvPicPr>
         <p:blipFill>
-          <a:blip r:embed="rId4">
-            <a:extLst/>
-          </a:blip>
+          <a:blip r:embed="rId4"/>
           <a:stretch>
             <a:fillRect/>
           </a:stretch>
@@ -4248,1160 +4425,12 @@
   <p:clrMapOvr>
     <a:masterClrMapping/>
   </p:clrMapOvr>
-  <p:transition xmlns:p14="http://schemas.microsoft.com/office/powerpoint/2010/main" spd="med" advClick="1"/>
-</p:sld>
-</file>
-
-<file path=ppt/slides/slide20.xml><?xml version="1.0" encoding="utf-8"?>
-<p:sld xmlns:a="http://schemas.openxmlformats.org/drawingml/2006/main" xmlns:r="http://schemas.openxmlformats.org/officeDocument/2006/relationships" xmlns:p="http://schemas.openxmlformats.org/presentationml/2006/main" xmlns:m="http://schemas.openxmlformats.org/officeDocument/2006/math" xmlns:a14="http://schemas.microsoft.com/office/drawing/2010/main" showMasterSp="1" showMasterPhAnim="1">
-  <p:cSld>
-    <p:spTree>
-      <p:nvGrpSpPr>
-        <p:cNvPr id="1" name=""/>
-        <p:cNvGrpSpPr/>
-        <p:nvPr/>
-      </p:nvGrpSpPr>
-      <p:grpSpPr>
-        <a:xfrm>
-          <a:off x="0" y="0"/>
-          <a:ext cx="0" cy="0"/>
-          <a:chOff x="0" y="0"/>
-          <a:chExt cx="0" cy="0"/>
-        </a:xfrm>
-      </p:grpSpPr>
-      <p:sp>
-        <p:nvSpPr>
-          <p:cNvPr id="106" name="TextBox 1"/>
-          <p:cNvSpPr txBox="1"/>
-          <p:nvPr>
-            <p:ph type="sldNum" sz="quarter" idx="4294967295"/>
-          </p:nvPr>
-        </p:nvSpPr>
-        <p:spPr>
-          <a:xfrm>
-            <a:off x="508000" y="10795000"/>
-            <a:ext cx="323478" cy="330200"/>
-          </a:xfrm>
-          <a:prstGeom prst="rect">
-            <a:avLst/>
-          </a:prstGeom>
-          <a:extLst>
-            <a:ext uri="{C572A759-6A51-4108-AA02-DFA0A04FC94B}">
-              <ma14:wrappingTextBoxFlag xmlns:ma14="http://schemas.microsoft.com/office/mac/drawingml/2011/main" val="1"/>
-            </a:ext>
-          </a:extLst>
-        </p:spPr>
-        <p:txBody>
-          <a:bodyPr lIns="0" tIns="0" rIns="0" bIns="0" anchor="t"/>
-          <a:lstStyle>
-            <a:lvl1pPr algn="l">
-              <a:defRPr sz="2200">
-                <a:solidFill>
-                  <a:srgbClr val="000000"/>
-                </a:solidFill>
-                <a:latin typeface="ITC Franklin Gothic Std MedCd"/>
-                <a:ea typeface="ITC Franklin Gothic Std MedCd"/>
-                <a:cs typeface="ITC Franklin Gothic Std MedCd"/>
-                <a:sym typeface="ITC Franklin Gothic Std MedCd"/>
-              </a:defRPr>
-            </a:lvl1pPr>
-          </a:lstStyle>
-          <a:p>
-            <a:pPr/>
-            <a:fld id="{86CB4B4D-7CA3-9044-876B-883B54F8677D}" type="slidenum"/>
-          </a:p>
-        </p:txBody>
-      </p:sp>
-      <p:sp>
-        <p:nvSpPr>
-          <p:cNvPr id="107" name="TextBox 3"/>
-          <p:cNvSpPr txBox="1"/>
-          <p:nvPr/>
-        </p:nvSpPr>
-        <p:spPr>
-          <a:xfrm>
-            <a:off x="1396999" y="1142999"/>
-            <a:ext cx="12954003" cy="7353301"/>
-          </a:xfrm>
-          <a:prstGeom prst="rect">
-            <a:avLst/>
-          </a:prstGeom>
-          <a:ln w="12700">
-            <a:miter lim="400000"/>
-          </a:ln>
-          <a:extLst>
-            <a:ext uri="{C572A759-6A51-4108-AA02-DFA0A04FC94B}">
-              <ma14:wrappingTextBoxFlag xmlns:ma14="http://schemas.microsoft.com/office/mac/drawingml/2011/main" val="1"/>
-            </a:ext>
-          </a:extLst>
-        </p:spPr>
-        <p:txBody>
-          <a:bodyPr lIns="0" tIns="0" rIns="0" bIns="0">
-            <a:spAutoFit/>
-          </a:bodyPr>
-          <a:lstStyle/>
-          <a:p>
-            <a:pPr>
-              <a:defRPr sz="6600">
-                <a:solidFill>
-                  <a:schemeClr val="accent1"/>
-                </a:solidFill>
-                <a:latin typeface="ITC Franklin Gothic Std Bk Cd"/>
-                <a:ea typeface="ITC Franklin Gothic Std Bk Cd"/>
-                <a:cs typeface="ITC Franklin Gothic Std Bk Cd"/>
-                <a:sym typeface="ITC Franklin Gothic Std Bk Cd"/>
-              </a:defRPr>
-            </a:pPr>
-            <a:r>
-              <a:t>Insert Title Here</a:t>
-            </a:r>
-          </a:p>
-          <a:p>
-            <a:pPr>
-              <a:defRPr>
-                <a:latin typeface="ITC Franklin Gothic Std Bk Cd"/>
-                <a:ea typeface="ITC Franklin Gothic Std Bk Cd"/>
-                <a:cs typeface="ITC Franklin Gothic Std Bk Cd"/>
-                <a:sym typeface="ITC Franklin Gothic Std Bk Cd"/>
-              </a:defRPr>
-            </a:pPr>
-          </a:p>
-          <a:p>
-            <a:pPr>
-              <a:defRPr>
-                <a:latin typeface="ITC Franklin Gothic Std Bk Cd"/>
-                <a:ea typeface="ITC Franklin Gothic Std Bk Cd"/>
-                <a:cs typeface="ITC Franklin Gothic Std Bk Cd"/>
-                <a:sym typeface="ITC Franklin Gothic Std Bk Cd"/>
-              </a:defRPr>
-            </a:pPr>
-            <a:r>
-              <a:t>Insert body copy here. Lorem ipsum dolor sit amet, consectetur adipiscing elit. Integer enim sapien, placerat ac vulputate ac, luctus vehicula lectus. Quisque purus purus, volutpat quis tempus vitae, vehicula id eros.</a:t>
-            </a:r>
-          </a:p>
-          <a:p>
-            <a:pPr>
-              <a:defRPr>
-                <a:latin typeface="ITC Franklin Gothic Std Bk Cd"/>
-                <a:ea typeface="ITC Franklin Gothic Std Bk Cd"/>
-                <a:cs typeface="ITC Franklin Gothic Std Bk Cd"/>
-                <a:sym typeface="ITC Franklin Gothic Std Bk Cd"/>
-              </a:defRPr>
-            </a:pPr>
-          </a:p>
-          <a:p>
-            <a:pPr marL="561108" indent="-561108">
-              <a:buSzPct val="100000"/>
-              <a:buFont typeface="Arial"/>
-              <a:buChar char="•"/>
-              <a:defRPr>
-                <a:latin typeface="ITC Franklin Gothic Std Bk Cd"/>
-                <a:ea typeface="ITC Franklin Gothic Std Bk Cd"/>
-                <a:cs typeface="ITC Franklin Gothic Std Bk Cd"/>
-                <a:sym typeface="ITC Franklin Gothic Std Bk Cd"/>
-              </a:defRPr>
-            </a:pPr>
-            <a:r>
-              <a:t>Insert first bullet point here</a:t>
-            </a:r>
-          </a:p>
-          <a:p>
-            <a:pPr marL="561108" indent="-561108">
-              <a:buSzPct val="100000"/>
-              <a:buFont typeface="Arial"/>
-              <a:buChar char="•"/>
-              <a:defRPr>
-                <a:latin typeface="ITC Franklin Gothic Std Bk Cd"/>
-                <a:ea typeface="ITC Franklin Gothic Std Bk Cd"/>
-                <a:cs typeface="ITC Franklin Gothic Std Bk Cd"/>
-                <a:sym typeface="ITC Franklin Gothic Std Bk Cd"/>
-              </a:defRPr>
-            </a:pPr>
-            <a:r>
-              <a:t>Insert second bullet point here</a:t>
-            </a:r>
-          </a:p>
-          <a:p>
-            <a:pPr marL="561108" indent="-561108">
-              <a:buSzPct val="100000"/>
-              <a:buFont typeface="Arial"/>
-              <a:buChar char="•"/>
-              <a:defRPr>
-                <a:latin typeface="ITC Franklin Gothic Std Bk Cd"/>
-                <a:ea typeface="ITC Franklin Gothic Std Bk Cd"/>
-                <a:cs typeface="ITC Franklin Gothic Std Bk Cd"/>
-                <a:sym typeface="ITC Franklin Gothic Std Bk Cd"/>
-              </a:defRPr>
-            </a:pPr>
-            <a:r>
-              <a:t>Insert third bullet point here</a:t>
-            </a:r>
-          </a:p>
-          <a:p>
-            <a:pPr marL="561108" indent="-561108">
-              <a:buSzPct val="100000"/>
-              <a:buFont typeface="Arial"/>
-              <a:buChar char="•"/>
-              <a:defRPr>
-                <a:latin typeface="ITC Franklin Gothic Std Bk Cd"/>
-                <a:ea typeface="ITC Franklin Gothic Std Bk Cd"/>
-                <a:cs typeface="ITC Franklin Gothic Std Bk Cd"/>
-                <a:sym typeface="ITC Franklin Gothic Std Bk Cd"/>
-              </a:defRPr>
-            </a:pPr>
-            <a:r>
-              <a:t>Insert fourth bullet point here</a:t>
-            </a:r>
-          </a:p>
-        </p:txBody>
-      </p:sp>
-    </p:spTree>
-  </p:cSld>
-  <p:clrMapOvr>
-    <a:masterClrMapping/>
-  </p:clrMapOvr>
-  <p:transition xmlns:p14="http://schemas.microsoft.com/office/powerpoint/2010/main" spd="med" advClick="1"/>
-</p:sld>
-</file>
-
-<file path=ppt/slides/slide21.xml><?xml version="1.0" encoding="utf-8"?>
-<p:sld xmlns:a="http://schemas.openxmlformats.org/drawingml/2006/main" xmlns:r="http://schemas.openxmlformats.org/officeDocument/2006/relationships" xmlns:p="http://schemas.openxmlformats.org/presentationml/2006/main" xmlns:m="http://schemas.openxmlformats.org/officeDocument/2006/math" xmlns:a14="http://schemas.microsoft.com/office/drawing/2010/main" showMasterSp="1" showMasterPhAnim="1">
-  <p:cSld>
-    <p:spTree>
-      <p:nvGrpSpPr>
-        <p:cNvPr id="1" name=""/>
-        <p:cNvGrpSpPr/>
-        <p:nvPr/>
-      </p:nvGrpSpPr>
-      <p:grpSpPr>
-        <a:xfrm>
-          <a:off x="0" y="0"/>
-          <a:ext cx="0" cy="0"/>
-          <a:chOff x="0" y="0"/>
-          <a:chExt cx="0" cy="0"/>
-        </a:xfrm>
-      </p:grpSpPr>
-      <p:sp>
-        <p:nvSpPr>
-          <p:cNvPr id="111" name="TextBox 1"/>
-          <p:cNvSpPr txBox="1"/>
-          <p:nvPr>
-            <p:ph type="sldNum" sz="quarter" idx="4294967295"/>
-          </p:nvPr>
-        </p:nvSpPr>
-        <p:spPr>
-          <a:xfrm>
-            <a:off x="508000" y="10795000"/>
-            <a:ext cx="323478" cy="330200"/>
-          </a:xfrm>
-          <a:prstGeom prst="rect">
-            <a:avLst/>
-          </a:prstGeom>
-          <a:extLst>
-            <a:ext uri="{C572A759-6A51-4108-AA02-DFA0A04FC94B}">
-              <ma14:wrappingTextBoxFlag xmlns:ma14="http://schemas.microsoft.com/office/mac/drawingml/2011/main" val="1"/>
-            </a:ext>
-          </a:extLst>
-        </p:spPr>
-        <p:txBody>
-          <a:bodyPr lIns="0" tIns="0" rIns="0" bIns="0" anchor="t"/>
-          <a:lstStyle>
-            <a:lvl1pPr algn="l">
-              <a:defRPr sz="2200">
-                <a:solidFill>
-                  <a:srgbClr val="000000"/>
-                </a:solidFill>
-                <a:latin typeface="ITC Franklin Gothic Std MedCd"/>
-                <a:ea typeface="ITC Franklin Gothic Std MedCd"/>
-                <a:cs typeface="ITC Franklin Gothic Std MedCd"/>
-                <a:sym typeface="ITC Franklin Gothic Std MedCd"/>
-              </a:defRPr>
-            </a:lvl1pPr>
-          </a:lstStyle>
-          <a:p>
-            <a:pPr/>
-            <a:fld id="{86CB4B4D-7CA3-9044-876B-883B54F8677D}" type="slidenum"/>
-          </a:p>
-        </p:txBody>
-      </p:sp>
-      <p:sp>
-        <p:nvSpPr>
-          <p:cNvPr id="112" name="TextBox 2"/>
-          <p:cNvSpPr txBox="1"/>
-          <p:nvPr/>
-        </p:nvSpPr>
-        <p:spPr>
-          <a:xfrm>
-            <a:off x="1396999" y="1143000"/>
-            <a:ext cx="6477003" cy="10083801"/>
-          </a:xfrm>
-          <a:prstGeom prst="rect">
-            <a:avLst/>
-          </a:prstGeom>
-          <a:ln w="12700">
-            <a:miter lim="400000"/>
-          </a:ln>
-          <a:extLst>
-            <a:ext uri="{C572A759-6A51-4108-AA02-DFA0A04FC94B}">
-              <ma14:wrappingTextBoxFlag xmlns:ma14="http://schemas.microsoft.com/office/mac/drawingml/2011/main" val="1"/>
-            </a:ext>
-          </a:extLst>
-        </p:spPr>
-        <p:txBody>
-          <a:bodyPr lIns="0" tIns="0" rIns="0" bIns="0">
-            <a:spAutoFit/>
-          </a:bodyPr>
-          <a:lstStyle/>
-          <a:p>
-            <a:pPr>
-              <a:defRPr sz="6600">
-                <a:solidFill>
-                  <a:schemeClr val="accent1"/>
-                </a:solidFill>
-                <a:latin typeface="ITC Franklin Gothic Std Bk Cd"/>
-                <a:ea typeface="ITC Franklin Gothic Std Bk Cd"/>
-                <a:cs typeface="ITC Franklin Gothic Std Bk Cd"/>
-                <a:sym typeface="ITC Franklin Gothic Std Bk Cd"/>
-              </a:defRPr>
-            </a:pPr>
-            <a:r>
-              <a:t>Insert Title Here</a:t>
-            </a:r>
-          </a:p>
-          <a:p>
-            <a:pPr>
-              <a:defRPr>
-                <a:latin typeface="ITC Franklin Gothic Std Bk Cd"/>
-                <a:ea typeface="ITC Franklin Gothic Std Bk Cd"/>
-                <a:cs typeface="ITC Franklin Gothic Std Bk Cd"/>
-                <a:sym typeface="ITC Franklin Gothic Std Bk Cd"/>
-              </a:defRPr>
-            </a:pPr>
-          </a:p>
-          <a:p>
-            <a:pPr>
-              <a:defRPr>
-                <a:latin typeface="ITC Franklin Gothic Std Bk Cd"/>
-                <a:ea typeface="ITC Franklin Gothic Std Bk Cd"/>
-                <a:cs typeface="ITC Franklin Gothic Std Bk Cd"/>
-                <a:sym typeface="ITC Franklin Gothic Std Bk Cd"/>
-              </a:defRPr>
-            </a:pPr>
-            <a:r>
-              <a:t>Insert body copy here. Lorem ipsum dolor sit amet, consectetur adipiscing elit. Integer enim sapien, placerat ac vulputate ac, luctus vehicula lectus. Quisque purus purus, volutpat quis tempus vitae, vehicula id eros.</a:t>
-            </a:r>
-          </a:p>
-          <a:p>
-            <a:pPr>
-              <a:defRPr>
-                <a:latin typeface="ITC Franklin Gothic Std Bk Cd"/>
-                <a:ea typeface="ITC Franklin Gothic Std Bk Cd"/>
-                <a:cs typeface="ITC Franklin Gothic Std Bk Cd"/>
-                <a:sym typeface="ITC Franklin Gothic Std Bk Cd"/>
-              </a:defRPr>
-            </a:pPr>
-          </a:p>
-          <a:p>
-            <a:pPr marL="561108" indent="-561108">
-              <a:buSzPct val="100000"/>
-              <a:buFont typeface="Arial"/>
-              <a:buChar char="•"/>
-              <a:defRPr>
-                <a:latin typeface="ITC Franklin Gothic Std Bk Cd"/>
-                <a:ea typeface="ITC Franklin Gothic Std Bk Cd"/>
-                <a:cs typeface="ITC Franklin Gothic Std Bk Cd"/>
-                <a:sym typeface="ITC Franklin Gothic Std Bk Cd"/>
-              </a:defRPr>
-            </a:pPr>
-            <a:r>
-              <a:t>Insert first bullet point here</a:t>
-            </a:r>
-          </a:p>
-          <a:p>
-            <a:pPr marL="561108" indent="-561108">
-              <a:buSzPct val="100000"/>
-              <a:buFont typeface="Arial"/>
-              <a:buChar char="•"/>
-              <a:defRPr>
-                <a:latin typeface="ITC Franklin Gothic Std Bk Cd"/>
-                <a:ea typeface="ITC Franklin Gothic Std Bk Cd"/>
-                <a:cs typeface="ITC Franklin Gothic Std Bk Cd"/>
-                <a:sym typeface="ITC Franklin Gothic Std Bk Cd"/>
-              </a:defRPr>
-            </a:pPr>
-            <a:r>
-              <a:t>Insert second bullet point here</a:t>
-            </a:r>
-          </a:p>
-          <a:p>
-            <a:pPr marL="561108" indent="-561108">
-              <a:buSzPct val="100000"/>
-              <a:buFont typeface="Arial"/>
-              <a:buChar char="•"/>
-              <a:defRPr>
-                <a:latin typeface="ITC Franklin Gothic Std Bk Cd"/>
-                <a:ea typeface="ITC Franklin Gothic Std Bk Cd"/>
-                <a:cs typeface="ITC Franklin Gothic Std Bk Cd"/>
-                <a:sym typeface="ITC Franklin Gothic Std Bk Cd"/>
-              </a:defRPr>
-            </a:pPr>
-            <a:r>
-              <a:t>Insert third bullet point here</a:t>
-            </a:r>
-          </a:p>
-          <a:p>
-            <a:pPr marL="561108" indent="-561108">
-              <a:buSzPct val="100000"/>
-              <a:buFont typeface="Arial"/>
-              <a:buChar char="•"/>
-              <a:defRPr>
-                <a:latin typeface="ITC Franklin Gothic Std Bk Cd"/>
-                <a:ea typeface="ITC Franklin Gothic Std Bk Cd"/>
-                <a:cs typeface="ITC Franklin Gothic Std Bk Cd"/>
-                <a:sym typeface="ITC Franklin Gothic Std Bk Cd"/>
-              </a:defRPr>
-            </a:pPr>
-            <a:r>
-              <a:t>Insert fourth bullet point here</a:t>
-            </a:r>
-          </a:p>
-        </p:txBody>
-      </p:sp>
-      <p:pic>
-        <p:nvPicPr>
-          <p:cNvPr id="113" name="Picture 3" descr="Picture 3"/>
-          <p:cNvPicPr>
-            <a:picLocks noChangeAspect="1"/>
-          </p:cNvPicPr>
-          <p:nvPr/>
-        </p:nvPicPr>
-        <p:blipFill>
-          <a:blip r:embed="rId3">
-            <a:extLst/>
-          </a:blip>
-          <a:stretch>
-            <a:fillRect/>
-          </a:stretch>
-        </p:blipFill>
-        <p:spPr>
-          <a:xfrm>
-            <a:off x="9990666" y="2476500"/>
-            <a:ext cx="4932519" cy="6477000"/>
-          </a:xfrm>
-          <a:prstGeom prst="rect">
-            <a:avLst/>
-          </a:prstGeom>
-          <a:ln w="12700">
-            <a:solidFill>
-              <a:srgbClr val="000000"/>
-            </a:solidFill>
-          </a:ln>
-        </p:spPr>
-      </p:pic>
-    </p:spTree>
-  </p:cSld>
-  <p:clrMapOvr>
-    <a:masterClrMapping/>
-  </p:clrMapOvr>
-  <p:transition xmlns:p14="http://schemas.microsoft.com/office/powerpoint/2010/main" spd="med" advClick="1"/>
+  <p:transition spd="med"/>
 </p:sld>
 </file>
 
 <file path=ppt/slides/slide3.xml><?xml version="1.0" encoding="utf-8"?>
-<p:sld xmlns:a="http://schemas.openxmlformats.org/drawingml/2006/main" xmlns:r="http://schemas.openxmlformats.org/officeDocument/2006/relationships" xmlns:p="http://schemas.openxmlformats.org/presentationml/2006/main" xmlns:m="http://schemas.openxmlformats.org/officeDocument/2006/math" xmlns:a14="http://schemas.microsoft.com/office/drawing/2010/main" showMasterSp="1" showMasterPhAnim="1">
-  <p:cSld>
-    <p:spTree>
-      <p:nvGrpSpPr>
-        <p:cNvPr id="1" name=""/>
-        <p:cNvGrpSpPr/>
-        <p:nvPr/>
-      </p:nvGrpSpPr>
-      <p:grpSpPr>
-        <a:xfrm>
-          <a:off x="0" y="0"/>
-          <a:ext cx="0" cy="0"/>
-          <a:chOff x="0" y="0"/>
-          <a:chExt cx="0" cy="0"/>
-        </a:xfrm>
-      </p:grpSpPr>
-      <p:sp>
-        <p:nvSpPr>
-          <p:cNvPr id="49" name="Slide Number"/>
-          <p:cNvSpPr txBox="1"/>
-          <p:nvPr>
-            <p:ph type="sldNum" sz="quarter" idx="4294967295"/>
-          </p:nvPr>
-        </p:nvSpPr>
-        <p:spPr>
-          <a:xfrm>
-            <a:off x="508000" y="10795000"/>
-            <a:ext cx="168089" cy="330200"/>
-          </a:xfrm>
-          <a:prstGeom prst="rect">
-            <a:avLst/>
-          </a:prstGeom>
-          <a:extLst>
-            <a:ext uri="{C572A759-6A51-4108-AA02-DFA0A04FC94B}">
-              <ma14:wrappingTextBoxFlag xmlns:ma14="http://schemas.microsoft.com/office/mac/drawingml/2011/main" val="1"/>
-            </a:ext>
-          </a:extLst>
-        </p:spPr>
-        <p:txBody>
-          <a:bodyPr lIns="0" tIns="0" rIns="0" bIns="0" anchor="t"/>
-          <a:lstStyle>
-            <a:lvl1pPr algn="l">
-              <a:defRPr sz="2200">
-                <a:solidFill>
-                  <a:srgbClr val="000000"/>
-                </a:solidFill>
-                <a:latin typeface="ITC Franklin Gothic Std MedCd"/>
-                <a:ea typeface="ITC Franklin Gothic Std MedCd"/>
-                <a:cs typeface="ITC Franklin Gothic Std MedCd"/>
-                <a:sym typeface="ITC Franklin Gothic Std MedCd"/>
-              </a:defRPr>
-            </a:lvl1pPr>
-          </a:lstStyle>
-          <a:p>
-            <a:pPr/>
-            <a:fld id="{86CB4B4D-7CA3-9044-876B-883B54F8677D}" type="slidenum"/>
-          </a:p>
-        </p:txBody>
-      </p:sp>
-      <p:sp>
-        <p:nvSpPr>
-          <p:cNvPr id="50" name="TextBox 3"/>
-          <p:cNvSpPr txBox="1"/>
-          <p:nvPr/>
-        </p:nvSpPr>
-        <p:spPr>
-          <a:xfrm>
-            <a:off x="1396999" y="1142998"/>
-            <a:ext cx="12954003" cy="3695701"/>
-          </a:xfrm>
-          <a:prstGeom prst="rect">
-            <a:avLst/>
-          </a:prstGeom>
-          <a:ln w="12700">
-            <a:miter lim="400000"/>
-          </a:ln>
-          <a:extLst>
-            <a:ext uri="{C572A759-6A51-4108-AA02-DFA0A04FC94B}">
-              <ma14:wrappingTextBoxFlag xmlns:ma14="http://schemas.microsoft.com/office/mac/drawingml/2011/main" val="1"/>
-            </a:ext>
-          </a:extLst>
-        </p:spPr>
-        <p:txBody>
-          <a:bodyPr lIns="0" tIns="0" rIns="0" bIns="0">
-            <a:spAutoFit/>
-          </a:bodyPr>
-          <a:lstStyle/>
-          <a:p>
-            <a:pPr>
-              <a:defRPr sz="6600">
-                <a:solidFill>
-                  <a:schemeClr val="accent1"/>
-                </a:solidFill>
-                <a:latin typeface="ITC Franklin Gothic Std Bk Cd"/>
-                <a:ea typeface="ITC Franklin Gothic Std Bk Cd"/>
-                <a:cs typeface="ITC Franklin Gothic Std Bk Cd"/>
-                <a:sym typeface="ITC Franklin Gothic Std Bk Cd"/>
-              </a:defRPr>
-            </a:pPr>
-            <a:r>
-              <a:t>Concept/Attention Grabber</a:t>
-            </a:r>
-          </a:p>
-          <a:p>
-            <a:pPr>
-              <a:defRPr>
-                <a:latin typeface="ITC Franklin Gothic Std Bk Cd"/>
-                <a:ea typeface="ITC Franklin Gothic Std Bk Cd"/>
-                <a:cs typeface="ITC Franklin Gothic Std Bk Cd"/>
-                <a:sym typeface="ITC Franklin Gothic Std Bk Cd"/>
-              </a:defRPr>
-            </a:pPr>
-          </a:p>
-          <a:p>
-            <a:pPr>
-              <a:defRPr>
-                <a:latin typeface="ITC Franklin Gothic Std Bk Cd"/>
-                <a:ea typeface="ITC Franklin Gothic Std Bk Cd"/>
-                <a:cs typeface="ITC Franklin Gothic Std Bk Cd"/>
-                <a:sym typeface="ITC Franklin Gothic Std Bk Cd"/>
-              </a:defRPr>
-            </a:pPr>
-            <a:r>
-              <a:t>Insert body copy here.</a:t>
-            </a:r>
-          </a:p>
-          <a:p>
-            <a:pPr>
-              <a:defRPr>
-                <a:latin typeface="ITC Franklin Gothic Std Bk Cd"/>
-                <a:ea typeface="ITC Franklin Gothic Std Bk Cd"/>
-                <a:cs typeface="ITC Franklin Gothic Std Bk Cd"/>
-                <a:sym typeface="ITC Franklin Gothic Std Bk Cd"/>
-              </a:defRPr>
-            </a:pPr>
-          </a:p>
-          <a:p>
-            <a:pPr marL="561108" indent="-561108">
-              <a:buSzPct val="100000"/>
-              <a:buFont typeface="Arial"/>
-              <a:buChar char="•"/>
-              <a:defRPr>
-                <a:latin typeface="ITC Franklin Gothic Std Bk Cd"/>
-                <a:ea typeface="ITC Franklin Gothic Std Bk Cd"/>
-                <a:cs typeface="ITC Franklin Gothic Std Bk Cd"/>
-                <a:sym typeface="ITC Franklin Gothic Std Bk Cd"/>
-              </a:defRPr>
-            </a:pPr>
-            <a:r>
-              <a:t>Insert first bullet point here</a:t>
-            </a:r>
-          </a:p>
-        </p:txBody>
-      </p:sp>
-    </p:spTree>
-  </p:cSld>
-  <p:clrMapOvr>
-    <a:masterClrMapping/>
-  </p:clrMapOvr>
-  <p:transition xmlns:p14="http://schemas.microsoft.com/office/powerpoint/2010/main" spd="med" advClick="1"/>
-</p:sld>
-</file>
-
-<file path=ppt/slides/slide4.xml><?xml version="1.0" encoding="utf-8"?>
-<p:sld xmlns:a="http://schemas.openxmlformats.org/drawingml/2006/main" xmlns:r="http://schemas.openxmlformats.org/officeDocument/2006/relationships" xmlns:p="http://schemas.openxmlformats.org/presentationml/2006/main" xmlns:m="http://schemas.openxmlformats.org/officeDocument/2006/math" xmlns:a14="http://schemas.microsoft.com/office/drawing/2010/main" showMasterSp="1" showMasterPhAnim="1">
-  <p:cSld>
-    <p:spTree>
-      <p:nvGrpSpPr>
-        <p:cNvPr id="1" name=""/>
-        <p:cNvGrpSpPr/>
-        <p:nvPr/>
-      </p:nvGrpSpPr>
-      <p:grpSpPr>
-        <a:xfrm>
-          <a:off x="0" y="0"/>
-          <a:ext cx="0" cy="0"/>
-          <a:chOff x="0" y="0"/>
-          <a:chExt cx="0" cy="0"/>
-        </a:xfrm>
-      </p:grpSpPr>
-      <p:sp>
-        <p:nvSpPr>
-          <p:cNvPr id="52" name="TextBox 1"/>
-          <p:cNvSpPr txBox="1"/>
-          <p:nvPr>
-            <p:ph type="sldNum" sz="quarter" idx="4294967295"/>
-          </p:nvPr>
-        </p:nvSpPr>
-        <p:spPr>
-          <a:xfrm>
-            <a:off x="508000" y="10795000"/>
-            <a:ext cx="168089" cy="330200"/>
-          </a:xfrm>
-          <a:prstGeom prst="rect">
-            <a:avLst/>
-          </a:prstGeom>
-          <a:extLst>
-            <a:ext uri="{C572A759-6A51-4108-AA02-DFA0A04FC94B}">
-              <ma14:wrappingTextBoxFlag xmlns:ma14="http://schemas.microsoft.com/office/mac/drawingml/2011/main" val="1"/>
-            </a:ext>
-          </a:extLst>
-        </p:spPr>
-        <p:txBody>
-          <a:bodyPr lIns="0" tIns="0" rIns="0" bIns="0" anchor="t"/>
-          <a:lstStyle>
-            <a:lvl1pPr algn="l">
-              <a:defRPr sz="2200">
-                <a:solidFill>
-                  <a:srgbClr val="000000"/>
-                </a:solidFill>
-                <a:latin typeface="ITC Franklin Gothic Std MedCd"/>
-                <a:ea typeface="ITC Franklin Gothic Std MedCd"/>
-                <a:cs typeface="ITC Franklin Gothic Std MedCd"/>
-                <a:sym typeface="ITC Franklin Gothic Std MedCd"/>
-              </a:defRPr>
-            </a:lvl1pPr>
-          </a:lstStyle>
-          <a:p>
-            <a:pPr/>
-            <a:fld id="{86CB4B4D-7CA3-9044-876B-883B54F8677D}" type="slidenum"/>
-          </a:p>
-        </p:txBody>
-      </p:sp>
-      <p:sp>
-        <p:nvSpPr>
-          <p:cNvPr id="53" name="TextBox 3"/>
-          <p:cNvSpPr txBox="1"/>
-          <p:nvPr/>
-        </p:nvSpPr>
-        <p:spPr>
-          <a:xfrm>
-            <a:off x="1396999" y="1142999"/>
-            <a:ext cx="12954003" cy="2349501"/>
-          </a:xfrm>
-          <a:prstGeom prst="rect">
-            <a:avLst/>
-          </a:prstGeom>
-          <a:ln w="12700">
-            <a:miter lim="400000"/>
-          </a:ln>
-          <a:extLst>
-            <a:ext uri="{C572A759-6A51-4108-AA02-DFA0A04FC94B}">
-              <ma14:wrappingTextBoxFlag xmlns:ma14="http://schemas.microsoft.com/office/mac/drawingml/2011/main" val="1"/>
-            </a:ext>
-          </a:extLst>
-        </p:spPr>
-        <p:txBody>
-          <a:bodyPr lIns="0" tIns="0" rIns="0" bIns="0">
-            <a:spAutoFit/>
-          </a:bodyPr>
-          <a:lstStyle/>
-          <a:p>
-            <a:pPr>
-              <a:defRPr sz="6600">
-                <a:solidFill>
-                  <a:schemeClr val="accent1"/>
-                </a:solidFill>
-                <a:latin typeface="ITC Franklin Gothic Std Bk Cd"/>
-                <a:ea typeface="ITC Franklin Gothic Std Bk Cd"/>
-                <a:cs typeface="ITC Franklin Gothic Std Bk Cd"/>
-                <a:sym typeface="ITC Franklin Gothic Std Bk Cd"/>
-              </a:defRPr>
-            </a:pPr>
-            <a:r>
-              <a:t>Learning Objectives this week</a:t>
-            </a:r>
-          </a:p>
-          <a:p>
-            <a:pPr>
-              <a:defRPr>
-                <a:latin typeface="ITC Franklin Gothic Std Bk Cd"/>
-                <a:ea typeface="ITC Franklin Gothic Std Bk Cd"/>
-                <a:cs typeface="ITC Franklin Gothic Std Bk Cd"/>
-                <a:sym typeface="ITC Franklin Gothic Std Bk Cd"/>
-              </a:defRPr>
-            </a:pPr>
-          </a:p>
-          <a:p>
-            <a:pPr marL="561108" indent="-561108">
-              <a:buSzPct val="100000"/>
-              <a:buFont typeface="Arial"/>
-              <a:buChar char="•"/>
-              <a:defRPr>
-                <a:latin typeface="ITC Franklin Gothic Std Bk Cd"/>
-                <a:ea typeface="ITC Franklin Gothic Std Bk Cd"/>
-                <a:cs typeface="ITC Franklin Gothic Std Bk Cd"/>
-                <a:sym typeface="ITC Franklin Gothic Std Bk Cd"/>
-              </a:defRPr>
-            </a:pPr>
-            <a:r>
-              <a:t>explain…</a:t>
-            </a:r>
-          </a:p>
-        </p:txBody>
-      </p:sp>
-    </p:spTree>
-  </p:cSld>
-  <p:clrMapOvr>
-    <a:masterClrMapping/>
-  </p:clrMapOvr>
-  <p:transition xmlns:p14="http://schemas.microsoft.com/office/powerpoint/2010/main" spd="med" advClick="1"/>
-</p:sld>
-</file>
-
-<file path=ppt/slides/slide5.xml><?xml version="1.0" encoding="utf-8"?>
-<p:sld xmlns:a="http://schemas.openxmlformats.org/drawingml/2006/main" xmlns:r="http://schemas.openxmlformats.org/officeDocument/2006/relationships" xmlns:p="http://schemas.openxmlformats.org/presentationml/2006/main" xmlns:m="http://schemas.openxmlformats.org/officeDocument/2006/math" xmlns:a14="http://schemas.microsoft.com/office/drawing/2010/main" showMasterSp="1" showMasterPhAnim="1">
-  <p:cSld>
-    <p:spTree>
-      <p:nvGrpSpPr>
-        <p:cNvPr id="1" name=""/>
-        <p:cNvGrpSpPr/>
-        <p:nvPr/>
-      </p:nvGrpSpPr>
-      <p:grpSpPr>
-        <a:xfrm>
-          <a:off x="0" y="0"/>
-          <a:ext cx="0" cy="0"/>
-          <a:chOff x="0" y="0"/>
-          <a:chExt cx="0" cy="0"/>
-        </a:xfrm>
-      </p:grpSpPr>
-      <p:sp>
-        <p:nvSpPr>
-          <p:cNvPr id="57" name="TextBox 1"/>
-          <p:cNvSpPr txBox="1"/>
-          <p:nvPr>
-            <p:ph type="sldNum" sz="quarter" idx="4294967295"/>
-          </p:nvPr>
-        </p:nvSpPr>
-        <p:spPr>
-          <a:xfrm>
-            <a:off x="508000" y="10795000"/>
-            <a:ext cx="168089" cy="330200"/>
-          </a:xfrm>
-          <a:prstGeom prst="rect">
-            <a:avLst/>
-          </a:prstGeom>
-          <a:extLst>
-            <a:ext uri="{C572A759-6A51-4108-AA02-DFA0A04FC94B}">
-              <ma14:wrappingTextBoxFlag xmlns:ma14="http://schemas.microsoft.com/office/mac/drawingml/2011/main" val="1"/>
-            </a:ext>
-          </a:extLst>
-        </p:spPr>
-        <p:txBody>
-          <a:bodyPr lIns="0" tIns="0" rIns="0" bIns="0" anchor="t"/>
-          <a:lstStyle>
-            <a:lvl1pPr algn="l">
-              <a:defRPr sz="2200">
-                <a:solidFill>
-                  <a:srgbClr val="000000"/>
-                </a:solidFill>
-                <a:latin typeface="ITC Franklin Gothic Std MedCd"/>
-                <a:ea typeface="ITC Franklin Gothic Std MedCd"/>
-                <a:cs typeface="ITC Franklin Gothic Std MedCd"/>
-                <a:sym typeface="ITC Franklin Gothic Std MedCd"/>
-              </a:defRPr>
-            </a:lvl1pPr>
-          </a:lstStyle>
-          <a:p>
-            <a:pPr/>
-            <a:fld id="{86CB4B4D-7CA3-9044-876B-883B54F8677D}" type="slidenum"/>
-          </a:p>
-        </p:txBody>
-      </p:sp>
-      <p:sp>
-        <p:nvSpPr>
-          <p:cNvPr id="58" name="TextBox 3"/>
-          <p:cNvSpPr txBox="1"/>
-          <p:nvPr/>
-        </p:nvSpPr>
-        <p:spPr>
-          <a:xfrm>
-            <a:off x="1396999" y="1142998"/>
-            <a:ext cx="12954003" cy="4368801"/>
-          </a:xfrm>
-          <a:prstGeom prst="rect">
-            <a:avLst/>
-          </a:prstGeom>
-          <a:ln w="12700">
-            <a:miter lim="400000"/>
-          </a:ln>
-          <a:extLst>
-            <a:ext uri="{C572A759-6A51-4108-AA02-DFA0A04FC94B}">
-              <ma14:wrappingTextBoxFlag xmlns:ma14="http://schemas.microsoft.com/office/mac/drawingml/2011/main" val="1"/>
-            </a:ext>
-          </a:extLst>
-        </p:spPr>
-        <p:txBody>
-          <a:bodyPr lIns="0" tIns="0" rIns="0" bIns="0">
-            <a:spAutoFit/>
-          </a:bodyPr>
-          <a:lstStyle/>
-          <a:p>
-            <a:pPr>
-              <a:defRPr sz="6600">
-                <a:solidFill>
-                  <a:schemeClr val="accent1"/>
-                </a:solidFill>
-                <a:latin typeface="ITC Franklin Gothic Std Bk Cd"/>
-                <a:ea typeface="ITC Franklin Gothic Std Bk Cd"/>
-                <a:cs typeface="ITC Franklin Gothic Std Bk Cd"/>
-                <a:sym typeface="ITC Franklin Gothic Std Bk Cd"/>
-              </a:defRPr>
-            </a:pPr>
-            <a:r>
-              <a:t>The Agenda</a:t>
-            </a:r>
-          </a:p>
-          <a:p>
-            <a:pPr>
-              <a:defRPr>
-                <a:latin typeface="ITC Franklin Gothic Std Bk Cd"/>
-                <a:ea typeface="ITC Franklin Gothic Std Bk Cd"/>
-                <a:cs typeface="ITC Franklin Gothic Std Bk Cd"/>
-                <a:sym typeface="ITC Franklin Gothic Std Bk Cd"/>
-              </a:defRPr>
-            </a:pPr>
-          </a:p>
-          <a:p>
-            <a:pPr>
-              <a:defRPr>
-                <a:latin typeface="ITC Franklin Gothic Std Bk Cd"/>
-                <a:ea typeface="ITC Franklin Gothic Std Bk Cd"/>
-                <a:cs typeface="ITC Franklin Gothic Std Bk Cd"/>
-                <a:sym typeface="ITC Franklin Gothic Std Bk Cd"/>
-              </a:defRPr>
-            </a:pPr>
-            <a:r>
-              <a:t>Body </a:t>
-            </a:r>
-          </a:p>
-          <a:p>
-            <a:pPr>
-              <a:defRPr>
-                <a:latin typeface="ITC Franklin Gothic Std Bk Cd"/>
-                <a:ea typeface="ITC Franklin Gothic Std Bk Cd"/>
-                <a:cs typeface="ITC Franklin Gothic Std Bk Cd"/>
-                <a:sym typeface="ITC Franklin Gothic Std Bk Cd"/>
-              </a:defRPr>
-            </a:pPr>
-          </a:p>
-          <a:p>
-            <a:pPr marL="561108" indent="-561108">
-              <a:buSzPct val="100000"/>
-              <a:buFont typeface="Arial"/>
-              <a:buChar char="•"/>
-              <a:defRPr>
-                <a:latin typeface="ITC Franklin Gothic Std Bk Cd"/>
-                <a:ea typeface="ITC Franklin Gothic Std Bk Cd"/>
-                <a:cs typeface="ITC Franklin Gothic Std Bk Cd"/>
-                <a:sym typeface="ITC Franklin Gothic Std Bk Cd"/>
-              </a:defRPr>
-            </a:pPr>
-            <a:r>
-              <a:t>Item 1</a:t>
-            </a:r>
-          </a:p>
-        </p:txBody>
-      </p:sp>
-    </p:spTree>
-  </p:cSld>
-  <p:clrMapOvr>
-    <a:masterClrMapping/>
-  </p:clrMapOvr>
-  <p:transition xmlns:p14="http://schemas.microsoft.com/office/powerpoint/2010/main" spd="med" advClick="1"/>
-</p:sld>
-</file>
-
-<file path=ppt/slides/slide6.xml><?xml version="1.0" encoding="utf-8"?>
-<p:sld xmlns:a="http://schemas.openxmlformats.org/drawingml/2006/main" xmlns:r="http://schemas.openxmlformats.org/officeDocument/2006/relationships" xmlns:p="http://schemas.openxmlformats.org/presentationml/2006/main" xmlns:m="http://schemas.openxmlformats.org/officeDocument/2006/math" xmlns:a14="http://schemas.microsoft.com/office/drawing/2010/main" showMasterSp="1" showMasterPhAnim="1">
-  <p:cSld>
-    <p:spTree>
-      <p:nvGrpSpPr>
-        <p:cNvPr id="1" name=""/>
-        <p:cNvGrpSpPr/>
-        <p:nvPr/>
-      </p:nvGrpSpPr>
-      <p:grpSpPr>
-        <a:xfrm>
-          <a:off x="0" y="0"/>
-          <a:ext cx="0" cy="0"/>
-          <a:chOff x="0" y="0"/>
-          <a:chExt cx="0" cy="0"/>
-        </a:xfrm>
-      </p:grpSpPr>
-      <p:sp>
-        <p:nvSpPr>
-          <p:cNvPr id="60" name="TextBox 1"/>
-          <p:cNvSpPr txBox="1"/>
-          <p:nvPr/>
-        </p:nvSpPr>
-        <p:spPr>
-          <a:xfrm>
-            <a:off x="1396999" y="1143000"/>
-            <a:ext cx="12954003" cy="1216636"/>
-          </a:xfrm>
-          <a:prstGeom prst="rect">
-            <a:avLst/>
-          </a:prstGeom>
-          <a:ln w="12700">
-            <a:miter lim="400000"/>
-          </a:ln>
-          <a:extLst>
-            <a:ext uri="{C572A759-6A51-4108-AA02-DFA0A04FC94B}">
-              <ma14:wrappingTextBoxFlag xmlns:ma14="http://schemas.microsoft.com/office/mac/drawingml/2011/main" val="1"/>
-            </a:ext>
-          </a:extLst>
-        </p:spPr>
-        <p:txBody>
-          <a:bodyPr lIns="0" tIns="0" rIns="0" bIns="0">
-            <a:spAutoFit/>
-          </a:bodyPr>
-          <a:lstStyle>
-            <a:lvl1pPr>
-              <a:lnSpc>
-                <a:spcPts val="9100"/>
-              </a:lnSpc>
-              <a:defRPr spc="166" sz="10000">
-                <a:solidFill>
-                  <a:srgbClr val="FFFFFE"/>
-                </a:solidFill>
-                <a:latin typeface="ITC Franklin Gothic Std Dm Cd"/>
-                <a:ea typeface="ITC Franklin Gothic Std Dm Cd"/>
-                <a:cs typeface="ITC Franklin Gothic Std Dm Cd"/>
-                <a:sym typeface="ITC Franklin Gothic Std Dm Cd"/>
-              </a:defRPr>
-            </a:lvl1pPr>
-          </a:lstStyle>
-          <a:p>
-            <a:pPr/>
-            <a:r>
-              <a:t>Thank you.</a:t>
-            </a:r>
-          </a:p>
-        </p:txBody>
-      </p:sp>
-    </p:spTree>
-  </p:cSld>
-  <p:clrMapOvr>
-    <a:masterClrMapping/>
-  </p:clrMapOvr>
-  <p:transition xmlns:p14="http://schemas.microsoft.com/office/powerpoint/2010/main" spd="med" advClick="1"/>
-</p:sld>
-</file>
-
-<file path=ppt/slides/slide7.xml><?xml version="1.0" encoding="utf-8"?>
-<p:sld xmlns:a="http://schemas.openxmlformats.org/drawingml/2006/main" xmlns:r="http://schemas.openxmlformats.org/officeDocument/2006/relationships" xmlns:p="http://schemas.openxmlformats.org/presentationml/2006/main" xmlns:m="http://schemas.openxmlformats.org/officeDocument/2006/math" xmlns:a14="http://schemas.microsoft.com/office/drawing/2010/main" showMasterSp="1" showMasterPhAnim="1">
-  <p:cSld>
-    <p:spTree>
-      <p:nvGrpSpPr>
-        <p:cNvPr id="1" name=""/>
-        <p:cNvGrpSpPr/>
-        <p:nvPr/>
-      </p:nvGrpSpPr>
-      <p:grpSpPr>
-        <a:xfrm>
-          <a:off x="0" y="0"/>
-          <a:ext cx="0" cy="0"/>
-          <a:chOff x="0" y="0"/>
-          <a:chExt cx="0" cy="0"/>
-        </a:xfrm>
-      </p:grpSpPr>
-      <p:sp>
-        <p:nvSpPr>
-          <p:cNvPr id="64" name="TextBox 4"/>
-          <p:cNvSpPr txBox="1"/>
-          <p:nvPr>
-            <p:ph type="sldNum" sz="quarter" idx="4294967295"/>
-          </p:nvPr>
-        </p:nvSpPr>
-        <p:spPr>
-          <a:xfrm>
-            <a:off x="508000" y="10795000"/>
-            <a:ext cx="168089" cy="330200"/>
-          </a:xfrm>
-          <a:prstGeom prst="rect">
-            <a:avLst/>
-          </a:prstGeom>
-          <a:extLst>
-            <a:ext uri="{C572A759-6A51-4108-AA02-DFA0A04FC94B}">
-              <ma14:wrappingTextBoxFlag xmlns:ma14="http://schemas.microsoft.com/office/mac/drawingml/2011/main" val="1"/>
-            </a:ext>
-          </a:extLst>
-        </p:spPr>
-        <p:txBody>
-          <a:bodyPr lIns="0" tIns="0" rIns="0" bIns="0" anchor="t"/>
-          <a:lstStyle>
-            <a:lvl1pPr algn="l">
-              <a:defRPr sz="2200">
-                <a:solidFill>
-                  <a:srgbClr val="FFFFFF"/>
-                </a:solidFill>
-                <a:latin typeface="ITC Franklin Gothic Std MedCd"/>
-                <a:ea typeface="ITC Franklin Gothic Std MedCd"/>
-                <a:cs typeface="ITC Franklin Gothic Std MedCd"/>
-                <a:sym typeface="ITC Franklin Gothic Std MedCd"/>
-              </a:defRPr>
-            </a:lvl1pPr>
-          </a:lstStyle>
-          <a:p>
-            <a:pPr/>
-            <a:fld id="{86CB4B4D-7CA3-9044-876B-883B54F8677D}" type="slidenum"/>
-          </a:p>
-        </p:txBody>
-      </p:sp>
-      <p:sp>
-        <p:nvSpPr>
-          <p:cNvPr id="65" name="TextBox 2"/>
-          <p:cNvSpPr txBox="1"/>
-          <p:nvPr/>
-        </p:nvSpPr>
-        <p:spPr>
-          <a:xfrm>
-            <a:off x="1396999" y="1142999"/>
-            <a:ext cx="12954003" cy="2679701"/>
-          </a:xfrm>
-          <a:prstGeom prst="rect">
-            <a:avLst/>
-          </a:prstGeom>
-          <a:ln w="12700">
-            <a:miter lim="400000"/>
-          </a:ln>
-          <a:extLst>
-            <a:ext uri="{C572A759-6A51-4108-AA02-DFA0A04FC94B}">
-              <ma14:wrappingTextBoxFlag xmlns:ma14="http://schemas.microsoft.com/office/mac/drawingml/2011/main" val="1"/>
-            </a:ext>
-          </a:extLst>
-        </p:spPr>
-        <p:txBody>
-          <a:bodyPr lIns="0" tIns="0" rIns="0" bIns="0">
-            <a:spAutoFit/>
-          </a:bodyPr>
-          <a:lstStyle/>
-          <a:p>
-            <a:pPr>
-              <a:lnSpc>
-                <a:spcPts val="9100"/>
-              </a:lnSpc>
-              <a:defRPr spc="166" sz="10000">
-                <a:solidFill>
-                  <a:srgbClr val="FFFFFF"/>
-                </a:solidFill>
-                <a:latin typeface="ITC Franklin Gothic Std Dm Cd"/>
-                <a:ea typeface="ITC Franklin Gothic Std Dm Cd"/>
-                <a:cs typeface="ITC Franklin Gothic Std Dm Cd"/>
-                <a:sym typeface="ITC Franklin Gothic Std Dm Cd"/>
-              </a:defRPr>
-            </a:pPr>
-            <a:r>
-              <a:t>Section</a:t>
-            </a:r>
-          </a:p>
-          <a:p>
-            <a:pPr>
-              <a:defRPr sz="4200">
-                <a:solidFill>
-                  <a:srgbClr val="FFFFFF"/>
-                </a:solidFill>
-                <a:latin typeface="ITC Franklin Gothic Std Bk Cd"/>
-                <a:ea typeface="ITC Franklin Gothic Std Bk Cd"/>
-                <a:cs typeface="ITC Franklin Gothic Std Bk Cd"/>
-                <a:sym typeface="ITC Franklin Gothic Std Bk Cd"/>
-              </a:defRPr>
-            </a:pPr>
-          </a:p>
-          <a:p>
-            <a:pPr>
-              <a:defRPr sz="4200">
-                <a:solidFill>
-                  <a:srgbClr val="FFFFFF"/>
-                </a:solidFill>
-                <a:latin typeface="ITC Franklin Gothic Std Bk Cd"/>
-                <a:ea typeface="ITC Franklin Gothic Std Bk Cd"/>
-                <a:cs typeface="ITC Franklin Gothic Std Bk Cd"/>
-                <a:sym typeface="ITC Franklin Gothic Std Bk Cd"/>
-              </a:defRPr>
-            </a:pPr>
-            <a:r>
-              <a:t>Insert body copy here.</a:t>
-            </a:r>
-          </a:p>
-        </p:txBody>
-      </p:sp>
-    </p:spTree>
-  </p:cSld>
-  <p:clrMapOvr>
-    <a:masterClrMapping/>
-  </p:clrMapOvr>
-  <p:transition xmlns:p14="http://schemas.microsoft.com/office/powerpoint/2010/main" spd="med" advClick="1"/>
-</p:sld>
-</file>
-
-<file path=ppt/slides/slide8.xml><?xml version="1.0" encoding="utf-8"?>
-<p:sld xmlns:a="http://schemas.openxmlformats.org/drawingml/2006/main" xmlns:r="http://schemas.openxmlformats.org/officeDocument/2006/relationships" xmlns:p="http://schemas.openxmlformats.org/presentationml/2006/main" xmlns:m="http://schemas.openxmlformats.org/officeDocument/2006/math" xmlns:a14="http://schemas.microsoft.com/office/drawing/2010/main" showMasterSp="1" showMasterPhAnim="1">
+<p:sld xmlns:a="http://schemas.openxmlformats.org/drawingml/2006/main" xmlns:r="http://schemas.openxmlformats.org/officeDocument/2006/relationships" xmlns:p="http://schemas.openxmlformats.org/presentationml/2006/main">
   <p:cSld>
     <p:spTree>
       <p:nvGrpSpPr>
@@ -5420,7 +4449,9 @@
       <p:sp>
         <p:nvSpPr>
           <p:cNvPr id="69" name="Slide Number"/>
-          <p:cNvSpPr txBox="1"/>
+          <p:cNvSpPr txBox="1">
+            <a:spLocks noGrp="1"/>
+          </p:cNvSpPr>
           <p:nvPr>
             <p:ph type="sldNum" sz="quarter" idx="4294967295"/>
           </p:nvPr>
@@ -5435,7 +4466,7 @@
           </a:prstGeom>
           <a:extLst>
             <a:ext uri="{C572A759-6A51-4108-AA02-DFA0A04FC94B}">
-              <ma14:wrappingTextBoxFlag xmlns:ma14="http://schemas.microsoft.com/office/mac/drawingml/2011/main" val="1"/>
+              <ma14:wrappingTextBoxFlag xmlns:ma14="http://schemas.microsoft.com/office/mac/drawingml/2011/main" xmlns:a14="http://schemas.microsoft.com/office/drawing/2010/main" xmlns:m="http://schemas.openxmlformats.org/officeDocument/2006/math" xmlns="" val="1"/>
             </a:ext>
           </a:extLst>
         </p:spPr>
@@ -5455,8 +4486,11 @@
             </a:lvl1pPr>
           </a:lstStyle>
           <a:p>
-            <a:pPr/>
-            <a:fld id="{86CB4B4D-7CA3-9044-876B-883B54F8677D}" type="slidenum"/>
+            <a:fld id="{86CB4B4D-7CA3-9044-876B-883B54F8677D}" type="slidenum">
+              <a:rPr/>
+              <a:t>3</a:t>
+            </a:fld>
+            <a:endParaRPr/>
           </a:p>
         </p:txBody>
       </p:sp>
@@ -5469,7 +4503,7 @@
         <p:spPr>
           <a:xfrm>
             <a:off x="1396999" y="1142998"/>
-            <a:ext cx="12954003" cy="3695701"/>
+            <a:ext cx="12954003" cy="3062377"/>
           </a:xfrm>
           <a:prstGeom prst="rect">
             <a:avLst/>
@@ -5479,7 +4513,7 @@
           </a:ln>
           <a:extLst>
             <a:ext uri="{C572A759-6A51-4108-AA02-DFA0A04FC94B}">
-              <ma14:wrappingTextBoxFlag xmlns:ma14="http://schemas.microsoft.com/office/mac/drawingml/2011/main" val="1"/>
+              <ma14:wrappingTextBoxFlag xmlns:ma14="http://schemas.microsoft.com/office/mac/drawingml/2011/main" xmlns:a14="http://schemas.microsoft.com/office/drawing/2010/main" xmlns:m="http://schemas.openxmlformats.org/officeDocument/2006/math" xmlns="" val="1"/>
             </a:ext>
           </a:extLst>
         </p:spPr>
@@ -5501,13 +4535,15 @@
               </a:defRPr>
             </a:pPr>
             <a:r>
+              <a:rPr dirty="0"/>
               <a:t>What is a </a:t>
             </a:r>
             <a:r>
-              <a:rPr b="1" i="1"/>
+              <a:rPr b="1" i="1" dirty="0"/>
               <a:t>variable </a:t>
             </a:r>
             <a:r>
+              <a:rPr dirty="0"/>
               <a:t>?</a:t>
             </a:r>
           </a:p>
@@ -5520,6 +4556,7 @@
                 <a:sym typeface="ITC Franklin Gothic Std Bk Cd"/>
               </a:defRPr>
             </a:pPr>
+            <a:endParaRPr dirty="0"/>
           </a:p>
           <a:p>
             <a:pPr>
@@ -5531,8 +4568,10 @@
               </a:defRPr>
             </a:pPr>
             <a:r>
-              <a:t>Insert body copy here.</a:t>
-            </a:r>
+              <a:rPr lang="en-US" dirty="0"/>
+              <a:t>A place to store a data value that can be used or changed later on</a:t>
+            </a:r>
+            <a:endParaRPr dirty="0"/>
           </a:p>
           <a:p>
             <a:pPr>
@@ -5543,36 +4582,60 @@
                 <a:sym typeface="ITC Franklin Gothic Std Bk Cd"/>
               </a:defRPr>
             </a:pPr>
-          </a:p>
-          <a:p>
-            <a:pPr marL="561108" indent="-561108">
-              <a:buSzPct val="100000"/>
-              <a:buFont typeface="Arial"/>
-              <a:buChar char="•"/>
-              <a:defRPr>
-                <a:latin typeface="ITC Franklin Gothic Std Bk Cd"/>
-                <a:ea typeface="ITC Franklin Gothic Std Bk Cd"/>
-                <a:cs typeface="ITC Franklin Gothic Std Bk Cd"/>
-                <a:sym typeface="ITC Franklin Gothic Std Bk Cd"/>
-              </a:defRPr>
-            </a:pPr>
-            <a:r>
-              <a:t>Insert first bullet point here</a:t>
-            </a:r>
+            <a:endParaRPr dirty="0"/>
           </a:p>
         </p:txBody>
       </p:sp>
+      <p:pic>
+        <p:nvPicPr>
+          <p:cNvPr id="7" name="Graphic 6">
+            <a:extLst>
+              <a:ext uri="{FF2B5EF4-FFF2-40B4-BE49-F238E27FC236}">
+                <a16:creationId xmlns:a16="http://schemas.microsoft.com/office/drawing/2014/main" id="{665917E5-04CF-4911-B237-A1578D474E9A}"/>
+              </a:ext>
+            </a:extLst>
+          </p:cNvPr>
+          <p:cNvPicPr>
+            <a:picLocks noChangeAspect="1"/>
+          </p:cNvPicPr>
+          <p:nvPr/>
+        </p:nvPicPr>
+        <p:blipFill>
+          <a:blip r:embed="rId2">
+            <a:extLst>
+              <a:ext uri="{28A0092B-C50C-407E-A947-70E740481C1C}">
+                <a14:useLocalDpi xmlns:a14="http://schemas.microsoft.com/office/drawing/2010/main" val="0"/>
+              </a:ext>
+              <a:ext uri="{96DAC541-7B7A-43D3-8B79-37D633B846F1}">
+                <asvg:svgBlip xmlns:asvg="http://schemas.microsoft.com/office/drawing/2016/SVG/main" r:embed="rId3"/>
+              </a:ext>
+            </a:extLst>
+          </a:blip>
+          <a:stretch>
+            <a:fillRect/>
+          </a:stretch>
+        </p:blipFill>
+        <p:spPr>
+          <a:xfrm>
+            <a:off x="3793957" y="4323097"/>
+            <a:ext cx="9103895" cy="6315827"/>
+          </a:xfrm>
+          <a:prstGeom prst="rect">
+            <a:avLst/>
+          </a:prstGeom>
+        </p:spPr>
+      </p:pic>
     </p:spTree>
   </p:cSld>
   <p:clrMapOvr>
     <a:masterClrMapping/>
   </p:clrMapOvr>
-  <p:transition xmlns:p14="http://schemas.microsoft.com/office/powerpoint/2010/main" spd="med" advClick="1"/>
+  <p:transition spd="med"/>
 </p:sld>
 </file>
 
-<file path=ppt/slides/slide9.xml><?xml version="1.0" encoding="utf-8"?>
-<p:sld xmlns:a="http://schemas.openxmlformats.org/drawingml/2006/main" xmlns:r="http://schemas.openxmlformats.org/officeDocument/2006/relationships" xmlns:p="http://schemas.openxmlformats.org/presentationml/2006/main" xmlns:m="http://schemas.openxmlformats.org/officeDocument/2006/math" xmlns:a14="http://schemas.microsoft.com/office/drawing/2010/main" showMasterSp="1" showMasterPhAnim="1">
+<file path=ppt/slides/slide4.xml><?xml version="1.0" encoding="utf-8"?>
+<p:sld xmlns:a="http://schemas.openxmlformats.org/drawingml/2006/main" xmlns:r="http://schemas.openxmlformats.org/officeDocument/2006/relationships" xmlns:p="http://schemas.openxmlformats.org/presentationml/2006/main">
   <p:cSld>
     <p:spTree>
       <p:nvGrpSpPr>
@@ -5590,8 +4653,10 @@
       </p:grpSpPr>
       <p:sp>
         <p:nvSpPr>
-          <p:cNvPr id="72" name="Slide Number"/>
-          <p:cNvSpPr txBox="1"/>
+          <p:cNvPr id="69" name="Slide Number"/>
+          <p:cNvSpPr txBox="1">
+            <a:spLocks noGrp="1"/>
+          </p:cNvSpPr>
           <p:nvPr>
             <p:ph type="sldNum" sz="quarter" idx="4294967295"/>
           </p:nvPr>
@@ -5606,7 +4671,7 @@
           </a:prstGeom>
           <a:extLst>
             <a:ext uri="{C572A759-6A51-4108-AA02-DFA0A04FC94B}">
-              <ma14:wrappingTextBoxFlag xmlns:ma14="http://schemas.microsoft.com/office/mac/drawingml/2011/main" val="1"/>
+              <ma14:wrappingTextBoxFlag xmlns:ma14="http://schemas.microsoft.com/office/mac/drawingml/2011/main" xmlns:a14="http://schemas.microsoft.com/office/drawing/2010/main" xmlns:m="http://schemas.openxmlformats.org/officeDocument/2006/math" xmlns="" val="1"/>
             </a:ext>
           </a:extLst>
         </p:spPr>
@@ -5626,21 +4691,24 @@
             </a:lvl1pPr>
           </a:lstStyle>
           <a:p>
-            <a:pPr/>
-            <a:fld id="{86CB4B4D-7CA3-9044-876B-883B54F8677D}" type="slidenum"/>
+            <a:fld id="{86CB4B4D-7CA3-9044-876B-883B54F8677D}" type="slidenum">
+              <a:rPr/>
+              <a:t>4</a:t>
+            </a:fld>
+            <a:endParaRPr/>
           </a:p>
         </p:txBody>
       </p:sp>
       <p:sp>
         <p:nvSpPr>
-          <p:cNvPr id="73" name="TextBox 3"/>
+          <p:cNvPr id="70" name="TextBox 3"/>
           <p:cNvSpPr txBox="1"/>
           <p:nvPr/>
         </p:nvSpPr>
         <p:spPr>
           <a:xfrm>
             <a:off x="1396999" y="1142998"/>
-            <a:ext cx="12954003" cy="3695701"/>
+            <a:ext cx="15643228" cy="3062377"/>
           </a:xfrm>
           <a:prstGeom prst="rect">
             <a:avLst/>
@@ -5650,7 +4718,1271 @@
           </a:ln>
           <a:extLst>
             <a:ext uri="{C572A759-6A51-4108-AA02-DFA0A04FC94B}">
-              <ma14:wrappingTextBoxFlag xmlns:ma14="http://schemas.microsoft.com/office/mac/drawingml/2011/main" val="1"/>
+              <ma14:wrappingTextBoxFlag xmlns:ma14="http://schemas.microsoft.com/office/mac/drawingml/2011/main" xmlns:a14="http://schemas.microsoft.com/office/drawing/2010/main" xmlns:m="http://schemas.openxmlformats.org/officeDocument/2006/math" xmlns="" val="1"/>
+            </a:ext>
+          </a:extLst>
+        </p:spPr>
+        <p:txBody>
+          <a:bodyPr wrap="square" lIns="0" tIns="0" rIns="0" bIns="0">
+            <a:spAutoFit/>
+          </a:bodyPr>
+          <a:lstStyle/>
+          <a:p>
+            <a:pPr>
+              <a:defRPr sz="6600">
+                <a:solidFill>
+                  <a:schemeClr val="accent1"/>
+                </a:solidFill>
+                <a:latin typeface="ITC Franklin Gothic Std Bk Cd"/>
+                <a:ea typeface="ITC Franklin Gothic Std Bk Cd"/>
+                <a:cs typeface="ITC Franklin Gothic Std Bk Cd"/>
+                <a:sym typeface="ITC Franklin Gothic Std Bk Cd"/>
+              </a:defRPr>
+            </a:pPr>
+            <a:r>
+              <a:rPr dirty="0"/>
+              <a:t>What is a</a:t>
+            </a:r>
+            <a:r>
+              <a:rPr lang="en-US" dirty="0"/>
+              <a:t>n </a:t>
+            </a:r>
+            <a:r>
+              <a:rPr lang="en-US" b="1" i="1" dirty="0"/>
+              <a:t>object</a:t>
+            </a:r>
+            <a:r>
+              <a:rPr dirty="0"/>
+              <a:t>?</a:t>
+            </a:r>
+          </a:p>
+          <a:p>
+            <a:pPr>
+              <a:defRPr>
+                <a:latin typeface="ITC Franklin Gothic Std Bk Cd"/>
+                <a:ea typeface="ITC Franklin Gothic Std Bk Cd"/>
+                <a:cs typeface="ITC Franklin Gothic Std Bk Cd"/>
+                <a:sym typeface="ITC Franklin Gothic Std Bk Cd"/>
+              </a:defRPr>
+            </a:pPr>
+            <a:endParaRPr dirty="0"/>
+          </a:p>
+          <a:p>
+            <a:pPr>
+              <a:defRPr>
+                <a:latin typeface="ITC Franklin Gothic Std Bk Cd"/>
+                <a:ea typeface="ITC Franklin Gothic Std Bk Cd"/>
+                <a:cs typeface="ITC Franklin Gothic Std Bk Cd"/>
+                <a:sym typeface="ITC Franklin Gothic Std Bk Cd"/>
+              </a:defRPr>
+            </a:pPr>
+            <a:r>
+              <a:rPr lang="en-US" dirty="0"/>
+              <a:t>A place to store a </a:t>
+            </a:r>
+            <a:r>
+              <a:rPr lang="en-US" b="1" dirty="0"/>
+              <a:t>group of variables</a:t>
+            </a:r>
+            <a:r>
+              <a:rPr lang="en-US" dirty="0"/>
+              <a:t>, and </a:t>
+            </a:r>
+            <a:r>
+              <a:rPr lang="en-US" b="1" dirty="0"/>
+              <a:t>functions</a:t>
+            </a:r>
+            <a:r>
+              <a:rPr lang="en-US" dirty="0"/>
+              <a:t> that use and change them.</a:t>
+            </a:r>
+            <a:endParaRPr dirty="0"/>
+          </a:p>
+          <a:p>
+            <a:pPr>
+              <a:defRPr>
+                <a:latin typeface="ITC Franklin Gothic Std Bk Cd"/>
+                <a:ea typeface="ITC Franklin Gothic Std Bk Cd"/>
+                <a:cs typeface="ITC Franklin Gothic Std Bk Cd"/>
+                <a:sym typeface="ITC Franklin Gothic Std Bk Cd"/>
+              </a:defRPr>
+            </a:pPr>
+            <a:endParaRPr dirty="0"/>
+          </a:p>
+        </p:txBody>
+      </p:sp>
+      <p:sp>
+        <p:nvSpPr>
+          <p:cNvPr id="2" name="Rectangle 1">
+            <a:extLst>
+              <a:ext uri="{FF2B5EF4-FFF2-40B4-BE49-F238E27FC236}">
+                <a16:creationId xmlns:a16="http://schemas.microsoft.com/office/drawing/2014/main" id="{00720C72-78A5-48CE-A5EA-4018BF408259}"/>
+              </a:ext>
+            </a:extLst>
+          </p:cNvPr>
+          <p:cNvSpPr/>
+          <p:nvPr/>
+        </p:nvSpPr>
+        <p:spPr>
+          <a:xfrm>
+            <a:off x="4604084" y="4844716"/>
+            <a:ext cx="6368716" cy="5390147"/>
+          </a:xfrm>
+          <a:prstGeom prst="rect">
+            <a:avLst/>
+          </a:prstGeom>
+          <a:solidFill>
+            <a:srgbClr val="FFFFFF"/>
+          </a:solidFill>
+          <a:ln w="25400" cap="flat">
+            <a:solidFill>
+              <a:schemeClr val="accent1"/>
+            </a:solidFill>
+            <a:prstDash val="solid"/>
+            <a:round/>
+          </a:ln>
+          <a:effectLst>
+            <a:outerShdw blurRad="63500" dist="38100" dir="5400000" rotWithShape="0">
+              <a:srgbClr val="000000">
+                <a:alpha val="35000"/>
+              </a:srgbClr>
+            </a:outerShdw>
+          </a:effectLst>
+          <a:sp3d/>
+        </p:spPr>
+        <p:style>
+          <a:lnRef idx="0">
+            <a:scrgbClr r="0" g="0" b="0"/>
+          </a:lnRef>
+          <a:fillRef idx="0">
+            <a:scrgbClr r="0" g="0" b="0"/>
+          </a:fillRef>
+          <a:effectRef idx="0">
+            <a:scrgbClr r="0" g="0" b="0"/>
+          </a:effectRef>
+          <a:fontRef idx="none"/>
+        </p:style>
+        <p:txBody>
+          <a:bodyPr rot="0" spcFirstLastPara="1" vertOverflow="overflow" horzOverflow="overflow" vert="horz" wrap="square" lIns="76200" tIns="76200" rIns="76200" bIns="76200" numCol="1" spcCol="38100" rtlCol="0" anchor="ctr">
+            <a:spAutoFit/>
+          </a:bodyPr>
+          <a:lstStyle/>
+          <a:p>
+            <a:pPr marL="0" marR="0" indent="0" algn="l" defTabSz="762000" rtl="0" fontAlgn="auto" latinLnBrk="0" hangingPunct="0">
+              <a:lnSpc>
+                <a:spcPct val="100000"/>
+              </a:lnSpc>
+              <a:spcBef>
+                <a:spcPts val="1000"/>
+              </a:spcBef>
+              <a:spcAft>
+                <a:spcPts val="0"/>
+              </a:spcAft>
+              <a:buClrTx/>
+              <a:buSzTx/>
+              <a:buFontTx/>
+              <a:buNone/>
+              <a:tabLst/>
+            </a:pPr>
+            <a:endParaRPr kumimoji="0" lang="en-CA" sz="3600" b="0" i="0" u="none" strike="noStrike" cap="none" spc="0" normalizeH="0" baseline="0" dirty="0">
+              <a:ln>
+                <a:noFill/>
+              </a:ln>
+              <a:solidFill>
+                <a:srgbClr val="000000"/>
+              </a:solidFill>
+              <a:effectLst/>
+              <a:uFillTx/>
+              <a:latin typeface="+mj-lt"/>
+              <a:ea typeface="+mj-ea"/>
+              <a:cs typeface="+mj-cs"/>
+              <a:sym typeface="Helvetica"/>
+            </a:endParaRPr>
+          </a:p>
+        </p:txBody>
+      </p:sp>
+      <p:cxnSp>
+        <p:nvCxnSpPr>
+          <p:cNvPr id="5" name="Straight Connector 4">
+            <a:extLst>
+              <a:ext uri="{FF2B5EF4-FFF2-40B4-BE49-F238E27FC236}">
+                <a16:creationId xmlns:a16="http://schemas.microsoft.com/office/drawing/2014/main" id="{6789492E-DB17-47A5-86E5-05056E449E66}"/>
+              </a:ext>
+            </a:extLst>
+          </p:cNvPr>
+          <p:cNvCxnSpPr/>
+          <p:nvPr/>
+        </p:nvCxnSpPr>
+        <p:spPr>
+          <a:xfrm>
+            <a:off x="4604084" y="5855368"/>
+            <a:ext cx="6368716" cy="0"/>
+          </a:xfrm>
+          <a:prstGeom prst="line">
+            <a:avLst/>
+          </a:prstGeom>
+          <a:noFill/>
+          <a:ln w="25400" cap="flat">
+            <a:solidFill>
+              <a:schemeClr val="accent1"/>
+            </a:solidFill>
+            <a:prstDash val="solid"/>
+            <a:round/>
+          </a:ln>
+          <a:effectLst>
+            <a:outerShdw blurRad="63500" dist="38100" dir="5400000" rotWithShape="0">
+              <a:srgbClr val="000000">
+                <a:alpha val="35000"/>
+              </a:srgbClr>
+            </a:outerShdw>
+          </a:effectLst>
+          <a:sp3d/>
+        </p:spPr>
+        <p:style>
+          <a:lnRef idx="0">
+            <a:scrgbClr r="0" g="0" b="0"/>
+          </a:lnRef>
+          <a:fillRef idx="0">
+            <a:scrgbClr r="0" g="0" b="0"/>
+          </a:fillRef>
+          <a:effectRef idx="0">
+            <a:scrgbClr r="0" g="0" b="0"/>
+          </a:effectRef>
+          <a:fontRef idx="none"/>
+        </p:style>
+      </p:cxnSp>
+      <p:sp>
+        <p:nvSpPr>
+          <p:cNvPr id="6" name="TextBox 5">
+            <a:extLst>
+              <a:ext uri="{FF2B5EF4-FFF2-40B4-BE49-F238E27FC236}">
+                <a16:creationId xmlns:a16="http://schemas.microsoft.com/office/drawing/2014/main" id="{7EE9CF12-4F55-42D3-8C05-B4D0C93A4DC3}"/>
+              </a:ext>
+            </a:extLst>
+          </p:cNvPr>
+          <p:cNvSpPr txBox="1"/>
+          <p:nvPr/>
+        </p:nvSpPr>
+        <p:spPr>
+          <a:xfrm>
+            <a:off x="7084317" y="4847995"/>
+            <a:ext cx="1333698" cy="836126"/>
+          </a:xfrm>
+          <a:prstGeom prst="rect">
+            <a:avLst/>
+          </a:prstGeom>
+          <a:noFill/>
+          <a:ln w="12700" cap="flat">
+            <a:noFill/>
+            <a:miter lim="400000"/>
+          </a:ln>
+          <a:effectLst/>
+          <a:sp3d/>
+        </p:spPr>
+        <p:style>
+          <a:lnRef idx="0">
+            <a:scrgbClr r="0" g="0" b="0"/>
+          </a:lnRef>
+          <a:fillRef idx="0">
+            <a:scrgbClr r="0" g="0" b="0"/>
+          </a:fillRef>
+          <a:effectRef idx="0">
+            <a:scrgbClr r="0" g="0" b="0"/>
+          </a:effectRef>
+          <a:fontRef idx="none"/>
+        </p:style>
+        <p:txBody>
+          <a:bodyPr rot="0" spcFirstLastPara="1" vertOverflow="overflow" horzOverflow="overflow" vert="horz" wrap="none" lIns="76200" tIns="76200" rIns="76200" bIns="76200" numCol="1" spcCol="38100" rtlCol="0" anchor="t">
+            <a:spAutoFit/>
+          </a:bodyPr>
+          <a:lstStyle/>
+          <a:p>
+            <a:pPr marL="0" marR="0" indent="0" algn="l" defTabSz="762000" rtl="0" fontAlgn="auto" latinLnBrk="0" hangingPunct="0">
+              <a:lnSpc>
+                <a:spcPct val="100000"/>
+              </a:lnSpc>
+              <a:spcBef>
+                <a:spcPts val="1000"/>
+              </a:spcBef>
+              <a:spcAft>
+                <a:spcPts val="0"/>
+              </a:spcAft>
+              <a:buClrTx/>
+              <a:buSzTx/>
+              <a:buFontTx/>
+              <a:buNone/>
+              <a:tabLst/>
+            </a:pPr>
+            <a:r>
+              <a:rPr kumimoji="0" lang="en-US" sz="3600" b="0" i="0" u="none" strike="noStrike" cap="none" spc="0" normalizeH="0" baseline="0" dirty="0">
+                <a:ln>
+                  <a:noFill/>
+                </a:ln>
+                <a:solidFill>
+                  <a:srgbClr val="000000"/>
+                </a:solidFill>
+                <a:effectLst/>
+                <a:uFillTx/>
+                <a:latin typeface="+mj-lt"/>
+                <a:ea typeface="+mj-ea"/>
+                <a:cs typeface="+mj-cs"/>
+                <a:sym typeface="Helvetica"/>
+              </a:rPr>
+              <a:t>Circle</a:t>
+            </a:r>
+            <a:endParaRPr kumimoji="0" lang="en-CA" sz="3600" b="0" i="0" u="none" strike="noStrike" cap="none" spc="0" normalizeH="0" baseline="0" dirty="0">
+              <a:ln>
+                <a:noFill/>
+              </a:ln>
+              <a:solidFill>
+                <a:srgbClr val="000000"/>
+              </a:solidFill>
+              <a:effectLst/>
+              <a:uFillTx/>
+              <a:latin typeface="+mj-lt"/>
+              <a:ea typeface="+mj-ea"/>
+              <a:cs typeface="+mj-cs"/>
+              <a:sym typeface="Helvetica"/>
+            </a:endParaRPr>
+          </a:p>
+        </p:txBody>
+      </p:sp>
+      <p:sp>
+        <p:nvSpPr>
+          <p:cNvPr id="7" name="TextBox 6">
+            <a:extLst>
+              <a:ext uri="{FF2B5EF4-FFF2-40B4-BE49-F238E27FC236}">
+                <a16:creationId xmlns:a16="http://schemas.microsoft.com/office/drawing/2014/main" id="{40546AE3-FBAC-4346-80D5-8F3B1F4FD401}"/>
+              </a:ext>
+            </a:extLst>
+          </p:cNvPr>
+          <p:cNvSpPr txBox="1"/>
+          <p:nvPr/>
+        </p:nvSpPr>
+        <p:spPr>
+          <a:xfrm>
+            <a:off x="5048513" y="5763126"/>
+            <a:ext cx="384721" cy="836126"/>
+          </a:xfrm>
+          <a:prstGeom prst="rect">
+            <a:avLst/>
+          </a:prstGeom>
+          <a:noFill/>
+          <a:ln w="12700" cap="flat">
+            <a:noFill/>
+            <a:miter lim="400000"/>
+          </a:ln>
+          <a:effectLst/>
+          <a:sp3d/>
+        </p:spPr>
+        <p:style>
+          <a:lnRef idx="0">
+            <a:scrgbClr r="0" g="0" b="0"/>
+          </a:lnRef>
+          <a:fillRef idx="0">
+            <a:scrgbClr r="0" g="0" b="0"/>
+          </a:fillRef>
+          <a:effectRef idx="0">
+            <a:scrgbClr r="0" g="0" b="0"/>
+          </a:effectRef>
+          <a:fontRef idx="none"/>
+        </p:style>
+        <p:txBody>
+          <a:bodyPr rot="0" spcFirstLastPara="1" vertOverflow="overflow" horzOverflow="overflow" vert="horz" wrap="none" lIns="76200" tIns="76200" rIns="76200" bIns="76200" numCol="1" spcCol="38100" rtlCol="0" anchor="t">
+            <a:spAutoFit/>
+          </a:bodyPr>
+          <a:lstStyle/>
+          <a:p>
+            <a:pPr marL="0" marR="0" indent="0" algn="l" defTabSz="762000" rtl="0" fontAlgn="auto" latinLnBrk="0" hangingPunct="0">
+              <a:lnSpc>
+                <a:spcPct val="100000"/>
+              </a:lnSpc>
+              <a:spcBef>
+                <a:spcPts val="1000"/>
+              </a:spcBef>
+              <a:spcAft>
+                <a:spcPts val="0"/>
+              </a:spcAft>
+              <a:buClrTx/>
+              <a:buSzTx/>
+              <a:buFontTx/>
+              <a:buNone/>
+              <a:tabLst/>
+            </a:pPr>
+            <a:r>
+              <a:rPr kumimoji="0" lang="en-US" sz="3600" b="0" i="0" u="none" strike="noStrike" cap="none" spc="0" normalizeH="0" baseline="0" dirty="0">
+                <a:ln>
+                  <a:noFill/>
+                </a:ln>
+                <a:solidFill>
+                  <a:srgbClr val="000000"/>
+                </a:solidFill>
+                <a:effectLst/>
+                <a:uFillTx/>
+                <a:latin typeface="+mj-lt"/>
+                <a:ea typeface="+mj-ea"/>
+                <a:cs typeface="+mj-cs"/>
+                <a:sym typeface="Helvetica"/>
+              </a:rPr>
+              <a:t>x</a:t>
+            </a:r>
+            <a:endParaRPr kumimoji="0" lang="en-CA" sz="3600" b="0" i="0" u="none" strike="noStrike" cap="none" spc="0" normalizeH="0" baseline="0" dirty="0">
+              <a:ln>
+                <a:noFill/>
+              </a:ln>
+              <a:solidFill>
+                <a:srgbClr val="000000"/>
+              </a:solidFill>
+              <a:effectLst/>
+              <a:uFillTx/>
+              <a:latin typeface="+mj-lt"/>
+              <a:ea typeface="+mj-ea"/>
+              <a:cs typeface="+mj-cs"/>
+              <a:sym typeface="Helvetica"/>
+            </a:endParaRPr>
+          </a:p>
+        </p:txBody>
+      </p:sp>
+      <p:sp>
+        <p:nvSpPr>
+          <p:cNvPr id="8" name="TextBox 7">
+            <a:extLst>
+              <a:ext uri="{FF2B5EF4-FFF2-40B4-BE49-F238E27FC236}">
+                <a16:creationId xmlns:a16="http://schemas.microsoft.com/office/drawing/2014/main" id="{E5B15F0C-A6A4-40EE-97F6-A45F562581BD}"/>
+              </a:ext>
+            </a:extLst>
+          </p:cNvPr>
+          <p:cNvSpPr txBox="1"/>
+          <p:nvPr/>
+        </p:nvSpPr>
+        <p:spPr>
+          <a:xfrm>
+            <a:off x="5048513" y="6273431"/>
+            <a:ext cx="384721" cy="836126"/>
+          </a:xfrm>
+          <a:prstGeom prst="rect">
+            <a:avLst/>
+          </a:prstGeom>
+          <a:noFill/>
+          <a:ln w="12700" cap="flat">
+            <a:noFill/>
+            <a:miter lim="400000"/>
+          </a:ln>
+          <a:effectLst/>
+          <a:sp3d/>
+        </p:spPr>
+        <p:style>
+          <a:lnRef idx="0">
+            <a:scrgbClr r="0" g="0" b="0"/>
+          </a:lnRef>
+          <a:fillRef idx="0">
+            <a:scrgbClr r="0" g="0" b="0"/>
+          </a:fillRef>
+          <a:effectRef idx="0">
+            <a:scrgbClr r="0" g="0" b="0"/>
+          </a:effectRef>
+          <a:fontRef idx="none"/>
+        </p:style>
+        <p:txBody>
+          <a:bodyPr rot="0" spcFirstLastPara="1" vertOverflow="overflow" horzOverflow="overflow" vert="horz" wrap="none" lIns="76200" tIns="76200" rIns="76200" bIns="76200" numCol="1" spcCol="38100" rtlCol="0" anchor="t">
+            <a:spAutoFit/>
+          </a:bodyPr>
+          <a:lstStyle/>
+          <a:p>
+            <a:pPr marL="0" marR="0" indent="0" algn="l" defTabSz="762000" rtl="0" fontAlgn="auto" latinLnBrk="0" hangingPunct="0">
+              <a:lnSpc>
+                <a:spcPct val="100000"/>
+              </a:lnSpc>
+              <a:spcBef>
+                <a:spcPts val="1000"/>
+              </a:spcBef>
+              <a:spcAft>
+                <a:spcPts val="0"/>
+              </a:spcAft>
+              <a:buClrTx/>
+              <a:buSzTx/>
+              <a:buFontTx/>
+              <a:buNone/>
+              <a:tabLst/>
+            </a:pPr>
+            <a:r>
+              <a:rPr kumimoji="0" lang="en-US" sz="3600" b="0" i="0" u="none" strike="noStrike" cap="none" spc="0" normalizeH="0" baseline="0" dirty="0">
+                <a:ln>
+                  <a:noFill/>
+                </a:ln>
+                <a:solidFill>
+                  <a:srgbClr val="000000"/>
+                </a:solidFill>
+                <a:effectLst/>
+                <a:uFillTx/>
+                <a:latin typeface="+mj-lt"/>
+                <a:ea typeface="+mj-ea"/>
+                <a:cs typeface="+mj-cs"/>
+                <a:sym typeface="Helvetica"/>
+              </a:rPr>
+              <a:t>y</a:t>
+            </a:r>
+            <a:endParaRPr kumimoji="0" lang="en-CA" sz="3600" b="0" i="0" u="none" strike="noStrike" cap="none" spc="0" normalizeH="0" baseline="0" dirty="0">
+              <a:ln>
+                <a:noFill/>
+              </a:ln>
+              <a:solidFill>
+                <a:srgbClr val="000000"/>
+              </a:solidFill>
+              <a:effectLst/>
+              <a:uFillTx/>
+              <a:latin typeface="+mj-lt"/>
+              <a:ea typeface="+mj-ea"/>
+              <a:cs typeface="+mj-cs"/>
+              <a:sym typeface="Helvetica"/>
+            </a:endParaRPr>
+          </a:p>
+        </p:txBody>
+      </p:sp>
+      <p:cxnSp>
+        <p:nvCxnSpPr>
+          <p:cNvPr id="10" name="Straight Connector 9">
+            <a:extLst>
+              <a:ext uri="{FF2B5EF4-FFF2-40B4-BE49-F238E27FC236}">
+                <a16:creationId xmlns:a16="http://schemas.microsoft.com/office/drawing/2014/main" id="{5AE05085-E85A-4C96-A79F-AFAFB166692F}"/>
+              </a:ext>
+            </a:extLst>
+          </p:cNvPr>
+          <p:cNvCxnSpPr/>
+          <p:nvPr/>
+        </p:nvCxnSpPr>
+        <p:spPr>
+          <a:xfrm>
+            <a:off x="4604084" y="7998994"/>
+            <a:ext cx="6368716" cy="0"/>
+          </a:xfrm>
+          <a:prstGeom prst="line">
+            <a:avLst/>
+          </a:prstGeom>
+          <a:noFill/>
+          <a:ln w="25400" cap="flat">
+            <a:solidFill>
+              <a:schemeClr val="accent1"/>
+            </a:solidFill>
+            <a:prstDash val="solid"/>
+            <a:round/>
+          </a:ln>
+          <a:effectLst>
+            <a:outerShdw blurRad="63500" dist="38100" dir="5400000" rotWithShape="0">
+              <a:srgbClr val="000000">
+                <a:alpha val="35000"/>
+              </a:srgbClr>
+            </a:outerShdw>
+          </a:effectLst>
+          <a:sp3d/>
+        </p:spPr>
+        <p:style>
+          <a:lnRef idx="0">
+            <a:scrgbClr r="0" g="0" b="0"/>
+          </a:lnRef>
+          <a:fillRef idx="0">
+            <a:scrgbClr r="0" g="0" b="0"/>
+          </a:fillRef>
+          <a:effectRef idx="0">
+            <a:scrgbClr r="0" g="0" b="0"/>
+          </a:effectRef>
+          <a:fontRef idx="none"/>
+        </p:style>
+      </p:cxnSp>
+      <p:sp>
+        <p:nvSpPr>
+          <p:cNvPr id="11" name="TextBox 10">
+            <a:extLst>
+              <a:ext uri="{FF2B5EF4-FFF2-40B4-BE49-F238E27FC236}">
+                <a16:creationId xmlns:a16="http://schemas.microsoft.com/office/drawing/2014/main" id="{202141F7-04B9-4BD1-AA3F-DA739C3161B0}"/>
+              </a:ext>
+            </a:extLst>
+          </p:cNvPr>
+          <p:cNvSpPr txBox="1"/>
+          <p:nvPr/>
+        </p:nvSpPr>
+        <p:spPr>
+          <a:xfrm>
+            <a:off x="4668252" y="7845150"/>
+            <a:ext cx="1461939" cy="836126"/>
+          </a:xfrm>
+          <a:prstGeom prst="rect">
+            <a:avLst/>
+          </a:prstGeom>
+          <a:noFill/>
+          <a:ln w="12700" cap="flat">
+            <a:noFill/>
+            <a:miter lim="400000"/>
+          </a:ln>
+          <a:effectLst/>
+          <a:sp3d/>
+        </p:spPr>
+        <p:style>
+          <a:lnRef idx="0">
+            <a:scrgbClr r="0" g="0" b="0"/>
+          </a:lnRef>
+          <a:fillRef idx="0">
+            <a:scrgbClr r="0" g="0" b="0"/>
+          </a:fillRef>
+          <a:effectRef idx="0">
+            <a:scrgbClr r="0" g="0" b="0"/>
+          </a:effectRef>
+          <a:fontRef idx="none"/>
+        </p:style>
+        <p:txBody>
+          <a:bodyPr rot="0" spcFirstLastPara="1" vertOverflow="overflow" horzOverflow="overflow" vert="horz" wrap="none" lIns="76200" tIns="76200" rIns="76200" bIns="76200" numCol="1" spcCol="38100" rtlCol="0" anchor="t">
+            <a:spAutoFit/>
+          </a:bodyPr>
+          <a:lstStyle/>
+          <a:p>
+            <a:pPr marL="0" marR="0" indent="0" algn="l" defTabSz="762000" rtl="0" fontAlgn="auto" latinLnBrk="0" hangingPunct="0">
+              <a:lnSpc>
+                <a:spcPct val="100000"/>
+              </a:lnSpc>
+              <a:spcBef>
+                <a:spcPts val="1000"/>
+              </a:spcBef>
+              <a:spcAft>
+                <a:spcPts val="0"/>
+              </a:spcAft>
+              <a:buClrTx/>
+              <a:buSzTx/>
+              <a:buFontTx/>
+              <a:buNone/>
+              <a:tabLst/>
+            </a:pPr>
+            <a:r>
+              <a:rPr lang="en-US" dirty="0"/>
+              <a:t>d</a:t>
+            </a:r>
+            <a:r>
+              <a:rPr kumimoji="0" lang="en-US" sz="3600" b="0" i="0" u="none" strike="noStrike" cap="none" spc="0" normalizeH="0" baseline="0" dirty="0">
+                <a:ln>
+                  <a:noFill/>
+                </a:ln>
+                <a:solidFill>
+                  <a:srgbClr val="000000"/>
+                </a:solidFill>
+                <a:effectLst/>
+                <a:uFillTx/>
+                <a:latin typeface="+mj-lt"/>
+                <a:ea typeface="+mj-ea"/>
+                <a:cs typeface="+mj-cs"/>
+                <a:sym typeface="Helvetica"/>
+              </a:rPr>
+              <a:t>raw()</a:t>
+            </a:r>
+            <a:endParaRPr kumimoji="0" lang="en-CA" sz="3600" b="0" i="0" u="none" strike="noStrike" cap="none" spc="0" normalizeH="0" baseline="0" dirty="0">
+              <a:ln>
+                <a:noFill/>
+              </a:ln>
+              <a:solidFill>
+                <a:srgbClr val="000000"/>
+              </a:solidFill>
+              <a:effectLst/>
+              <a:uFillTx/>
+              <a:latin typeface="+mj-lt"/>
+              <a:ea typeface="+mj-ea"/>
+              <a:cs typeface="+mj-cs"/>
+              <a:sym typeface="Helvetica"/>
+            </a:endParaRPr>
+          </a:p>
+        </p:txBody>
+      </p:sp>
+      <p:grpSp>
+        <p:nvGrpSpPr>
+          <p:cNvPr id="14" name="Group 13">
+            <a:extLst>
+              <a:ext uri="{FF2B5EF4-FFF2-40B4-BE49-F238E27FC236}">
+                <a16:creationId xmlns:a16="http://schemas.microsoft.com/office/drawing/2014/main" id="{AC77EBF1-E59D-4554-B0FA-D8C4DD4EE59A}"/>
+              </a:ext>
+            </a:extLst>
+          </p:cNvPr>
+          <p:cNvGrpSpPr/>
+          <p:nvPr/>
+        </p:nvGrpSpPr>
+        <p:grpSpPr>
+          <a:xfrm>
+            <a:off x="3237872" y="3673131"/>
+            <a:ext cx="1734840" cy="3361680"/>
+            <a:chOff x="3237872" y="3673131"/>
+            <a:chExt cx="1734840" cy="3361680"/>
+          </a:xfrm>
+        </p:grpSpPr>
+        <mc:AlternateContent xmlns:mc="http://schemas.openxmlformats.org/markup-compatibility/2006">
+          <mc:Choice xmlns:p14="http://schemas.microsoft.com/office/powerpoint/2010/main" Requires="p14">
+            <p:contentPart p14:bwMode="auto" r:id="rId2">
+              <p14:nvContentPartPr>
+                <p14:cNvPr id="12" name="Ink 11">
+                  <a:extLst>
+                    <a:ext uri="{FF2B5EF4-FFF2-40B4-BE49-F238E27FC236}">
+                      <a16:creationId xmlns:a16="http://schemas.microsoft.com/office/drawing/2014/main" id="{F323115F-3607-4DD0-AFD7-E6B7AA70DF57}"/>
+                    </a:ext>
+                  </a:extLst>
+                </p14:cNvPr>
+                <p14:cNvContentPartPr/>
+                <p14:nvPr/>
+              </p14:nvContentPartPr>
+              <p14:xfrm>
+                <a:off x="3237872" y="3673131"/>
+                <a:ext cx="1734840" cy="3131640"/>
+              </p14:xfrm>
+            </p:contentPart>
+          </mc:Choice>
+          <mc:Fallback>
+            <p:pic>
+              <p:nvPicPr>
+                <p:cNvPr id="12" name="Ink 11">
+                  <a:extLst>
+                    <a:ext uri="{FF2B5EF4-FFF2-40B4-BE49-F238E27FC236}">
+                      <a16:creationId xmlns:a16="http://schemas.microsoft.com/office/drawing/2014/main" id="{F323115F-3607-4DD0-AFD7-E6B7AA70DF57}"/>
+                    </a:ext>
+                  </a:extLst>
+                </p:cNvPr>
+                <p:cNvPicPr/>
+                <p:nvPr/>
+              </p:nvPicPr>
+              <p:blipFill>
+                <a:blip r:embed="rId3"/>
+                <a:stretch>
+                  <a:fillRect/>
+                </a:stretch>
+              </p:blipFill>
+              <p:spPr>
+                <a:xfrm>
+                  <a:off x="3228872" y="3664131"/>
+                  <a:ext cx="1752480" cy="3149280"/>
+                </a:xfrm>
+                <a:prstGeom prst="rect">
+                  <a:avLst/>
+                </a:prstGeom>
+              </p:spPr>
+            </p:pic>
+          </mc:Fallback>
+        </mc:AlternateContent>
+        <mc:AlternateContent xmlns:mc="http://schemas.openxmlformats.org/markup-compatibility/2006">
+          <mc:Choice xmlns:p14="http://schemas.microsoft.com/office/powerpoint/2010/main" Requires="p14">
+            <p:contentPart p14:bwMode="auto" r:id="rId4">
+              <p14:nvContentPartPr>
+                <p14:cNvPr id="13" name="Ink 12">
+                  <a:extLst>
+                    <a:ext uri="{FF2B5EF4-FFF2-40B4-BE49-F238E27FC236}">
+                      <a16:creationId xmlns:a16="http://schemas.microsoft.com/office/drawing/2014/main" id="{58FAE696-0FF3-4A12-84D6-44824C208CAE}"/>
+                    </a:ext>
+                  </a:extLst>
+                </p14:cNvPr>
+                <p14:cNvContentPartPr/>
+                <p14:nvPr/>
+              </p14:nvContentPartPr>
+              <p14:xfrm>
+                <a:off x="4138592" y="6609291"/>
+                <a:ext cx="105840" cy="425520"/>
+              </p14:xfrm>
+            </p:contentPart>
+          </mc:Choice>
+          <mc:Fallback>
+            <p:pic>
+              <p:nvPicPr>
+                <p:cNvPr id="13" name="Ink 12">
+                  <a:extLst>
+                    <a:ext uri="{FF2B5EF4-FFF2-40B4-BE49-F238E27FC236}">
+                      <a16:creationId xmlns:a16="http://schemas.microsoft.com/office/drawing/2014/main" id="{58FAE696-0FF3-4A12-84D6-44824C208CAE}"/>
+                    </a:ext>
+                  </a:extLst>
+                </p:cNvPr>
+                <p:cNvPicPr/>
+                <p:nvPr/>
+              </p:nvPicPr>
+              <p:blipFill>
+                <a:blip r:embed="rId5"/>
+                <a:stretch>
+                  <a:fillRect/>
+                </a:stretch>
+              </p:blipFill>
+              <p:spPr>
+                <a:xfrm>
+                  <a:off x="4129952" y="6600291"/>
+                  <a:ext cx="123480" cy="443160"/>
+                </a:xfrm>
+                <a:prstGeom prst="rect">
+                  <a:avLst/>
+                </a:prstGeom>
+              </p:spPr>
+            </p:pic>
+          </mc:Fallback>
+        </mc:AlternateContent>
+      </p:grpSp>
+      <p:grpSp>
+        <p:nvGrpSpPr>
+          <p:cNvPr id="17" name="Group 16">
+            <a:extLst>
+              <a:ext uri="{FF2B5EF4-FFF2-40B4-BE49-F238E27FC236}">
+                <a16:creationId xmlns:a16="http://schemas.microsoft.com/office/drawing/2014/main" id="{63E56437-E4FE-4FFD-8802-4D2B89FCF141}"/>
+              </a:ext>
+            </a:extLst>
+          </p:cNvPr>
+          <p:cNvGrpSpPr/>
+          <p:nvPr/>
+        </p:nvGrpSpPr>
+        <p:grpSpPr>
+          <a:xfrm>
+            <a:off x="10073912" y="3512571"/>
+            <a:ext cx="2873880" cy="5418000"/>
+            <a:chOff x="10073912" y="3512571"/>
+            <a:chExt cx="2873880" cy="5418000"/>
+          </a:xfrm>
+        </p:grpSpPr>
+        <mc:AlternateContent xmlns:mc="http://schemas.openxmlformats.org/markup-compatibility/2006">
+          <mc:Choice xmlns:p14="http://schemas.microsoft.com/office/powerpoint/2010/main" Requires="p14">
+            <p:contentPart p14:bwMode="auto" r:id="rId6">
+              <p14:nvContentPartPr>
+                <p14:cNvPr id="15" name="Ink 14">
+                  <a:extLst>
+                    <a:ext uri="{FF2B5EF4-FFF2-40B4-BE49-F238E27FC236}">
+                      <a16:creationId xmlns:a16="http://schemas.microsoft.com/office/drawing/2014/main" id="{C0E67A37-38BB-4643-9D14-865628CF3326}"/>
+                    </a:ext>
+                  </a:extLst>
+                </p14:cNvPr>
+                <p14:cNvContentPartPr/>
+                <p14:nvPr/>
+              </p14:nvContentPartPr>
+              <p14:xfrm>
+                <a:off x="10073912" y="3512571"/>
+                <a:ext cx="2873880" cy="5283360"/>
+              </p14:xfrm>
+            </p:contentPart>
+          </mc:Choice>
+          <mc:Fallback>
+            <p:pic>
+              <p:nvPicPr>
+                <p:cNvPr id="15" name="Ink 14">
+                  <a:extLst>
+                    <a:ext uri="{FF2B5EF4-FFF2-40B4-BE49-F238E27FC236}">
+                      <a16:creationId xmlns:a16="http://schemas.microsoft.com/office/drawing/2014/main" id="{C0E67A37-38BB-4643-9D14-865628CF3326}"/>
+                    </a:ext>
+                  </a:extLst>
+                </p:cNvPr>
+                <p:cNvPicPr/>
+                <p:nvPr/>
+              </p:nvPicPr>
+              <p:blipFill>
+                <a:blip r:embed="rId7"/>
+                <a:stretch>
+                  <a:fillRect/>
+                </a:stretch>
+              </p:blipFill>
+              <p:spPr>
+                <a:xfrm>
+                  <a:off x="10064912" y="3503571"/>
+                  <a:ext cx="2891520" cy="5301000"/>
+                </a:xfrm>
+                <a:prstGeom prst="rect">
+                  <a:avLst/>
+                </a:prstGeom>
+              </p:spPr>
+            </p:pic>
+          </mc:Fallback>
+        </mc:AlternateContent>
+        <mc:AlternateContent xmlns:mc="http://schemas.openxmlformats.org/markup-compatibility/2006">
+          <mc:Choice xmlns:p14="http://schemas.microsoft.com/office/powerpoint/2010/main" Requires="p14">
+            <p:contentPart p14:bwMode="auto" r:id="rId8">
+              <p14:nvContentPartPr>
+                <p14:cNvPr id="16" name="Ink 15">
+                  <a:extLst>
+                    <a:ext uri="{FF2B5EF4-FFF2-40B4-BE49-F238E27FC236}">
+                      <a16:creationId xmlns:a16="http://schemas.microsoft.com/office/drawing/2014/main" id="{8CF9D7A1-6857-4F64-8CC3-D72FE1232031}"/>
+                    </a:ext>
+                  </a:extLst>
+                </p14:cNvPr>
+                <p14:cNvContentPartPr/>
+                <p14:nvPr/>
+              </p14:nvContentPartPr>
+              <p14:xfrm>
+                <a:off x="11064272" y="8373651"/>
+                <a:ext cx="229320" cy="556920"/>
+              </p14:xfrm>
+            </p:contentPart>
+          </mc:Choice>
+          <mc:Fallback>
+            <p:pic>
+              <p:nvPicPr>
+                <p:cNvPr id="16" name="Ink 15">
+                  <a:extLst>
+                    <a:ext uri="{FF2B5EF4-FFF2-40B4-BE49-F238E27FC236}">
+                      <a16:creationId xmlns:a16="http://schemas.microsoft.com/office/drawing/2014/main" id="{8CF9D7A1-6857-4F64-8CC3-D72FE1232031}"/>
+                    </a:ext>
+                  </a:extLst>
+                </p:cNvPr>
+                <p:cNvPicPr/>
+                <p:nvPr/>
+              </p:nvPicPr>
+              <p:blipFill>
+                <a:blip r:embed="rId9"/>
+                <a:stretch>
+                  <a:fillRect/>
+                </a:stretch>
+              </p:blipFill>
+              <p:spPr>
+                <a:xfrm>
+                  <a:off x="11055272" y="8364651"/>
+                  <a:ext cx="246960" cy="574560"/>
+                </a:xfrm>
+                <a:prstGeom prst="rect">
+                  <a:avLst/>
+                </a:prstGeom>
+              </p:spPr>
+            </p:pic>
+          </mc:Fallback>
+        </mc:AlternateContent>
+      </p:grpSp>
+      <mc:AlternateContent xmlns:mc="http://schemas.openxmlformats.org/markup-compatibility/2006">
+        <mc:Choice xmlns:p14="http://schemas.microsoft.com/office/powerpoint/2010/main" Requires="p14">
+          <p:contentPart p14:bwMode="auto" r:id="rId10">
+            <p14:nvContentPartPr>
+              <p14:cNvPr id="18" name="Ink 17">
+                <a:extLst>
+                  <a:ext uri="{FF2B5EF4-FFF2-40B4-BE49-F238E27FC236}">
+                    <a16:creationId xmlns:a16="http://schemas.microsoft.com/office/drawing/2014/main" id="{77D607A0-8DA9-415B-835E-F024AFABD2A7}"/>
+                  </a:ext>
+                </a:extLst>
+              </p14:cNvPr>
+              <p14:cNvContentPartPr/>
+              <p14:nvPr/>
+            </p14:nvContentPartPr>
+            <p14:xfrm>
+              <a:off x="9833432" y="3031093"/>
+              <a:ext cx="360" cy="360"/>
+            </p14:xfrm>
+          </p:contentPart>
+        </mc:Choice>
+        <mc:Fallback>
+          <p:pic>
+            <p:nvPicPr>
+              <p:cNvPr id="18" name="Ink 17">
+                <a:extLst>
+                  <a:ext uri="{FF2B5EF4-FFF2-40B4-BE49-F238E27FC236}">
+                    <a16:creationId xmlns:a16="http://schemas.microsoft.com/office/drawing/2014/main" id="{77D607A0-8DA9-415B-835E-F024AFABD2A7}"/>
+                  </a:ext>
+                </a:extLst>
+              </p:cNvPr>
+              <p:cNvPicPr/>
+              <p:nvPr/>
+            </p:nvPicPr>
+            <p:blipFill>
+              <a:blip r:embed="rId11"/>
+              <a:stretch>
+                <a:fillRect/>
+              </a:stretch>
+            </p:blipFill>
+            <p:spPr>
+              <a:xfrm>
+                <a:off x="9824792" y="3022453"/>
+                <a:ext cx="18000" cy="18000"/>
+              </a:xfrm>
+              <a:prstGeom prst="rect">
+                <a:avLst/>
+              </a:prstGeom>
+            </p:spPr>
+          </p:pic>
+        </mc:Fallback>
+      </mc:AlternateContent>
+      <mc:AlternateContent xmlns:mc="http://schemas.openxmlformats.org/markup-compatibility/2006">
+        <mc:Choice xmlns:p14="http://schemas.microsoft.com/office/powerpoint/2010/main" Requires="p14">
+          <p:contentPart p14:bwMode="auto" r:id="rId12">
+            <p14:nvContentPartPr>
+              <p14:cNvPr id="19" name="Ink 18">
+                <a:extLst>
+                  <a:ext uri="{FF2B5EF4-FFF2-40B4-BE49-F238E27FC236}">
+                    <a16:creationId xmlns:a16="http://schemas.microsoft.com/office/drawing/2014/main" id="{02669479-AC1F-42D3-A62D-DE5B9700DA95}"/>
+                  </a:ext>
+                </a:extLst>
+              </p14:cNvPr>
+              <p14:cNvContentPartPr/>
+              <p14:nvPr/>
+            </p14:nvContentPartPr>
+            <p14:xfrm>
+              <a:off x="9833432" y="3272293"/>
+              <a:ext cx="360" cy="360"/>
+            </p14:xfrm>
+          </p:contentPart>
+        </mc:Choice>
+        <mc:Fallback>
+          <p:pic>
+            <p:nvPicPr>
+              <p:cNvPr id="19" name="Ink 18">
+                <a:extLst>
+                  <a:ext uri="{FF2B5EF4-FFF2-40B4-BE49-F238E27FC236}">
+                    <a16:creationId xmlns:a16="http://schemas.microsoft.com/office/drawing/2014/main" id="{02669479-AC1F-42D3-A62D-DE5B9700DA95}"/>
+                  </a:ext>
+                </a:extLst>
+              </p:cNvPr>
+              <p:cNvPicPr/>
+              <p:nvPr/>
+            </p:nvPicPr>
+            <p:blipFill>
+              <a:blip r:embed="rId11"/>
+              <a:stretch>
+                <a:fillRect/>
+              </a:stretch>
+            </p:blipFill>
+            <p:spPr>
+              <a:xfrm>
+                <a:off x="9824792" y="3263293"/>
+                <a:ext cx="18000" cy="18000"/>
+              </a:xfrm>
+              <a:prstGeom prst="rect">
+                <a:avLst/>
+              </a:prstGeom>
+            </p:spPr>
+          </p:pic>
+        </mc:Fallback>
+      </mc:AlternateContent>
+      <mc:AlternateContent xmlns:mc="http://schemas.openxmlformats.org/markup-compatibility/2006">
+        <mc:Choice xmlns:p14="http://schemas.microsoft.com/office/powerpoint/2010/main" Requires="p14">
+          <p:contentPart p14:bwMode="auto" r:id="rId13">
+            <p14:nvContentPartPr>
+              <p14:cNvPr id="20" name="Ink 19">
+                <a:extLst>
+                  <a:ext uri="{FF2B5EF4-FFF2-40B4-BE49-F238E27FC236}">
+                    <a16:creationId xmlns:a16="http://schemas.microsoft.com/office/drawing/2014/main" id="{4A266D43-EE4F-4CD6-A1A9-C579D0894284}"/>
+                  </a:ext>
+                </a:extLst>
+              </p14:cNvPr>
+              <p14:cNvContentPartPr/>
+              <p14:nvPr/>
+            </p14:nvContentPartPr>
+            <p14:xfrm>
+              <a:off x="9560552" y="3272293"/>
+              <a:ext cx="360" cy="360"/>
+            </p14:xfrm>
+          </p:contentPart>
+        </mc:Choice>
+        <mc:Fallback>
+          <p:pic>
+            <p:nvPicPr>
+              <p:cNvPr id="20" name="Ink 19">
+                <a:extLst>
+                  <a:ext uri="{FF2B5EF4-FFF2-40B4-BE49-F238E27FC236}">
+                    <a16:creationId xmlns:a16="http://schemas.microsoft.com/office/drawing/2014/main" id="{4A266D43-EE4F-4CD6-A1A9-C579D0894284}"/>
+                  </a:ext>
+                </a:extLst>
+              </p:cNvPr>
+              <p:cNvPicPr/>
+              <p:nvPr/>
+            </p:nvPicPr>
+            <p:blipFill>
+              <a:blip r:embed="rId11"/>
+              <a:stretch>
+                <a:fillRect/>
+              </a:stretch>
+            </p:blipFill>
+            <p:spPr>
+              <a:xfrm>
+                <a:off x="9551912" y="3263293"/>
+                <a:ext cx="18000" cy="18000"/>
+              </a:xfrm>
+              <a:prstGeom prst="rect">
+                <a:avLst/>
+              </a:prstGeom>
+            </p:spPr>
+          </p:pic>
+        </mc:Fallback>
+      </mc:AlternateContent>
+      <p:sp>
+        <p:nvSpPr>
+          <p:cNvPr id="21" name="TextBox 20">
+            <a:extLst>
+              <a:ext uri="{FF2B5EF4-FFF2-40B4-BE49-F238E27FC236}">
+                <a16:creationId xmlns:a16="http://schemas.microsoft.com/office/drawing/2014/main" id="{64E1EBCB-15BC-46CA-9A59-C65FA40F1C11}"/>
+              </a:ext>
+            </a:extLst>
+          </p:cNvPr>
+          <p:cNvSpPr txBox="1"/>
+          <p:nvPr/>
+        </p:nvSpPr>
+        <p:spPr>
+          <a:xfrm>
+            <a:off x="5030134" y="6957982"/>
+            <a:ext cx="1410643" cy="836126"/>
+          </a:xfrm>
+          <a:prstGeom prst="rect">
+            <a:avLst/>
+          </a:prstGeom>
+          <a:noFill/>
+          <a:ln w="12700" cap="flat">
+            <a:noFill/>
+            <a:miter lim="400000"/>
+          </a:ln>
+          <a:effectLst/>
+          <a:sp3d/>
+        </p:spPr>
+        <p:style>
+          <a:lnRef idx="0">
+            <a:scrgbClr r="0" g="0" b="0"/>
+          </a:lnRef>
+          <a:fillRef idx="0">
+            <a:scrgbClr r="0" g="0" b="0"/>
+          </a:fillRef>
+          <a:effectRef idx="0">
+            <a:scrgbClr r="0" g="0" b="0"/>
+          </a:effectRef>
+          <a:fontRef idx="none"/>
+        </p:style>
+        <p:txBody>
+          <a:bodyPr rot="0" spcFirstLastPara="1" vertOverflow="overflow" horzOverflow="overflow" vert="horz" wrap="none" lIns="76200" tIns="76200" rIns="76200" bIns="76200" numCol="1" spcCol="38100" rtlCol="0" anchor="t">
+            <a:spAutoFit/>
+          </a:bodyPr>
+          <a:lstStyle/>
+          <a:p>
+            <a:pPr marL="0" marR="0" indent="0" algn="l" defTabSz="762000" rtl="0" fontAlgn="auto" latinLnBrk="0" hangingPunct="0">
+              <a:lnSpc>
+                <a:spcPct val="100000"/>
+              </a:lnSpc>
+              <a:spcBef>
+                <a:spcPts val="1000"/>
+              </a:spcBef>
+              <a:spcAft>
+                <a:spcPts val="0"/>
+              </a:spcAft>
+              <a:buClrTx/>
+              <a:buSzTx/>
+              <a:buFontTx/>
+              <a:buNone/>
+              <a:tabLst/>
+            </a:pPr>
+            <a:r>
+              <a:rPr kumimoji="0" lang="en-US" sz="3600" b="0" i="0" u="none" strike="noStrike" cap="none" spc="0" normalizeH="0" baseline="0" dirty="0">
+                <a:ln>
+                  <a:noFill/>
+                </a:ln>
+                <a:solidFill>
+                  <a:srgbClr val="000000"/>
+                </a:solidFill>
+                <a:effectLst/>
+                <a:uFillTx/>
+                <a:latin typeface="+mj-lt"/>
+                <a:ea typeface="+mj-ea"/>
+                <a:cs typeface="+mj-cs"/>
+                <a:sym typeface="Helvetica"/>
+              </a:rPr>
+              <a:t>radius</a:t>
+            </a:r>
+            <a:endParaRPr kumimoji="0" lang="en-CA" sz="3600" b="0" i="0" u="none" strike="noStrike" cap="none" spc="0" normalizeH="0" baseline="0" dirty="0">
+              <a:ln>
+                <a:noFill/>
+              </a:ln>
+              <a:solidFill>
+                <a:srgbClr val="000000"/>
+              </a:solidFill>
+              <a:effectLst/>
+              <a:uFillTx/>
+              <a:latin typeface="+mj-lt"/>
+              <a:ea typeface="+mj-ea"/>
+              <a:cs typeface="+mj-cs"/>
+              <a:sym typeface="Helvetica"/>
+            </a:endParaRPr>
+          </a:p>
+        </p:txBody>
+      </p:sp>
+    </p:spTree>
+    <p:extLst>
+      <p:ext uri="{BB962C8B-B14F-4D97-AF65-F5344CB8AC3E}">
+        <p14:creationId xmlns:p14="http://schemas.microsoft.com/office/powerpoint/2010/main" val="2853345522"/>
+      </p:ext>
+    </p:extLst>
+  </p:cSld>
+  <p:clrMapOvr>
+    <a:masterClrMapping/>
+  </p:clrMapOvr>
+  <p:transition spd="med"/>
+</p:sld>
+</file>
+
+<file path=ppt/slides/slide5.xml><?xml version="1.0" encoding="utf-8"?>
+<p:sld xmlns:a="http://schemas.openxmlformats.org/drawingml/2006/main" xmlns:r="http://schemas.openxmlformats.org/officeDocument/2006/relationships" xmlns:p="http://schemas.openxmlformats.org/presentationml/2006/main">
+  <p:cSld>
+    <p:spTree>
+      <p:nvGrpSpPr>
+        <p:cNvPr id="1" name=""/>
+        <p:cNvGrpSpPr/>
+        <p:nvPr/>
+      </p:nvGrpSpPr>
+      <p:grpSpPr>
+        <a:xfrm>
+          <a:off x="0" y="0"/>
+          <a:ext cx="0" cy="0"/>
+          <a:chOff x="0" y="0"/>
+          <a:chExt cx="0" cy="0"/>
+        </a:xfrm>
+      </p:grpSpPr>
+      <p:sp>
+        <p:nvSpPr>
+          <p:cNvPr id="78" name="Slide Number"/>
+          <p:cNvSpPr txBox="1">
+            <a:spLocks noGrp="1"/>
+          </p:cNvSpPr>
+          <p:nvPr>
+            <p:ph type="sldNum" sz="quarter" idx="4294967295"/>
+          </p:nvPr>
+        </p:nvSpPr>
+        <p:spPr>
+          <a:xfrm>
+            <a:off x="508000" y="10795000"/>
+            <a:ext cx="302878" cy="330200"/>
+          </a:xfrm>
+          <a:prstGeom prst="rect">
+            <a:avLst/>
+          </a:prstGeom>
+          <a:extLst>
+            <a:ext uri="{C572A759-6A51-4108-AA02-DFA0A04FC94B}">
+              <ma14:wrappingTextBoxFlag xmlns:ma14="http://schemas.microsoft.com/office/mac/drawingml/2011/main" xmlns:a14="http://schemas.microsoft.com/office/drawing/2010/main" xmlns:m="http://schemas.openxmlformats.org/officeDocument/2006/math" xmlns="" val="1"/>
+            </a:ext>
+          </a:extLst>
+        </p:spPr>
+        <p:txBody>
+          <a:bodyPr lIns="0" tIns="0" rIns="0" bIns="0" anchor="t"/>
+          <a:lstStyle>
+            <a:lvl1pPr algn="l">
+              <a:defRPr sz="2200">
+                <a:solidFill>
+                  <a:srgbClr val="000000"/>
+                </a:solidFill>
+                <a:latin typeface="ITC Franklin Gothic Std MedCd"/>
+                <a:ea typeface="ITC Franklin Gothic Std MedCd"/>
+                <a:cs typeface="ITC Franklin Gothic Std MedCd"/>
+                <a:sym typeface="ITC Franklin Gothic Std MedCd"/>
+              </a:defRPr>
+            </a:lvl1pPr>
+          </a:lstStyle>
+          <a:p>
+            <a:fld id="{86CB4B4D-7CA3-9044-876B-883B54F8677D}" type="slidenum">
+              <a:rPr/>
+              <a:t>5</a:t>
+            </a:fld>
+            <a:endParaRPr/>
+          </a:p>
+        </p:txBody>
+      </p:sp>
+      <p:sp>
+        <p:nvSpPr>
+          <p:cNvPr id="79" name="TextBox 3"/>
+          <p:cNvSpPr txBox="1"/>
+          <p:nvPr/>
+        </p:nvSpPr>
+        <p:spPr>
+          <a:xfrm>
+            <a:off x="1396999" y="1142998"/>
+            <a:ext cx="12954003" cy="5052665"/>
+          </a:xfrm>
+          <a:prstGeom prst="rect">
+            <a:avLst/>
+          </a:prstGeom>
+          <a:ln w="12700">
+            <a:miter lim="400000"/>
+          </a:ln>
+          <a:extLst>
+            <a:ext uri="{C572A759-6A51-4108-AA02-DFA0A04FC94B}">
+              <ma14:wrappingTextBoxFlag xmlns:ma14="http://schemas.microsoft.com/office/mac/drawingml/2011/main" xmlns:a14="http://schemas.microsoft.com/office/drawing/2010/main" xmlns:m="http://schemas.openxmlformats.org/officeDocument/2006/math" xmlns="" val="1"/>
             </a:ext>
           </a:extLst>
         </p:spPr>
@@ -5672,8 +6004,18 @@
               </a:defRPr>
             </a:pPr>
             <a:r>
-              <a:t>Hide/show text on web page</a:t>
-            </a:r>
+              <a:rPr lang="en-US" dirty="0"/>
+              <a:t>M</a:t>
+            </a:r>
+            <a:r>
+              <a:rPr dirty="0"/>
+              <a:t>ove the basketball</a:t>
+            </a:r>
+            <a:r>
+              <a:rPr lang="en-US" dirty="0"/>
+              <a:t> left and right </a:t>
+            </a:r>
+            <a:endParaRPr dirty="0"/>
           </a:p>
           <a:p>
             <a:pPr>
@@ -5684,6 +6026,7 @@
                 <a:sym typeface="ITC Franklin Gothic Std Bk Cd"/>
               </a:defRPr>
             </a:pPr>
+            <a:endParaRPr lang="en-US" dirty="0"/>
           </a:p>
           <a:p>
             <a:pPr>
@@ -5695,7 +6038,11 @@
               </a:defRPr>
             </a:pPr>
             <a:r>
-              <a:t>Insert body copy here.</a:t>
+              <a:rPr lang="en-CA" sz="2800" dirty="0">
+                <a:latin typeface="Courier New" panose="02070309020205020404" pitchFamily="49" charset="0"/>
+                <a:cs typeface="Courier New" panose="02070309020205020404" pitchFamily="49" charset="0"/>
+              </a:rPr>
+              <a:t>// add this code to left() function</a:t>
             </a:r>
           </a:p>
           <a:p>
@@ -5707,12 +6054,23 @@
                 <a:sym typeface="ITC Franklin Gothic Std Bk Cd"/>
               </a:defRPr>
             </a:pPr>
-          </a:p>
-          <a:p>
-            <a:pPr marL="561108" indent="-561108">
-              <a:buSzPct val="100000"/>
-              <a:buFont typeface="Arial"/>
-              <a:buChar char="•"/>
+            <a:r>
+              <a:rPr lang="en-CA" sz="2800" dirty="0" err="1">
+                <a:latin typeface="Courier New" panose="02070309020205020404" pitchFamily="49" charset="0"/>
+                <a:cs typeface="Courier New" panose="02070309020205020404" pitchFamily="49" charset="0"/>
+              </a:rPr>
+              <a:t>basketball.dx</a:t>
+            </a:r>
+            <a:r>
+              <a:rPr lang="en-CA" sz="2800" dirty="0">
+                <a:latin typeface="Courier New" panose="02070309020205020404" pitchFamily="49" charset="0"/>
+                <a:cs typeface="Courier New" panose="02070309020205020404" pitchFamily="49" charset="0"/>
+              </a:rPr>
+              <a:t> = -2.5</a:t>
+            </a:r>
+          </a:p>
+          <a:p>
+            <a:pPr>
               <a:defRPr>
                 <a:latin typeface="ITC Franklin Gothic Std Bk Cd"/>
                 <a:ea typeface="ITC Franklin Gothic Std Bk Cd"/>
@@ -5720,9 +6078,65 @@
                 <a:sym typeface="ITC Franklin Gothic Std Bk Cd"/>
               </a:defRPr>
             </a:pPr>
-            <a:r>
-              <a:t>Insert first bullet point here</a:t>
-            </a:r>
+            <a:endParaRPr lang="en-CA" sz="2800" dirty="0">
+              <a:latin typeface="Courier New" panose="02070309020205020404" pitchFamily="49" charset="0"/>
+              <a:cs typeface="Courier New" panose="02070309020205020404" pitchFamily="49" charset="0"/>
+            </a:endParaRPr>
+          </a:p>
+          <a:p>
+            <a:pPr>
+              <a:defRPr>
+                <a:latin typeface="ITC Franklin Gothic Std Bk Cd"/>
+                <a:ea typeface="ITC Franklin Gothic Std Bk Cd"/>
+                <a:cs typeface="ITC Franklin Gothic Std Bk Cd"/>
+                <a:sym typeface="ITC Franklin Gothic Std Bk Cd"/>
+              </a:defRPr>
+            </a:pPr>
+            <a:r>
+              <a:rPr lang="en-CA" sz="2800" dirty="0">
+                <a:latin typeface="Courier New" panose="02070309020205020404" pitchFamily="49" charset="0"/>
+                <a:cs typeface="Courier New" panose="02070309020205020404" pitchFamily="49" charset="0"/>
+              </a:rPr>
+              <a:t>// add this code to the right() function</a:t>
+            </a:r>
+          </a:p>
+          <a:p>
+            <a:pPr>
+              <a:defRPr>
+                <a:latin typeface="ITC Franklin Gothic Std Bk Cd"/>
+                <a:ea typeface="ITC Franklin Gothic Std Bk Cd"/>
+                <a:cs typeface="ITC Franklin Gothic Std Bk Cd"/>
+                <a:sym typeface="ITC Franklin Gothic Std Bk Cd"/>
+              </a:defRPr>
+            </a:pPr>
+            <a:r>
+              <a:rPr lang="en-CA" sz="2800" dirty="0" err="1">
+                <a:latin typeface="Courier New" panose="02070309020205020404" pitchFamily="49" charset="0"/>
+                <a:cs typeface="Courier New" panose="02070309020205020404" pitchFamily="49" charset="0"/>
+              </a:rPr>
+              <a:t>basketball.dx</a:t>
+            </a:r>
+            <a:r>
+              <a:rPr lang="en-CA" sz="2800" dirty="0">
+                <a:latin typeface="Courier New" panose="02070309020205020404" pitchFamily="49" charset="0"/>
+                <a:cs typeface="Courier New" panose="02070309020205020404" pitchFamily="49" charset="0"/>
+              </a:rPr>
+              <a:t> = 2.5</a:t>
+            </a:r>
+          </a:p>
+          <a:p>
+            <a:pPr>
+              <a:defRPr>
+                <a:latin typeface="ITC Franklin Gothic Std Bk Cd"/>
+                <a:ea typeface="ITC Franklin Gothic Std Bk Cd"/>
+                <a:cs typeface="ITC Franklin Gothic Std Bk Cd"/>
+                <a:sym typeface="ITC Franklin Gothic Std Bk Cd"/>
+              </a:defRPr>
+            </a:pPr>
+            <a:endParaRPr sz="2800" dirty="0">
+              <a:latin typeface="Courier New" panose="02070309020205020404" pitchFamily="49" charset="0"/>
+              <a:cs typeface="Courier New" panose="02070309020205020404" pitchFamily="49" charset="0"/>
+            </a:endParaRPr>
           </a:p>
         </p:txBody>
       </p:sp>
@@ -5731,12 +6145,1018 @@
   <p:clrMapOvr>
     <a:masterClrMapping/>
   </p:clrMapOvr>
-  <p:transition xmlns:p14="http://schemas.microsoft.com/office/powerpoint/2010/main" spd="med" advClick="1"/>
+  <p:transition spd="med"/>
+</p:sld>
+</file>
+
+<file path=ppt/slides/slide6.xml><?xml version="1.0" encoding="utf-8"?>
+<p:sld xmlns:a="http://schemas.openxmlformats.org/drawingml/2006/main" xmlns:r="http://schemas.openxmlformats.org/officeDocument/2006/relationships" xmlns:p="http://schemas.openxmlformats.org/presentationml/2006/main">
+  <p:cSld>
+    <p:spTree>
+      <p:nvGrpSpPr>
+        <p:cNvPr id="1" name=""/>
+        <p:cNvGrpSpPr/>
+        <p:nvPr/>
+      </p:nvGrpSpPr>
+      <p:grpSpPr>
+        <a:xfrm>
+          <a:off x="0" y="0"/>
+          <a:ext cx="0" cy="0"/>
+          <a:chOff x="0" y="0"/>
+          <a:chExt cx="0" cy="0"/>
+        </a:xfrm>
+      </p:grpSpPr>
+      <p:sp>
+        <p:nvSpPr>
+          <p:cNvPr id="75" name="Slide Number"/>
+          <p:cNvSpPr txBox="1">
+            <a:spLocks noGrp="1"/>
+          </p:cNvSpPr>
+          <p:nvPr>
+            <p:ph type="sldNum" sz="quarter" idx="4294967295"/>
+          </p:nvPr>
+        </p:nvSpPr>
+        <p:spPr>
+          <a:xfrm>
+            <a:off x="508000" y="10795000"/>
+            <a:ext cx="323478" cy="330200"/>
+          </a:xfrm>
+          <a:prstGeom prst="rect">
+            <a:avLst/>
+          </a:prstGeom>
+          <a:extLst>
+            <a:ext uri="{C572A759-6A51-4108-AA02-DFA0A04FC94B}">
+              <ma14:wrappingTextBoxFlag xmlns:ma14="http://schemas.microsoft.com/office/mac/drawingml/2011/main" xmlns:a14="http://schemas.microsoft.com/office/drawing/2010/main" xmlns:m="http://schemas.openxmlformats.org/officeDocument/2006/math" xmlns="" val="1"/>
+            </a:ext>
+          </a:extLst>
+        </p:spPr>
+        <p:txBody>
+          <a:bodyPr lIns="0" tIns="0" rIns="0" bIns="0" anchor="t"/>
+          <a:lstStyle>
+            <a:lvl1pPr algn="l">
+              <a:defRPr sz="2200">
+                <a:solidFill>
+                  <a:srgbClr val="000000"/>
+                </a:solidFill>
+                <a:latin typeface="ITC Franklin Gothic Std MedCd"/>
+                <a:ea typeface="ITC Franklin Gothic Std MedCd"/>
+                <a:cs typeface="ITC Franklin Gothic Std MedCd"/>
+                <a:sym typeface="ITC Franklin Gothic Std MedCd"/>
+              </a:defRPr>
+            </a:lvl1pPr>
+          </a:lstStyle>
+          <a:p>
+            <a:fld id="{86CB4B4D-7CA3-9044-876B-883B54F8677D}" type="slidenum">
+              <a:rPr/>
+              <a:t>6</a:t>
+            </a:fld>
+            <a:endParaRPr/>
+          </a:p>
+        </p:txBody>
+      </p:sp>
+      <p:sp>
+        <p:nvSpPr>
+          <p:cNvPr id="76" name="TextBox 3"/>
+          <p:cNvSpPr txBox="1"/>
+          <p:nvPr/>
+        </p:nvSpPr>
+        <p:spPr>
+          <a:xfrm>
+            <a:off x="1396999" y="1142998"/>
+            <a:ext cx="12954003" cy="6042680"/>
+          </a:xfrm>
+          <a:prstGeom prst="rect">
+            <a:avLst/>
+          </a:prstGeom>
+          <a:ln w="12700">
+            <a:miter lim="400000"/>
+          </a:ln>
+          <a:extLst>
+            <a:ext uri="{C572A759-6A51-4108-AA02-DFA0A04FC94B}">
+              <ma14:wrappingTextBoxFlag xmlns:ma14="http://schemas.microsoft.com/office/mac/drawingml/2011/main" xmlns:a14="http://schemas.microsoft.com/office/drawing/2010/main" xmlns:m="http://schemas.openxmlformats.org/officeDocument/2006/math" xmlns="" val="1"/>
+            </a:ext>
+          </a:extLst>
+        </p:spPr>
+        <p:txBody>
+          <a:bodyPr lIns="0" tIns="0" rIns="0" bIns="0">
+            <a:spAutoFit/>
+          </a:bodyPr>
+          <a:lstStyle/>
+          <a:p>
+            <a:pPr>
+              <a:defRPr sz="6600">
+                <a:solidFill>
+                  <a:schemeClr val="accent1"/>
+                </a:solidFill>
+                <a:latin typeface="ITC Franklin Gothic Std Bk Cd"/>
+                <a:ea typeface="ITC Franklin Gothic Std Bk Cd"/>
+                <a:cs typeface="ITC Franklin Gothic Std Bk Cd"/>
+                <a:sym typeface="ITC Franklin Gothic Std Bk Cd"/>
+              </a:defRPr>
+            </a:pPr>
+            <a:r>
+              <a:rPr dirty="0"/>
+              <a:t>Animate motion of the hoop</a:t>
+            </a:r>
+          </a:p>
+          <a:p>
+            <a:pPr>
+              <a:defRPr>
+                <a:latin typeface="ITC Franklin Gothic Std Bk Cd"/>
+                <a:ea typeface="ITC Franklin Gothic Std Bk Cd"/>
+                <a:cs typeface="ITC Franklin Gothic Std Bk Cd"/>
+                <a:sym typeface="ITC Franklin Gothic Std Bk Cd"/>
+              </a:defRPr>
+            </a:pPr>
+            <a:endParaRPr lang="en-US" dirty="0"/>
+          </a:p>
+          <a:p>
+            <a:pPr>
+              <a:defRPr>
+                <a:latin typeface="ITC Franklin Gothic Std Bk Cd"/>
+                <a:ea typeface="ITC Franklin Gothic Std Bk Cd"/>
+                <a:cs typeface="ITC Franklin Gothic Std Bk Cd"/>
+                <a:sym typeface="ITC Franklin Gothic Std Bk Cd"/>
+              </a:defRPr>
+            </a:pPr>
+            <a:r>
+              <a:rPr lang="en-CA" sz="2800" dirty="0">
+                <a:latin typeface="Courier New" panose="02070309020205020404" pitchFamily="49" charset="0"/>
+                <a:cs typeface="Courier New" panose="02070309020205020404" pitchFamily="49" charset="0"/>
+              </a:rPr>
+              <a:t>// add this code to Circle’s update() function</a:t>
+            </a:r>
+          </a:p>
+          <a:p>
+            <a:pPr>
+              <a:defRPr>
+                <a:latin typeface="ITC Franklin Gothic Std Bk Cd"/>
+                <a:ea typeface="ITC Franklin Gothic Std Bk Cd"/>
+                <a:cs typeface="ITC Franklin Gothic Std Bk Cd"/>
+                <a:sym typeface="ITC Franklin Gothic Std Bk Cd"/>
+              </a:defRPr>
+            </a:pPr>
+            <a:r>
+              <a:rPr lang="en-CA" sz="2800" dirty="0" err="1">
+                <a:latin typeface="Courier New" panose="02070309020205020404" pitchFamily="49" charset="0"/>
+                <a:cs typeface="Courier New" panose="02070309020205020404" pitchFamily="49" charset="0"/>
+              </a:rPr>
+              <a:t>this.x</a:t>
+            </a:r>
+            <a:r>
+              <a:rPr lang="en-CA" sz="2800" dirty="0">
+                <a:latin typeface="Courier New" panose="02070309020205020404" pitchFamily="49" charset="0"/>
+                <a:cs typeface="Courier New" panose="02070309020205020404" pitchFamily="49" charset="0"/>
+              </a:rPr>
+              <a:t> += </a:t>
+            </a:r>
+            <a:r>
+              <a:rPr lang="en-CA" sz="2800" dirty="0" err="1">
+                <a:latin typeface="Courier New" panose="02070309020205020404" pitchFamily="49" charset="0"/>
+                <a:cs typeface="Courier New" panose="02070309020205020404" pitchFamily="49" charset="0"/>
+              </a:rPr>
+              <a:t>this.dx</a:t>
+            </a:r>
+            <a:r>
+              <a:rPr lang="en-CA" sz="2800" dirty="0">
+                <a:latin typeface="Courier New" panose="02070309020205020404" pitchFamily="49" charset="0"/>
+                <a:cs typeface="Courier New" panose="02070309020205020404" pitchFamily="49" charset="0"/>
+              </a:rPr>
+              <a:t>;</a:t>
+            </a:r>
+          </a:p>
+          <a:p>
+            <a:pPr>
+              <a:defRPr>
+                <a:latin typeface="ITC Franklin Gothic Std Bk Cd"/>
+                <a:ea typeface="ITC Franklin Gothic Std Bk Cd"/>
+                <a:cs typeface="ITC Franklin Gothic Std Bk Cd"/>
+                <a:sym typeface="ITC Franklin Gothic Std Bk Cd"/>
+              </a:defRPr>
+            </a:pPr>
+            <a:r>
+              <a:rPr lang="en-CA" sz="2800" dirty="0" err="1">
+                <a:latin typeface="Courier New" panose="02070309020205020404" pitchFamily="49" charset="0"/>
+                <a:cs typeface="Courier New" panose="02070309020205020404" pitchFamily="49" charset="0"/>
+              </a:rPr>
+              <a:t>this.y</a:t>
+            </a:r>
+            <a:r>
+              <a:rPr lang="en-CA" sz="2800" dirty="0">
+                <a:latin typeface="Courier New" panose="02070309020205020404" pitchFamily="49" charset="0"/>
+                <a:cs typeface="Courier New" panose="02070309020205020404" pitchFamily="49" charset="0"/>
+              </a:rPr>
+              <a:t> += </a:t>
+            </a:r>
+            <a:r>
+              <a:rPr lang="en-CA" sz="2800" dirty="0" err="1">
+                <a:latin typeface="Courier New" panose="02070309020205020404" pitchFamily="49" charset="0"/>
+                <a:cs typeface="Courier New" panose="02070309020205020404" pitchFamily="49" charset="0"/>
+              </a:rPr>
+              <a:t>this.dy</a:t>
+            </a:r>
+            <a:r>
+              <a:rPr lang="en-CA" sz="2800" dirty="0">
+                <a:latin typeface="Courier New" panose="02070309020205020404" pitchFamily="49" charset="0"/>
+                <a:cs typeface="Courier New" panose="02070309020205020404" pitchFamily="49" charset="0"/>
+              </a:rPr>
+              <a:t>;</a:t>
+            </a:r>
+          </a:p>
+          <a:p>
+            <a:pPr>
+              <a:defRPr>
+                <a:latin typeface="ITC Franklin Gothic Std Bk Cd"/>
+                <a:ea typeface="ITC Franklin Gothic Std Bk Cd"/>
+                <a:cs typeface="ITC Franklin Gothic Std Bk Cd"/>
+                <a:sym typeface="ITC Franklin Gothic Std Bk Cd"/>
+              </a:defRPr>
+            </a:pPr>
+            <a:r>
+              <a:rPr lang="en-CA" sz="2800" dirty="0">
+                <a:latin typeface="Courier New" panose="02070309020205020404" pitchFamily="49" charset="0"/>
+                <a:cs typeface="Courier New" panose="02070309020205020404" pitchFamily="49" charset="0"/>
+              </a:rPr>
+              <a:t>if ( (</a:t>
+            </a:r>
+            <a:r>
+              <a:rPr lang="en-CA" sz="2800" dirty="0" err="1">
+                <a:latin typeface="Courier New" panose="02070309020205020404" pitchFamily="49" charset="0"/>
+                <a:cs typeface="Courier New" panose="02070309020205020404" pitchFamily="49" charset="0"/>
+              </a:rPr>
+              <a:t>this.x</a:t>
+            </a:r>
+            <a:r>
+              <a:rPr lang="en-CA" sz="2800" dirty="0">
+                <a:latin typeface="Courier New" panose="02070309020205020404" pitchFamily="49" charset="0"/>
+                <a:cs typeface="Courier New" panose="02070309020205020404" pitchFamily="49" charset="0"/>
+              </a:rPr>
+              <a:t> &lt; </a:t>
+            </a:r>
+            <a:r>
+              <a:rPr lang="en-CA" sz="2800" dirty="0" err="1">
+                <a:latin typeface="Courier New" panose="02070309020205020404" pitchFamily="49" charset="0"/>
+                <a:cs typeface="Courier New" panose="02070309020205020404" pitchFamily="49" charset="0"/>
+              </a:rPr>
+              <a:t>this.radius</a:t>
+            </a:r>
+            <a:r>
+              <a:rPr lang="en-CA" sz="2800" dirty="0">
+                <a:latin typeface="Courier New" panose="02070309020205020404" pitchFamily="49" charset="0"/>
+                <a:cs typeface="Courier New" panose="02070309020205020404" pitchFamily="49" charset="0"/>
+              </a:rPr>
+              <a:t>) || (</a:t>
+            </a:r>
+            <a:r>
+              <a:rPr lang="en-CA" sz="2800" dirty="0" err="1">
+                <a:latin typeface="Courier New" panose="02070309020205020404" pitchFamily="49" charset="0"/>
+                <a:cs typeface="Courier New" panose="02070309020205020404" pitchFamily="49" charset="0"/>
+              </a:rPr>
+              <a:t>this.x</a:t>
+            </a:r>
+            <a:r>
+              <a:rPr lang="en-CA" sz="2800" dirty="0">
+                <a:latin typeface="Courier New" panose="02070309020205020404" pitchFamily="49" charset="0"/>
+                <a:cs typeface="Courier New" panose="02070309020205020404" pitchFamily="49" charset="0"/>
+              </a:rPr>
+              <a:t> &gt; (</a:t>
+            </a:r>
+            <a:r>
+              <a:rPr lang="en-CA" sz="2800" dirty="0" err="1">
+                <a:latin typeface="Courier New" panose="02070309020205020404" pitchFamily="49" charset="0"/>
+                <a:cs typeface="Courier New" panose="02070309020205020404" pitchFamily="49" charset="0"/>
+              </a:rPr>
+              <a:t>canvas.width</a:t>
+            </a:r>
+            <a:r>
+              <a:rPr lang="en-CA" sz="2800" dirty="0">
+                <a:latin typeface="Courier New" panose="02070309020205020404" pitchFamily="49" charset="0"/>
+                <a:cs typeface="Courier New" panose="02070309020205020404" pitchFamily="49" charset="0"/>
+              </a:rPr>
+              <a:t> – </a:t>
+            </a:r>
+            <a:r>
+              <a:rPr lang="en-CA" sz="2800" dirty="0" err="1">
+                <a:latin typeface="Courier New" panose="02070309020205020404" pitchFamily="49" charset="0"/>
+                <a:cs typeface="Courier New" panose="02070309020205020404" pitchFamily="49" charset="0"/>
+              </a:rPr>
+              <a:t>this.radius</a:t>
+            </a:r>
+            <a:r>
+              <a:rPr lang="en-CA" sz="2800" dirty="0">
+                <a:latin typeface="Courier New" panose="02070309020205020404" pitchFamily="49" charset="0"/>
+                <a:cs typeface="Courier New" panose="02070309020205020404" pitchFamily="49" charset="0"/>
+              </a:rPr>
+              <a:t>) )</a:t>
+            </a:r>
+          </a:p>
+          <a:p>
+            <a:pPr>
+              <a:defRPr>
+                <a:latin typeface="ITC Franklin Gothic Std Bk Cd"/>
+                <a:ea typeface="ITC Franklin Gothic Std Bk Cd"/>
+                <a:cs typeface="ITC Franklin Gothic Std Bk Cd"/>
+                <a:sym typeface="ITC Franklin Gothic Std Bk Cd"/>
+              </a:defRPr>
+            </a:pPr>
+            <a:r>
+              <a:rPr lang="en-CA" sz="2800" dirty="0">
+                <a:latin typeface="Courier New" panose="02070309020205020404" pitchFamily="49" charset="0"/>
+                <a:cs typeface="Courier New" panose="02070309020205020404" pitchFamily="49" charset="0"/>
+              </a:rPr>
+              <a:t>{</a:t>
+            </a:r>
+          </a:p>
+          <a:p>
+            <a:pPr>
+              <a:defRPr>
+                <a:latin typeface="ITC Franklin Gothic Std Bk Cd"/>
+                <a:ea typeface="ITC Franklin Gothic Std Bk Cd"/>
+                <a:cs typeface="ITC Franklin Gothic Std Bk Cd"/>
+                <a:sym typeface="ITC Franklin Gothic Std Bk Cd"/>
+              </a:defRPr>
+            </a:pPr>
+            <a:r>
+              <a:rPr lang="en-CA" sz="2800" dirty="0">
+                <a:latin typeface="Courier New" panose="02070309020205020404" pitchFamily="49" charset="0"/>
+                <a:cs typeface="Courier New" panose="02070309020205020404" pitchFamily="49" charset="0"/>
+              </a:rPr>
+              <a:t>  </a:t>
+            </a:r>
+            <a:r>
+              <a:rPr lang="en-CA" sz="2800" dirty="0" err="1">
+                <a:latin typeface="Courier New" panose="02070309020205020404" pitchFamily="49" charset="0"/>
+                <a:cs typeface="Courier New" panose="02070309020205020404" pitchFamily="49" charset="0"/>
+              </a:rPr>
+              <a:t>this.dx</a:t>
+            </a:r>
+            <a:r>
+              <a:rPr lang="en-CA" sz="2800" dirty="0">
+                <a:latin typeface="Courier New" panose="02070309020205020404" pitchFamily="49" charset="0"/>
+                <a:cs typeface="Courier New" panose="02070309020205020404" pitchFamily="49" charset="0"/>
+              </a:rPr>
+              <a:t> *= -1;</a:t>
+            </a:r>
+          </a:p>
+          <a:p>
+            <a:pPr>
+              <a:defRPr>
+                <a:latin typeface="ITC Franklin Gothic Std Bk Cd"/>
+                <a:ea typeface="ITC Franklin Gothic Std Bk Cd"/>
+                <a:cs typeface="ITC Franklin Gothic Std Bk Cd"/>
+                <a:sym typeface="ITC Franklin Gothic Std Bk Cd"/>
+              </a:defRPr>
+            </a:pPr>
+            <a:r>
+              <a:rPr lang="en-CA" sz="2800" dirty="0">
+                <a:latin typeface="Courier New" panose="02070309020205020404" pitchFamily="49" charset="0"/>
+                <a:cs typeface="Courier New" panose="02070309020205020404" pitchFamily="49" charset="0"/>
+              </a:rPr>
+              <a:t>}</a:t>
+            </a:r>
+            <a:endParaRPr sz="2800" dirty="0">
+              <a:latin typeface="Courier New" panose="02070309020205020404" pitchFamily="49" charset="0"/>
+              <a:cs typeface="Courier New" panose="02070309020205020404" pitchFamily="49" charset="0"/>
+            </a:endParaRPr>
+          </a:p>
+        </p:txBody>
+      </p:sp>
+    </p:spTree>
+  </p:cSld>
+  <p:clrMapOvr>
+    <a:masterClrMapping/>
+  </p:clrMapOvr>
+  <p:transition spd="med"/>
+</p:sld>
+</file>
+
+<file path=ppt/slides/slide7.xml><?xml version="1.0" encoding="utf-8"?>
+<p:sld xmlns:a="http://schemas.openxmlformats.org/drawingml/2006/main" xmlns:r="http://schemas.openxmlformats.org/officeDocument/2006/relationships" xmlns:p="http://schemas.openxmlformats.org/presentationml/2006/main">
+  <p:cSld>
+    <p:spTree>
+      <p:nvGrpSpPr>
+        <p:cNvPr id="1" name=""/>
+        <p:cNvGrpSpPr/>
+        <p:nvPr/>
+      </p:nvGrpSpPr>
+      <p:grpSpPr>
+        <a:xfrm>
+          <a:off x="0" y="0"/>
+          <a:ext cx="0" cy="0"/>
+          <a:chOff x="0" y="0"/>
+          <a:chExt cx="0" cy="0"/>
+        </a:xfrm>
+      </p:grpSpPr>
+      <p:sp>
+        <p:nvSpPr>
+          <p:cNvPr id="81" name="Slide Number"/>
+          <p:cNvSpPr txBox="1">
+            <a:spLocks noGrp="1"/>
+          </p:cNvSpPr>
+          <p:nvPr>
+            <p:ph type="sldNum" sz="quarter" idx="4294967295"/>
+          </p:nvPr>
+        </p:nvSpPr>
+        <p:spPr>
+          <a:xfrm>
+            <a:off x="508000" y="10795000"/>
+            <a:ext cx="323478" cy="330200"/>
+          </a:xfrm>
+          <a:prstGeom prst="rect">
+            <a:avLst/>
+          </a:prstGeom>
+          <a:extLst>
+            <a:ext uri="{C572A759-6A51-4108-AA02-DFA0A04FC94B}">
+              <ma14:wrappingTextBoxFlag xmlns:ma14="http://schemas.microsoft.com/office/mac/drawingml/2011/main" xmlns:a14="http://schemas.microsoft.com/office/drawing/2010/main" xmlns:m="http://schemas.openxmlformats.org/officeDocument/2006/math" xmlns="" val="1"/>
+            </a:ext>
+          </a:extLst>
+        </p:spPr>
+        <p:txBody>
+          <a:bodyPr lIns="0" tIns="0" rIns="0" bIns="0" anchor="t"/>
+          <a:lstStyle>
+            <a:lvl1pPr algn="l">
+              <a:defRPr sz="2200">
+                <a:solidFill>
+                  <a:srgbClr val="000000"/>
+                </a:solidFill>
+                <a:latin typeface="ITC Franklin Gothic Std MedCd"/>
+                <a:ea typeface="ITC Franklin Gothic Std MedCd"/>
+                <a:cs typeface="ITC Franklin Gothic Std MedCd"/>
+                <a:sym typeface="ITC Franklin Gothic Std MedCd"/>
+              </a:defRPr>
+            </a:lvl1pPr>
+          </a:lstStyle>
+          <a:p>
+            <a:fld id="{86CB4B4D-7CA3-9044-876B-883B54F8677D}" type="slidenum">
+              <a:rPr/>
+              <a:t>7</a:t>
+            </a:fld>
+            <a:endParaRPr/>
+          </a:p>
+        </p:txBody>
+      </p:sp>
+      <p:sp>
+        <p:nvSpPr>
+          <p:cNvPr id="82" name="TextBox 3"/>
+          <p:cNvSpPr txBox="1"/>
+          <p:nvPr/>
+        </p:nvSpPr>
+        <p:spPr>
+          <a:xfrm>
+            <a:off x="1396999" y="1142998"/>
+            <a:ext cx="12954003" cy="5052665"/>
+          </a:xfrm>
+          <a:prstGeom prst="rect">
+            <a:avLst/>
+          </a:prstGeom>
+          <a:ln w="12700">
+            <a:miter lim="400000"/>
+          </a:ln>
+          <a:extLst>
+            <a:ext uri="{C572A759-6A51-4108-AA02-DFA0A04FC94B}">
+              <ma14:wrappingTextBoxFlag xmlns:ma14="http://schemas.microsoft.com/office/mac/drawingml/2011/main" xmlns:a14="http://schemas.microsoft.com/office/drawing/2010/main" xmlns:m="http://schemas.openxmlformats.org/officeDocument/2006/math" xmlns="" val="1"/>
+            </a:ext>
+          </a:extLst>
+        </p:spPr>
+        <p:txBody>
+          <a:bodyPr lIns="0" tIns="0" rIns="0" bIns="0">
+            <a:spAutoFit/>
+          </a:bodyPr>
+          <a:lstStyle/>
+          <a:p>
+            <a:pPr>
+              <a:defRPr sz="6600">
+                <a:solidFill>
+                  <a:schemeClr val="accent1"/>
+                </a:solidFill>
+                <a:latin typeface="ITC Franklin Gothic Std Bk Cd"/>
+                <a:ea typeface="ITC Franklin Gothic Std Bk Cd"/>
+                <a:cs typeface="ITC Franklin Gothic Std Bk Cd"/>
+                <a:sym typeface="ITC Franklin Gothic Std Bk Cd"/>
+              </a:defRPr>
+            </a:pPr>
+            <a:r>
+              <a:rPr dirty="0"/>
+              <a:t>Shoot the basketball upward</a:t>
+            </a:r>
+          </a:p>
+          <a:p>
+            <a:pPr>
+              <a:defRPr>
+                <a:latin typeface="ITC Franklin Gothic Std Bk Cd"/>
+                <a:ea typeface="ITC Franklin Gothic Std Bk Cd"/>
+                <a:cs typeface="ITC Franklin Gothic Std Bk Cd"/>
+                <a:sym typeface="ITC Franklin Gothic Std Bk Cd"/>
+              </a:defRPr>
+            </a:pPr>
+            <a:endParaRPr dirty="0"/>
+          </a:p>
+          <a:p>
+            <a:pPr>
+              <a:defRPr>
+                <a:latin typeface="ITC Franklin Gothic Std Bk Cd"/>
+                <a:ea typeface="ITC Franklin Gothic Std Bk Cd"/>
+                <a:cs typeface="ITC Franklin Gothic Std Bk Cd"/>
+                <a:sym typeface="ITC Franklin Gothic Std Bk Cd"/>
+              </a:defRPr>
+            </a:pPr>
+            <a:r>
+              <a:rPr lang="en-CA" sz="2800" dirty="0">
+                <a:latin typeface="Courier New" panose="02070309020205020404" pitchFamily="49" charset="0"/>
+                <a:cs typeface="Courier New" panose="02070309020205020404" pitchFamily="49" charset="0"/>
+              </a:rPr>
+              <a:t>// add this code to shoot() function</a:t>
+            </a:r>
+          </a:p>
+          <a:p>
+            <a:pPr>
+              <a:defRPr>
+                <a:latin typeface="ITC Franklin Gothic Std Bk Cd"/>
+                <a:ea typeface="ITC Franklin Gothic Std Bk Cd"/>
+                <a:cs typeface="ITC Franklin Gothic Std Bk Cd"/>
+                <a:sym typeface="ITC Franklin Gothic Std Bk Cd"/>
+              </a:defRPr>
+            </a:pPr>
+            <a:r>
+              <a:rPr lang="en-CA" sz="2800" dirty="0">
+                <a:latin typeface="Courier New" panose="02070309020205020404" pitchFamily="49" charset="0"/>
+                <a:cs typeface="Courier New" panose="02070309020205020404" pitchFamily="49" charset="0"/>
+              </a:rPr>
+              <a:t>if ( </a:t>
+            </a:r>
+            <a:r>
+              <a:rPr lang="en-CA" sz="2800" dirty="0" err="1">
+                <a:latin typeface="Courier New" panose="02070309020205020404" pitchFamily="49" charset="0"/>
+                <a:cs typeface="Courier New" panose="02070309020205020404" pitchFamily="49" charset="0"/>
+              </a:rPr>
+              <a:t>basketball.dy</a:t>
+            </a:r>
+            <a:r>
+              <a:rPr lang="en-CA" sz="2800" dirty="0">
+                <a:latin typeface="Courier New" panose="02070309020205020404" pitchFamily="49" charset="0"/>
+                <a:cs typeface="Courier New" panose="02070309020205020404" pitchFamily="49" charset="0"/>
+              </a:rPr>
+              <a:t> == 0 )</a:t>
+            </a:r>
+          </a:p>
+          <a:p>
+            <a:pPr>
+              <a:defRPr>
+                <a:latin typeface="ITC Franklin Gothic Std Bk Cd"/>
+                <a:ea typeface="ITC Franklin Gothic Std Bk Cd"/>
+                <a:cs typeface="ITC Franklin Gothic Std Bk Cd"/>
+                <a:sym typeface="ITC Franklin Gothic Std Bk Cd"/>
+              </a:defRPr>
+            </a:pPr>
+            <a:r>
+              <a:rPr lang="en-CA" sz="2800" dirty="0">
+                <a:latin typeface="Courier New" panose="02070309020205020404" pitchFamily="49" charset="0"/>
+                <a:cs typeface="Courier New" panose="02070309020205020404" pitchFamily="49" charset="0"/>
+              </a:rPr>
+              <a:t>{</a:t>
+            </a:r>
+          </a:p>
+          <a:p>
+            <a:pPr>
+              <a:defRPr>
+                <a:latin typeface="ITC Franklin Gothic Std Bk Cd"/>
+                <a:ea typeface="ITC Franklin Gothic Std Bk Cd"/>
+                <a:cs typeface="ITC Franklin Gothic Std Bk Cd"/>
+                <a:sym typeface="ITC Franklin Gothic Std Bk Cd"/>
+              </a:defRPr>
+            </a:pPr>
+            <a:r>
+              <a:rPr lang="en-CA" sz="2800" dirty="0">
+                <a:latin typeface="Courier New" panose="02070309020205020404" pitchFamily="49" charset="0"/>
+                <a:cs typeface="Courier New" panose="02070309020205020404" pitchFamily="49" charset="0"/>
+              </a:rPr>
+              <a:t>  </a:t>
+            </a:r>
+            <a:r>
+              <a:rPr lang="en-CA" sz="2800" dirty="0" err="1">
+                <a:latin typeface="Courier New" panose="02070309020205020404" pitchFamily="49" charset="0"/>
+                <a:cs typeface="Courier New" panose="02070309020205020404" pitchFamily="49" charset="0"/>
+              </a:rPr>
+              <a:t>basketball.dx</a:t>
+            </a:r>
+            <a:r>
+              <a:rPr lang="en-CA" sz="2800" dirty="0">
+                <a:latin typeface="Courier New" panose="02070309020205020404" pitchFamily="49" charset="0"/>
+                <a:cs typeface="Courier New" panose="02070309020205020404" pitchFamily="49" charset="0"/>
+              </a:rPr>
+              <a:t> = 0;</a:t>
+            </a:r>
+          </a:p>
+          <a:p>
+            <a:pPr>
+              <a:defRPr>
+                <a:latin typeface="ITC Franklin Gothic Std Bk Cd"/>
+                <a:ea typeface="ITC Franklin Gothic Std Bk Cd"/>
+                <a:cs typeface="ITC Franklin Gothic Std Bk Cd"/>
+                <a:sym typeface="ITC Franklin Gothic Std Bk Cd"/>
+              </a:defRPr>
+            </a:pPr>
+            <a:r>
+              <a:rPr lang="en-CA" sz="2800" dirty="0">
+                <a:latin typeface="Courier New" panose="02070309020205020404" pitchFamily="49" charset="0"/>
+                <a:cs typeface="Courier New" panose="02070309020205020404" pitchFamily="49" charset="0"/>
+              </a:rPr>
+              <a:t>  </a:t>
+            </a:r>
+            <a:r>
+              <a:rPr lang="en-CA" sz="2800" dirty="0" err="1">
+                <a:latin typeface="Courier New" panose="02070309020205020404" pitchFamily="49" charset="0"/>
+                <a:cs typeface="Courier New" panose="02070309020205020404" pitchFamily="49" charset="0"/>
+              </a:rPr>
+              <a:t>basketball.dy</a:t>
+            </a:r>
+            <a:r>
+              <a:rPr lang="en-CA" sz="2800" dirty="0">
+                <a:latin typeface="Courier New" panose="02070309020205020404" pitchFamily="49" charset="0"/>
+                <a:cs typeface="Courier New" panose="02070309020205020404" pitchFamily="49" charset="0"/>
+              </a:rPr>
+              <a:t> = -9;</a:t>
+            </a:r>
+          </a:p>
+          <a:p>
+            <a:pPr>
+              <a:defRPr>
+                <a:latin typeface="ITC Franklin Gothic Std Bk Cd"/>
+                <a:ea typeface="ITC Franklin Gothic Std Bk Cd"/>
+                <a:cs typeface="ITC Franklin Gothic Std Bk Cd"/>
+                <a:sym typeface="ITC Franklin Gothic Std Bk Cd"/>
+              </a:defRPr>
+            </a:pPr>
+            <a:r>
+              <a:rPr lang="en-CA" sz="2800" dirty="0">
+                <a:latin typeface="Courier New" panose="02070309020205020404" pitchFamily="49" charset="0"/>
+                <a:cs typeface="Courier New" panose="02070309020205020404" pitchFamily="49" charset="0"/>
+              </a:rPr>
+              <a:t>}</a:t>
+            </a:r>
+          </a:p>
+        </p:txBody>
+      </p:sp>
+    </p:spTree>
+  </p:cSld>
+  <p:clrMapOvr>
+    <a:masterClrMapping/>
+  </p:clrMapOvr>
+  <p:transition spd="med"/>
+</p:sld>
+</file>
+
+<file path=ppt/slides/slide8.xml><?xml version="1.0" encoding="utf-8"?>
+<p:sld xmlns:a="http://schemas.openxmlformats.org/drawingml/2006/main" xmlns:r="http://schemas.openxmlformats.org/officeDocument/2006/relationships" xmlns:p="http://schemas.openxmlformats.org/presentationml/2006/main">
+  <p:cSld>
+    <p:spTree>
+      <p:nvGrpSpPr>
+        <p:cNvPr id="1" name=""/>
+        <p:cNvGrpSpPr/>
+        <p:nvPr/>
+      </p:nvGrpSpPr>
+      <p:grpSpPr>
+        <a:xfrm>
+          <a:off x="0" y="0"/>
+          <a:ext cx="0" cy="0"/>
+          <a:chOff x="0" y="0"/>
+          <a:chExt cx="0" cy="0"/>
+        </a:xfrm>
+      </p:grpSpPr>
+      <p:sp>
+        <p:nvSpPr>
+          <p:cNvPr id="87" name="Slide Number"/>
+          <p:cNvSpPr txBox="1">
+            <a:spLocks noGrp="1"/>
+          </p:cNvSpPr>
+          <p:nvPr>
+            <p:ph type="sldNum" sz="quarter" idx="4294967295"/>
+          </p:nvPr>
+        </p:nvSpPr>
+        <p:spPr>
+          <a:xfrm>
+            <a:off x="508000" y="10795000"/>
+            <a:ext cx="323478" cy="330200"/>
+          </a:xfrm>
+          <a:prstGeom prst="rect">
+            <a:avLst/>
+          </a:prstGeom>
+          <a:extLst>
+            <a:ext uri="{C572A759-6A51-4108-AA02-DFA0A04FC94B}">
+              <ma14:wrappingTextBoxFlag xmlns:ma14="http://schemas.microsoft.com/office/mac/drawingml/2011/main" xmlns:a14="http://schemas.microsoft.com/office/drawing/2010/main" xmlns:m="http://schemas.openxmlformats.org/officeDocument/2006/math" xmlns="" val="1"/>
+            </a:ext>
+          </a:extLst>
+        </p:spPr>
+        <p:txBody>
+          <a:bodyPr lIns="0" tIns="0" rIns="0" bIns="0" anchor="t"/>
+          <a:lstStyle>
+            <a:lvl1pPr algn="l">
+              <a:defRPr sz="2200">
+                <a:solidFill>
+                  <a:srgbClr val="000000"/>
+                </a:solidFill>
+                <a:latin typeface="ITC Franklin Gothic Std MedCd"/>
+                <a:ea typeface="ITC Franklin Gothic Std MedCd"/>
+                <a:cs typeface="ITC Franklin Gothic Std MedCd"/>
+                <a:sym typeface="ITC Franklin Gothic Std MedCd"/>
+              </a:defRPr>
+            </a:lvl1pPr>
+          </a:lstStyle>
+          <a:p>
+            <a:fld id="{86CB4B4D-7CA3-9044-876B-883B54F8677D}" type="slidenum">
+              <a:rPr/>
+              <a:t>8</a:t>
+            </a:fld>
+            <a:endParaRPr/>
+          </a:p>
+        </p:txBody>
+      </p:sp>
+      <p:sp>
+        <p:nvSpPr>
+          <p:cNvPr id="88" name="TextBox 3"/>
+          <p:cNvSpPr txBox="1"/>
+          <p:nvPr/>
+        </p:nvSpPr>
+        <p:spPr>
+          <a:xfrm>
+            <a:off x="1396999" y="1142998"/>
+            <a:ext cx="12954003" cy="4180632"/>
+          </a:xfrm>
+          <a:prstGeom prst="rect">
+            <a:avLst/>
+          </a:prstGeom>
+          <a:ln w="12700">
+            <a:miter lim="400000"/>
+          </a:ln>
+          <a:extLst>
+            <a:ext uri="{C572A759-6A51-4108-AA02-DFA0A04FC94B}">
+              <ma14:wrappingTextBoxFlag xmlns:ma14="http://schemas.microsoft.com/office/mac/drawingml/2011/main" xmlns:a14="http://schemas.microsoft.com/office/drawing/2010/main" xmlns:m="http://schemas.openxmlformats.org/officeDocument/2006/math" xmlns="" val="1"/>
+            </a:ext>
+          </a:extLst>
+        </p:spPr>
+        <p:txBody>
+          <a:bodyPr lIns="0" tIns="0" rIns="0" bIns="0">
+            <a:spAutoFit/>
+          </a:bodyPr>
+          <a:lstStyle/>
+          <a:p>
+            <a:pPr>
+              <a:defRPr sz="6600">
+                <a:solidFill>
+                  <a:schemeClr val="accent1"/>
+                </a:solidFill>
+                <a:latin typeface="ITC Franklin Gothic Std Bk Cd"/>
+                <a:ea typeface="ITC Franklin Gothic Std Bk Cd"/>
+                <a:cs typeface="ITC Franklin Gothic Std Bk Cd"/>
+                <a:sym typeface="ITC Franklin Gothic Std Bk Cd"/>
+              </a:defRPr>
+            </a:pPr>
+            <a:r>
+              <a:rPr dirty="0"/>
+              <a:t>Gravity! We need Gravity!</a:t>
+            </a:r>
+          </a:p>
+          <a:p>
+            <a:pPr>
+              <a:defRPr>
+                <a:latin typeface="ITC Franklin Gothic Std Bk Cd"/>
+                <a:ea typeface="ITC Franklin Gothic Std Bk Cd"/>
+                <a:cs typeface="ITC Franklin Gothic Std Bk Cd"/>
+                <a:sym typeface="ITC Franklin Gothic Std Bk Cd"/>
+              </a:defRPr>
+            </a:pPr>
+            <a:endParaRPr dirty="0"/>
+          </a:p>
+          <a:p>
+            <a:pPr>
+              <a:defRPr>
+                <a:latin typeface="ITC Franklin Gothic Std Bk Cd"/>
+                <a:ea typeface="ITC Franklin Gothic Std Bk Cd"/>
+                <a:cs typeface="ITC Franklin Gothic Std Bk Cd"/>
+                <a:sym typeface="ITC Franklin Gothic Std Bk Cd"/>
+              </a:defRPr>
+            </a:pPr>
+            <a:r>
+              <a:rPr lang="en-US" sz="2800" dirty="0">
+                <a:latin typeface="Courier New" panose="02070309020205020404" pitchFamily="49" charset="0"/>
+                <a:cs typeface="Courier New" panose="02070309020205020404" pitchFamily="49" charset="0"/>
+              </a:rPr>
+              <a:t>// add this code to Circle’s update() function</a:t>
+            </a:r>
+          </a:p>
+          <a:p>
+            <a:pPr>
+              <a:defRPr>
+                <a:latin typeface="ITC Franklin Gothic Std Bk Cd"/>
+                <a:ea typeface="ITC Franklin Gothic Std Bk Cd"/>
+                <a:cs typeface="ITC Franklin Gothic Std Bk Cd"/>
+                <a:sym typeface="ITC Franklin Gothic Std Bk Cd"/>
+              </a:defRPr>
+            </a:pPr>
+            <a:r>
+              <a:rPr lang="en-US" sz="2800" dirty="0" err="1">
+                <a:latin typeface="Courier New" panose="02070309020205020404" pitchFamily="49" charset="0"/>
+                <a:cs typeface="Courier New" panose="02070309020205020404" pitchFamily="49" charset="0"/>
+              </a:rPr>
+              <a:t>this.dy</a:t>
+            </a:r>
+            <a:r>
+              <a:rPr lang="en-US" sz="2800" dirty="0">
+                <a:latin typeface="Courier New" panose="02070309020205020404" pitchFamily="49" charset="0"/>
+                <a:cs typeface="Courier New" panose="02070309020205020404" pitchFamily="49" charset="0"/>
+              </a:rPr>
+              <a:t> += 0.2;</a:t>
+            </a:r>
+          </a:p>
+          <a:p>
+            <a:pPr>
+              <a:defRPr>
+                <a:latin typeface="ITC Franklin Gothic Std Bk Cd"/>
+                <a:ea typeface="ITC Franklin Gothic Std Bk Cd"/>
+                <a:cs typeface="ITC Franklin Gothic Std Bk Cd"/>
+                <a:sym typeface="ITC Franklin Gothic Std Bk Cd"/>
+              </a:defRPr>
+            </a:pPr>
+            <a:endParaRPr dirty="0"/>
+          </a:p>
+          <a:p>
+            <a:pPr marL="561108" indent="-561108">
+              <a:buSzPct val="100000"/>
+              <a:buFont typeface="Arial"/>
+              <a:buChar char="•"/>
+              <a:defRPr>
+                <a:latin typeface="ITC Franklin Gothic Std Bk Cd"/>
+                <a:ea typeface="ITC Franklin Gothic Std Bk Cd"/>
+                <a:cs typeface="ITC Franklin Gothic Std Bk Cd"/>
+                <a:sym typeface="ITC Franklin Gothic Std Bk Cd"/>
+              </a:defRPr>
+            </a:pPr>
+            <a:endParaRPr dirty="0"/>
+          </a:p>
+        </p:txBody>
+      </p:sp>
+    </p:spTree>
+  </p:cSld>
+  <p:clrMapOvr>
+    <a:masterClrMapping/>
+  </p:clrMapOvr>
+  <p:transition spd="med"/>
+</p:sld>
+</file>
+
+<file path=ppt/slides/slide9.xml><?xml version="1.0" encoding="utf-8"?>
+<p:sld xmlns:a="http://schemas.openxmlformats.org/drawingml/2006/main" xmlns:r="http://schemas.openxmlformats.org/officeDocument/2006/relationships" xmlns:p="http://schemas.openxmlformats.org/presentationml/2006/main">
+  <p:cSld>
+    <p:spTree>
+      <p:nvGrpSpPr>
+        <p:cNvPr id="1" name=""/>
+        <p:cNvGrpSpPr/>
+        <p:nvPr/>
+      </p:nvGrpSpPr>
+      <p:grpSpPr>
+        <a:xfrm>
+          <a:off x="0" y="0"/>
+          <a:ext cx="0" cy="0"/>
+          <a:chOff x="0" y="0"/>
+          <a:chExt cx="0" cy="0"/>
+        </a:xfrm>
+      </p:grpSpPr>
+      <p:sp>
+        <p:nvSpPr>
+          <p:cNvPr id="5" name="TextBox 4">
+            <a:extLst>
+              <a:ext uri="{FF2B5EF4-FFF2-40B4-BE49-F238E27FC236}">
+                <a16:creationId xmlns:a16="http://schemas.microsoft.com/office/drawing/2014/main" id="{2FF2C06A-1F59-4856-B776-9E5A3A3235B5}"/>
+              </a:ext>
+            </a:extLst>
+          </p:cNvPr>
+          <p:cNvSpPr txBox="1"/>
+          <p:nvPr/>
+        </p:nvSpPr>
+        <p:spPr>
+          <a:xfrm>
+            <a:off x="1475874" y="888130"/>
+            <a:ext cx="9144000" cy="3960058"/>
+          </a:xfrm>
+          <a:prstGeom prst="rect">
+            <a:avLst/>
+          </a:prstGeom>
+          <a:noFill/>
+          <a:ln w="12700" cap="flat">
+            <a:noFill/>
+            <a:miter lim="400000"/>
+          </a:ln>
+          <a:effectLst/>
+          <a:sp3d/>
+        </p:spPr>
+        <p:style>
+          <a:lnRef idx="0">
+            <a:scrgbClr r="0" g="0" b="0"/>
+          </a:lnRef>
+          <a:fillRef idx="0">
+            <a:scrgbClr r="0" g="0" b="0"/>
+          </a:fillRef>
+          <a:effectRef idx="0">
+            <a:scrgbClr r="0" g="0" b="0"/>
+          </a:effectRef>
+          <a:fontRef idx="none"/>
+        </p:style>
+        <p:txBody>
+          <a:bodyPr wrap="square">
+            <a:spAutoFit/>
+          </a:bodyPr>
+          <a:lstStyle/>
+          <a:p>
+            <a:pPr>
+              <a:defRPr sz="6600">
+                <a:solidFill>
+                  <a:schemeClr val="accent1"/>
+                </a:solidFill>
+                <a:latin typeface="ITC Franklin Gothic Std Bk Cd"/>
+                <a:ea typeface="ITC Franklin Gothic Std Bk Cd"/>
+                <a:cs typeface="ITC Franklin Gothic Std Bk Cd"/>
+                <a:sym typeface="ITC Franklin Gothic Std Bk Cd"/>
+              </a:defRPr>
+            </a:pPr>
+            <a:r>
+              <a:rPr lang="en-US" dirty="0"/>
+              <a:t>Two Issues:</a:t>
+            </a:r>
+          </a:p>
+          <a:p>
+            <a:pPr>
+              <a:defRPr>
+                <a:latin typeface="ITC Franklin Gothic Std Bk Cd"/>
+                <a:ea typeface="ITC Franklin Gothic Std Bk Cd"/>
+                <a:cs typeface="ITC Franklin Gothic Std Bk Cd"/>
+                <a:sym typeface="ITC Franklin Gothic Std Bk Cd"/>
+              </a:defRPr>
+            </a:pPr>
+            <a:endParaRPr lang="en-US" dirty="0"/>
+          </a:p>
+          <a:p>
+            <a:pPr>
+              <a:defRPr>
+                <a:latin typeface="ITC Franklin Gothic Std Bk Cd"/>
+                <a:ea typeface="ITC Franklin Gothic Std Bk Cd"/>
+                <a:cs typeface="ITC Franklin Gothic Std Bk Cd"/>
+                <a:sym typeface="ITC Franklin Gothic Std Bk Cd"/>
+              </a:defRPr>
+            </a:pPr>
+            <a:endParaRPr lang="en-US" dirty="0"/>
+          </a:p>
+          <a:p>
+            <a:pPr marL="561108" lvl="5" indent="-561108">
+              <a:buSzPct val="100000"/>
+              <a:buFont typeface="Arial"/>
+              <a:buChar char="•"/>
+              <a:defRPr>
+                <a:latin typeface="ITC Franklin Gothic Std Bk Cd"/>
+                <a:ea typeface="ITC Franklin Gothic Std Bk Cd"/>
+                <a:cs typeface="ITC Franklin Gothic Std Bk Cd"/>
+                <a:sym typeface="ITC Franklin Gothic Std Bk Cd"/>
+              </a:defRPr>
+            </a:pPr>
+            <a:r>
+              <a:rPr lang="en-US" sz="4000" dirty="0"/>
+              <a:t>watch hoop fall</a:t>
+            </a:r>
+          </a:p>
+          <a:p>
+            <a:pPr marL="561108" lvl="2" indent="-561108">
+              <a:buSzPct val="100000"/>
+              <a:buFont typeface="Arial"/>
+              <a:buChar char="•"/>
+              <a:defRPr>
+                <a:latin typeface="ITC Franklin Gothic Std Bk Cd"/>
+                <a:ea typeface="ITC Franklin Gothic Std Bk Cd"/>
+                <a:cs typeface="ITC Franklin Gothic Std Bk Cd"/>
+                <a:sym typeface="ITC Franklin Gothic Std Bk Cd"/>
+              </a:defRPr>
+            </a:pPr>
+            <a:r>
+              <a:rPr lang="en-US" sz="4000" dirty="0"/>
+              <a:t>and watch both fall through the floor</a:t>
+            </a:r>
+          </a:p>
+        </p:txBody>
+      </p:sp>
+    </p:spTree>
+    <p:extLst>
+      <p:ext uri="{BB962C8B-B14F-4D97-AF65-F5344CB8AC3E}">
+        <p14:creationId xmlns:p14="http://schemas.microsoft.com/office/powerpoint/2010/main" val="672961894"/>
+      </p:ext>
+    </p:extLst>
+  </p:cSld>
+  <p:clrMapOvr>
+    <a:masterClrMapping/>
+  </p:clrMapOvr>
+  <p:transition spd="med"/>
 </p:sld>
 </file>
 
 <file path=ppt/theme/theme1.xml><?xml version="1.0" encoding="utf-8"?>
-<a:theme xmlns:a="http://schemas.openxmlformats.org/drawingml/2006/main" xmlns:r="http://schemas.openxmlformats.org/officeDocument/2006/relationships" name="Humber Title Slide">
+<a:theme xmlns:a="http://schemas.openxmlformats.org/drawingml/2006/main" name="Humber Title Slide">
   <a:themeElements>
     <a:clrScheme name="Humber Title Slide">
       <a:dk1>
@@ -5862,7 +7282,7 @@
       <a:effectStyleLst>
         <a:effectStyle>
           <a:effectLst>
-            <a:outerShdw sx="100000" sy="100000" kx="0" ky="0" algn="b" rotWithShape="0" blurRad="63500" dist="38100" dir="5400000">
+            <a:outerShdw blurRad="63500" dist="38100" dir="5400000" rotWithShape="0">
               <a:srgbClr val="000000">
                 <a:alpha val="35000"/>
               </a:srgbClr>
@@ -5871,7 +7291,7 @@
         </a:effectStyle>
         <a:effectStyle>
           <a:effectLst>
-            <a:outerShdw sx="100000" sy="100000" kx="0" ky="0" algn="b" rotWithShape="0" blurRad="63500" dist="38100" dir="5400000">
+            <a:outerShdw blurRad="63500" dist="38100" dir="5400000" rotWithShape="0">
               <a:srgbClr val="000000">
                 <a:alpha val="35000"/>
               </a:srgbClr>
@@ -5880,7 +7300,7 @@
         </a:effectStyle>
         <a:effectStyle>
           <a:effectLst>
-            <a:outerShdw sx="100000" sy="100000" kx="0" ky="0" algn="b" rotWithShape="0" blurRad="63500" dist="38100" dir="5400000">
+            <a:outerShdw blurRad="63500" dist="38100" dir="5400000" rotWithShape="0">
               <a:srgbClr val="000000">
                 <a:alpha val="35000"/>
               </a:srgbClr>
@@ -5954,7 +7374,7 @@
           <a:round/>
         </a:ln>
         <a:effectLst>
-          <a:outerShdw sx="100000" sy="100000" kx="0" ky="0" algn="b" rotWithShape="0" blurRad="63500" dist="38100" dir="5400000">
+          <a:outerShdw blurRad="63500" dist="38100" dir="5400000" rotWithShape="0">
             <a:srgbClr val="000000">
               <a:alpha val="35000"/>
             </a:srgbClr>
@@ -5962,7 +7382,7 @@
         </a:effectLst>
         <a:sp3d/>
       </a:spPr>
-      <a:bodyPr rot="0" spcFirstLastPara="1" vertOverflow="overflow" horzOverflow="overflow" vert="horz" wrap="square" lIns="76200" tIns="76200" rIns="76200" bIns="76200" numCol="1" spcCol="38100" rtlCol="0" anchor="ctr" upright="0">
+      <a:bodyPr rot="0" spcFirstLastPara="1" vertOverflow="overflow" horzOverflow="overflow" vert="horz" wrap="square" lIns="76200" tIns="76200" rIns="76200" bIns="76200" numCol="1" spcCol="38100" rtlCol="0" anchor="ctr">
         <a:spAutoFit/>
       </a:bodyPr>
       <a:lstStyle>
@@ -5981,7 +7401,7 @@
           <a:buFontTx/>
           <a:buNone/>
           <a:tabLst/>
-          <a:defRPr b="0" baseline="0" cap="none" i="0" spc="0" strike="noStrike" sz="3600" u="none" kumimoji="0" normalizeH="0">
+          <a:defRPr kumimoji="0" sz="3600" b="0" i="0" u="none" strike="noStrike" cap="none" spc="0" normalizeH="0" baseline="0">
             <a:ln>
               <a:noFill/>
             </a:ln>
@@ -6011,7 +7431,7 @@
           <a:buFontTx/>
           <a:buNone/>
           <a:tabLst/>
-          <a:defRPr b="0" baseline="0" cap="none" i="0" spc="0" strike="noStrike" sz="1800" u="none" kumimoji="0" normalizeH="0">
+          <a:defRPr kumimoji="0" sz="1800" b="0" i="0" u="none" strike="noStrike" cap="none" spc="0" normalizeH="0" baseline="0">
             <a:ln>
               <a:noFill/>
             </a:ln>
@@ -6037,7 +7457,7 @@
           <a:buFontTx/>
           <a:buNone/>
           <a:tabLst/>
-          <a:defRPr b="0" baseline="0" cap="none" i="0" spc="0" strike="noStrike" sz="1800" u="none" kumimoji="0" normalizeH="0">
+          <a:defRPr kumimoji="0" sz="1800" b="0" i="0" u="none" strike="noStrike" cap="none" spc="0" normalizeH="0" baseline="0">
             <a:ln>
               <a:noFill/>
             </a:ln>
@@ -6063,7 +7483,7 @@
           <a:buFontTx/>
           <a:buNone/>
           <a:tabLst/>
-          <a:defRPr b="0" baseline="0" cap="none" i="0" spc="0" strike="noStrike" sz="1800" u="none" kumimoji="0" normalizeH="0">
+          <a:defRPr kumimoji="0" sz="1800" b="0" i="0" u="none" strike="noStrike" cap="none" spc="0" normalizeH="0" baseline="0">
             <a:ln>
               <a:noFill/>
             </a:ln>
@@ -6089,7 +7509,7 @@
           <a:buFontTx/>
           <a:buNone/>
           <a:tabLst/>
-          <a:defRPr b="0" baseline="0" cap="none" i="0" spc="0" strike="noStrike" sz="1800" u="none" kumimoji="0" normalizeH="0">
+          <a:defRPr kumimoji="0" sz="1800" b="0" i="0" u="none" strike="noStrike" cap="none" spc="0" normalizeH="0" baseline="0">
             <a:ln>
               <a:noFill/>
             </a:ln>
@@ -6115,7 +7535,7 @@
           <a:buFontTx/>
           <a:buNone/>
           <a:tabLst/>
-          <a:defRPr b="0" baseline="0" cap="none" i="0" spc="0" strike="noStrike" sz="1800" u="none" kumimoji="0" normalizeH="0">
+          <a:defRPr kumimoji="0" sz="1800" b="0" i="0" u="none" strike="noStrike" cap="none" spc="0" normalizeH="0" baseline="0">
             <a:ln>
               <a:noFill/>
             </a:ln>
@@ -6141,7 +7561,7 @@
           <a:buFontTx/>
           <a:buNone/>
           <a:tabLst/>
-          <a:defRPr b="0" baseline="0" cap="none" i="0" spc="0" strike="noStrike" sz="1800" u="none" kumimoji="0" normalizeH="0">
+          <a:defRPr kumimoji="0" sz="1800" b="0" i="0" u="none" strike="noStrike" cap="none" spc="0" normalizeH="0" baseline="0">
             <a:ln>
               <a:noFill/>
             </a:ln>
@@ -6167,7 +7587,7 @@
           <a:buFontTx/>
           <a:buNone/>
           <a:tabLst/>
-          <a:defRPr b="0" baseline="0" cap="none" i="0" spc="0" strike="noStrike" sz="1800" u="none" kumimoji="0" normalizeH="0">
+          <a:defRPr kumimoji="0" sz="1800" b="0" i="0" u="none" strike="noStrike" cap="none" spc="0" normalizeH="0" baseline="0">
             <a:ln>
               <a:noFill/>
             </a:ln>
@@ -6193,7 +7613,7 @@
           <a:buFontTx/>
           <a:buNone/>
           <a:tabLst/>
-          <a:defRPr b="0" baseline="0" cap="none" i="0" spc="0" strike="noStrike" sz="1800" u="none" kumimoji="0" normalizeH="0">
+          <a:defRPr kumimoji="0" sz="1800" b="0" i="0" u="none" strike="noStrike" cap="none" spc="0" normalizeH="0" baseline="0">
             <a:ln>
               <a:noFill/>
             </a:ln>
@@ -6219,7 +7639,7 @@
           <a:buFontTx/>
           <a:buNone/>
           <a:tabLst/>
-          <a:defRPr b="0" baseline="0" cap="none" i="0" spc="0" strike="noStrike" sz="1800" u="none" kumimoji="0" normalizeH="0">
+          <a:defRPr kumimoji="0" sz="1800" b="0" i="0" u="none" strike="noStrike" cap="none" spc="0" normalizeH="0" baseline="0">
             <a:ln>
               <a:noFill/>
             </a:ln>
@@ -6232,9 +7652,15 @@
         </a:lvl9pPr>
       </a:lstStyle>
       <a:style>
-        <a:lnRef idx="0"/>
-        <a:fillRef idx="0"/>
-        <a:effectRef idx="0"/>
+        <a:lnRef idx="0">
+          <a:scrgbClr r="0" g="0" b="0"/>
+        </a:lnRef>
+        <a:fillRef idx="0">
+          <a:scrgbClr r="0" g="0" b="0"/>
+        </a:fillRef>
+        <a:effectRef idx="0">
+          <a:scrgbClr r="0" g="0" b="0"/>
+        </a:effectRef>
         <a:fontRef idx="none"/>
       </a:style>
     </a:spDef>
@@ -6249,7 +7675,7 @@
           <a:round/>
         </a:ln>
         <a:effectLst>
-          <a:outerShdw sx="100000" sy="100000" kx="0" ky="0" algn="b" rotWithShape="0" blurRad="63500" dist="38100" dir="5400000">
+          <a:outerShdw blurRad="63500" dist="38100" dir="5400000" rotWithShape="0">
             <a:srgbClr val="000000">
               <a:alpha val="35000"/>
             </a:srgbClr>
@@ -6257,7 +7683,7 @@
         </a:effectLst>
         <a:sp3d/>
       </a:spPr>
-      <a:bodyPr rot="0" spcFirstLastPara="1" vertOverflow="overflow" horzOverflow="overflow" vert="horz" wrap="square" lIns="91439" tIns="45719" rIns="91439" bIns="45719" numCol="1" spcCol="38100" rtlCol="0" anchor="t" upright="0">
+      <a:bodyPr rot="0" spcFirstLastPara="1" vertOverflow="overflow" horzOverflow="overflow" vert="horz" wrap="square" lIns="91439" tIns="45719" rIns="91439" bIns="45719" numCol="1" spcCol="38100" rtlCol="0" anchor="t">
         <a:noAutofit/>
       </a:bodyPr>
       <a:lstStyle>
@@ -6276,7 +7702,7 @@
           <a:buFontTx/>
           <a:buNone/>
           <a:tabLst/>
-          <a:defRPr b="0" baseline="0" cap="none" i="0" spc="0" strike="noStrike" sz="1800" u="none" kumimoji="0" normalizeH="0">
+          <a:defRPr kumimoji="0" sz="1800" b="0" i="0" u="none" strike="noStrike" cap="none" spc="0" normalizeH="0" baseline="0">
             <a:ln>
               <a:noFill/>
             </a:ln>
@@ -6302,7 +7728,7 @@
           <a:buFontTx/>
           <a:buNone/>
           <a:tabLst/>
-          <a:defRPr b="0" baseline="0" cap="none" i="0" spc="0" strike="noStrike" sz="1800" u="none" kumimoji="0" normalizeH="0">
+          <a:defRPr kumimoji="0" sz="1800" b="0" i="0" u="none" strike="noStrike" cap="none" spc="0" normalizeH="0" baseline="0">
             <a:ln>
               <a:noFill/>
             </a:ln>
@@ -6328,7 +7754,7 @@
           <a:buFontTx/>
           <a:buNone/>
           <a:tabLst/>
-          <a:defRPr b="0" baseline="0" cap="none" i="0" spc="0" strike="noStrike" sz="1800" u="none" kumimoji="0" normalizeH="0">
+          <a:defRPr kumimoji="0" sz="1800" b="0" i="0" u="none" strike="noStrike" cap="none" spc="0" normalizeH="0" baseline="0">
             <a:ln>
               <a:noFill/>
             </a:ln>
@@ -6354,7 +7780,7 @@
           <a:buFontTx/>
           <a:buNone/>
           <a:tabLst/>
-          <a:defRPr b="0" baseline="0" cap="none" i="0" spc="0" strike="noStrike" sz="1800" u="none" kumimoji="0" normalizeH="0">
+          <a:defRPr kumimoji="0" sz="1800" b="0" i="0" u="none" strike="noStrike" cap="none" spc="0" normalizeH="0" baseline="0">
             <a:ln>
               <a:noFill/>
             </a:ln>
@@ -6380,7 +7806,7 @@
           <a:buFontTx/>
           <a:buNone/>
           <a:tabLst/>
-          <a:defRPr b="0" baseline="0" cap="none" i="0" spc="0" strike="noStrike" sz="1800" u="none" kumimoji="0" normalizeH="0">
+          <a:defRPr kumimoji="0" sz="1800" b="0" i="0" u="none" strike="noStrike" cap="none" spc="0" normalizeH="0" baseline="0">
             <a:ln>
               <a:noFill/>
             </a:ln>
@@ -6406,7 +7832,7 @@
           <a:buFontTx/>
           <a:buNone/>
           <a:tabLst/>
-          <a:defRPr b="0" baseline="0" cap="none" i="0" spc="0" strike="noStrike" sz="1800" u="none" kumimoji="0" normalizeH="0">
+          <a:defRPr kumimoji="0" sz="1800" b="0" i="0" u="none" strike="noStrike" cap="none" spc="0" normalizeH="0" baseline="0">
             <a:ln>
               <a:noFill/>
             </a:ln>
@@ -6432,7 +7858,7 @@
           <a:buFontTx/>
           <a:buNone/>
           <a:tabLst/>
-          <a:defRPr b="0" baseline="0" cap="none" i="0" spc="0" strike="noStrike" sz="1800" u="none" kumimoji="0" normalizeH="0">
+          <a:defRPr kumimoji="0" sz="1800" b="0" i="0" u="none" strike="noStrike" cap="none" spc="0" normalizeH="0" baseline="0">
             <a:ln>
               <a:noFill/>
             </a:ln>
@@ -6458,7 +7884,7 @@
           <a:buFontTx/>
           <a:buNone/>
           <a:tabLst/>
-          <a:defRPr b="0" baseline="0" cap="none" i="0" spc="0" strike="noStrike" sz="1800" u="none" kumimoji="0" normalizeH="0">
+          <a:defRPr kumimoji="0" sz="1800" b="0" i="0" u="none" strike="noStrike" cap="none" spc="0" normalizeH="0" baseline="0">
             <a:ln>
               <a:noFill/>
             </a:ln>
@@ -6484,7 +7910,7 @@
           <a:buFontTx/>
           <a:buNone/>
           <a:tabLst/>
-          <a:defRPr b="0" baseline="0" cap="none" i="0" spc="0" strike="noStrike" sz="1800" u="none" kumimoji="0" normalizeH="0">
+          <a:defRPr kumimoji="0" sz="1800" b="0" i="0" u="none" strike="noStrike" cap="none" spc="0" normalizeH="0" baseline="0">
             <a:ln>
               <a:noFill/>
             </a:ln>
@@ -6510,7 +7936,7 @@
           <a:buFontTx/>
           <a:buNone/>
           <a:tabLst/>
-          <a:defRPr b="0" baseline="0" cap="none" i="0" spc="0" strike="noStrike" sz="1800" u="none" kumimoji="0" normalizeH="0">
+          <a:defRPr kumimoji="0" sz="1800" b="0" i="0" u="none" strike="noStrike" cap="none" spc="0" normalizeH="0" baseline="0">
             <a:ln>
               <a:noFill/>
             </a:ln>
@@ -6523,9 +7949,15 @@
         </a:lvl9pPr>
       </a:lstStyle>
       <a:style>
-        <a:lnRef idx="0"/>
-        <a:fillRef idx="0"/>
-        <a:effectRef idx="0"/>
+        <a:lnRef idx="0">
+          <a:scrgbClr r="0" g="0" b="0"/>
+        </a:lnRef>
+        <a:fillRef idx="0">
+          <a:scrgbClr r="0" g="0" b="0"/>
+        </a:fillRef>
+        <a:effectRef idx="0">
+          <a:scrgbClr r="0" g="0" b="0"/>
+        </a:effectRef>
         <a:fontRef idx="none"/>
       </a:style>
     </a:lnDef>
@@ -6539,7 +7971,7 @@
         <a:effectLst/>
         <a:sp3d/>
       </a:spPr>
-      <a:bodyPr rot="0" spcFirstLastPara="1" vertOverflow="overflow" horzOverflow="overflow" vert="horz" wrap="square" lIns="76200" tIns="76200" rIns="76200" bIns="76200" numCol="1" spcCol="38100" rtlCol="0" anchor="t" upright="0">
+      <a:bodyPr rot="0" spcFirstLastPara="1" vertOverflow="overflow" horzOverflow="overflow" vert="horz" wrap="square" lIns="76200" tIns="76200" rIns="76200" bIns="76200" numCol="1" spcCol="38100" rtlCol="0" anchor="t">
         <a:spAutoFit/>
       </a:bodyPr>
       <a:lstStyle>
@@ -6558,7 +7990,7 @@
           <a:buFontTx/>
           <a:buNone/>
           <a:tabLst/>
-          <a:defRPr b="0" baseline="0" cap="none" i="0" spc="0" strike="noStrike" sz="3600" u="none" kumimoji="0" normalizeH="0">
+          <a:defRPr kumimoji="0" sz="3600" b="0" i="0" u="none" strike="noStrike" cap="none" spc="0" normalizeH="0" baseline="0">
             <a:ln>
               <a:noFill/>
             </a:ln>
@@ -6588,7 +8020,7 @@
           <a:buFontTx/>
           <a:buNone/>
           <a:tabLst/>
-          <a:defRPr b="0" baseline="0" cap="none" i="0" spc="0" strike="noStrike" sz="1800" u="none" kumimoji="0" normalizeH="0">
+          <a:defRPr kumimoji="0" sz="1800" b="0" i="0" u="none" strike="noStrike" cap="none" spc="0" normalizeH="0" baseline="0">
             <a:ln>
               <a:noFill/>
             </a:ln>
@@ -6614,7 +8046,7 @@
           <a:buFontTx/>
           <a:buNone/>
           <a:tabLst/>
-          <a:defRPr b="0" baseline="0" cap="none" i="0" spc="0" strike="noStrike" sz="1800" u="none" kumimoji="0" normalizeH="0">
+          <a:defRPr kumimoji="0" sz="1800" b="0" i="0" u="none" strike="noStrike" cap="none" spc="0" normalizeH="0" baseline="0">
             <a:ln>
               <a:noFill/>
             </a:ln>
@@ -6640,7 +8072,7 @@
           <a:buFontTx/>
           <a:buNone/>
           <a:tabLst/>
-          <a:defRPr b="0" baseline="0" cap="none" i="0" spc="0" strike="noStrike" sz="1800" u="none" kumimoji="0" normalizeH="0">
+          <a:defRPr kumimoji="0" sz="1800" b="0" i="0" u="none" strike="noStrike" cap="none" spc="0" normalizeH="0" baseline="0">
             <a:ln>
               <a:noFill/>
             </a:ln>
@@ -6666,7 +8098,7 @@
           <a:buFontTx/>
           <a:buNone/>
           <a:tabLst/>
-          <a:defRPr b="0" baseline="0" cap="none" i="0" spc="0" strike="noStrike" sz="1800" u="none" kumimoji="0" normalizeH="0">
+          <a:defRPr kumimoji="0" sz="1800" b="0" i="0" u="none" strike="noStrike" cap="none" spc="0" normalizeH="0" baseline="0">
             <a:ln>
               <a:noFill/>
             </a:ln>
@@ -6692,7 +8124,7 @@
           <a:buFontTx/>
           <a:buNone/>
           <a:tabLst/>
-          <a:defRPr b="0" baseline="0" cap="none" i="0" spc="0" strike="noStrike" sz="1800" u="none" kumimoji="0" normalizeH="0">
+          <a:defRPr kumimoji="0" sz="1800" b="0" i="0" u="none" strike="noStrike" cap="none" spc="0" normalizeH="0" baseline="0">
             <a:ln>
               <a:noFill/>
             </a:ln>
@@ -6718,7 +8150,7 @@
           <a:buFontTx/>
           <a:buNone/>
           <a:tabLst/>
-          <a:defRPr b="0" baseline="0" cap="none" i="0" spc="0" strike="noStrike" sz="1800" u="none" kumimoji="0" normalizeH="0">
+          <a:defRPr kumimoji="0" sz="1800" b="0" i="0" u="none" strike="noStrike" cap="none" spc="0" normalizeH="0" baseline="0">
             <a:ln>
               <a:noFill/>
             </a:ln>
@@ -6744,7 +8176,7 @@
           <a:buFontTx/>
           <a:buNone/>
           <a:tabLst/>
-          <a:defRPr b="0" baseline="0" cap="none" i="0" spc="0" strike="noStrike" sz="1800" u="none" kumimoji="0" normalizeH="0">
+          <a:defRPr kumimoji="0" sz="1800" b="0" i="0" u="none" strike="noStrike" cap="none" spc="0" normalizeH="0" baseline="0">
             <a:ln>
               <a:noFill/>
             </a:ln>
@@ -6770,7 +8202,7 @@
           <a:buFontTx/>
           <a:buNone/>
           <a:tabLst/>
-          <a:defRPr b="0" baseline="0" cap="none" i="0" spc="0" strike="noStrike" sz="1800" u="none" kumimoji="0" normalizeH="0">
+          <a:defRPr kumimoji="0" sz="1800" b="0" i="0" u="none" strike="noStrike" cap="none" spc="0" normalizeH="0" baseline="0">
             <a:ln>
               <a:noFill/>
             </a:ln>
@@ -6796,7 +8228,7 @@
           <a:buFontTx/>
           <a:buNone/>
           <a:tabLst/>
-          <a:defRPr b="0" baseline="0" cap="none" i="0" spc="0" strike="noStrike" sz="1800" u="none" kumimoji="0" normalizeH="0">
+          <a:defRPr kumimoji="0" sz="1800" b="0" i="0" u="none" strike="noStrike" cap="none" spc="0" normalizeH="0" baseline="0">
             <a:ln>
               <a:noFill/>
             </a:ln>
@@ -6809,18 +8241,25 @@
         </a:lvl9pPr>
       </a:lstStyle>
       <a:style>
-        <a:lnRef idx="0"/>
-        <a:fillRef idx="0"/>
-        <a:effectRef idx="0"/>
+        <a:lnRef idx="0">
+          <a:scrgbClr r="0" g="0" b="0"/>
+        </a:lnRef>
+        <a:fillRef idx="0">
+          <a:scrgbClr r="0" g="0" b="0"/>
+        </a:fillRef>
+        <a:effectRef idx="0">
+          <a:scrgbClr r="0" g="0" b="0"/>
+        </a:effectRef>
         <a:fontRef idx="none"/>
       </a:style>
     </a:txDef>
   </a:objectDefaults>
+  <a:extraClrSchemeLst/>
 </a:theme>
 </file>
 
 <file path=ppt/theme/theme2.xml><?xml version="1.0" encoding="utf-8"?>
-<a:theme xmlns:a="http://schemas.openxmlformats.org/drawingml/2006/main" xmlns:r="http://schemas.openxmlformats.org/officeDocument/2006/relationships" name="Humber Title Slide">
+<a:theme xmlns:a="http://schemas.openxmlformats.org/drawingml/2006/main" name="Humber Title Slide">
   <a:themeElements>
     <a:clrScheme name="Humber Title Slide">
       <a:dk1>
@@ -6946,7 +8385,7 @@
       <a:effectStyleLst>
         <a:effectStyle>
           <a:effectLst>
-            <a:outerShdw sx="100000" sy="100000" kx="0" ky="0" algn="b" rotWithShape="0" blurRad="63500" dist="38100" dir="5400000">
+            <a:outerShdw blurRad="63500" dist="38100" dir="5400000" rotWithShape="0">
               <a:srgbClr val="000000">
                 <a:alpha val="35000"/>
               </a:srgbClr>
@@ -6955,7 +8394,7 @@
         </a:effectStyle>
         <a:effectStyle>
           <a:effectLst>
-            <a:outerShdw sx="100000" sy="100000" kx="0" ky="0" algn="b" rotWithShape="0" blurRad="63500" dist="38100" dir="5400000">
+            <a:outerShdw blurRad="63500" dist="38100" dir="5400000" rotWithShape="0">
               <a:srgbClr val="000000">
                 <a:alpha val="35000"/>
               </a:srgbClr>
@@ -6964,7 +8403,7 @@
         </a:effectStyle>
         <a:effectStyle>
           <a:effectLst>
-            <a:outerShdw sx="100000" sy="100000" kx="0" ky="0" algn="b" rotWithShape="0" blurRad="63500" dist="38100" dir="5400000">
+            <a:outerShdw blurRad="63500" dist="38100" dir="5400000" rotWithShape="0">
               <a:srgbClr val="000000">
                 <a:alpha val="35000"/>
               </a:srgbClr>
@@ -7038,7 +8477,7 @@
           <a:round/>
         </a:ln>
         <a:effectLst>
-          <a:outerShdw sx="100000" sy="100000" kx="0" ky="0" algn="b" rotWithShape="0" blurRad="63500" dist="38100" dir="5400000">
+          <a:outerShdw blurRad="63500" dist="38100" dir="5400000" rotWithShape="0">
             <a:srgbClr val="000000">
               <a:alpha val="35000"/>
             </a:srgbClr>
@@ -7046,7 +8485,7 @@
         </a:effectLst>
         <a:sp3d/>
       </a:spPr>
-      <a:bodyPr rot="0" spcFirstLastPara="1" vertOverflow="overflow" horzOverflow="overflow" vert="horz" wrap="square" lIns="76200" tIns="76200" rIns="76200" bIns="76200" numCol="1" spcCol="38100" rtlCol="0" anchor="ctr" upright="0">
+      <a:bodyPr rot="0" spcFirstLastPara="1" vertOverflow="overflow" horzOverflow="overflow" vert="horz" wrap="square" lIns="76200" tIns="76200" rIns="76200" bIns="76200" numCol="1" spcCol="38100" rtlCol="0" anchor="ctr">
         <a:spAutoFit/>
       </a:bodyPr>
       <a:lstStyle>
@@ -7065,7 +8504,7 @@
           <a:buFontTx/>
           <a:buNone/>
           <a:tabLst/>
-          <a:defRPr b="0" baseline="0" cap="none" i="0" spc="0" strike="noStrike" sz="3600" u="none" kumimoji="0" normalizeH="0">
+          <a:defRPr kumimoji="0" sz="3600" b="0" i="0" u="none" strike="noStrike" cap="none" spc="0" normalizeH="0" baseline="0">
             <a:ln>
               <a:noFill/>
             </a:ln>
@@ -7095,7 +8534,7 @@
           <a:buFontTx/>
           <a:buNone/>
           <a:tabLst/>
-          <a:defRPr b="0" baseline="0" cap="none" i="0" spc="0" strike="noStrike" sz="1800" u="none" kumimoji="0" normalizeH="0">
+          <a:defRPr kumimoji="0" sz="1800" b="0" i="0" u="none" strike="noStrike" cap="none" spc="0" normalizeH="0" baseline="0">
             <a:ln>
               <a:noFill/>
             </a:ln>
@@ -7121,7 +8560,7 @@
           <a:buFontTx/>
           <a:buNone/>
           <a:tabLst/>
-          <a:defRPr b="0" baseline="0" cap="none" i="0" spc="0" strike="noStrike" sz="1800" u="none" kumimoji="0" normalizeH="0">
+          <a:defRPr kumimoji="0" sz="1800" b="0" i="0" u="none" strike="noStrike" cap="none" spc="0" normalizeH="0" baseline="0">
             <a:ln>
               <a:noFill/>
             </a:ln>
@@ -7147,7 +8586,7 @@
           <a:buFontTx/>
           <a:buNone/>
           <a:tabLst/>
-          <a:defRPr b="0" baseline="0" cap="none" i="0" spc="0" strike="noStrike" sz="1800" u="none" kumimoji="0" normalizeH="0">
+          <a:defRPr kumimoji="0" sz="1800" b="0" i="0" u="none" strike="noStrike" cap="none" spc="0" normalizeH="0" baseline="0">
             <a:ln>
               <a:noFill/>
             </a:ln>
@@ -7173,7 +8612,7 @@
           <a:buFontTx/>
           <a:buNone/>
           <a:tabLst/>
-          <a:defRPr b="0" baseline="0" cap="none" i="0" spc="0" strike="noStrike" sz="1800" u="none" kumimoji="0" normalizeH="0">
+          <a:defRPr kumimoji="0" sz="1800" b="0" i="0" u="none" strike="noStrike" cap="none" spc="0" normalizeH="0" baseline="0">
             <a:ln>
               <a:noFill/>
             </a:ln>
@@ -7199,7 +8638,7 @@
           <a:buFontTx/>
           <a:buNone/>
           <a:tabLst/>
-          <a:defRPr b="0" baseline="0" cap="none" i="0" spc="0" strike="noStrike" sz="1800" u="none" kumimoji="0" normalizeH="0">
+          <a:defRPr kumimoji="0" sz="1800" b="0" i="0" u="none" strike="noStrike" cap="none" spc="0" normalizeH="0" baseline="0">
             <a:ln>
               <a:noFill/>
             </a:ln>
@@ -7225,7 +8664,7 @@
           <a:buFontTx/>
           <a:buNone/>
           <a:tabLst/>
-          <a:defRPr b="0" baseline="0" cap="none" i="0" spc="0" strike="noStrike" sz="1800" u="none" kumimoji="0" normalizeH="0">
+          <a:defRPr kumimoji="0" sz="1800" b="0" i="0" u="none" strike="noStrike" cap="none" spc="0" normalizeH="0" baseline="0">
             <a:ln>
               <a:noFill/>
             </a:ln>
@@ -7251,7 +8690,7 @@
           <a:buFontTx/>
           <a:buNone/>
           <a:tabLst/>
-          <a:defRPr b="0" baseline="0" cap="none" i="0" spc="0" strike="noStrike" sz="1800" u="none" kumimoji="0" normalizeH="0">
+          <a:defRPr kumimoji="0" sz="1800" b="0" i="0" u="none" strike="noStrike" cap="none" spc="0" normalizeH="0" baseline="0">
             <a:ln>
               <a:noFill/>
             </a:ln>
@@ -7277,7 +8716,7 @@
           <a:buFontTx/>
           <a:buNone/>
           <a:tabLst/>
-          <a:defRPr b="0" baseline="0" cap="none" i="0" spc="0" strike="noStrike" sz="1800" u="none" kumimoji="0" normalizeH="0">
+          <a:defRPr kumimoji="0" sz="1800" b="0" i="0" u="none" strike="noStrike" cap="none" spc="0" normalizeH="0" baseline="0">
             <a:ln>
               <a:noFill/>
             </a:ln>
@@ -7303,7 +8742,7 @@
           <a:buFontTx/>
           <a:buNone/>
           <a:tabLst/>
-          <a:defRPr b="0" baseline="0" cap="none" i="0" spc="0" strike="noStrike" sz="1800" u="none" kumimoji="0" normalizeH="0">
+          <a:defRPr kumimoji="0" sz="1800" b="0" i="0" u="none" strike="noStrike" cap="none" spc="0" normalizeH="0" baseline="0">
             <a:ln>
               <a:noFill/>
             </a:ln>
@@ -7316,9 +8755,15 @@
         </a:lvl9pPr>
       </a:lstStyle>
       <a:style>
-        <a:lnRef idx="0"/>
-        <a:fillRef idx="0"/>
-        <a:effectRef idx="0"/>
+        <a:lnRef idx="0">
+          <a:scrgbClr r="0" g="0" b="0"/>
+        </a:lnRef>
+        <a:fillRef idx="0">
+          <a:scrgbClr r="0" g="0" b="0"/>
+        </a:fillRef>
+        <a:effectRef idx="0">
+          <a:scrgbClr r="0" g="0" b="0"/>
+        </a:effectRef>
         <a:fontRef idx="none"/>
       </a:style>
     </a:spDef>
@@ -7333,7 +8778,7 @@
           <a:round/>
         </a:ln>
         <a:effectLst>
-          <a:outerShdw sx="100000" sy="100000" kx="0" ky="0" algn="b" rotWithShape="0" blurRad="63500" dist="38100" dir="5400000">
+          <a:outerShdw blurRad="63500" dist="38100" dir="5400000" rotWithShape="0">
             <a:srgbClr val="000000">
               <a:alpha val="35000"/>
             </a:srgbClr>
@@ -7341,7 +8786,7 @@
         </a:effectLst>
         <a:sp3d/>
       </a:spPr>
-      <a:bodyPr rot="0" spcFirstLastPara="1" vertOverflow="overflow" horzOverflow="overflow" vert="horz" wrap="square" lIns="91439" tIns="45719" rIns="91439" bIns="45719" numCol="1" spcCol="38100" rtlCol="0" anchor="t" upright="0">
+      <a:bodyPr rot="0" spcFirstLastPara="1" vertOverflow="overflow" horzOverflow="overflow" vert="horz" wrap="square" lIns="91439" tIns="45719" rIns="91439" bIns="45719" numCol="1" spcCol="38100" rtlCol="0" anchor="t">
         <a:noAutofit/>
       </a:bodyPr>
       <a:lstStyle>
@@ -7360,7 +8805,7 @@
           <a:buFontTx/>
           <a:buNone/>
           <a:tabLst/>
-          <a:defRPr b="0" baseline="0" cap="none" i="0" spc="0" strike="noStrike" sz="1800" u="none" kumimoji="0" normalizeH="0">
+          <a:defRPr kumimoji="0" sz="1800" b="0" i="0" u="none" strike="noStrike" cap="none" spc="0" normalizeH="0" baseline="0">
             <a:ln>
               <a:noFill/>
             </a:ln>
@@ -7386,7 +8831,7 @@
           <a:buFontTx/>
           <a:buNone/>
           <a:tabLst/>
-          <a:defRPr b="0" baseline="0" cap="none" i="0" spc="0" strike="noStrike" sz="1800" u="none" kumimoji="0" normalizeH="0">
+          <a:defRPr kumimoji="0" sz="1800" b="0" i="0" u="none" strike="noStrike" cap="none" spc="0" normalizeH="0" baseline="0">
             <a:ln>
               <a:noFill/>
             </a:ln>
@@ -7412,7 +8857,7 @@
           <a:buFontTx/>
           <a:buNone/>
           <a:tabLst/>
-          <a:defRPr b="0" baseline="0" cap="none" i="0" spc="0" strike="noStrike" sz="1800" u="none" kumimoji="0" normalizeH="0">
+          <a:defRPr kumimoji="0" sz="1800" b="0" i="0" u="none" strike="noStrike" cap="none" spc="0" normalizeH="0" baseline="0">
             <a:ln>
               <a:noFill/>
             </a:ln>
@@ -7438,7 +8883,7 @@
           <a:buFontTx/>
           <a:buNone/>
           <a:tabLst/>
-          <a:defRPr b="0" baseline="0" cap="none" i="0" spc="0" strike="noStrike" sz="1800" u="none" kumimoji="0" normalizeH="0">
+          <a:defRPr kumimoji="0" sz="1800" b="0" i="0" u="none" strike="noStrike" cap="none" spc="0" normalizeH="0" baseline="0">
             <a:ln>
               <a:noFill/>
             </a:ln>
@@ -7464,7 +8909,7 @@
           <a:buFontTx/>
           <a:buNone/>
           <a:tabLst/>
-          <a:defRPr b="0" baseline="0" cap="none" i="0" spc="0" strike="noStrike" sz="1800" u="none" kumimoji="0" normalizeH="0">
+          <a:defRPr kumimoji="0" sz="1800" b="0" i="0" u="none" strike="noStrike" cap="none" spc="0" normalizeH="0" baseline="0">
             <a:ln>
               <a:noFill/>
             </a:ln>
@@ -7490,7 +8935,7 @@
           <a:buFontTx/>
           <a:buNone/>
           <a:tabLst/>
-          <a:defRPr b="0" baseline="0" cap="none" i="0" spc="0" strike="noStrike" sz="1800" u="none" kumimoji="0" normalizeH="0">
+          <a:defRPr kumimoji="0" sz="1800" b="0" i="0" u="none" strike="noStrike" cap="none" spc="0" normalizeH="0" baseline="0">
             <a:ln>
               <a:noFill/>
             </a:ln>
@@ -7516,7 +8961,7 @@
           <a:buFontTx/>
           <a:buNone/>
           <a:tabLst/>
-          <a:defRPr b="0" baseline="0" cap="none" i="0" spc="0" strike="noStrike" sz="1800" u="none" kumimoji="0" normalizeH="0">
+          <a:defRPr kumimoji="0" sz="1800" b="0" i="0" u="none" strike="noStrike" cap="none" spc="0" normalizeH="0" baseline="0">
             <a:ln>
               <a:noFill/>
             </a:ln>
@@ -7542,7 +8987,7 @@
           <a:buFontTx/>
           <a:buNone/>
           <a:tabLst/>
-          <a:defRPr b="0" baseline="0" cap="none" i="0" spc="0" strike="noStrike" sz="1800" u="none" kumimoji="0" normalizeH="0">
+          <a:defRPr kumimoji="0" sz="1800" b="0" i="0" u="none" strike="noStrike" cap="none" spc="0" normalizeH="0" baseline="0">
             <a:ln>
               <a:noFill/>
             </a:ln>
@@ -7568,7 +9013,7 @@
           <a:buFontTx/>
           <a:buNone/>
           <a:tabLst/>
-          <a:defRPr b="0" baseline="0" cap="none" i="0" spc="0" strike="noStrike" sz="1800" u="none" kumimoji="0" normalizeH="0">
+          <a:defRPr kumimoji="0" sz="1800" b="0" i="0" u="none" strike="noStrike" cap="none" spc="0" normalizeH="0" baseline="0">
             <a:ln>
               <a:noFill/>
             </a:ln>
@@ -7594,7 +9039,7 @@
           <a:buFontTx/>
           <a:buNone/>
           <a:tabLst/>
-          <a:defRPr b="0" baseline="0" cap="none" i="0" spc="0" strike="noStrike" sz="1800" u="none" kumimoji="0" normalizeH="0">
+          <a:defRPr kumimoji="0" sz="1800" b="0" i="0" u="none" strike="noStrike" cap="none" spc="0" normalizeH="0" baseline="0">
             <a:ln>
               <a:noFill/>
             </a:ln>
@@ -7607,9 +9052,15 @@
         </a:lvl9pPr>
       </a:lstStyle>
       <a:style>
-        <a:lnRef idx="0"/>
-        <a:fillRef idx="0"/>
-        <a:effectRef idx="0"/>
+        <a:lnRef idx="0">
+          <a:scrgbClr r="0" g="0" b="0"/>
+        </a:lnRef>
+        <a:fillRef idx="0">
+          <a:scrgbClr r="0" g="0" b="0"/>
+        </a:fillRef>
+        <a:effectRef idx="0">
+          <a:scrgbClr r="0" g="0" b="0"/>
+        </a:effectRef>
         <a:fontRef idx="none"/>
       </a:style>
     </a:lnDef>
@@ -7623,7 +9074,7 @@
         <a:effectLst/>
         <a:sp3d/>
       </a:spPr>
-      <a:bodyPr rot="0" spcFirstLastPara="1" vertOverflow="overflow" horzOverflow="overflow" vert="horz" wrap="square" lIns="76200" tIns="76200" rIns="76200" bIns="76200" numCol="1" spcCol="38100" rtlCol="0" anchor="t" upright="0">
+      <a:bodyPr rot="0" spcFirstLastPara="1" vertOverflow="overflow" horzOverflow="overflow" vert="horz" wrap="square" lIns="76200" tIns="76200" rIns="76200" bIns="76200" numCol="1" spcCol="38100" rtlCol="0" anchor="t">
         <a:spAutoFit/>
       </a:bodyPr>
       <a:lstStyle>
@@ -7642,7 +9093,7 @@
           <a:buFontTx/>
           <a:buNone/>
           <a:tabLst/>
-          <a:defRPr b="0" baseline="0" cap="none" i="0" spc="0" strike="noStrike" sz="3600" u="none" kumimoji="0" normalizeH="0">
+          <a:defRPr kumimoji="0" sz="3600" b="0" i="0" u="none" strike="noStrike" cap="none" spc="0" normalizeH="0" baseline="0">
             <a:ln>
               <a:noFill/>
             </a:ln>
@@ -7672,7 +9123,7 @@
           <a:buFontTx/>
           <a:buNone/>
           <a:tabLst/>
-          <a:defRPr b="0" baseline="0" cap="none" i="0" spc="0" strike="noStrike" sz="1800" u="none" kumimoji="0" normalizeH="0">
+          <a:defRPr kumimoji="0" sz="1800" b="0" i="0" u="none" strike="noStrike" cap="none" spc="0" normalizeH="0" baseline="0">
             <a:ln>
               <a:noFill/>
             </a:ln>
@@ -7698,7 +9149,7 @@
           <a:buFontTx/>
           <a:buNone/>
           <a:tabLst/>
-          <a:defRPr b="0" baseline="0" cap="none" i="0" spc="0" strike="noStrike" sz="1800" u="none" kumimoji="0" normalizeH="0">
+          <a:defRPr kumimoji="0" sz="1800" b="0" i="0" u="none" strike="noStrike" cap="none" spc="0" normalizeH="0" baseline="0">
             <a:ln>
               <a:noFill/>
             </a:ln>
@@ -7724,7 +9175,7 @@
           <a:buFontTx/>
           <a:buNone/>
           <a:tabLst/>
-          <a:defRPr b="0" baseline="0" cap="none" i="0" spc="0" strike="noStrike" sz="1800" u="none" kumimoji="0" normalizeH="0">
+          <a:defRPr kumimoji="0" sz="1800" b="0" i="0" u="none" strike="noStrike" cap="none" spc="0" normalizeH="0" baseline="0">
             <a:ln>
               <a:noFill/>
             </a:ln>
@@ -7750,7 +9201,7 @@
           <a:buFontTx/>
           <a:buNone/>
           <a:tabLst/>
-          <a:defRPr b="0" baseline="0" cap="none" i="0" spc="0" strike="noStrike" sz="1800" u="none" kumimoji="0" normalizeH="0">
+          <a:defRPr kumimoji="0" sz="1800" b="0" i="0" u="none" strike="noStrike" cap="none" spc="0" normalizeH="0" baseline="0">
             <a:ln>
               <a:noFill/>
             </a:ln>
@@ -7776,7 +9227,7 @@
           <a:buFontTx/>
           <a:buNone/>
           <a:tabLst/>
-          <a:defRPr b="0" baseline="0" cap="none" i="0" spc="0" strike="noStrike" sz="1800" u="none" kumimoji="0" normalizeH="0">
+          <a:defRPr kumimoji="0" sz="1800" b="0" i="0" u="none" strike="noStrike" cap="none" spc="0" normalizeH="0" baseline="0">
             <a:ln>
               <a:noFill/>
             </a:ln>
@@ -7802,7 +9253,7 @@
           <a:buFontTx/>
           <a:buNone/>
           <a:tabLst/>
-          <a:defRPr b="0" baseline="0" cap="none" i="0" spc="0" strike="noStrike" sz="1800" u="none" kumimoji="0" normalizeH="0">
+          <a:defRPr kumimoji="0" sz="1800" b="0" i="0" u="none" strike="noStrike" cap="none" spc="0" normalizeH="0" baseline="0">
             <a:ln>
               <a:noFill/>
             </a:ln>
@@ -7828,7 +9279,7 @@
           <a:buFontTx/>
           <a:buNone/>
           <a:tabLst/>
-          <a:defRPr b="0" baseline="0" cap="none" i="0" spc="0" strike="noStrike" sz="1800" u="none" kumimoji="0" normalizeH="0">
+          <a:defRPr kumimoji="0" sz="1800" b="0" i="0" u="none" strike="noStrike" cap="none" spc="0" normalizeH="0" baseline="0">
             <a:ln>
               <a:noFill/>
             </a:ln>
@@ -7854,7 +9305,7 @@
           <a:buFontTx/>
           <a:buNone/>
           <a:tabLst/>
-          <a:defRPr b="0" baseline="0" cap="none" i="0" spc="0" strike="noStrike" sz="1800" u="none" kumimoji="0" normalizeH="0">
+          <a:defRPr kumimoji="0" sz="1800" b="0" i="0" u="none" strike="noStrike" cap="none" spc="0" normalizeH="0" baseline="0">
             <a:ln>
               <a:noFill/>
             </a:ln>
@@ -7880,7 +9331,7 @@
           <a:buFontTx/>
           <a:buNone/>
           <a:tabLst/>
-          <a:defRPr b="0" baseline="0" cap="none" i="0" spc="0" strike="noStrike" sz="1800" u="none" kumimoji="0" normalizeH="0">
+          <a:defRPr kumimoji="0" sz="1800" b="0" i="0" u="none" strike="noStrike" cap="none" spc="0" normalizeH="0" baseline="0">
             <a:ln>
               <a:noFill/>
             </a:ln>
@@ -7893,12 +9344,19 @@
         </a:lvl9pPr>
       </a:lstStyle>
       <a:style>
-        <a:lnRef idx="0"/>
-        <a:fillRef idx="0"/>
-        <a:effectRef idx="0"/>
+        <a:lnRef idx="0">
+          <a:scrgbClr r="0" g="0" b="0"/>
+        </a:lnRef>
+        <a:fillRef idx="0">
+          <a:scrgbClr r="0" g="0" b="0"/>
+        </a:fillRef>
+        <a:effectRef idx="0">
+          <a:scrgbClr r="0" g="0" b="0"/>
+        </a:effectRef>
         <a:fontRef idx="none"/>
       </a:style>
     </a:txDef>
   </a:objectDefaults>
+  <a:extraClrSchemeLst/>
 </a:theme>
 </file>
--- a/Slides_BasketballInJS.pptx
+++ b/Slides_BasketballInJS.pptx
@@ -324,6 +324,11 @@
       </a:defRPr>
     </a:lvl9pPr>
   </p:defaultTextStyle>
+  <p:extLst>
+    <p:ext uri="{EFAFB233-063F-42B5-8137-9DF3F51BA10A}">
+      <p15:sldGuideLst xmlns:p15="http://schemas.microsoft.com/office/powerpoint/2012/main"/>
+    </p:ext>
+  </p:extLst>
 </p:presentation>
 </file>
 
@@ -1259,7 +1264,7 @@
           </a:ln>
           <a:extLst>
             <a:ext uri="{C572A759-6A51-4108-AA02-DFA0A04FC94B}">
-              <ma14:wrappingTextBoxFlag xmlns:ma14="http://schemas.microsoft.com/office/mac/drawingml/2011/main" xmlns:a14="http://schemas.microsoft.com/office/drawing/2010/main" xmlns:m="http://schemas.openxmlformats.org/officeDocument/2006/math" xmlns="" val="1"/>
+              <ma14:wrappingTextBoxFlag xmlns="" xmlns:m="http://schemas.openxmlformats.org/officeDocument/2006/math" xmlns:a14="http://schemas.microsoft.com/office/drawing/2010/main" xmlns:ma14="http://schemas.microsoft.com/office/mac/drawingml/2011/main" val="1"/>
             </a:ext>
           </a:extLst>
         </p:spPr>
@@ -1296,7 +1301,7 @@
           </a:ln>
           <a:extLst>
             <a:ext uri="{C572A759-6A51-4108-AA02-DFA0A04FC94B}">
-              <ma14:wrappingTextBoxFlag xmlns:ma14="http://schemas.microsoft.com/office/mac/drawingml/2011/main" xmlns:a14="http://schemas.microsoft.com/office/drawing/2010/main" xmlns:m="http://schemas.openxmlformats.org/officeDocument/2006/math" xmlns="" val="1"/>
+              <ma14:wrappingTextBoxFlag xmlns="" xmlns:m="http://schemas.openxmlformats.org/officeDocument/2006/math" xmlns:a14="http://schemas.microsoft.com/office/drawing/2010/main" xmlns:ma14="http://schemas.microsoft.com/office/mac/drawingml/2011/main" val="1"/>
             </a:ext>
           </a:extLst>
         </p:spPr>
@@ -2142,7 +2147,7 @@
           </a:ln>
           <a:extLst>
             <a:ext uri="{C572A759-6A51-4108-AA02-DFA0A04FC94B}">
-              <ma14:wrappingTextBoxFlag xmlns:ma14="http://schemas.microsoft.com/office/mac/drawingml/2011/main" xmlns:a14="http://schemas.microsoft.com/office/drawing/2010/main" xmlns:m="http://schemas.openxmlformats.org/officeDocument/2006/math" xmlns="" val="1"/>
+              <ma14:wrappingTextBoxFlag xmlns="" xmlns:m="http://schemas.openxmlformats.org/officeDocument/2006/math" xmlns:a14="http://schemas.microsoft.com/office/drawing/2010/main" xmlns:ma14="http://schemas.microsoft.com/office/mac/drawingml/2011/main" val="1"/>
             </a:ext>
           </a:extLst>
         </p:spPr>
@@ -2290,7 +2295,7 @@
           </a:prstGeom>
           <a:extLst>
             <a:ext uri="{C572A759-6A51-4108-AA02-DFA0A04FC94B}">
-              <ma14:wrappingTextBoxFlag xmlns:ma14="http://schemas.microsoft.com/office/mac/drawingml/2011/main" xmlns:a14="http://schemas.microsoft.com/office/drawing/2010/main" xmlns:m="http://schemas.openxmlformats.org/officeDocument/2006/math" xmlns="" val="1"/>
+              <ma14:wrappingTextBoxFlag xmlns="" xmlns:m="http://schemas.openxmlformats.org/officeDocument/2006/math" xmlns:a14="http://schemas.microsoft.com/office/drawing/2010/main" xmlns:ma14="http://schemas.microsoft.com/office/mac/drawingml/2011/main" val="1"/>
             </a:ext>
           </a:extLst>
         </p:spPr>
@@ -2337,7 +2342,7 @@
           </a:ln>
           <a:extLst>
             <a:ext uri="{C572A759-6A51-4108-AA02-DFA0A04FC94B}">
-              <ma14:wrappingTextBoxFlag xmlns:ma14="http://schemas.microsoft.com/office/mac/drawingml/2011/main" xmlns:a14="http://schemas.microsoft.com/office/drawing/2010/main" xmlns:m="http://schemas.openxmlformats.org/officeDocument/2006/math" xmlns="" val="1"/>
+              <ma14:wrappingTextBoxFlag xmlns="" xmlns:m="http://schemas.openxmlformats.org/officeDocument/2006/math" xmlns:a14="http://schemas.microsoft.com/office/drawing/2010/main" xmlns:ma14="http://schemas.microsoft.com/office/mac/drawingml/2011/main" val="1"/>
             </a:ext>
           </a:extLst>
         </p:spPr>
@@ -2509,7 +2514,7 @@
                 <a:latin typeface="Courier New" panose="02070309020205020404" pitchFamily="49" charset="0"/>
                 <a:cs typeface="Courier New" panose="02070309020205020404" pitchFamily="49" charset="0"/>
               </a:rPr>
-              <a:t> = </a:t>
+              <a:t> - </a:t>
             </a:r>
             <a:r>
               <a:rPr lang="en-US" sz="3600" dirty="0" err="1">
@@ -2650,7 +2655,7 @@
           </a:prstGeom>
           <a:extLst>
             <a:ext uri="{C572A759-6A51-4108-AA02-DFA0A04FC94B}">
-              <ma14:wrappingTextBoxFlag xmlns:ma14="http://schemas.microsoft.com/office/mac/drawingml/2011/main" xmlns:a14="http://schemas.microsoft.com/office/drawing/2010/main" xmlns:m="http://schemas.openxmlformats.org/officeDocument/2006/math" xmlns="" val="1"/>
+              <ma14:wrappingTextBoxFlag xmlns="" xmlns:m="http://schemas.openxmlformats.org/officeDocument/2006/math" xmlns:a14="http://schemas.microsoft.com/office/drawing/2010/main" xmlns:ma14="http://schemas.microsoft.com/office/mac/drawingml/2011/main" val="1"/>
             </a:ext>
           </a:extLst>
         </p:spPr>
@@ -2697,7 +2702,7 @@
           </a:ln>
           <a:extLst>
             <a:ext uri="{C572A759-6A51-4108-AA02-DFA0A04FC94B}">
-              <ma14:wrappingTextBoxFlag xmlns:ma14="http://schemas.microsoft.com/office/mac/drawingml/2011/main" xmlns:a14="http://schemas.microsoft.com/office/drawing/2010/main" xmlns:m="http://schemas.openxmlformats.org/officeDocument/2006/math" xmlns="" val="1"/>
+              <ma14:wrappingTextBoxFlag xmlns="" xmlns:m="http://schemas.openxmlformats.org/officeDocument/2006/math" xmlns:a14="http://schemas.microsoft.com/office/drawing/2010/main" xmlns:ma14="http://schemas.microsoft.com/office/mac/drawingml/2011/main" val="1"/>
             </a:ext>
           </a:extLst>
         </p:spPr>
@@ -3056,7 +3061,7 @@
           </a:prstGeom>
           <a:extLst>
             <a:ext uri="{C572A759-6A51-4108-AA02-DFA0A04FC94B}">
-              <ma14:wrappingTextBoxFlag xmlns:ma14="http://schemas.microsoft.com/office/mac/drawingml/2011/main" xmlns:a14="http://schemas.microsoft.com/office/drawing/2010/main" xmlns:m="http://schemas.openxmlformats.org/officeDocument/2006/math" xmlns="" val="1"/>
+              <ma14:wrappingTextBoxFlag xmlns="" xmlns:m="http://schemas.openxmlformats.org/officeDocument/2006/math" xmlns:a14="http://schemas.microsoft.com/office/drawing/2010/main" xmlns:ma14="http://schemas.microsoft.com/office/mac/drawingml/2011/main" val="1"/>
             </a:ext>
           </a:extLst>
         </p:spPr>
@@ -3103,7 +3108,7 @@
           </a:ln>
           <a:extLst>
             <a:ext uri="{C572A759-6A51-4108-AA02-DFA0A04FC94B}">
-              <ma14:wrappingTextBoxFlag xmlns:ma14="http://schemas.microsoft.com/office/mac/drawingml/2011/main" xmlns:a14="http://schemas.microsoft.com/office/drawing/2010/main" xmlns:m="http://schemas.openxmlformats.org/officeDocument/2006/math" xmlns="" val="1"/>
+              <ma14:wrappingTextBoxFlag xmlns="" xmlns:m="http://schemas.openxmlformats.org/officeDocument/2006/math" xmlns:a14="http://schemas.microsoft.com/office/drawing/2010/main" xmlns:ma14="http://schemas.microsoft.com/office/mac/drawingml/2011/main" val="1"/>
             </a:ext>
           </a:extLst>
         </p:spPr>
@@ -3656,7 +3661,7 @@
           </a:prstGeom>
           <a:extLst>
             <a:ext uri="{C572A759-6A51-4108-AA02-DFA0A04FC94B}">
-              <ma14:wrappingTextBoxFlag xmlns:ma14="http://schemas.microsoft.com/office/mac/drawingml/2011/main" xmlns:a14="http://schemas.microsoft.com/office/drawing/2010/main" xmlns:m="http://schemas.openxmlformats.org/officeDocument/2006/math" xmlns="" val="1"/>
+              <ma14:wrappingTextBoxFlag xmlns="" xmlns:m="http://schemas.openxmlformats.org/officeDocument/2006/math" xmlns:a14="http://schemas.microsoft.com/office/drawing/2010/main" xmlns:ma14="http://schemas.microsoft.com/office/mac/drawingml/2011/main" val="1"/>
             </a:ext>
           </a:extLst>
         </p:spPr>
@@ -3703,7 +3708,7 @@
           </a:ln>
           <a:extLst>
             <a:ext uri="{C572A759-6A51-4108-AA02-DFA0A04FC94B}">
-              <ma14:wrappingTextBoxFlag xmlns:ma14="http://schemas.microsoft.com/office/mac/drawingml/2011/main" xmlns:a14="http://schemas.microsoft.com/office/drawing/2010/main" xmlns:m="http://schemas.openxmlformats.org/officeDocument/2006/math" xmlns="" val="1"/>
+              <ma14:wrappingTextBoxFlag xmlns="" xmlns:m="http://schemas.openxmlformats.org/officeDocument/2006/math" xmlns:a14="http://schemas.microsoft.com/office/drawing/2010/main" xmlns:ma14="http://schemas.microsoft.com/office/mac/drawingml/2011/main" val="1"/>
             </a:ext>
           </a:extLst>
         </p:spPr>
@@ -3909,7 +3914,7 @@
           </a:prstGeom>
           <a:extLst>
             <a:ext uri="{C572A759-6A51-4108-AA02-DFA0A04FC94B}">
-              <ma14:wrappingTextBoxFlag xmlns:ma14="http://schemas.microsoft.com/office/mac/drawingml/2011/main" xmlns:a14="http://schemas.microsoft.com/office/drawing/2010/main" xmlns:m="http://schemas.openxmlformats.org/officeDocument/2006/math" xmlns="" val="1"/>
+              <ma14:wrappingTextBoxFlag xmlns="" xmlns:m="http://schemas.openxmlformats.org/officeDocument/2006/math" xmlns:a14="http://schemas.microsoft.com/office/drawing/2010/main" xmlns:ma14="http://schemas.microsoft.com/office/mac/drawingml/2011/main" val="1"/>
             </a:ext>
           </a:extLst>
         </p:spPr>
@@ -3956,7 +3961,7 @@
           </a:ln>
           <a:extLst>
             <a:ext uri="{C572A759-6A51-4108-AA02-DFA0A04FC94B}">
-              <ma14:wrappingTextBoxFlag xmlns:ma14="http://schemas.microsoft.com/office/mac/drawingml/2011/main" xmlns:a14="http://schemas.microsoft.com/office/drawing/2010/main" xmlns:m="http://schemas.openxmlformats.org/officeDocument/2006/math" xmlns="" val="1"/>
+              <ma14:wrappingTextBoxFlag xmlns="" xmlns:m="http://schemas.openxmlformats.org/officeDocument/2006/math" xmlns:a14="http://schemas.microsoft.com/office/drawing/2010/main" xmlns:ma14="http://schemas.microsoft.com/office/mac/drawingml/2011/main" val="1"/>
             </a:ext>
           </a:extLst>
         </p:spPr>
@@ -4114,7 +4119,7 @@
                 <a:latin typeface="Courier New" panose="02070309020205020404" pitchFamily="49" charset="0"/>
                 <a:cs typeface="Courier New" panose="02070309020205020404" pitchFamily="49" charset="0"/>
               </a:rPr>
-              <a:t>basketbasll.radius</a:t>
+              <a:t>basketball.radius</a:t>
             </a:r>
             <a:r>
               <a:rPr lang="en-US" sz="2800" b="1" dirty="0">
@@ -4210,7 +4215,7 @@
           </a:ln>
           <a:extLst>
             <a:ext uri="{C572A759-6A51-4108-AA02-DFA0A04FC94B}">
-              <ma14:wrappingTextBoxFlag xmlns:ma14="http://schemas.microsoft.com/office/mac/drawingml/2011/main" xmlns:a14="http://schemas.microsoft.com/office/drawing/2010/main" xmlns:m="http://schemas.openxmlformats.org/officeDocument/2006/math" xmlns="" val="1"/>
+              <ma14:wrappingTextBoxFlag xmlns="" xmlns:m="http://schemas.openxmlformats.org/officeDocument/2006/math" xmlns:a14="http://schemas.microsoft.com/office/drawing/2010/main" xmlns:ma14="http://schemas.microsoft.com/office/mac/drawingml/2011/main" val="1"/>
             </a:ext>
           </a:extLst>
         </p:spPr>
@@ -4287,7 +4292,7 @@
           </a:prstGeom>
           <a:extLst>
             <a:ext uri="{C572A759-6A51-4108-AA02-DFA0A04FC94B}">
-              <ma14:wrappingTextBoxFlag xmlns:ma14="http://schemas.microsoft.com/office/mac/drawingml/2011/main" xmlns:a14="http://schemas.microsoft.com/office/drawing/2010/main" xmlns:m="http://schemas.openxmlformats.org/officeDocument/2006/math" xmlns="" val="1"/>
+              <ma14:wrappingTextBoxFlag xmlns="" xmlns:m="http://schemas.openxmlformats.org/officeDocument/2006/math" xmlns:a14="http://schemas.microsoft.com/office/drawing/2010/main" xmlns:ma14="http://schemas.microsoft.com/office/mac/drawingml/2011/main" val="1"/>
             </a:ext>
           </a:extLst>
         </p:spPr>
@@ -4334,7 +4339,7 @@
           </a:ln>
           <a:extLst>
             <a:ext uri="{C572A759-6A51-4108-AA02-DFA0A04FC94B}">
-              <ma14:wrappingTextBoxFlag xmlns:ma14="http://schemas.microsoft.com/office/mac/drawingml/2011/main" xmlns:a14="http://schemas.microsoft.com/office/drawing/2010/main" xmlns:m="http://schemas.openxmlformats.org/officeDocument/2006/math" xmlns="" val="1"/>
+              <ma14:wrappingTextBoxFlag xmlns="" xmlns:m="http://schemas.openxmlformats.org/officeDocument/2006/math" xmlns:a14="http://schemas.microsoft.com/office/drawing/2010/main" xmlns:ma14="http://schemas.microsoft.com/office/mac/drawingml/2011/main" val="1"/>
             </a:ext>
           </a:extLst>
         </p:spPr>
@@ -4466,7 +4471,7 @@
           </a:prstGeom>
           <a:extLst>
             <a:ext uri="{C572A759-6A51-4108-AA02-DFA0A04FC94B}">
-              <ma14:wrappingTextBoxFlag xmlns:ma14="http://schemas.microsoft.com/office/mac/drawingml/2011/main" xmlns:a14="http://schemas.microsoft.com/office/drawing/2010/main" xmlns:m="http://schemas.openxmlformats.org/officeDocument/2006/math" xmlns="" val="1"/>
+              <ma14:wrappingTextBoxFlag xmlns="" xmlns:m="http://schemas.openxmlformats.org/officeDocument/2006/math" xmlns:a14="http://schemas.microsoft.com/office/drawing/2010/main" xmlns:ma14="http://schemas.microsoft.com/office/mac/drawingml/2011/main" val="1"/>
             </a:ext>
           </a:extLst>
         </p:spPr>
@@ -4513,7 +4518,7 @@
           </a:ln>
           <a:extLst>
             <a:ext uri="{C572A759-6A51-4108-AA02-DFA0A04FC94B}">
-              <ma14:wrappingTextBoxFlag xmlns:ma14="http://schemas.microsoft.com/office/mac/drawingml/2011/main" xmlns:a14="http://schemas.microsoft.com/office/drawing/2010/main" xmlns:m="http://schemas.openxmlformats.org/officeDocument/2006/math" xmlns="" val="1"/>
+              <ma14:wrappingTextBoxFlag xmlns="" xmlns:m="http://schemas.openxmlformats.org/officeDocument/2006/math" xmlns:a14="http://schemas.microsoft.com/office/drawing/2010/main" xmlns:ma14="http://schemas.microsoft.com/office/mac/drawingml/2011/main" val="1"/>
             </a:ext>
           </a:extLst>
         </p:spPr>
@@ -4671,7 +4676,7 @@
           </a:prstGeom>
           <a:extLst>
             <a:ext uri="{C572A759-6A51-4108-AA02-DFA0A04FC94B}">
-              <ma14:wrappingTextBoxFlag xmlns:ma14="http://schemas.microsoft.com/office/mac/drawingml/2011/main" xmlns:a14="http://schemas.microsoft.com/office/drawing/2010/main" xmlns:m="http://schemas.openxmlformats.org/officeDocument/2006/math" xmlns="" val="1"/>
+              <ma14:wrappingTextBoxFlag xmlns="" xmlns:m="http://schemas.openxmlformats.org/officeDocument/2006/math" xmlns:a14="http://schemas.microsoft.com/office/drawing/2010/main" xmlns:ma14="http://schemas.microsoft.com/office/mac/drawingml/2011/main" val="1"/>
             </a:ext>
           </a:extLst>
         </p:spPr>
@@ -4718,7 +4723,7 @@
           </a:ln>
           <a:extLst>
             <a:ext uri="{C572A759-6A51-4108-AA02-DFA0A04FC94B}">
-              <ma14:wrappingTextBoxFlag xmlns:ma14="http://schemas.microsoft.com/office/mac/drawingml/2011/main" xmlns:a14="http://schemas.microsoft.com/office/drawing/2010/main" xmlns:m="http://schemas.openxmlformats.org/officeDocument/2006/math" xmlns="" val="1"/>
+              <ma14:wrappingTextBoxFlag xmlns="" xmlns:m="http://schemas.openxmlformats.org/officeDocument/2006/math" xmlns:a14="http://schemas.microsoft.com/office/drawing/2010/main" xmlns:ma14="http://schemas.microsoft.com/office/mac/drawingml/2011/main" val="1"/>
             </a:ext>
           </a:extLst>
         </p:spPr>
@@ -5409,8 +5414,8 @@
             <a:chExt cx="1734840" cy="3361680"/>
           </a:xfrm>
         </p:grpSpPr>
-        <mc:AlternateContent xmlns:mc="http://schemas.openxmlformats.org/markup-compatibility/2006">
-          <mc:Choice xmlns:p14="http://schemas.microsoft.com/office/powerpoint/2010/main" Requires="p14">
+        <mc:AlternateContent xmlns:mc="http://schemas.openxmlformats.org/markup-compatibility/2006" xmlns:p14="http://schemas.microsoft.com/office/powerpoint/2010/main">
+          <mc:Choice Requires="p14">
             <p:contentPart p14:bwMode="auto" r:id="rId2">
               <p14:nvContentPartPr>
                 <p14:cNvPr id="12" name="Ink 11">
@@ -5429,7 +5434,7 @@
               </p14:xfrm>
             </p:contentPart>
           </mc:Choice>
-          <mc:Fallback>
+          <mc:Fallback xmlns="">
             <p:pic>
               <p:nvPicPr>
                 <p:cNvPr id="12" name="Ink 11">
@@ -5460,8 +5465,8 @@
             </p:pic>
           </mc:Fallback>
         </mc:AlternateContent>
-        <mc:AlternateContent xmlns:mc="http://schemas.openxmlformats.org/markup-compatibility/2006">
-          <mc:Choice xmlns:p14="http://schemas.microsoft.com/office/powerpoint/2010/main" Requires="p14">
+        <mc:AlternateContent xmlns:mc="http://schemas.openxmlformats.org/markup-compatibility/2006" xmlns:p14="http://schemas.microsoft.com/office/powerpoint/2010/main">
+          <mc:Choice Requires="p14">
             <p:contentPart p14:bwMode="auto" r:id="rId4">
               <p14:nvContentPartPr>
                 <p14:cNvPr id="13" name="Ink 12">
@@ -5480,7 +5485,7 @@
               </p14:xfrm>
             </p:contentPart>
           </mc:Choice>
-          <mc:Fallback>
+          <mc:Fallback xmlns="">
             <p:pic>
               <p:nvPicPr>
                 <p:cNvPr id="13" name="Ink 12">
@@ -5532,8 +5537,8 @@
             <a:chExt cx="2873880" cy="5418000"/>
           </a:xfrm>
         </p:grpSpPr>
-        <mc:AlternateContent xmlns:mc="http://schemas.openxmlformats.org/markup-compatibility/2006">
-          <mc:Choice xmlns:p14="http://schemas.microsoft.com/office/powerpoint/2010/main" Requires="p14">
+        <mc:AlternateContent xmlns:mc="http://schemas.openxmlformats.org/markup-compatibility/2006" xmlns:p14="http://schemas.microsoft.com/office/powerpoint/2010/main">
+          <mc:Choice Requires="p14">
             <p:contentPart p14:bwMode="auto" r:id="rId6">
               <p14:nvContentPartPr>
                 <p14:cNvPr id="15" name="Ink 14">
@@ -5552,7 +5557,7 @@
               </p14:xfrm>
             </p:contentPart>
           </mc:Choice>
-          <mc:Fallback>
+          <mc:Fallback xmlns="">
             <p:pic>
               <p:nvPicPr>
                 <p:cNvPr id="15" name="Ink 14">
@@ -5583,8 +5588,8 @@
             </p:pic>
           </mc:Fallback>
         </mc:AlternateContent>
-        <mc:AlternateContent xmlns:mc="http://schemas.openxmlformats.org/markup-compatibility/2006">
-          <mc:Choice xmlns:p14="http://schemas.microsoft.com/office/powerpoint/2010/main" Requires="p14">
+        <mc:AlternateContent xmlns:mc="http://schemas.openxmlformats.org/markup-compatibility/2006" xmlns:p14="http://schemas.microsoft.com/office/powerpoint/2010/main">
+          <mc:Choice Requires="p14">
             <p:contentPart p14:bwMode="auto" r:id="rId8">
               <p14:nvContentPartPr>
                 <p14:cNvPr id="16" name="Ink 15">
@@ -5603,7 +5608,7 @@
               </p14:xfrm>
             </p:contentPart>
           </mc:Choice>
-          <mc:Fallback>
+          <mc:Fallback xmlns="">
             <p:pic>
               <p:nvPicPr>
                 <p:cNvPr id="16" name="Ink 15">
@@ -5635,8 +5640,8 @@
           </mc:Fallback>
         </mc:AlternateContent>
       </p:grpSp>
-      <mc:AlternateContent xmlns:mc="http://schemas.openxmlformats.org/markup-compatibility/2006">
-        <mc:Choice xmlns:p14="http://schemas.microsoft.com/office/powerpoint/2010/main" Requires="p14">
+      <mc:AlternateContent xmlns:mc="http://schemas.openxmlformats.org/markup-compatibility/2006" xmlns:p14="http://schemas.microsoft.com/office/powerpoint/2010/main">
+        <mc:Choice Requires="p14">
           <p:contentPart p14:bwMode="auto" r:id="rId10">
             <p14:nvContentPartPr>
               <p14:cNvPr id="18" name="Ink 17">
@@ -5655,7 +5660,7 @@
             </p14:xfrm>
           </p:contentPart>
         </mc:Choice>
-        <mc:Fallback>
+        <mc:Fallback xmlns="">
           <p:pic>
             <p:nvPicPr>
               <p:cNvPr id="18" name="Ink 17">
@@ -5686,8 +5691,8 @@
           </p:pic>
         </mc:Fallback>
       </mc:AlternateContent>
-      <mc:AlternateContent xmlns:mc="http://schemas.openxmlformats.org/markup-compatibility/2006">
-        <mc:Choice xmlns:p14="http://schemas.microsoft.com/office/powerpoint/2010/main" Requires="p14">
+      <mc:AlternateContent xmlns:mc="http://schemas.openxmlformats.org/markup-compatibility/2006" xmlns:p14="http://schemas.microsoft.com/office/powerpoint/2010/main">
+        <mc:Choice Requires="p14">
           <p:contentPart p14:bwMode="auto" r:id="rId12">
             <p14:nvContentPartPr>
               <p14:cNvPr id="19" name="Ink 18">
@@ -5706,7 +5711,7 @@
             </p14:xfrm>
           </p:contentPart>
         </mc:Choice>
-        <mc:Fallback>
+        <mc:Fallback xmlns="">
           <p:pic>
             <p:nvPicPr>
               <p:cNvPr id="19" name="Ink 18">
@@ -5737,8 +5742,8 @@
           </p:pic>
         </mc:Fallback>
       </mc:AlternateContent>
-      <mc:AlternateContent xmlns:mc="http://schemas.openxmlformats.org/markup-compatibility/2006">
-        <mc:Choice xmlns:p14="http://schemas.microsoft.com/office/powerpoint/2010/main" Requires="p14">
+      <mc:AlternateContent xmlns:mc="http://schemas.openxmlformats.org/markup-compatibility/2006" xmlns:p14="http://schemas.microsoft.com/office/powerpoint/2010/main">
+        <mc:Choice Requires="p14">
           <p:contentPart p14:bwMode="auto" r:id="rId13">
             <p14:nvContentPartPr>
               <p14:cNvPr id="20" name="Ink 19">
@@ -5757,7 +5762,7 @@
             </p14:xfrm>
           </p:contentPart>
         </mc:Choice>
-        <mc:Fallback>
+        <mc:Fallback xmlns="">
           <p:pic>
             <p:nvPicPr>
               <p:cNvPr id="20" name="Ink 19">
@@ -5935,7 +5940,7 @@
           </a:prstGeom>
           <a:extLst>
             <a:ext uri="{C572A759-6A51-4108-AA02-DFA0A04FC94B}">
-              <ma14:wrappingTextBoxFlag xmlns:ma14="http://schemas.microsoft.com/office/mac/drawingml/2011/main" xmlns:a14="http://schemas.microsoft.com/office/drawing/2010/main" xmlns:m="http://schemas.openxmlformats.org/officeDocument/2006/math" xmlns="" val="1"/>
+              <ma14:wrappingTextBoxFlag xmlns="" xmlns:m="http://schemas.openxmlformats.org/officeDocument/2006/math" xmlns:a14="http://schemas.microsoft.com/office/drawing/2010/main" xmlns:ma14="http://schemas.microsoft.com/office/mac/drawingml/2011/main" val="1"/>
             </a:ext>
           </a:extLst>
         </p:spPr>
@@ -5982,7 +5987,7 @@
           </a:ln>
           <a:extLst>
             <a:ext uri="{C572A759-6A51-4108-AA02-DFA0A04FC94B}">
-              <ma14:wrappingTextBoxFlag xmlns:ma14="http://schemas.microsoft.com/office/mac/drawingml/2011/main" xmlns:a14="http://schemas.microsoft.com/office/drawing/2010/main" xmlns:m="http://schemas.openxmlformats.org/officeDocument/2006/math" xmlns="" val="1"/>
+              <ma14:wrappingTextBoxFlag xmlns="" xmlns:m="http://schemas.openxmlformats.org/officeDocument/2006/math" xmlns:a14="http://schemas.microsoft.com/office/drawing/2010/main" xmlns:ma14="http://schemas.microsoft.com/office/mac/drawingml/2011/main" val="1"/>
             </a:ext>
           </a:extLst>
         </p:spPr>
@@ -6186,7 +6191,7 @@
           </a:prstGeom>
           <a:extLst>
             <a:ext uri="{C572A759-6A51-4108-AA02-DFA0A04FC94B}">
-              <ma14:wrappingTextBoxFlag xmlns:ma14="http://schemas.microsoft.com/office/mac/drawingml/2011/main" xmlns:a14="http://schemas.microsoft.com/office/drawing/2010/main" xmlns:m="http://schemas.openxmlformats.org/officeDocument/2006/math" xmlns="" val="1"/>
+              <ma14:wrappingTextBoxFlag xmlns="" xmlns:m="http://schemas.openxmlformats.org/officeDocument/2006/math" xmlns:a14="http://schemas.microsoft.com/office/drawing/2010/main" xmlns:ma14="http://schemas.microsoft.com/office/mac/drawingml/2011/main" val="1"/>
             </a:ext>
           </a:extLst>
         </p:spPr>
@@ -6233,7 +6238,7 @@
           </a:ln>
           <a:extLst>
             <a:ext uri="{C572A759-6A51-4108-AA02-DFA0A04FC94B}">
-              <ma14:wrappingTextBoxFlag xmlns:ma14="http://schemas.microsoft.com/office/mac/drawingml/2011/main" xmlns:a14="http://schemas.microsoft.com/office/drawing/2010/main" xmlns:m="http://schemas.openxmlformats.org/officeDocument/2006/math" xmlns="" val="1"/>
+              <ma14:wrappingTextBoxFlag xmlns="" xmlns:m="http://schemas.openxmlformats.org/officeDocument/2006/math" xmlns:a14="http://schemas.microsoft.com/office/drawing/2010/main" xmlns:ma14="http://schemas.microsoft.com/office/mac/drawingml/2011/main" val="1"/>
             </a:ext>
           </a:extLst>
         </p:spPr>
@@ -6567,7 +6572,7 @@
           </a:prstGeom>
           <a:extLst>
             <a:ext uri="{C572A759-6A51-4108-AA02-DFA0A04FC94B}">
-              <ma14:wrappingTextBoxFlag xmlns:ma14="http://schemas.microsoft.com/office/mac/drawingml/2011/main" xmlns:a14="http://schemas.microsoft.com/office/drawing/2010/main" xmlns:m="http://schemas.openxmlformats.org/officeDocument/2006/math" xmlns="" val="1"/>
+              <ma14:wrappingTextBoxFlag xmlns="" xmlns:m="http://schemas.openxmlformats.org/officeDocument/2006/math" xmlns:a14="http://schemas.microsoft.com/office/drawing/2010/main" xmlns:ma14="http://schemas.microsoft.com/office/mac/drawingml/2011/main" val="1"/>
             </a:ext>
           </a:extLst>
         </p:spPr>
@@ -6614,7 +6619,7 @@
           </a:ln>
           <a:extLst>
             <a:ext uri="{C572A759-6A51-4108-AA02-DFA0A04FC94B}">
-              <ma14:wrappingTextBoxFlag xmlns:ma14="http://schemas.microsoft.com/office/mac/drawingml/2011/main" xmlns:a14="http://schemas.microsoft.com/office/drawing/2010/main" xmlns:m="http://schemas.openxmlformats.org/officeDocument/2006/math" xmlns="" val="1"/>
+              <ma14:wrappingTextBoxFlag xmlns="" xmlns:m="http://schemas.openxmlformats.org/officeDocument/2006/math" xmlns:a14="http://schemas.microsoft.com/office/drawing/2010/main" xmlns:ma14="http://schemas.microsoft.com/office/mac/drawingml/2011/main" val="1"/>
             </a:ext>
           </a:extLst>
         </p:spPr>
@@ -6843,7 +6848,7 @@
           </a:prstGeom>
           <a:extLst>
             <a:ext uri="{C572A759-6A51-4108-AA02-DFA0A04FC94B}">
-              <ma14:wrappingTextBoxFlag xmlns:ma14="http://schemas.microsoft.com/office/mac/drawingml/2011/main" xmlns:a14="http://schemas.microsoft.com/office/drawing/2010/main" xmlns:m="http://schemas.openxmlformats.org/officeDocument/2006/math" xmlns="" val="1"/>
+              <ma14:wrappingTextBoxFlag xmlns="" xmlns:m="http://schemas.openxmlformats.org/officeDocument/2006/math" xmlns:a14="http://schemas.microsoft.com/office/drawing/2010/main" xmlns:ma14="http://schemas.microsoft.com/office/mac/drawingml/2011/main" val="1"/>
             </a:ext>
           </a:extLst>
         </p:spPr>
@@ -6890,7 +6895,7 @@
           </a:ln>
           <a:extLst>
             <a:ext uri="{C572A759-6A51-4108-AA02-DFA0A04FC94B}">
-              <ma14:wrappingTextBoxFlag xmlns:ma14="http://schemas.microsoft.com/office/mac/drawingml/2011/main" xmlns:a14="http://schemas.microsoft.com/office/drawing/2010/main" xmlns:m="http://schemas.openxmlformats.org/officeDocument/2006/math" xmlns="" val="1"/>
+              <ma14:wrappingTextBoxFlag xmlns="" xmlns:m="http://schemas.openxmlformats.org/officeDocument/2006/math" xmlns:a14="http://schemas.microsoft.com/office/drawing/2010/main" xmlns:ma14="http://schemas.microsoft.com/office/mac/drawingml/2011/main" val="1"/>
             </a:ext>
           </a:extLst>
         </p:spPr>
